--- a/0 발표용 파워포인트/project05 - 파워포인트 종합 - 서희.pptx
+++ b/0 발표용 파워포인트/project05 - 파워포인트 종합 - 서희.pptx
@@ -5,10 +5,14 @@
     <p:sldMasterId id="2147483648" r:id="rId1"/>
   </p:sldMasterIdLst>
   <p:notesMasterIdLst>
-    <p:notesMasterId r:id="rId3"/>
+    <p:notesMasterId r:id="rId7"/>
   </p:notesMasterIdLst>
   <p:sldIdLst>
     <p:sldId id="256" r:id="rId2"/>
+    <p:sldId id="257" r:id="rId3"/>
+    <p:sldId id="258" r:id="rId4"/>
+    <p:sldId id="259" r:id="rId5"/>
+    <p:sldId id="260" r:id="rId6"/>
   </p:sldIdLst>
   <p:sldSz cx="12192000" cy="6858000"/>
   <p:notesSz cx="6858000" cy="9144000"/>
@@ -209,7 +213,7 @@
             <a:fld id="{EFE7F2A0-C7D9-4DBD-AE3B-C1A712DCE501}" type="datetimeFigureOut">
               <a:rPr lang="ko-KR" altLang="en-US" smtClean="0"/>
               <a:pPr/>
-              <a:t>2020-03-28</a:t>
+              <a:t>2020-03-30</a:t>
             </a:fld>
             <a:endParaRPr lang="ko-KR" altLang="en-US"/>
           </a:p>
@@ -610,7 +614,7 @@
             <a:fld id="{272C3D53-FEDF-49EC-8F65-FFFC138B637E}" type="datetimeFigureOut">
               <a:rPr lang="ko-KR" altLang="en-US" smtClean="0"/>
               <a:pPr/>
-              <a:t>2020-03-28</a:t>
+              <a:t>2020-03-30</a:t>
             </a:fld>
             <a:endParaRPr lang="ko-KR" altLang="en-US"/>
           </a:p>
@@ -782,7 +786,7 @@
             <a:fld id="{272C3D53-FEDF-49EC-8F65-FFFC138B637E}" type="datetimeFigureOut">
               <a:rPr lang="ko-KR" altLang="en-US" smtClean="0"/>
               <a:pPr/>
-              <a:t>2020-03-28</a:t>
+              <a:t>2020-03-30</a:t>
             </a:fld>
             <a:endParaRPr lang="ko-KR" altLang="en-US"/>
           </a:p>
@@ -964,7 +968,7 @@
             <a:fld id="{272C3D53-FEDF-49EC-8F65-FFFC138B637E}" type="datetimeFigureOut">
               <a:rPr lang="ko-KR" altLang="en-US" smtClean="0"/>
               <a:pPr/>
-              <a:t>2020-03-28</a:t>
+              <a:t>2020-03-30</a:t>
             </a:fld>
             <a:endParaRPr lang="ko-KR" altLang="en-US"/>
           </a:p>
@@ -1136,7 +1140,7 @@
             <a:fld id="{272C3D53-FEDF-49EC-8F65-FFFC138B637E}" type="datetimeFigureOut">
               <a:rPr lang="ko-KR" altLang="en-US" smtClean="0"/>
               <a:pPr/>
-              <a:t>2020-03-28</a:t>
+              <a:t>2020-03-30</a:t>
             </a:fld>
             <a:endParaRPr lang="ko-KR" altLang="en-US"/>
           </a:p>
@@ -1384,7 +1388,7 @@
             <a:fld id="{272C3D53-FEDF-49EC-8F65-FFFC138B637E}" type="datetimeFigureOut">
               <a:rPr lang="ko-KR" altLang="en-US" smtClean="0"/>
               <a:pPr/>
-              <a:t>2020-03-28</a:t>
+              <a:t>2020-03-30</a:t>
             </a:fld>
             <a:endParaRPr lang="ko-KR" altLang="en-US"/>
           </a:p>
@@ -1618,7 +1622,7 @@
             <a:fld id="{272C3D53-FEDF-49EC-8F65-FFFC138B637E}" type="datetimeFigureOut">
               <a:rPr lang="ko-KR" altLang="en-US" smtClean="0"/>
               <a:pPr/>
-              <a:t>2020-03-28</a:t>
+              <a:t>2020-03-30</a:t>
             </a:fld>
             <a:endParaRPr lang="ko-KR" altLang="en-US"/>
           </a:p>
@@ -1987,7 +1991,7 @@
             <a:fld id="{272C3D53-FEDF-49EC-8F65-FFFC138B637E}" type="datetimeFigureOut">
               <a:rPr lang="ko-KR" altLang="en-US" smtClean="0"/>
               <a:pPr/>
-              <a:t>2020-03-28</a:t>
+              <a:t>2020-03-30</a:t>
             </a:fld>
             <a:endParaRPr lang="ko-KR" altLang="en-US"/>
           </a:p>
@@ -2107,7 +2111,7 @@
             <a:fld id="{272C3D53-FEDF-49EC-8F65-FFFC138B637E}" type="datetimeFigureOut">
               <a:rPr lang="ko-KR" altLang="en-US" smtClean="0"/>
               <a:pPr/>
-              <a:t>2020-03-28</a:t>
+              <a:t>2020-03-30</a:t>
             </a:fld>
             <a:endParaRPr lang="ko-KR" altLang="en-US"/>
           </a:p>
@@ -2204,7 +2208,7 @@
             <a:fld id="{272C3D53-FEDF-49EC-8F65-FFFC138B637E}" type="datetimeFigureOut">
               <a:rPr lang="ko-KR" altLang="en-US" smtClean="0"/>
               <a:pPr/>
-              <a:t>2020-03-28</a:t>
+              <a:t>2020-03-30</a:t>
             </a:fld>
             <a:endParaRPr lang="ko-KR" altLang="en-US"/>
           </a:p>
@@ -2483,7 +2487,7 @@
             <a:fld id="{272C3D53-FEDF-49EC-8F65-FFFC138B637E}" type="datetimeFigureOut">
               <a:rPr lang="ko-KR" altLang="en-US" smtClean="0"/>
               <a:pPr/>
-              <a:t>2020-03-28</a:t>
+              <a:t>2020-03-30</a:t>
             </a:fld>
             <a:endParaRPr lang="ko-KR" altLang="en-US"/>
           </a:p>
@@ -2738,7 +2742,7 @@
             <a:fld id="{272C3D53-FEDF-49EC-8F65-FFFC138B637E}" type="datetimeFigureOut">
               <a:rPr lang="ko-KR" altLang="en-US" smtClean="0"/>
               <a:pPr/>
-              <a:t>2020-03-28</a:t>
+              <a:t>2020-03-30</a:t>
             </a:fld>
             <a:endParaRPr lang="ko-KR" altLang="en-US"/>
           </a:p>
@@ -2953,7 +2957,7 @@
             <a:fld id="{272C3D53-FEDF-49EC-8F65-FFFC138B637E}" type="datetimeFigureOut">
               <a:rPr lang="ko-KR" altLang="en-US" smtClean="0"/>
               <a:pPr/>
-              <a:t>2020-03-28</a:t>
+              <a:t>2020-03-30</a:t>
             </a:fld>
             <a:endParaRPr lang="ko-KR" altLang="en-US"/>
           </a:p>
@@ -3411,7 +3415,6 @@
               <a:rPr lang="en-US" altLang="ko-KR" dirty="0" smtClean="0"/>
               <a:t>5</a:t>
             </a:r>
-            <a:endParaRPr lang="en-US" altLang="ko-KR" dirty="0" smtClean="0"/>
           </a:p>
           <a:p>
             <a:r>
@@ -3443,6 +3446,5956 @@
   <p:clrMapOvr>
     <a:masterClrMapping/>
   </p:clrMapOvr>
+  <p:timing>
+    <p:tnLst>
+      <p:par>
+        <p:cTn id="1" dur="indefinite" restart="never" nodeType="tmRoot"/>
+      </p:par>
+    </p:tnLst>
+  </p:timing>
+</p:sld>
+</file>
+
+<file path=ppt/slides/slide2.xml><?xml version="1.0" encoding="utf-8"?>
+<p:sld xmlns:a="http://schemas.openxmlformats.org/drawingml/2006/main" xmlns:r="http://schemas.openxmlformats.org/officeDocument/2006/relationships" xmlns:p="http://schemas.openxmlformats.org/presentationml/2006/main">
+  <p:cSld>
+    <p:spTree>
+      <p:nvGrpSpPr>
+        <p:cNvPr id="1" name=""/>
+        <p:cNvGrpSpPr/>
+        <p:nvPr/>
+      </p:nvGrpSpPr>
+      <p:grpSpPr>
+        <a:xfrm>
+          <a:off x="0" y="0"/>
+          <a:ext cx="0" cy="0"/>
+          <a:chOff x="0" y="0"/>
+          <a:chExt cx="0" cy="0"/>
+        </a:xfrm>
+      </p:grpSpPr>
+      <p:graphicFrame>
+        <p:nvGraphicFramePr>
+          <p:cNvPr id="97" name="표 6"/>
+          <p:cNvGraphicFramePr/>
+          <p:nvPr/>
+        </p:nvGraphicFramePr>
+        <p:xfrm>
+          <a:off x="9309044" y="197402"/>
+          <a:ext cx="2815494" cy="320040"/>
+        </p:xfrm>
+        <a:graphic>
+          <a:graphicData uri="http://schemas.openxmlformats.org/drawingml/2006/table">
+            <a:tbl>
+              <a:tblPr/>
+              <a:tblGrid>
+                <a:gridCol w="1407747">
+                  <a:extLst>
+                    <a:ext uri="{9D8B030D-6E8A-4147-A177-3AD203B41FA5}">
+                      <a16:colId xmlns:a16="http://schemas.microsoft.com/office/drawing/2014/main" xmlns="" val="20000"/>
+                    </a:ext>
+                  </a:extLst>
+                </a:gridCol>
+                <a:gridCol w="1407747">
+                  <a:extLst>
+                    <a:ext uri="{9D8B030D-6E8A-4147-A177-3AD203B41FA5}">
+                      <a16:colId xmlns:a16="http://schemas.microsoft.com/office/drawing/2014/main" xmlns="" val="20001"/>
+                    </a:ext>
+                  </a:extLst>
+                </a:gridCol>
+              </a:tblGrid>
+              <a:tr h="265071">
+                <a:tc>
+                  <a:txBody>
+                    <a:bodyPr/>
+                    <a:lstStyle/>
+                    <a:p>
+                      <a:pPr algn="ctr">
+                        <a:defRPr sz="1800"/>
+                      </a:pPr>
+                      <a:r>
+                        <a:rPr sz="1500"/>
+                        <a:t>화면 번호</a:t>
+                      </a:r>
+                    </a:p>
+                  </a:txBody>
+                  <a:tcPr marL="45720" marR="45720" anchor="ctr" horzOverflow="overflow">
+                    <a:lnL w="12700">
+                      <a:solidFill>
+                        <a:srgbClr val="000000"/>
+                      </a:solidFill>
+                    </a:lnL>
+                    <a:lnR w="12700">
+                      <a:solidFill>
+                        <a:srgbClr val="000000"/>
+                      </a:solidFill>
+                    </a:lnR>
+                    <a:lnT w="12700">
+                      <a:solidFill>
+                        <a:srgbClr val="000000"/>
+                      </a:solidFill>
+                    </a:lnT>
+                    <a:lnB w="12700">
+                      <a:solidFill>
+                        <a:srgbClr val="000000"/>
+                      </a:solidFill>
+                    </a:lnB>
+                    <a:solidFill>
+                      <a:srgbClr val="D9D9D9"/>
+                    </a:solidFill>
+                  </a:tcPr>
+                </a:tc>
+                <a:tc>
+                  <a:txBody>
+                    <a:bodyPr/>
+                    <a:lstStyle/>
+                    <a:p>
+                      <a:pPr algn="ctr">
+                        <a:defRPr sz="1000">
+                          <a:latin typeface="Arial"/>
+                          <a:ea typeface="Arial"/>
+                          <a:cs typeface="Arial"/>
+                          <a:sym typeface="Arial"/>
+                        </a:defRPr>
+                      </a:pPr>
+                      <a:endParaRPr/>
+                    </a:p>
+                  </a:txBody>
+                  <a:tcPr marL="9525" marR="9525" marT="9525" marB="9525" anchor="ctr" horzOverflow="overflow">
+                    <a:lnL w="12700">
+                      <a:solidFill>
+                        <a:srgbClr val="000000"/>
+                      </a:solidFill>
+                    </a:lnL>
+                    <a:lnR w="12700">
+                      <a:solidFill>
+                        <a:srgbClr val="000000"/>
+                      </a:solidFill>
+                    </a:lnR>
+                    <a:lnT w="12700">
+                      <a:solidFill>
+                        <a:srgbClr val="000000"/>
+                      </a:solidFill>
+                    </a:lnT>
+                    <a:lnB w="12700">
+                      <a:solidFill>
+                        <a:srgbClr val="000000"/>
+                      </a:solidFill>
+                    </a:lnB>
+                    <a:solidFill>
+                      <a:srgbClr val="FFFFFF"/>
+                    </a:solidFill>
+                  </a:tcPr>
+                </a:tc>
+                <a:extLst>
+                  <a:ext uri="{0D108BD9-81ED-4DB2-BD59-A6C34878D82A}">
+                    <a16:rowId xmlns:a16="http://schemas.microsoft.com/office/drawing/2014/main" xmlns="" val="10000"/>
+                  </a:ext>
+                </a:extLst>
+              </a:tr>
+            </a:tbl>
+          </a:graphicData>
+        </a:graphic>
+      </p:graphicFrame>
+      <p:graphicFrame>
+        <p:nvGraphicFramePr>
+          <p:cNvPr id="98" name="표 8"/>
+          <p:cNvGraphicFramePr/>
+          <p:nvPr/>
+        </p:nvGraphicFramePr>
+        <p:xfrm>
+          <a:off x="6200085" y="197402"/>
+          <a:ext cx="2815494" cy="320040"/>
+        </p:xfrm>
+        <a:graphic>
+          <a:graphicData uri="http://schemas.openxmlformats.org/drawingml/2006/table">
+            <a:tbl>
+              <a:tblPr/>
+              <a:tblGrid>
+                <a:gridCol w="1407747">
+                  <a:extLst>
+                    <a:ext uri="{9D8B030D-6E8A-4147-A177-3AD203B41FA5}">
+                      <a16:colId xmlns:a16="http://schemas.microsoft.com/office/drawing/2014/main" xmlns="" val="20000"/>
+                    </a:ext>
+                  </a:extLst>
+                </a:gridCol>
+                <a:gridCol w="1407747">
+                  <a:extLst>
+                    <a:ext uri="{9D8B030D-6E8A-4147-A177-3AD203B41FA5}">
+                      <a16:colId xmlns:a16="http://schemas.microsoft.com/office/drawing/2014/main" xmlns="" val="20001"/>
+                    </a:ext>
+                  </a:extLst>
+                </a:gridCol>
+              </a:tblGrid>
+              <a:tr h="265071">
+                <a:tc>
+                  <a:txBody>
+                    <a:bodyPr/>
+                    <a:lstStyle/>
+                    <a:p>
+                      <a:pPr algn="ctr">
+                        <a:defRPr sz="1500"/>
+                      </a:pPr>
+                      <a:endParaRPr dirty="0"/>
+                    </a:p>
+                  </a:txBody>
+                  <a:tcPr marL="45720" marR="45720" anchor="ctr" horzOverflow="overflow">
+                    <a:lnL w="12700">
+                      <a:solidFill>
+                        <a:srgbClr val="000000"/>
+                      </a:solidFill>
+                    </a:lnL>
+                    <a:lnR w="12700">
+                      <a:solidFill>
+                        <a:srgbClr val="000000"/>
+                      </a:solidFill>
+                    </a:lnR>
+                    <a:lnT w="12700">
+                      <a:solidFill>
+                        <a:srgbClr val="000000"/>
+                      </a:solidFill>
+                    </a:lnT>
+                    <a:lnB w="12700">
+                      <a:solidFill>
+                        <a:srgbClr val="000000"/>
+                      </a:solidFill>
+                    </a:lnB>
+                    <a:solidFill>
+                      <a:srgbClr val="D9D9D9"/>
+                    </a:solidFill>
+                  </a:tcPr>
+                </a:tc>
+                <a:tc>
+                  <a:txBody>
+                    <a:bodyPr/>
+                    <a:lstStyle/>
+                    <a:p>
+                      <a:pPr algn="ctr">
+                        <a:defRPr sz="1500"/>
+                      </a:pPr>
+                      <a:endParaRPr/>
+                    </a:p>
+                  </a:txBody>
+                  <a:tcPr marL="45720" marR="45720" anchor="ctr" horzOverflow="overflow">
+                    <a:lnL w="12700">
+                      <a:solidFill>
+                        <a:srgbClr val="000000"/>
+                      </a:solidFill>
+                    </a:lnL>
+                    <a:lnR w="12700">
+                      <a:solidFill>
+                        <a:srgbClr val="000000"/>
+                      </a:solidFill>
+                    </a:lnR>
+                    <a:lnT w="12700">
+                      <a:solidFill>
+                        <a:srgbClr val="000000"/>
+                      </a:solidFill>
+                    </a:lnT>
+                    <a:lnB w="12700">
+                      <a:solidFill>
+                        <a:srgbClr val="000000"/>
+                      </a:solidFill>
+                    </a:lnB>
+                    <a:solidFill>
+                      <a:srgbClr val="FFFFFF"/>
+                    </a:solidFill>
+                  </a:tcPr>
+                </a:tc>
+                <a:extLst>
+                  <a:ext uri="{0D108BD9-81ED-4DB2-BD59-A6C34878D82A}">
+                    <a16:rowId xmlns:a16="http://schemas.microsoft.com/office/drawing/2014/main" xmlns="" val="10000"/>
+                  </a:ext>
+                </a:extLst>
+              </a:tr>
+            </a:tbl>
+          </a:graphicData>
+        </a:graphic>
+      </p:graphicFrame>
+      <p:graphicFrame>
+        <p:nvGraphicFramePr>
+          <p:cNvPr id="99" name="표 13"/>
+          <p:cNvGraphicFramePr/>
+          <p:nvPr>
+            <p:extLst/>
+          </p:nvPr>
+        </p:nvGraphicFramePr>
+        <p:xfrm>
+          <a:off x="8509686" y="1289960"/>
+          <a:ext cx="3491813" cy="1326453"/>
+        </p:xfrm>
+        <a:graphic>
+          <a:graphicData uri="http://schemas.openxmlformats.org/drawingml/2006/table">
+            <a:tbl>
+              <a:tblPr firstRow="1"/>
+              <a:tblGrid>
+                <a:gridCol w="342705">
+                  <a:extLst>
+                    <a:ext uri="{9D8B030D-6E8A-4147-A177-3AD203B41FA5}">
+                      <a16:colId xmlns:a16="http://schemas.microsoft.com/office/drawing/2014/main" xmlns="" val="20000"/>
+                    </a:ext>
+                  </a:extLst>
+                </a:gridCol>
+                <a:gridCol w="3149108">
+                  <a:extLst>
+                    <a:ext uri="{9D8B030D-6E8A-4147-A177-3AD203B41FA5}">
+                      <a16:colId xmlns:a16="http://schemas.microsoft.com/office/drawing/2014/main" xmlns="" val="20001"/>
+                    </a:ext>
+                  </a:extLst>
+                </a:gridCol>
+              </a:tblGrid>
+              <a:tr h="378460">
+                <a:tc>
+                  <a:txBody>
+                    <a:bodyPr/>
+                    <a:lstStyle/>
+                    <a:p>
+                      <a:pPr algn="ctr">
+                        <a:defRPr sz="1800" b="0">
+                          <a:solidFill>
+                            <a:srgbClr val="000000"/>
+                          </a:solidFill>
+                        </a:defRPr>
+                      </a:pPr>
+                      <a:r>
+                        <a:rPr sz="1500" b="1"/>
+                        <a:t>#</a:t>
+                      </a:r>
+                    </a:p>
+                  </a:txBody>
+                  <a:tcPr marL="45720" marR="45720" anchor="ctr" horzOverflow="overflow">
+                    <a:lnL w="12700">
+                      <a:solidFill>
+                        <a:srgbClr val="000000"/>
+                      </a:solidFill>
+                    </a:lnL>
+                    <a:lnR w="12700">
+                      <a:solidFill>
+                        <a:srgbClr val="000000"/>
+                      </a:solidFill>
+                    </a:lnR>
+                    <a:lnT w="12700">
+                      <a:solidFill>
+                        <a:srgbClr val="000000"/>
+                      </a:solidFill>
+                    </a:lnT>
+                    <a:lnB w="12700">
+                      <a:solidFill>
+                        <a:srgbClr val="000000"/>
+                      </a:solidFill>
+                    </a:lnB>
+                    <a:solidFill>
+                      <a:srgbClr val="D9D9D9"/>
+                    </a:solidFill>
+                  </a:tcPr>
+                </a:tc>
+                <a:tc>
+                  <a:txBody>
+                    <a:bodyPr/>
+                    <a:lstStyle/>
+                    <a:p>
+                      <a:pPr algn="ctr">
+                        <a:defRPr sz="1800" b="0">
+                          <a:solidFill>
+                            <a:srgbClr val="000000"/>
+                          </a:solidFill>
+                        </a:defRPr>
+                      </a:pPr>
+                      <a:r>
+                        <a:rPr sz="1500" b="1"/>
+                        <a:t>기능명</a:t>
+                      </a:r>
+                    </a:p>
+                  </a:txBody>
+                  <a:tcPr marL="45720" marR="45720" anchor="ctr" horzOverflow="overflow">
+                    <a:lnL w="12700">
+                      <a:solidFill>
+                        <a:srgbClr val="000000"/>
+                      </a:solidFill>
+                    </a:lnL>
+                    <a:lnR w="12700">
+                      <a:solidFill>
+                        <a:srgbClr val="000000"/>
+                      </a:solidFill>
+                    </a:lnR>
+                    <a:lnT w="12700">
+                      <a:solidFill>
+                        <a:srgbClr val="000000"/>
+                      </a:solidFill>
+                    </a:lnT>
+                    <a:lnB w="12700">
+                      <a:solidFill>
+                        <a:srgbClr val="000000"/>
+                      </a:solidFill>
+                    </a:lnB>
+                    <a:solidFill>
+                      <a:srgbClr val="D9D9D9"/>
+                    </a:solidFill>
+                  </a:tcPr>
+                </a:tc>
+                <a:extLst>
+                  <a:ext uri="{0D108BD9-81ED-4DB2-BD59-A6C34878D82A}">
+                    <a16:rowId xmlns:a16="http://schemas.microsoft.com/office/drawing/2014/main" xmlns="" val="10000"/>
+                  </a:ext>
+                </a:extLst>
+              </a:tr>
+              <a:tr h="947993">
+                <a:tc>
+                  <a:txBody>
+                    <a:bodyPr/>
+                    <a:lstStyle/>
+                    <a:p>
+                      <a:pPr algn="ctr">
+                        <a:defRPr sz="1800"/>
+                      </a:pPr>
+                      <a:r>
+                        <a:rPr sz="1500"/>
+                        <a:t>1</a:t>
+                      </a:r>
+                    </a:p>
+                  </a:txBody>
+                  <a:tcPr marL="45720" marR="45720" anchor="ctr" horzOverflow="overflow">
+                    <a:lnL w="12700">
+                      <a:solidFill>
+                        <a:srgbClr val="000000"/>
+                      </a:solidFill>
+                    </a:lnL>
+                    <a:lnR w="12700">
+                      <a:solidFill>
+                        <a:srgbClr val="000000"/>
+                      </a:solidFill>
+                    </a:lnR>
+                    <a:lnT w="12700">
+                      <a:solidFill>
+                        <a:srgbClr val="000000"/>
+                      </a:solidFill>
+                    </a:lnT>
+                    <a:lnB w="12700">
+                      <a:solidFill>
+                        <a:srgbClr val="000000"/>
+                      </a:solidFill>
+                    </a:lnB>
+                    <a:solidFill>
+                      <a:srgbClr val="FFFFFF"/>
+                    </a:solidFill>
+                  </a:tcPr>
+                </a:tc>
+                <a:tc>
+                  <a:txBody>
+                    <a:bodyPr/>
+                    <a:lstStyle/>
+                    <a:p>
+                      <a:pPr algn="l">
+                        <a:defRPr sz="1500"/>
+                      </a:pPr>
+                      <a:r>
+                        <a:rPr lang="ko-KR" altLang="en-US" dirty="0"/>
+                        <a:t>회원가입 폼</a:t>
+                      </a:r>
+                      <a:endParaRPr lang="en-US" altLang="ko-KR" dirty="0"/>
+                    </a:p>
+                    <a:p>
+                      <a:pPr algn="l">
+                        <a:defRPr sz="1500"/>
+                      </a:pPr>
+                      <a:r>
+                        <a:rPr lang="en-US" altLang="ko-KR" dirty="0"/>
+                        <a:t>- </a:t>
+                      </a:r>
+                      <a:r>
+                        <a:rPr lang="ko-KR" altLang="en-US" sz="1200" dirty="0"/>
+                        <a:t>아이디</a:t>
+                      </a:r>
+                      <a:r>
+                        <a:rPr lang="en-US" altLang="ko-KR" sz="1200" dirty="0"/>
+                        <a:t>, </a:t>
+                      </a:r>
+                      <a:r>
+                        <a:rPr lang="ko-KR" altLang="en-US" sz="1200" dirty="0"/>
+                        <a:t>비밀번호</a:t>
+                      </a:r>
+                      <a:r>
+                        <a:rPr lang="en-US" altLang="ko-KR" sz="1200" dirty="0"/>
+                        <a:t>, </a:t>
+                      </a:r>
+                      <a:r>
+                        <a:rPr lang="ko-KR" altLang="en-US" sz="1200" dirty="0"/>
+                        <a:t>비밀번호 확인</a:t>
+                      </a:r>
+                      <a:r>
+                        <a:rPr lang="en-US" altLang="ko-KR" sz="1200" dirty="0"/>
+                        <a:t>, </a:t>
+                      </a:r>
+                      <a:r>
+                        <a:rPr lang="ko-KR" altLang="en-US" sz="1200" dirty="0"/>
+                        <a:t>이름</a:t>
+                      </a:r>
+                      <a:r>
+                        <a:rPr lang="en-US" altLang="ko-KR" sz="1200" dirty="0"/>
+                        <a:t>, </a:t>
+                      </a:r>
+                      <a:r>
+                        <a:rPr lang="ko-KR" altLang="en-US" sz="1200" dirty="0"/>
+                        <a:t>닉네임</a:t>
+                      </a:r>
+                      <a:r>
+                        <a:rPr lang="en-US" altLang="ko-KR" sz="1200" dirty="0"/>
+                        <a:t>, </a:t>
+                      </a:r>
+                      <a:r>
+                        <a:rPr lang="ko-KR" altLang="en-US" sz="1200" dirty="0"/>
+                        <a:t>주소</a:t>
+                      </a:r>
+                      <a:r>
+                        <a:rPr lang="en-US" altLang="ko-KR" sz="1200" dirty="0"/>
+                        <a:t>, </a:t>
+                      </a:r>
+                      <a:r>
+                        <a:rPr lang="ko-KR" altLang="en-US" sz="1200" dirty="0"/>
+                        <a:t>이메일주소</a:t>
+                      </a:r>
+                      <a:r>
+                        <a:rPr lang="en-US" altLang="ko-KR" sz="1200" dirty="0"/>
+                        <a:t>, </a:t>
+                      </a:r>
+                      <a:r>
+                        <a:rPr lang="ko-KR" altLang="en-US" sz="1200" dirty="0"/>
+                        <a:t>휴대폰 번호</a:t>
+                      </a:r>
+                      <a:r>
+                        <a:rPr lang="en-US" altLang="ko-KR" sz="1200" dirty="0"/>
+                        <a:t>, </a:t>
+                      </a:r>
+                      <a:r>
+                        <a:rPr lang="ko-KR" altLang="en-US" sz="1200" dirty="0"/>
+                        <a:t>인증번호 필수 입력</a:t>
+                      </a:r>
+                      <a:endParaRPr sz="1200" dirty="0"/>
+                    </a:p>
+                  </a:txBody>
+                  <a:tcPr marL="45720" marR="45720" horzOverflow="overflow">
+                    <a:lnL w="12700">
+                      <a:solidFill>
+                        <a:srgbClr val="000000"/>
+                      </a:solidFill>
+                    </a:lnL>
+                    <a:lnR w="12700">
+                      <a:solidFill>
+                        <a:srgbClr val="000000"/>
+                      </a:solidFill>
+                    </a:lnR>
+                    <a:lnT w="12700">
+                      <a:solidFill>
+                        <a:srgbClr val="000000"/>
+                      </a:solidFill>
+                    </a:lnT>
+                    <a:lnB w="12700">
+                      <a:solidFill>
+                        <a:srgbClr val="000000"/>
+                      </a:solidFill>
+                    </a:lnB>
+                    <a:solidFill>
+                      <a:srgbClr val="FFFFFF"/>
+                    </a:solidFill>
+                  </a:tcPr>
+                </a:tc>
+                <a:extLst>
+                  <a:ext uri="{0D108BD9-81ED-4DB2-BD59-A6C34878D82A}">
+                    <a16:rowId xmlns:a16="http://schemas.microsoft.com/office/drawing/2014/main" xmlns="" val="10001"/>
+                  </a:ext>
+                </a:extLst>
+              </a:tr>
+            </a:tbl>
+          </a:graphicData>
+        </a:graphic>
+      </p:graphicFrame>
+      <p:graphicFrame>
+        <p:nvGraphicFramePr>
+          <p:cNvPr id="101" name="표 57"/>
+          <p:cNvGraphicFramePr/>
+          <p:nvPr>
+            <p:extLst>
+              <p:ext uri="{D42A27DB-BD31-4B8C-83A1-F6EECF244321}">
+                <p14:modId xmlns:p14="http://schemas.microsoft.com/office/powerpoint/2010/main" val="2152644833"/>
+              </p:ext>
+            </p:extLst>
+          </p:nvPr>
+        </p:nvGraphicFramePr>
+        <p:xfrm>
+          <a:off x="131601" y="115758"/>
+          <a:ext cx="3313726" cy="822960"/>
+        </p:xfrm>
+        <a:graphic>
+          <a:graphicData uri="http://schemas.openxmlformats.org/drawingml/2006/table">
+            <a:tbl>
+              <a:tblPr firstRow="1"/>
+              <a:tblGrid>
+                <a:gridCol w="1656863">
+                  <a:extLst>
+                    <a:ext uri="{9D8B030D-6E8A-4147-A177-3AD203B41FA5}">
+                      <a16:colId xmlns:a16="http://schemas.microsoft.com/office/drawing/2014/main" xmlns="" val="20000"/>
+                    </a:ext>
+                  </a:extLst>
+                </a:gridCol>
+                <a:gridCol w="1656863">
+                  <a:extLst>
+                    <a:ext uri="{9D8B030D-6E8A-4147-A177-3AD203B41FA5}">
+                      <a16:colId xmlns:a16="http://schemas.microsoft.com/office/drawing/2014/main" xmlns="" val="20001"/>
+                    </a:ext>
+                  </a:extLst>
+                </a:gridCol>
+              </a:tblGrid>
+              <a:tr h="271237">
+                <a:tc>
+                  <a:txBody>
+                    <a:bodyPr/>
+                    <a:lstStyle/>
+                    <a:p>
+                      <a:pPr algn="ctr">
+                        <a:defRPr sz="1800" b="0">
+                          <a:solidFill>
+                            <a:srgbClr val="000000"/>
+                          </a:solidFill>
+                        </a:defRPr>
+                      </a:pPr>
+                      <a:r>
+                        <a:rPr sz="1200" dirty="0" err="1"/>
+                        <a:t>화면코드</a:t>
+                      </a:r>
+                      <a:endParaRPr sz="1200" dirty="0"/>
+                    </a:p>
+                  </a:txBody>
+                  <a:tcPr marL="45720" marR="45720" anchor="ctr" horzOverflow="overflow">
+                    <a:lnL w="12700">
+                      <a:solidFill>
+                        <a:srgbClr val="000000"/>
+                      </a:solidFill>
+                    </a:lnL>
+                    <a:lnR w="12700">
+                      <a:solidFill>
+                        <a:srgbClr val="000000"/>
+                      </a:solidFill>
+                    </a:lnR>
+                    <a:lnT w="12700">
+                      <a:solidFill>
+                        <a:srgbClr val="000000"/>
+                      </a:solidFill>
+                    </a:lnT>
+                    <a:lnB w="12700">
+                      <a:solidFill>
+                        <a:srgbClr val="000000"/>
+                      </a:solidFill>
+                    </a:lnB>
+                    <a:solidFill>
+                      <a:srgbClr val="D9D9D9"/>
+                    </a:solidFill>
+                  </a:tcPr>
+                </a:tc>
+                <a:tc>
+                  <a:txBody>
+                    <a:bodyPr/>
+                    <a:lstStyle/>
+                    <a:p>
+                      <a:pPr marL="0" marR="0" lvl="0" indent="0" algn="ctr" defTabSz="914400" rtl="0" eaLnBrk="1" fontAlgn="auto" latinLnBrk="1" hangingPunct="1">
+                        <a:lnSpc>
+                          <a:spcPct val="100000"/>
+                        </a:lnSpc>
+                        <a:spcBef>
+                          <a:spcPts val="0"/>
+                        </a:spcBef>
+                        <a:spcAft>
+                          <a:spcPts val="0"/>
+                        </a:spcAft>
+                        <a:buClrTx/>
+                        <a:buSzTx/>
+                        <a:buFontTx/>
+                        <a:buNone/>
+                        <a:tabLst/>
+                        <a:defRPr sz="1000" b="0">
+                          <a:solidFill>
+                            <a:srgbClr val="000000"/>
+                          </a:solidFill>
+                          <a:latin typeface="Arial"/>
+                          <a:ea typeface="Arial"/>
+                          <a:cs typeface="Arial"/>
+                          <a:sym typeface="Arial"/>
+                        </a:defRPr>
+                      </a:pPr>
+                      <a:endParaRPr lang="en-US" altLang="ko-KR" sz="1200" b="0" u="none" strike="noStrike" cap="none" dirty="0">
+                        <a:solidFill>
+                          <a:schemeClr val="dk1"/>
+                        </a:solidFill>
+                      </a:endParaRPr>
+                    </a:p>
+                  </a:txBody>
+                  <a:tcPr marL="9525" marR="9525" marT="9525" marB="9525" anchor="ctr" horzOverflow="overflow">
+                    <a:lnL w="12700">
+                      <a:solidFill>
+                        <a:srgbClr val="000000"/>
+                      </a:solidFill>
+                    </a:lnL>
+                    <a:lnR w="12700">
+                      <a:solidFill>
+                        <a:srgbClr val="000000"/>
+                      </a:solidFill>
+                    </a:lnR>
+                    <a:lnT w="12700">
+                      <a:solidFill>
+                        <a:srgbClr val="000000"/>
+                      </a:solidFill>
+                    </a:lnT>
+                    <a:lnB w="12700">
+                      <a:solidFill>
+                        <a:srgbClr val="000000"/>
+                      </a:solidFill>
+                    </a:lnB>
+                    <a:solidFill>
+                      <a:srgbClr val="FFFFFF"/>
+                    </a:solidFill>
+                  </a:tcPr>
+                </a:tc>
+                <a:extLst>
+                  <a:ext uri="{0D108BD9-81ED-4DB2-BD59-A6C34878D82A}">
+                    <a16:rowId xmlns:a16="http://schemas.microsoft.com/office/drawing/2014/main" xmlns="" val="10000"/>
+                  </a:ext>
+                </a:extLst>
+              </a:tr>
+              <a:tr h="271237">
+                <a:tc rowSpan="2">
+                  <a:txBody>
+                    <a:bodyPr/>
+                    <a:lstStyle/>
+                    <a:p>
+                      <a:pPr algn="ctr">
+                        <a:defRPr sz="1800"/>
+                      </a:pPr>
+                      <a:r>
+                        <a:rPr sz="1200"/>
+                        <a:t>화면명</a:t>
+                      </a:r>
+                    </a:p>
+                  </a:txBody>
+                  <a:tcPr marL="45720" marR="45720" anchor="ctr" horzOverflow="overflow">
+                    <a:lnL w="12700">
+                      <a:solidFill>
+                        <a:srgbClr val="000000"/>
+                      </a:solidFill>
+                    </a:lnL>
+                    <a:lnR w="12700">
+                      <a:solidFill>
+                        <a:srgbClr val="000000"/>
+                      </a:solidFill>
+                    </a:lnR>
+                    <a:lnT w="12700">
+                      <a:solidFill>
+                        <a:srgbClr val="000000"/>
+                      </a:solidFill>
+                    </a:lnT>
+                    <a:lnB w="12700">
+                      <a:solidFill>
+                        <a:srgbClr val="000000"/>
+                      </a:solidFill>
+                    </a:lnB>
+                    <a:solidFill>
+                      <a:srgbClr val="D9D9D9"/>
+                    </a:solidFill>
+                  </a:tcPr>
+                </a:tc>
+                <a:tc>
+                  <a:txBody>
+                    <a:bodyPr/>
+                    <a:lstStyle/>
+                    <a:p>
+                      <a:pPr marL="0" marR="0" lvl="0" indent="0" algn="ctr" defTabSz="914400" rtl="0" eaLnBrk="1" fontAlgn="auto" latinLnBrk="1" hangingPunct="1">
+                        <a:lnSpc>
+                          <a:spcPct val="100000"/>
+                        </a:lnSpc>
+                        <a:spcBef>
+                          <a:spcPts val="0"/>
+                        </a:spcBef>
+                        <a:spcAft>
+                          <a:spcPts val="0"/>
+                        </a:spcAft>
+                        <a:buClrTx/>
+                        <a:buSzTx/>
+                        <a:buFontTx/>
+                        <a:buNone/>
+                        <a:tabLst/>
+                        <a:defRPr sz="1500">
+                          <a:solidFill>
+                            <a:srgbClr val="0070C0"/>
+                          </a:solidFill>
+                        </a:defRPr>
+                      </a:pPr>
+                      <a:r>
+                        <a:rPr lang="ko-KR" altLang="en-US" sz="1200" dirty="0" smtClean="0">
+                          <a:solidFill>
+                            <a:schemeClr val="tx1"/>
+                          </a:solidFill>
+                        </a:rPr>
+                        <a:t>강연 정보 확인</a:t>
+                      </a:r>
+                      <a:endParaRPr lang="en-US" altLang="ko-KR" sz="1200" dirty="0">
+                        <a:solidFill>
+                          <a:schemeClr val="tx1"/>
+                        </a:solidFill>
+                      </a:endParaRPr>
+                    </a:p>
+                  </a:txBody>
+                  <a:tcPr marL="45720" marR="45720" anchor="ctr" horzOverflow="overflow">
+                    <a:lnL w="12700">
+                      <a:solidFill>
+                        <a:srgbClr val="000000"/>
+                      </a:solidFill>
+                    </a:lnL>
+                    <a:lnR w="12700">
+                      <a:solidFill>
+                        <a:srgbClr val="000000"/>
+                      </a:solidFill>
+                    </a:lnR>
+                    <a:lnT w="12700">
+                      <a:solidFill>
+                        <a:srgbClr val="000000"/>
+                      </a:solidFill>
+                    </a:lnT>
+                    <a:lnB w="12700">
+                      <a:solidFill>
+                        <a:srgbClr val="000000"/>
+                      </a:solidFill>
+                    </a:lnB>
+                    <a:solidFill>
+                      <a:srgbClr val="FFFFFF"/>
+                    </a:solidFill>
+                  </a:tcPr>
+                </a:tc>
+                <a:extLst>
+                  <a:ext uri="{0D108BD9-81ED-4DB2-BD59-A6C34878D82A}">
+                    <a16:rowId xmlns:a16="http://schemas.microsoft.com/office/drawing/2014/main" xmlns="" val="10001"/>
+                  </a:ext>
+                </a:extLst>
+              </a:tr>
+              <a:tr h="271237">
+                <a:tc vMerge="1">
+                  <a:txBody>
+                    <a:bodyPr/>
+                    <a:lstStyle/>
+                    <a:p>
+                      <a:endParaRPr lang="ko-KR"/>
+                    </a:p>
+                  </a:txBody>
+                  <a:tcPr/>
+                </a:tc>
+                <a:tc>
+                  <a:txBody>
+                    <a:bodyPr/>
+                    <a:lstStyle/>
+                    <a:p>
+                      <a:pPr algn="ctr">
+                        <a:defRPr sz="1500">
+                          <a:solidFill>
+                            <a:srgbClr val="0070C0"/>
+                          </a:solidFill>
+                        </a:defRPr>
+                      </a:pPr>
+                      <a:r>
+                        <a:rPr lang="en-US" altLang="ko-KR" sz="1200" dirty="0">
+                          <a:solidFill>
+                            <a:schemeClr val="tx1"/>
+                          </a:solidFill>
+                        </a:rPr>
+                        <a:t>1</a:t>
+                      </a:r>
+                    </a:p>
+                  </a:txBody>
+                  <a:tcPr marL="45720" marR="45720" anchor="ctr" horzOverflow="overflow">
+                    <a:lnL w="12700">
+                      <a:solidFill>
+                        <a:srgbClr val="000000"/>
+                      </a:solidFill>
+                    </a:lnL>
+                    <a:lnR w="12700">
+                      <a:solidFill>
+                        <a:srgbClr val="000000"/>
+                      </a:solidFill>
+                    </a:lnR>
+                    <a:lnT w="12700">
+                      <a:solidFill>
+                        <a:srgbClr val="000000"/>
+                      </a:solidFill>
+                    </a:lnT>
+                    <a:lnB w="12700">
+                      <a:solidFill>
+                        <a:srgbClr val="000000"/>
+                      </a:solidFill>
+                    </a:lnB>
+                    <a:solidFill>
+                      <a:srgbClr val="FFFFFF"/>
+                    </a:solidFill>
+                  </a:tcPr>
+                </a:tc>
+                <a:extLst>
+                  <a:ext uri="{0D108BD9-81ED-4DB2-BD59-A6C34878D82A}">
+                    <a16:rowId xmlns:a16="http://schemas.microsoft.com/office/drawing/2014/main" xmlns="" val="10002"/>
+                  </a:ext>
+                </a:extLst>
+              </a:tr>
+            </a:tbl>
+          </a:graphicData>
+        </a:graphic>
+      </p:graphicFrame>
+      <p:sp>
+        <p:nvSpPr>
+          <p:cNvPr id="11" name="Rectangle 10">
+            <a:extLst>
+              <a:ext uri="{FF2B5EF4-FFF2-40B4-BE49-F238E27FC236}">
+                <a16:creationId xmlns:a16="http://schemas.microsoft.com/office/drawing/2014/main" xmlns="" id="{46F6A8FD-AE4F-405E-85C4-995D2C5B65BE}"/>
+              </a:ext>
+            </a:extLst>
+          </p:cNvPr>
+          <p:cNvSpPr/>
+          <p:nvPr/>
+        </p:nvSpPr>
+        <p:spPr>
+          <a:xfrm>
+            <a:off x="2358620" y="-970885"/>
+            <a:ext cx="6143028" cy="369332"/>
+          </a:xfrm>
+          <a:prstGeom prst="rect">
+            <a:avLst/>
+          </a:prstGeom>
+        </p:spPr>
+        <p:txBody>
+          <a:bodyPr wrap="none">
+            <a:spAutoFit/>
+          </a:bodyPr>
+          <a:lstStyle/>
+          <a:p>
+            <a:r>
+              <a:rPr lang="ko-KR" altLang="en-US" dirty="0"/>
+              <a:t>이름, 이메일, 주소, 휴대폰 번호, 닉네임, 아이디, 비밀번호</a:t>
+            </a:r>
+          </a:p>
+        </p:txBody>
+      </p:sp>
+      <p:graphicFrame>
+        <p:nvGraphicFramePr>
+          <p:cNvPr id="9" name="표 8"/>
+          <p:cNvGraphicFramePr>
+            <a:graphicFrameLocks noGrp="1"/>
+          </p:cNvGraphicFramePr>
+          <p:nvPr>
+            <p:extLst>
+              <p:ext uri="{D42A27DB-BD31-4B8C-83A1-F6EECF244321}">
+                <p14:modId xmlns:p14="http://schemas.microsoft.com/office/powerpoint/2010/main" val="3987830891"/>
+              </p:ext>
+            </p:extLst>
+          </p:nvPr>
+        </p:nvGraphicFramePr>
+        <p:xfrm>
+          <a:off x="131601" y="1283516"/>
+          <a:ext cx="8032096" cy="5347943"/>
+        </p:xfrm>
+        <a:graphic>
+          <a:graphicData uri="http://schemas.openxmlformats.org/drawingml/2006/table">
+            <a:tbl>
+              <a:tblPr firstRow="1" bandRow="1">
+                <a:tableStyleId>{5C22544A-7EE6-4342-B048-85BDC9FD1C3A}</a:tableStyleId>
+              </a:tblPr>
+              <a:tblGrid>
+                <a:gridCol w="8032096"/>
+              </a:tblGrid>
+              <a:tr h="569998">
+                <a:tc>
+                  <a:txBody>
+                    <a:bodyPr/>
+                    <a:lstStyle/>
+                    <a:p>
+                      <a:pPr latinLnBrk="1"/>
+                      <a:endParaRPr lang="ko-KR" altLang="en-US" dirty="0"/>
+                    </a:p>
+                  </a:txBody>
+                  <a:tcPr>
+                    <a:lnL w="12700" cap="flat" cmpd="sng" algn="ctr">
+                      <a:solidFill>
+                        <a:schemeClr val="tx1"/>
+                      </a:solidFill>
+                      <a:prstDash val="solid"/>
+                      <a:round/>
+                      <a:headEnd type="none" w="med" len="med"/>
+                      <a:tailEnd type="none" w="med" len="med"/>
+                    </a:lnL>
+                    <a:lnR w="12700" cap="flat" cmpd="sng" algn="ctr">
+                      <a:solidFill>
+                        <a:schemeClr val="tx1"/>
+                      </a:solidFill>
+                      <a:prstDash val="solid"/>
+                      <a:round/>
+                      <a:headEnd type="none" w="med" len="med"/>
+                      <a:tailEnd type="none" w="med" len="med"/>
+                    </a:lnR>
+                    <a:lnT w="12700" cap="flat" cmpd="sng" algn="ctr">
+                      <a:solidFill>
+                        <a:schemeClr val="tx1"/>
+                      </a:solidFill>
+                      <a:prstDash val="solid"/>
+                      <a:round/>
+                      <a:headEnd type="none" w="med" len="med"/>
+                      <a:tailEnd type="none" w="med" len="med"/>
+                    </a:lnT>
+                    <a:lnB w="12700" cap="flat" cmpd="sng" algn="ctr">
+                      <a:noFill/>
+                      <a:prstDash val="solid"/>
+                      <a:round/>
+                      <a:headEnd type="none" w="med" len="med"/>
+                      <a:tailEnd type="none" w="med" len="med"/>
+                    </a:lnB>
+                    <a:lnTlToBr w="12700" cmpd="sng">
+                      <a:noFill/>
+                      <a:prstDash val="solid"/>
+                    </a:lnTlToBr>
+                    <a:lnBlToTr w="12700" cmpd="sng">
+                      <a:noFill/>
+                      <a:prstDash val="solid"/>
+                    </a:lnBlToTr>
+                    <a:solidFill>
+                      <a:schemeClr val="bg1"/>
+                    </a:solidFill>
+                  </a:tcPr>
+                </a:tc>
+              </a:tr>
+              <a:tr h="4777945">
+                <a:tc>
+                  <a:txBody>
+                    <a:bodyPr/>
+                    <a:lstStyle/>
+                    <a:p>
+                      <a:pPr latinLnBrk="1"/>
+                      <a:endParaRPr lang="ko-KR" altLang="en-US" sz="1500" dirty="0"/>
+                    </a:p>
+                  </a:txBody>
+                  <a:tcPr>
+                    <a:lnL w="12700" cap="flat" cmpd="sng" algn="ctr">
+                      <a:solidFill>
+                        <a:schemeClr val="tx1"/>
+                      </a:solidFill>
+                      <a:prstDash val="solid"/>
+                      <a:round/>
+                      <a:headEnd type="none" w="med" len="med"/>
+                      <a:tailEnd type="none" w="med" len="med"/>
+                    </a:lnL>
+                    <a:lnR w="12700" cap="flat" cmpd="sng" algn="ctr">
+                      <a:solidFill>
+                        <a:schemeClr val="tx1"/>
+                      </a:solidFill>
+                      <a:prstDash val="solid"/>
+                      <a:round/>
+                      <a:headEnd type="none" w="med" len="med"/>
+                      <a:tailEnd type="none" w="med" len="med"/>
+                    </a:lnR>
+                    <a:lnT w="12700" cap="flat" cmpd="sng" algn="ctr">
+                      <a:noFill/>
+                      <a:prstDash val="solid"/>
+                      <a:round/>
+                      <a:headEnd type="none" w="med" len="med"/>
+                      <a:tailEnd type="none" w="med" len="med"/>
+                    </a:lnT>
+                    <a:lnB w="12700" cap="flat" cmpd="sng" algn="ctr">
+                      <a:solidFill>
+                        <a:schemeClr val="tx1"/>
+                      </a:solidFill>
+                      <a:prstDash val="solid"/>
+                      <a:round/>
+                      <a:headEnd type="none" w="med" len="med"/>
+                      <a:tailEnd type="none" w="med" len="med"/>
+                    </a:lnB>
+                    <a:lnTlToBr w="12700" cmpd="sng">
+                      <a:noFill/>
+                      <a:prstDash val="solid"/>
+                    </a:lnTlToBr>
+                    <a:lnBlToTr w="12700" cmpd="sng">
+                      <a:noFill/>
+                      <a:prstDash val="solid"/>
+                    </a:lnBlToTr>
+                    <a:solidFill>
+                      <a:schemeClr val="bg1">
+                        <a:lumMod val="95000"/>
+                      </a:schemeClr>
+                    </a:solidFill>
+                  </a:tcPr>
+                </a:tc>
+              </a:tr>
+            </a:tbl>
+          </a:graphicData>
+        </a:graphic>
+      </p:graphicFrame>
+      <p:grpSp>
+        <p:nvGrpSpPr>
+          <p:cNvPr id="10" name="그룹 9"/>
+          <p:cNvGrpSpPr/>
+          <p:nvPr/>
+        </p:nvGrpSpPr>
+        <p:grpSpPr>
+          <a:xfrm>
+            <a:off x="318350" y="1349364"/>
+            <a:ext cx="5111784" cy="355428"/>
+            <a:chOff x="356082" y="1397293"/>
+            <a:chExt cx="5111784" cy="355428"/>
+          </a:xfrm>
+        </p:grpSpPr>
+        <p:sp>
+          <p:nvSpPr>
+            <p:cNvPr id="22" name="직사각형 39"/>
+            <p:cNvSpPr/>
+            <p:nvPr/>
+          </p:nvSpPr>
+          <p:spPr>
+            <a:xfrm>
+              <a:off x="356082" y="1423945"/>
+              <a:ext cx="1207049" cy="328776"/>
+            </a:xfrm>
+            <a:prstGeom prst="rect">
+              <a:avLst/>
+            </a:prstGeom>
+            <a:solidFill>
+              <a:srgbClr val="FFFFFF"/>
+            </a:solidFill>
+            <a:ln w="12700">
+              <a:noFill/>
+              <a:miter/>
+            </a:ln>
+          </p:spPr>
+          <p:txBody>
+            <a:bodyPr lIns="45719" rIns="45719" anchor="ctr"/>
+            <a:lstStyle/>
+            <a:p>
+              <a:pPr>
+                <a:defRPr sz="1500"/>
+              </a:pPr>
+              <a:r>
+                <a:rPr lang="en-US" sz="1900" dirty="0"/>
+                <a:t>e</a:t>
+              </a:r>
+              <a:r>
+                <a:rPr lang="en-US" sz="1900" dirty="0" smtClean="0"/>
+                <a:t>-Zone</a:t>
+              </a:r>
+              <a:endParaRPr sz="1900" dirty="0"/>
+            </a:p>
+          </p:txBody>
+        </p:sp>
+        <p:grpSp>
+          <p:nvGrpSpPr>
+            <p:cNvPr id="6" name="그룹 5"/>
+            <p:cNvGrpSpPr/>
+            <p:nvPr/>
+          </p:nvGrpSpPr>
+          <p:grpSpPr>
+            <a:xfrm>
+              <a:off x="1909120" y="1397293"/>
+              <a:ext cx="3558746" cy="319907"/>
+              <a:chOff x="1351005" y="1391330"/>
+              <a:chExt cx="3558746" cy="319907"/>
+            </a:xfrm>
+          </p:grpSpPr>
+          <p:pic>
+            <p:nvPicPr>
+              <p:cNvPr id="2" name="그림 1"/>
+              <p:cNvPicPr>
+                <a:picLocks noChangeAspect="1"/>
+              </p:cNvPicPr>
+              <p:nvPr/>
+            </p:nvPicPr>
+            <p:blipFill>
+              <a:blip r:embed="rId2"/>
+              <a:stretch>
+                <a:fillRect/>
+              </a:stretch>
+            </p:blipFill>
+            <p:spPr>
+              <a:xfrm>
+                <a:off x="4594815" y="1391330"/>
+                <a:ext cx="299939" cy="279013"/>
+              </a:xfrm>
+              <a:prstGeom prst="rect">
+                <a:avLst/>
+              </a:prstGeom>
+            </p:spPr>
+          </p:pic>
+          <p:cxnSp>
+            <p:nvCxnSpPr>
+              <p:cNvPr id="5" name="직선 연결선 4"/>
+              <p:cNvCxnSpPr/>
+              <p:nvPr/>
+            </p:nvCxnSpPr>
+            <p:spPr>
+              <a:xfrm>
+                <a:off x="1351005" y="1711237"/>
+                <a:ext cx="3558746" cy="0"/>
+              </a:xfrm>
+              <a:prstGeom prst="line">
+                <a:avLst/>
+              </a:prstGeom>
+              <a:ln w="28575"/>
+            </p:spPr>
+            <p:style>
+              <a:lnRef idx="1">
+                <a:schemeClr val="accent2"/>
+              </a:lnRef>
+              <a:fillRef idx="0">
+                <a:schemeClr val="accent2"/>
+              </a:fillRef>
+              <a:effectRef idx="0">
+                <a:schemeClr val="accent2"/>
+              </a:effectRef>
+              <a:fontRef idx="minor">
+                <a:schemeClr val="tx1"/>
+              </a:fontRef>
+            </p:style>
+          </p:cxnSp>
+        </p:grpSp>
+      </p:grpSp>
+      <p:sp>
+        <p:nvSpPr>
+          <p:cNvPr id="36" name="직사각형 39"/>
+          <p:cNvSpPr/>
+          <p:nvPr/>
+        </p:nvSpPr>
+        <p:spPr>
+          <a:xfrm>
+            <a:off x="470751" y="2073818"/>
+            <a:ext cx="3681119" cy="328776"/>
+          </a:xfrm>
+          <a:prstGeom prst="rect">
+            <a:avLst/>
+          </a:prstGeom>
+          <a:noFill/>
+          <a:ln w="12700">
+            <a:noFill/>
+            <a:miter/>
+          </a:ln>
+        </p:spPr>
+        <p:txBody>
+          <a:bodyPr lIns="45719" rIns="45719" anchor="ctr"/>
+          <a:lstStyle/>
+          <a:p>
+            <a:pPr fontAlgn="t"/>
+            <a:r>
+              <a:rPr lang="ko-KR" altLang="en-US" b="1" dirty="0"/>
+              <a:t>양천</a:t>
+            </a:r>
+            <a:r>
+              <a:rPr lang="en-US" altLang="ko-KR" b="1" dirty="0"/>
+              <a:t>.</a:t>
+            </a:r>
+            <a:r>
+              <a:rPr lang="ko-KR" altLang="en-US" b="1" dirty="0"/>
+              <a:t>강서 모임공간 그림민화랑</a:t>
+            </a:r>
+          </a:p>
+        </p:txBody>
+      </p:sp>
+      <p:sp>
+        <p:nvSpPr>
+          <p:cNvPr id="12" name="직사각형 11"/>
+          <p:cNvSpPr/>
+          <p:nvPr/>
+        </p:nvSpPr>
+        <p:spPr>
+          <a:xfrm>
+            <a:off x="429562" y="2482325"/>
+            <a:ext cx="3788217" cy="276999"/>
+          </a:xfrm>
+          <a:prstGeom prst="rect">
+            <a:avLst/>
+          </a:prstGeom>
+        </p:spPr>
+        <p:txBody>
+          <a:bodyPr wrap="none">
+            <a:spAutoFit/>
+          </a:bodyPr>
+          <a:lstStyle/>
+          <a:p>
+            <a:r>
+              <a:rPr lang="ko-KR" altLang="en-US" sz="1200" dirty="0">
+                <a:solidFill>
+                  <a:schemeClr val="dk1"/>
+                </a:solidFill>
+              </a:rPr>
+              <a:t>우리끼리만의 고즈넉한 공간을 찾는다면 이곳입니다</a:t>
+            </a:r>
+            <a:endParaRPr lang="ko-KR" altLang="en-US" sz="1200" dirty="0"/>
+          </a:p>
+        </p:txBody>
+      </p:sp>
+      <p:pic>
+        <p:nvPicPr>
+          <p:cNvPr id="13" name="그림 12"/>
+          <p:cNvPicPr>
+            <a:picLocks noChangeAspect="1"/>
+          </p:cNvPicPr>
+          <p:nvPr/>
+        </p:nvPicPr>
+        <p:blipFill>
+          <a:blip r:embed="rId3"/>
+          <a:stretch>
+            <a:fillRect/>
+          </a:stretch>
+        </p:blipFill>
+        <p:spPr>
+          <a:xfrm>
+            <a:off x="525410" y="2905556"/>
+            <a:ext cx="4618508" cy="2416087"/>
+          </a:xfrm>
+          <a:prstGeom prst="rect">
+            <a:avLst/>
+          </a:prstGeom>
+        </p:spPr>
+      </p:pic>
+      <p:pic>
+        <p:nvPicPr>
+          <p:cNvPr id="17" name="그림 16"/>
+          <p:cNvPicPr>
+            <a:picLocks noChangeAspect="1"/>
+          </p:cNvPicPr>
+          <p:nvPr/>
+        </p:nvPicPr>
+        <p:blipFill>
+          <a:blip r:embed="rId4"/>
+          <a:stretch>
+            <a:fillRect/>
+          </a:stretch>
+        </p:blipFill>
+        <p:spPr>
+          <a:xfrm>
+            <a:off x="525410" y="5649051"/>
+            <a:ext cx="718504" cy="438666"/>
+          </a:xfrm>
+          <a:prstGeom prst="rect">
+            <a:avLst/>
+          </a:prstGeom>
+        </p:spPr>
+      </p:pic>
+      <p:pic>
+        <p:nvPicPr>
+          <p:cNvPr id="18" name="그림 17"/>
+          <p:cNvPicPr>
+            <a:picLocks noChangeAspect="1"/>
+          </p:cNvPicPr>
+          <p:nvPr/>
+        </p:nvPicPr>
+        <p:blipFill>
+          <a:blip r:embed="rId5"/>
+          <a:stretch>
+            <a:fillRect/>
+          </a:stretch>
+        </p:blipFill>
+        <p:spPr>
+          <a:xfrm>
+            <a:off x="525410" y="6130741"/>
+            <a:ext cx="3305028" cy="418948"/>
+          </a:xfrm>
+          <a:prstGeom prst="rect">
+            <a:avLst/>
+          </a:prstGeom>
+        </p:spPr>
+      </p:pic>
+      <p:pic>
+        <p:nvPicPr>
+          <p:cNvPr id="38" name="그림 37"/>
+          <p:cNvPicPr>
+            <a:picLocks noChangeAspect="1"/>
+          </p:cNvPicPr>
+          <p:nvPr/>
+        </p:nvPicPr>
+        <p:blipFill>
+          <a:blip r:embed="rId6"/>
+          <a:stretch>
+            <a:fillRect/>
+          </a:stretch>
+        </p:blipFill>
+        <p:spPr>
+          <a:xfrm>
+            <a:off x="5430134" y="2826630"/>
+            <a:ext cx="2422974" cy="2573937"/>
+          </a:xfrm>
+          <a:prstGeom prst="rect">
+            <a:avLst/>
+          </a:prstGeom>
+        </p:spPr>
+      </p:pic>
+      <p:sp>
+        <p:nvSpPr>
+          <p:cNvPr id="20" name="직사각형 19"/>
+          <p:cNvSpPr/>
+          <p:nvPr/>
+        </p:nvSpPr>
+        <p:spPr>
+          <a:xfrm>
+            <a:off x="5463086" y="5567198"/>
+            <a:ext cx="2280652" cy="356333"/>
+          </a:xfrm>
+          <a:prstGeom prst="rect">
+            <a:avLst/>
+          </a:prstGeom>
+          <a:solidFill>
+            <a:srgbClr val="704DE4"/>
+          </a:solidFill>
+          <a:ln>
+            <a:solidFill>
+              <a:schemeClr val="bg1"/>
+            </a:solidFill>
+          </a:ln>
+        </p:spPr>
+        <p:style>
+          <a:lnRef idx="2">
+            <a:schemeClr val="accent1">
+              <a:shade val="50000"/>
+            </a:schemeClr>
+          </a:lnRef>
+          <a:fillRef idx="1">
+            <a:schemeClr val="accent1"/>
+          </a:fillRef>
+          <a:effectRef idx="0">
+            <a:schemeClr val="accent1"/>
+          </a:effectRef>
+          <a:fontRef idx="minor">
+            <a:schemeClr val="lt1"/>
+          </a:fontRef>
+        </p:style>
+        <p:txBody>
+          <a:bodyPr rtlCol="0" anchor="ctr"/>
+          <a:lstStyle/>
+          <a:p>
+            <a:pPr algn="ctr"/>
+            <a:r>
+              <a:rPr lang="ko-KR" altLang="en-US" sz="1100" dirty="0" err="1" smtClean="0">
+                <a:ln>
+                  <a:solidFill>
+                    <a:schemeClr val="bg1"/>
+                  </a:solidFill>
+                </a:ln>
+                <a:solidFill>
+                  <a:srgbClr val="FFC000"/>
+                </a:solidFill>
+              </a:rPr>
+              <a:t>바로예약하기</a:t>
+            </a:r>
+            <a:endParaRPr lang="ko-KR" altLang="en-US" sz="1100" dirty="0">
+              <a:ln>
+                <a:solidFill>
+                  <a:schemeClr val="bg1"/>
+                </a:solidFill>
+              </a:ln>
+              <a:solidFill>
+                <a:srgbClr val="FFC000"/>
+              </a:solidFill>
+            </a:endParaRPr>
+          </a:p>
+        </p:txBody>
+      </p:sp>
+    </p:spTree>
+    <p:extLst>
+      <p:ext uri="{BB962C8B-B14F-4D97-AF65-F5344CB8AC3E}">
+        <p14:creationId xmlns:p14="http://schemas.microsoft.com/office/powerpoint/2010/main" val="1887687165"/>
+      </p:ext>
+    </p:extLst>
+  </p:cSld>
+  <p:clrMapOvr>
+    <a:masterClrMapping/>
+  </p:clrMapOvr>
+  <p:timing>
+    <p:tnLst>
+      <p:par>
+        <p:cTn id="1" dur="indefinite" restart="never" nodeType="tmRoot"/>
+      </p:par>
+    </p:tnLst>
+  </p:timing>
+</p:sld>
+</file>
+
+<file path=ppt/slides/slide3.xml><?xml version="1.0" encoding="utf-8"?>
+<p:sld xmlns:a="http://schemas.openxmlformats.org/drawingml/2006/main" xmlns:r="http://schemas.openxmlformats.org/officeDocument/2006/relationships" xmlns:p="http://schemas.openxmlformats.org/presentationml/2006/main">
+  <p:cSld>
+    <p:spTree>
+      <p:nvGrpSpPr>
+        <p:cNvPr id="1" name=""/>
+        <p:cNvGrpSpPr/>
+        <p:nvPr/>
+      </p:nvGrpSpPr>
+      <p:grpSpPr>
+        <a:xfrm>
+          <a:off x="0" y="0"/>
+          <a:ext cx="0" cy="0"/>
+          <a:chOff x="0" y="0"/>
+          <a:chExt cx="0" cy="0"/>
+        </a:xfrm>
+      </p:grpSpPr>
+      <p:graphicFrame>
+        <p:nvGraphicFramePr>
+          <p:cNvPr id="97" name="표 6"/>
+          <p:cNvGraphicFramePr/>
+          <p:nvPr/>
+        </p:nvGraphicFramePr>
+        <p:xfrm>
+          <a:off x="9309044" y="197402"/>
+          <a:ext cx="2815494" cy="320040"/>
+        </p:xfrm>
+        <a:graphic>
+          <a:graphicData uri="http://schemas.openxmlformats.org/drawingml/2006/table">
+            <a:tbl>
+              <a:tblPr/>
+              <a:tblGrid>
+                <a:gridCol w="1407747">
+                  <a:extLst>
+                    <a:ext uri="{9D8B030D-6E8A-4147-A177-3AD203B41FA5}">
+                      <a16:colId xmlns:a16="http://schemas.microsoft.com/office/drawing/2014/main" xmlns="" val="20000"/>
+                    </a:ext>
+                  </a:extLst>
+                </a:gridCol>
+                <a:gridCol w="1407747">
+                  <a:extLst>
+                    <a:ext uri="{9D8B030D-6E8A-4147-A177-3AD203B41FA5}">
+                      <a16:colId xmlns:a16="http://schemas.microsoft.com/office/drawing/2014/main" xmlns="" val="20001"/>
+                    </a:ext>
+                  </a:extLst>
+                </a:gridCol>
+              </a:tblGrid>
+              <a:tr h="265071">
+                <a:tc>
+                  <a:txBody>
+                    <a:bodyPr/>
+                    <a:lstStyle/>
+                    <a:p>
+                      <a:pPr algn="ctr">
+                        <a:defRPr sz="1800"/>
+                      </a:pPr>
+                      <a:r>
+                        <a:rPr sz="1500"/>
+                        <a:t>화면 번호</a:t>
+                      </a:r>
+                    </a:p>
+                  </a:txBody>
+                  <a:tcPr marL="45720" marR="45720" anchor="ctr" horzOverflow="overflow">
+                    <a:lnL w="12700">
+                      <a:solidFill>
+                        <a:srgbClr val="000000"/>
+                      </a:solidFill>
+                    </a:lnL>
+                    <a:lnR w="12700">
+                      <a:solidFill>
+                        <a:srgbClr val="000000"/>
+                      </a:solidFill>
+                    </a:lnR>
+                    <a:lnT w="12700">
+                      <a:solidFill>
+                        <a:srgbClr val="000000"/>
+                      </a:solidFill>
+                    </a:lnT>
+                    <a:lnB w="12700">
+                      <a:solidFill>
+                        <a:srgbClr val="000000"/>
+                      </a:solidFill>
+                    </a:lnB>
+                    <a:solidFill>
+                      <a:srgbClr val="D9D9D9"/>
+                    </a:solidFill>
+                  </a:tcPr>
+                </a:tc>
+                <a:tc>
+                  <a:txBody>
+                    <a:bodyPr/>
+                    <a:lstStyle/>
+                    <a:p>
+                      <a:pPr algn="ctr">
+                        <a:defRPr sz="1000">
+                          <a:latin typeface="Arial"/>
+                          <a:ea typeface="Arial"/>
+                          <a:cs typeface="Arial"/>
+                          <a:sym typeface="Arial"/>
+                        </a:defRPr>
+                      </a:pPr>
+                      <a:endParaRPr/>
+                    </a:p>
+                  </a:txBody>
+                  <a:tcPr marL="9525" marR="9525" marT="9525" marB="9525" anchor="ctr" horzOverflow="overflow">
+                    <a:lnL w="12700">
+                      <a:solidFill>
+                        <a:srgbClr val="000000"/>
+                      </a:solidFill>
+                    </a:lnL>
+                    <a:lnR w="12700">
+                      <a:solidFill>
+                        <a:srgbClr val="000000"/>
+                      </a:solidFill>
+                    </a:lnR>
+                    <a:lnT w="12700">
+                      <a:solidFill>
+                        <a:srgbClr val="000000"/>
+                      </a:solidFill>
+                    </a:lnT>
+                    <a:lnB w="12700">
+                      <a:solidFill>
+                        <a:srgbClr val="000000"/>
+                      </a:solidFill>
+                    </a:lnB>
+                    <a:solidFill>
+                      <a:srgbClr val="FFFFFF"/>
+                    </a:solidFill>
+                  </a:tcPr>
+                </a:tc>
+                <a:extLst>
+                  <a:ext uri="{0D108BD9-81ED-4DB2-BD59-A6C34878D82A}">
+                    <a16:rowId xmlns:a16="http://schemas.microsoft.com/office/drawing/2014/main" xmlns="" val="10000"/>
+                  </a:ext>
+                </a:extLst>
+              </a:tr>
+            </a:tbl>
+          </a:graphicData>
+        </a:graphic>
+      </p:graphicFrame>
+      <p:graphicFrame>
+        <p:nvGraphicFramePr>
+          <p:cNvPr id="98" name="표 8"/>
+          <p:cNvGraphicFramePr/>
+          <p:nvPr/>
+        </p:nvGraphicFramePr>
+        <p:xfrm>
+          <a:off x="6200085" y="197402"/>
+          <a:ext cx="2815494" cy="320040"/>
+        </p:xfrm>
+        <a:graphic>
+          <a:graphicData uri="http://schemas.openxmlformats.org/drawingml/2006/table">
+            <a:tbl>
+              <a:tblPr/>
+              <a:tblGrid>
+                <a:gridCol w="1407747">
+                  <a:extLst>
+                    <a:ext uri="{9D8B030D-6E8A-4147-A177-3AD203B41FA5}">
+                      <a16:colId xmlns:a16="http://schemas.microsoft.com/office/drawing/2014/main" xmlns="" val="20000"/>
+                    </a:ext>
+                  </a:extLst>
+                </a:gridCol>
+                <a:gridCol w="1407747">
+                  <a:extLst>
+                    <a:ext uri="{9D8B030D-6E8A-4147-A177-3AD203B41FA5}">
+                      <a16:colId xmlns:a16="http://schemas.microsoft.com/office/drawing/2014/main" xmlns="" val="20001"/>
+                    </a:ext>
+                  </a:extLst>
+                </a:gridCol>
+              </a:tblGrid>
+              <a:tr h="265071">
+                <a:tc>
+                  <a:txBody>
+                    <a:bodyPr/>
+                    <a:lstStyle/>
+                    <a:p>
+                      <a:pPr algn="ctr">
+                        <a:defRPr sz="1500"/>
+                      </a:pPr>
+                      <a:endParaRPr dirty="0"/>
+                    </a:p>
+                  </a:txBody>
+                  <a:tcPr marL="45720" marR="45720" anchor="ctr" horzOverflow="overflow">
+                    <a:lnL w="12700">
+                      <a:solidFill>
+                        <a:srgbClr val="000000"/>
+                      </a:solidFill>
+                    </a:lnL>
+                    <a:lnR w="12700">
+                      <a:solidFill>
+                        <a:srgbClr val="000000"/>
+                      </a:solidFill>
+                    </a:lnR>
+                    <a:lnT w="12700">
+                      <a:solidFill>
+                        <a:srgbClr val="000000"/>
+                      </a:solidFill>
+                    </a:lnT>
+                    <a:lnB w="12700">
+                      <a:solidFill>
+                        <a:srgbClr val="000000"/>
+                      </a:solidFill>
+                    </a:lnB>
+                    <a:solidFill>
+                      <a:srgbClr val="D9D9D9"/>
+                    </a:solidFill>
+                  </a:tcPr>
+                </a:tc>
+                <a:tc>
+                  <a:txBody>
+                    <a:bodyPr/>
+                    <a:lstStyle/>
+                    <a:p>
+                      <a:pPr algn="ctr">
+                        <a:defRPr sz="1500"/>
+                      </a:pPr>
+                      <a:endParaRPr/>
+                    </a:p>
+                  </a:txBody>
+                  <a:tcPr marL="45720" marR="45720" anchor="ctr" horzOverflow="overflow">
+                    <a:lnL w="12700">
+                      <a:solidFill>
+                        <a:srgbClr val="000000"/>
+                      </a:solidFill>
+                    </a:lnL>
+                    <a:lnR w="12700">
+                      <a:solidFill>
+                        <a:srgbClr val="000000"/>
+                      </a:solidFill>
+                    </a:lnR>
+                    <a:lnT w="12700">
+                      <a:solidFill>
+                        <a:srgbClr val="000000"/>
+                      </a:solidFill>
+                    </a:lnT>
+                    <a:lnB w="12700">
+                      <a:solidFill>
+                        <a:srgbClr val="000000"/>
+                      </a:solidFill>
+                    </a:lnB>
+                    <a:solidFill>
+                      <a:srgbClr val="FFFFFF"/>
+                    </a:solidFill>
+                  </a:tcPr>
+                </a:tc>
+                <a:extLst>
+                  <a:ext uri="{0D108BD9-81ED-4DB2-BD59-A6C34878D82A}">
+                    <a16:rowId xmlns:a16="http://schemas.microsoft.com/office/drawing/2014/main" xmlns="" val="10000"/>
+                  </a:ext>
+                </a:extLst>
+              </a:tr>
+            </a:tbl>
+          </a:graphicData>
+        </a:graphic>
+      </p:graphicFrame>
+      <p:graphicFrame>
+        <p:nvGraphicFramePr>
+          <p:cNvPr id="99" name="표 13"/>
+          <p:cNvGraphicFramePr/>
+          <p:nvPr>
+            <p:extLst>
+              <p:ext uri="{D42A27DB-BD31-4B8C-83A1-F6EECF244321}">
+                <p14:modId xmlns:p14="http://schemas.microsoft.com/office/powerpoint/2010/main" val="1487675330"/>
+              </p:ext>
+            </p:extLst>
+          </p:nvPr>
+        </p:nvGraphicFramePr>
+        <p:xfrm>
+          <a:off x="8509686" y="1264252"/>
+          <a:ext cx="3491813" cy="6017997"/>
+        </p:xfrm>
+        <a:graphic>
+          <a:graphicData uri="http://schemas.openxmlformats.org/drawingml/2006/table">
+            <a:tbl>
+              <a:tblPr firstRow="1"/>
+              <a:tblGrid>
+                <a:gridCol w="342705">
+                  <a:extLst>
+                    <a:ext uri="{9D8B030D-6E8A-4147-A177-3AD203B41FA5}">
+                      <a16:colId xmlns:a16="http://schemas.microsoft.com/office/drawing/2014/main" xmlns="" val="20000"/>
+                    </a:ext>
+                  </a:extLst>
+                </a:gridCol>
+                <a:gridCol w="3149108">
+                  <a:extLst>
+                    <a:ext uri="{9D8B030D-6E8A-4147-A177-3AD203B41FA5}">
+                      <a16:colId xmlns:a16="http://schemas.microsoft.com/office/drawing/2014/main" xmlns="" val="20001"/>
+                    </a:ext>
+                  </a:extLst>
+                </a:gridCol>
+              </a:tblGrid>
+              <a:tr h="531597">
+                <a:tc>
+                  <a:txBody>
+                    <a:bodyPr/>
+                    <a:lstStyle/>
+                    <a:p>
+                      <a:pPr algn="ctr">
+                        <a:defRPr sz="1800" b="0">
+                          <a:solidFill>
+                            <a:srgbClr val="000000"/>
+                          </a:solidFill>
+                        </a:defRPr>
+                      </a:pPr>
+                      <a:r>
+                        <a:rPr sz="1500" b="1" dirty="0"/>
+                        <a:t>#</a:t>
+                      </a:r>
+                    </a:p>
+                  </a:txBody>
+                  <a:tcPr marL="45720" marR="45720" anchor="ctr" horzOverflow="overflow">
+                    <a:lnL w="12700">
+                      <a:solidFill>
+                        <a:srgbClr val="000000"/>
+                      </a:solidFill>
+                    </a:lnL>
+                    <a:lnR w="12700">
+                      <a:solidFill>
+                        <a:srgbClr val="000000"/>
+                      </a:solidFill>
+                    </a:lnR>
+                    <a:lnT w="12700">
+                      <a:solidFill>
+                        <a:srgbClr val="000000"/>
+                      </a:solidFill>
+                    </a:lnT>
+                    <a:lnB w="12700">
+                      <a:solidFill>
+                        <a:srgbClr val="000000"/>
+                      </a:solidFill>
+                    </a:lnB>
+                    <a:solidFill>
+                      <a:srgbClr val="D9D9D9"/>
+                    </a:solidFill>
+                  </a:tcPr>
+                </a:tc>
+                <a:tc>
+                  <a:txBody>
+                    <a:bodyPr/>
+                    <a:lstStyle/>
+                    <a:p>
+                      <a:pPr algn="ctr">
+                        <a:defRPr sz="1800" b="0">
+                          <a:solidFill>
+                            <a:srgbClr val="000000"/>
+                          </a:solidFill>
+                        </a:defRPr>
+                      </a:pPr>
+                      <a:r>
+                        <a:rPr sz="1500" b="1"/>
+                        <a:t>기능명</a:t>
+                      </a:r>
+                    </a:p>
+                  </a:txBody>
+                  <a:tcPr marL="45720" marR="45720" anchor="ctr" horzOverflow="overflow">
+                    <a:lnL w="12700">
+                      <a:solidFill>
+                        <a:srgbClr val="000000"/>
+                      </a:solidFill>
+                    </a:lnL>
+                    <a:lnR w="12700">
+                      <a:solidFill>
+                        <a:srgbClr val="000000"/>
+                      </a:solidFill>
+                    </a:lnR>
+                    <a:lnT w="12700">
+                      <a:solidFill>
+                        <a:srgbClr val="000000"/>
+                      </a:solidFill>
+                    </a:lnT>
+                    <a:lnB w="12700">
+                      <a:solidFill>
+                        <a:srgbClr val="000000"/>
+                      </a:solidFill>
+                    </a:lnB>
+                    <a:solidFill>
+                      <a:srgbClr val="D9D9D9"/>
+                    </a:solidFill>
+                  </a:tcPr>
+                </a:tc>
+                <a:extLst>
+                  <a:ext uri="{0D108BD9-81ED-4DB2-BD59-A6C34878D82A}">
+                    <a16:rowId xmlns:a16="http://schemas.microsoft.com/office/drawing/2014/main" xmlns="" val="10000"/>
+                  </a:ext>
+                </a:extLst>
+              </a:tr>
+              <a:tr h="914400">
+                <a:tc>
+                  <a:txBody>
+                    <a:bodyPr/>
+                    <a:lstStyle/>
+                    <a:p>
+                      <a:pPr algn="ctr">
+                        <a:defRPr sz="1800"/>
+                      </a:pPr>
+                      <a:r>
+                        <a:rPr sz="1500" dirty="0"/>
+                        <a:t>1</a:t>
+                      </a:r>
+                    </a:p>
+                  </a:txBody>
+                  <a:tcPr marL="45720" marR="45720" anchor="ctr" horzOverflow="overflow">
+                    <a:lnL w="12700">
+                      <a:solidFill>
+                        <a:srgbClr val="000000"/>
+                      </a:solidFill>
+                    </a:lnL>
+                    <a:lnR w="12700">
+                      <a:solidFill>
+                        <a:srgbClr val="000000"/>
+                      </a:solidFill>
+                    </a:lnR>
+                    <a:lnT w="12700">
+                      <a:solidFill>
+                        <a:srgbClr val="000000"/>
+                      </a:solidFill>
+                    </a:lnT>
+                    <a:lnB w="12700" cap="flat" cmpd="sng" algn="ctr">
+                      <a:solidFill>
+                        <a:srgbClr val="000000"/>
+                      </a:solidFill>
+                      <a:prstDash val="solid"/>
+                      <a:round/>
+                      <a:headEnd type="none" w="med" len="med"/>
+                      <a:tailEnd type="none" w="med" len="med"/>
+                    </a:lnB>
+                    <a:solidFill>
+                      <a:srgbClr val="FFFFFF"/>
+                    </a:solidFill>
+                  </a:tcPr>
+                </a:tc>
+                <a:tc>
+                  <a:txBody>
+                    <a:bodyPr/>
+                    <a:lstStyle/>
+                    <a:p>
+                      <a:pPr algn="l">
+                        <a:defRPr sz="1500"/>
+                      </a:pPr>
+                      <a:r>
+                        <a:rPr lang="ko-KR" altLang="en-US" dirty="0"/>
+                        <a:t>회원가입 폼</a:t>
+                      </a:r>
+                      <a:endParaRPr lang="en-US" altLang="ko-KR" dirty="0"/>
+                    </a:p>
+                    <a:p>
+                      <a:pPr algn="l">
+                        <a:defRPr sz="1500"/>
+                      </a:pPr>
+                      <a:r>
+                        <a:rPr lang="en-US" altLang="ko-KR" dirty="0"/>
+                        <a:t>- </a:t>
+                      </a:r>
+                      <a:r>
+                        <a:rPr lang="ko-KR" altLang="en-US" sz="1200" dirty="0"/>
+                        <a:t>아이디</a:t>
+                      </a:r>
+                      <a:r>
+                        <a:rPr lang="en-US" altLang="ko-KR" sz="1200" dirty="0"/>
+                        <a:t>, </a:t>
+                      </a:r>
+                      <a:r>
+                        <a:rPr lang="ko-KR" altLang="en-US" sz="1200" dirty="0"/>
+                        <a:t>비밀번호</a:t>
+                      </a:r>
+                      <a:r>
+                        <a:rPr lang="en-US" altLang="ko-KR" sz="1200" dirty="0"/>
+                        <a:t>, </a:t>
+                      </a:r>
+                      <a:r>
+                        <a:rPr lang="ko-KR" altLang="en-US" sz="1200" dirty="0"/>
+                        <a:t>비밀번호 확인</a:t>
+                      </a:r>
+                      <a:r>
+                        <a:rPr lang="en-US" altLang="ko-KR" sz="1200" dirty="0"/>
+                        <a:t>, </a:t>
+                      </a:r>
+                      <a:r>
+                        <a:rPr lang="ko-KR" altLang="en-US" sz="1200" dirty="0"/>
+                        <a:t>이름</a:t>
+                      </a:r>
+                      <a:r>
+                        <a:rPr lang="en-US" altLang="ko-KR" sz="1200" dirty="0"/>
+                        <a:t>, </a:t>
+                      </a:r>
+                      <a:r>
+                        <a:rPr lang="ko-KR" altLang="en-US" sz="1200" dirty="0"/>
+                        <a:t>닉네임</a:t>
+                      </a:r>
+                      <a:r>
+                        <a:rPr lang="en-US" altLang="ko-KR" sz="1200" dirty="0"/>
+                        <a:t>, </a:t>
+                      </a:r>
+                      <a:r>
+                        <a:rPr lang="ko-KR" altLang="en-US" sz="1200" dirty="0"/>
+                        <a:t>주소</a:t>
+                      </a:r>
+                      <a:r>
+                        <a:rPr lang="en-US" altLang="ko-KR" sz="1200" dirty="0"/>
+                        <a:t>, </a:t>
+                      </a:r>
+                      <a:r>
+                        <a:rPr lang="ko-KR" altLang="en-US" sz="1200" dirty="0"/>
+                        <a:t>이메일주소</a:t>
+                      </a:r>
+                      <a:r>
+                        <a:rPr lang="en-US" altLang="ko-KR" sz="1200" dirty="0"/>
+                        <a:t>, </a:t>
+                      </a:r>
+                      <a:r>
+                        <a:rPr lang="ko-KR" altLang="en-US" sz="1200" dirty="0"/>
+                        <a:t>휴대폰 번호</a:t>
+                      </a:r>
+                      <a:r>
+                        <a:rPr lang="en-US" altLang="ko-KR" sz="1200" dirty="0"/>
+                        <a:t>, </a:t>
+                      </a:r>
+                      <a:r>
+                        <a:rPr lang="ko-KR" altLang="en-US" sz="1200" dirty="0"/>
+                        <a:t>인증번호 필수 입력</a:t>
+                      </a:r>
+                      <a:endParaRPr sz="1200" dirty="0"/>
+                    </a:p>
+                  </a:txBody>
+                  <a:tcPr marL="45720" marR="45720" horzOverflow="overflow">
+                    <a:lnL w="12700">
+                      <a:solidFill>
+                        <a:srgbClr val="000000"/>
+                      </a:solidFill>
+                    </a:lnL>
+                    <a:lnR w="12700">
+                      <a:solidFill>
+                        <a:srgbClr val="000000"/>
+                      </a:solidFill>
+                    </a:lnR>
+                    <a:lnT w="12700">
+                      <a:solidFill>
+                        <a:srgbClr val="000000"/>
+                      </a:solidFill>
+                    </a:lnT>
+                    <a:lnB w="12700" cap="flat" cmpd="sng" algn="ctr">
+                      <a:solidFill>
+                        <a:srgbClr val="000000"/>
+                      </a:solidFill>
+                      <a:prstDash val="solid"/>
+                      <a:round/>
+                      <a:headEnd type="none" w="med" len="med"/>
+                      <a:tailEnd type="none" w="med" len="med"/>
+                    </a:lnB>
+                    <a:solidFill>
+                      <a:srgbClr val="FFFFFF"/>
+                    </a:solidFill>
+                  </a:tcPr>
+                </a:tc>
+                <a:extLst>
+                  <a:ext uri="{0D108BD9-81ED-4DB2-BD59-A6C34878D82A}">
+                    <a16:rowId xmlns:a16="http://schemas.microsoft.com/office/drawing/2014/main" xmlns="" val="10001"/>
+                  </a:ext>
+                </a:extLst>
+              </a:tr>
+              <a:tr h="914400">
+                <a:tc>
+                  <a:txBody>
+                    <a:bodyPr/>
+                    <a:lstStyle/>
+                    <a:p>
+                      <a:pPr algn="ctr">
+                        <a:defRPr sz="1800"/>
+                      </a:pPr>
+                      <a:endParaRPr sz="1500" dirty="0"/>
+                    </a:p>
+                  </a:txBody>
+                  <a:tcPr marL="45720" marR="45720" anchor="ctr" horzOverflow="overflow">
+                    <a:lnL w="12700" cap="flat" cmpd="sng" algn="ctr">
+                      <a:solidFill>
+                        <a:srgbClr val="000000"/>
+                      </a:solidFill>
+                      <a:prstDash val="solid"/>
+                      <a:round/>
+                      <a:headEnd type="none" w="med" len="med"/>
+                      <a:tailEnd type="none" w="med" len="med"/>
+                    </a:lnL>
+                    <a:lnR w="12700" cap="flat" cmpd="sng" algn="ctr">
+                      <a:solidFill>
+                        <a:srgbClr val="000000"/>
+                      </a:solidFill>
+                      <a:prstDash val="solid"/>
+                      <a:round/>
+                      <a:headEnd type="none" w="med" len="med"/>
+                      <a:tailEnd type="none" w="med" len="med"/>
+                    </a:lnR>
+                    <a:lnT w="12700" cap="flat" cmpd="sng" algn="ctr">
+                      <a:solidFill>
+                        <a:srgbClr val="000000"/>
+                      </a:solidFill>
+                      <a:prstDash val="solid"/>
+                      <a:round/>
+                      <a:headEnd type="none" w="med" len="med"/>
+                      <a:tailEnd type="none" w="med" len="med"/>
+                    </a:lnT>
+                    <a:lnB w="12700" cap="flat" cmpd="sng" algn="ctr">
+                      <a:solidFill>
+                        <a:srgbClr val="000000"/>
+                      </a:solidFill>
+                      <a:prstDash val="solid"/>
+                      <a:round/>
+                      <a:headEnd type="none" w="med" len="med"/>
+                      <a:tailEnd type="none" w="med" len="med"/>
+                    </a:lnB>
+                    <a:solidFill>
+                      <a:srgbClr val="FFFFFF"/>
+                    </a:solidFill>
+                  </a:tcPr>
+                </a:tc>
+                <a:tc>
+                  <a:txBody>
+                    <a:bodyPr/>
+                    <a:lstStyle/>
+                    <a:p>
+                      <a:pPr algn="l">
+                        <a:defRPr sz="1500"/>
+                      </a:pPr>
+                      <a:endParaRPr sz="1200" dirty="0"/>
+                    </a:p>
+                  </a:txBody>
+                  <a:tcPr marL="45720" marR="45720" horzOverflow="overflow">
+                    <a:lnL w="12700" cap="flat" cmpd="sng" algn="ctr">
+                      <a:solidFill>
+                        <a:srgbClr val="000000"/>
+                      </a:solidFill>
+                      <a:prstDash val="solid"/>
+                      <a:round/>
+                      <a:headEnd type="none" w="med" len="med"/>
+                      <a:tailEnd type="none" w="med" len="med"/>
+                    </a:lnL>
+                    <a:lnR w="12700" cap="flat" cmpd="sng" algn="ctr">
+                      <a:solidFill>
+                        <a:srgbClr val="000000"/>
+                      </a:solidFill>
+                      <a:prstDash val="solid"/>
+                      <a:round/>
+                      <a:headEnd type="none" w="med" len="med"/>
+                      <a:tailEnd type="none" w="med" len="med"/>
+                    </a:lnR>
+                    <a:lnT w="12700" cap="flat" cmpd="sng" algn="ctr">
+                      <a:solidFill>
+                        <a:srgbClr val="000000"/>
+                      </a:solidFill>
+                      <a:prstDash val="solid"/>
+                      <a:round/>
+                      <a:headEnd type="none" w="med" len="med"/>
+                      <a:tailEnd type="none" w="med" len="med"/>
+                    </a:lnT>
+                    <a:lnB w="12700" cap="flat" cmpd="sng" algn="ctr">
+                      <a:solidFill>
+                        <a:srgbClr val="000000"/>
+                      </a:solidFill>
+                      <a:prstDash val="solid"/>
+                      <a:round/>
+                      <a:headEnd type="none" w="med" len="med"/>
+                      <a:tailEnd type="none" w="med" len="med"/>
+                    </a:lnB>
+                    <a:solidFill>
+                      <a:srgbClr val="FFFFFF"/>
+                    </a:solidFill>
+                  </a:tcPr>
+                </a:tc>
+              </a:tr>
+              <a:tr h="914400">
+                <a:tc>
+                  <a:txBody>
+                    <a:bodyPr/>
+                    <a:lstStyle/>
+                    <a:p>
+                      <a:pPr algn="ctr">
+                        <a:defRPr sz="1800"/>
+                      </a:pPr>
+                      <a:endParaRPr sz="1500" dirty="0"/>
+                    </a:p>
+                  </a:txBody>
+                  <a:tcPr marL="45720" marR="45720" anchor="ctr" horzOverflow="overflow">
+                    <a:lnL w="12700" cap="flat" cmpd="sng" algn="ctr">
+                      <a:solidFill>
+                        <a:srgbClr val="000000"/>
+                      </a:solidFill>
+                      <a:prstDash val="solid"/>
+                      <a:round/>
+                      <a:headEnd type="none" w="med" len="med"/>
+                      <a:tailEnd type="none" w="med" len="med"/>
+                    </a:lnL>
+                    <a:lnR w="12700" cap="flat" cmpd="sng" algn="ctr">
+                      <a:solidFill>
+                        <a:srgbClr val="000000"/>
+                      </a:solidFill>
+                      <a:prstDash val="solid"/>
+                      <a:round/>
+                      <a:headEnd type="none" w="med" len="med"/>
+                      <a:tailEnd type="none" w="med" len="med"/>
+                    </a:lnR>
+                    <a:lnT w="12700" cap="flat" cmpd="sng" algn="ctr">
+                      <a:solidFill>
+                        <a:srgbClr val="000000"/>
+                      </a:solidFill>
+                      <a:prstDash val="solid"/>
+                      <a:round/>
+                      <a:headEnd type="none" w="med" len="med"/>
+                      <a:tailEnd type="none" w="med" len="med"/>
+                    </a:lnT>
+                    <a:lnB w="12700" cap="flat" cmpd="sng" algn="ctr">
+                      <a:solidFill>
+                        <a:srgbClr val="000000"/>
+                      </a:solidFill>
+                      <a:prstDash val="solid"/>
+                      <a:round/>
+                      <a:headEnd type="none" w="med" len="med"/>
+                      <a:tailEnd type="none" w="med" len="med"/>
+                    </a:lnB>
+                    <a:solidFill>
+                      <a:srgbClr val="FFFFFF"/>
+                    </a:solidFill>
+                  </a:tcPr>
+                </a:tc>
+                <a:tc>
+                  <a:txBody>
+                    <a:bodyPr/>
+                    <a:lstStyle/>
+                    <a:p>
+                      <a:pPr algn="l">
+                        <a:defRPr sz="1500"/>
+                      </a:pPr>
+                      <a:endParaRPr sz="1200" dirty="0"/>
+                    </a:p>
+                  </a:txBody>
+                  <a:tcPr marL="45720" marR="45720" horzOverflow="overflow">
+                    <a:lnL w="12700" cap="flat" cmpd="sng" algn="ctr">
+                      <a:solidFill>
+                        <a:srgbClr val="000000"/>
+                      </a:solidFill>
+                      <a:prstDash val="solid"/>
+                      <a:round/>
+                      <a:headEnd type="none" w="med" len="med"/>
+                      <a:tailEnd type="none" w="med" len="med"/>
+                    </a:lnL>
+                    <a:lnR w="12700" cap="flat" cmpd="sng" algn="ctr">
+                      <a:solidFill>
+                        <a:srgbClr val="000000"/>
+                      </a:solidFill>
+                      <a:prstDash val="solid"/>
+                      <a:round/>
+                      <a:headEnd type="none" w="med" len="med"/>
+                      <a:tailEnd type="none" w="med" len="med"/>
+                    </a:lnR>
+                    <a:lnT w="12700" cap="flat" cmpd="sng" algn="ctr">
+                      <a:solidFill>
+                        <a:srgbClr val="000000"/>
+                      </a:solidFill>
+                      <a:prstDash val="solid"/>
+                      <a:round/>
+                      <a:headEnd type="none" w="med" len="med"/>
+                      <a:tailEnd type="none" w="med" len="med"/>
+                    </a:lnT>
+                    <a:lnB w="12700" cap="flat" cmpd="sng" algn="ctr">
+                      <a:solidFill>
+                        <a:srgbClr val="000000"/>
+                      </a:solidFill>
+                      <a:prstDash val="solid"/>
+                      <a:round/>
+                      <a:headEnd type="none" w="med" len="med"/>
+                      <a:tailEnd type="none" w="med" len="med"/>
+                    </a:lnB>
+                    <a:solidFill>
+                      <a:srgbClr val="FFFFFF"/>
+                    </a:solidFill>
+                  </a:tcPr>
+                </a:tc>
+              </a:tr>
+              <a:tr h="914400">
+                <a:tc>
+                  <a:txBody>
+                    <a:bodyPr/>
+                    <a:lstStyle/>
+                    <a:p>
+                      <a:pPr algn="ctr">
+                        <a:defRPr sz="1800"/>
+                      </a:pPr>
+                      <a:endParaRPr sz="1500" dirty="0"/>
+                    </a:p>
+                  </a:txBody>
+                  <a:tcPr marL="45720" marR="45720" anchor="ctr" horzOverflow="overflow">
+                    <a:lnL w="12700" cap="flat" cmpd="sng" algn="ctr">
+                      <a:solidFill>
+                        <a:srgbClr val="000000"/>
+                      </a:solidFill>
+                      <a:prstDash val="solid"/>
+                      <a:round/>
+                      <a:headEnd type="none" w="med" len="med"/>
+                      <a:tailEnd type="none" w="med" len="med"/>
+                    </a:lnL>
+                    <a:lnR w="12700" cap="flat" cmpd="sng" algn="ctr">
+                      <a:solidFill>
+                        <a:srgbClr val="000000"/>
+                      </a:solidFill>
+                      <a:prstDash val="solid"/>
+                      <a:round/>
+                      <a:headEnd type="none" w="med" len="med"/>
+                      <a:tailEnd type="none" w="med" len="med"/>
+                    </a:lnR>
+                    <a:lnT w="12700" cap="flat" cmpd="sng" algn="ctr">
+                      <a:solidFill>
+                        <a:srgbClr val="000000"/>
+                      </a:solidFill>
+                      <a:prstDash val="solid"/>
+                      <a:round/>
+                      <a:headEnd type="none" w="med" len="med"/>
+                      <a:tailEnd type="none" w="med" len="med"/>
+                    </a:lnT>
+                    <a:lnB w="12700" cap="flat" cmpd="sng" algn="ctr">
+                      <a:solidFill>
+                        <a:srgbClr val="000000"/>
+                      </a:solidFill>
+                      <a:prstDash val="solid"/>
+                      <a:round/>
+                      <a:headEnd type="none" w="med" len="med"/>
+                      <a:tailEnd type="none" w="med" len="med"/>
+                    </a:lnB>
+                    <a:solidFill>
+                      <a:srgbClr val="FFFFFF"/>
+                    </a:solidFill>
+                  </a:tcPr>
+                </a:tc>
+                <a:tc>
+                  <a:txBody>
+                    <a:bodyPr/>
+                    <a:lstStyle/>
+                    <a:p>
+                      <a:pPr algn="l">
+                        <a:defRPr sz="1500"/>
+                      </a:pPr>
+                      <a:endParaRPr sz="1200" dirty="0"/>
+                    </a:p>
+                  </a:txBody>
+                  <a:tcPr marL="45720" marR="45720" horzOverflow="overflow">
+                    <a:lnL w="12700" cap="flat" cmpd="sng" algn="ctr">
+                      <a:solidFill>
+                        <a:srgbClr val="000000"/>
+                      </a:solidFill>
+                      <a:prstDash val="solid"/>
+                      <a:round/>
+                      <a:headEnd type="none" w="med" len="med"/>
+                      <a:tailEnd type="none" w="med" len="med"/>
+                    </a:lnL>
+                    <a:lnR w="12700" cap="flat" cmpd="sng" algn="ctr">
+                      <a:solidFill>
+                        <a:srgbClr val="000000"/>
+                      </a:solidFill>
+                      <a:prstDash val="solid"/>
+                      <a:round/>
+                      <a:headEnd type="none" w="med" len="med"/>
+                      <a:tailEnd type="none" w="med" len="med"/>
+                    </a:lnR>
+                    <a:lnT w="12700" cap="flat" cmpd="sng" algn="ctr">
+                      <a:solidFill>
+                        <a:srgbClr val="000000"/>
+                      </a:solidFill>
+                      <a:prstDash val="solid"/>
+                      <a:round/>
+                      <a:headEnd type="none" w="med" len="med"/>
+                      <a:tailEnd type="none" w="med" len="med"/>
+                    </a:lnT>
+                    <a:lnB w="12700" cap="flat" cmpd="sng" algn="ctr">
+                      <a:solidFill>
+                        <a:srgbClr val="000000"/>
+                      </a:solidFill>
+                      <a:prstDash val="solid"/>
+                      <a:round/>
+                      <a:headEnd type="none" w="med" len="med"/>
+                      <a:tailEnd type="none" w="med" len="med"/>
+                    </a:lnB>
+                    <a:solidFill>
+                      <a:srgbClr val="FFFFFF"/>
+                    </a:solidFill>
+                  </a:tcPr>
+                </a:tc>
+              </a:tr>
+              <a:tr h="914400">
+                <a:tc>
+                  <a:txBody>
+                    <a:bodyPr/>
+                    <a:lstStyle/>
+                    <a:p>
+                      <a:pPr algn="ctr">
+                        <a:defRPr sz="1800"/>
+                      </a:pPr>
+                      <a:endParaRPr sz="1500" dirty="0"/>
+                    </a:p>
+                  </a:txBody>
+                  <a:tcPr marL="45720" marR="45720" anchor="ctr" horzOverflow="overflow">
+                    <a:lnL w="12700" cap="flat" cmpd="sng" algn="ctr">
+                      <a:solidFill>
+                        <a:srgbClr val="000000"/>
+                      </a:solidFill>
+                      <a:prstDash val="solid"/>
+                      <a:round/>
+                      <a:headEnd type="none" w="med" len="med"/>
+                      <a:tailEnd type="none" w="med" len="med"/>
+                    </a:lnL>
+                    <a:lnR w="12700" cap="flat" cmpd="sng" algn="ctr">
+                      <a:solidFill>
+                        <a:srgbClr val="000000"/>
+                      </a:solidFill>
+                      <a:prstDash val="solid"/>
+                      <a:round/>
+                      <a:headEnd type="none" w="med" len="med"/>
+                      <a:tailEnd type="none" w="med" len="med"/>
+                    </a:lnR>
+                    <a:lnT w="12700" cap="flat" cmpd="sng" algn="ctr">
+                      <a:solidFill>
+                        <a:srgbClr val="000000"/>
+                      </a:solidFill>
+                      <a:prstDash val="solid"/>
+                      <a:round/>
+                      <a:headEnd type="none" w="med" len="med"/>
+                      <a:tailEnd type="none" w="med" len="med"/>
+                    </a:lnT>
+                    <a:lnB w="12700" cap="flat" cmpd="sng" algn="ctr">
+                      <a:solidFill>
+                        <a:srgbClr val="000000"/>
+                      </a:solidFill>
+                      <a:prstDash val="solid"/>
+                      <a:round/>
+                      <a:headEnd type="none" w="med" len="med"/>
+                      <a:tailEnd type="none" w="med" len="med"/>
+                    </a:lnB>
+                    <a:solidFill>
+                      <a:srgbClr val="FFFFFF"/>
+                    </a:solidFill>
+                  </a:tcPr>
+                </a:tc>
+                <a:tc>
+                  <a:txBody>
+                    <a:bodyPr/>
+                    <a:lstStyle/>
+                    <a:p>
+                      <a:pPr algn="l">
+                        <a:defRPr sz="1500"/>
+                      </a:pPr>
+                      <a:endParaRPr sz="1200" dirty="0"/>
+                    </a:p>
+                  </a:txBody>
+                  <a:tcPr marL="45720" marR="45720" horzOverflow="overflow">
+                    <a:lnL w="12700" cap="flat" cmpd="sng" algn="ctr">
+                      <a:solidFill>
+                        <a:srgbClr val="000000"/>
+                      </a:solidFill>
+                      <a:prstDash val="solid"/>
+                      <a:round/>
+                      <a:headEnd type="none" w="med" len="med"/>
+                      <a:tailEnd type="none" w="med" len="med"/>
+                    </a:lnL>
+                    <a:lnR w="12700" cap="flat" cmpd="sng" algn="ctr">
+                      <a:solidFill>
+                        <a:srgbClr val="000000"/>
+                      </a:solidFill>
+                      <a:prstDash val="solid"/>
+                      <a:round/>
+                      <a:headEnd type="none" w="med" len="med"/>
+                      <a:tailEnd type="none" w="med" len="med"/>
+                    </a:lnR>
+                    <a:lnT w="12700" cap="flat" cmpd="sng" algn="ctr">
+                      <a:solidFill>
+                        <a:srgbClr val="000000"/>
+                      </a:solidFill>
+                      <a:prstDash val="solid"/>
+                      <a:round/>
+                      <a:headEnd type="none" w="med" len="med"/>
+                      <a:tailEnd type="none" w="med" len="med"/>
+                    </a:lnT>
+                    <a:lnB w="12700" cap="flat" cmpd="sng" algn="ctr">
+                      <a:solidFill>
+                        <a:srgbClr val="000000"/>
+                      </a:solidFill>
+                      <a:prstDash val="solid"/>
+                      <a:round/>
+                      <a:headEnd type="none" w="med" len="med"/>
+                      <a:tailEnd type="none" w="med" len="med"/>
+                    </a:lnB>
+                    <a:solidFill>
+                      <a:srgbClr val="FFFFFF"/>
+                    </a:solidFill>
+                  </a:tcPr>
+                </a:tc>
+              </a:tr>
+              <a:tr h="914400">
+                <a:tc>
+                  <a:txBody>
+                    <a:bodyPr/>
+                    <a:lstStyle/>
+                    <a:p>
+                      <a:pPr algn="ctr">
+                        <a:defRPr sz="1800"/>
+                      </a:pPr>
+                      <a:endParaRPr sz="1500" dirty="0"/>
+                    </a:p>
+                  </a:txBody>
+                  <a:tcPr marL="45720" marR="45720" anchor="ctr" horzOverflow="overflow">
+                    <a:lnL w="12700" cap="flat" cmpd="sng" algn="ctr">
+                      <a:solidFill>
+                        <a:srgbClr val="000000"/>
+                      </a:solidFill>
+                      <a:prstDash val="solid"/>
+                      <a:round/>
+                      <a:headEnd type="none" w="med" len="med"/>
+                      <a:tailEnd type="none" w="med" len="med"/>
+                    </a:lnL>
+                    <a:lnR w="12700" cap="flat" cmpd="sng" algn="ctr">
+                      <a:solidFill>
+                        <a:srgbClr val="000000"/>
+                      </a:solidFill>
+                      <a:prstDash val="solid"/>
+                      <a:round/>
+                      <a:headEnd type="none" w="med" len="med"/>
+                      <a:tailEnd type="none" w="med" len="med"/>
+                    </a:lnR>
+                    <a:lnT w="12700" cap="flat" cmpd="sng" algn="ctr">
+                      <a:solidFill>
+                        <a:srgbClr val="000000"/>
+                      </a:solidFill>
+                      <a:prstDash val="solid"/>
+                      <a:round/>
+                      <a:headEnd type="none" w="med" len="med"/>
+                      <a:tailEnd type="none" w="med" len="med"/>
+                    </a:lnT>
+                    <a:lnB w="12700">
+                      <a:solidFill>
+                        <a:srgbClr val="000000"/>
+                      </a:solidFill>
+                    </a:lnB>
+                    <a:solidFill>
+                      <a:srgbClr val="FFFFFF"/>
+                    </a:solidFill>
+                  </a:tcPr>
+                </a:tc>
+                <a:tc>
+                  <a:txBody>
+                    <a:bodyPr/>
+                    <a:lstStyle/>
+                    <a:p>
+                      <a:pPr algn="l">
+                        <a:defRPr sz="1500"/>
+                      </a:pPr>
+                      <a:endParaRPr sz="1200" dirty="0"/>
+                    </a:p>
+                  </a:txBody>
+                  <a:tcPr marL="45720" marR="45720" horzOverflow="overflow">
+                    <a:lnL w="12700" cap="flat" cmpd="sng" algn="ctr">
+                      <a:solidFill>
+                        <a:srgbClr val="000000"/>
+                      </a:solidFill>
+                      <a:prstDash val="solid"/>
+                      <a:round/>
+                      <a:headEnd type="none" w="med" len="med"/>
+                      <a:tailEnd type="none" w="med" len="med"/>
+                    </a:lnL>
+                    <a:lnR w="12700" cap="flat" cmpd="sng" algn="ctr">
+                      <a:solidFill>
+                        <a:srgbClr val="000000"/>
+                      </a:solidFill>
+                      <a:prstDash val="solid"/>
+                      <a:round/>
+                      <a:headEnd type="none" w="med" len="med"/>
+                      <a:tailEnd type="none" w="med" len="med"/>
+                    </a:lnR>
+                    <a:lnT w="12700" cap="flat" cmpd="sng" algn="ctr">
+                      <a:solidFill>
+                        <a:srgbClr val="000000"/>
+                      </a:solidFill>
+                      <a:prstDash val="solid"/>
+                      <a:round/>
+                      <a:headEnd type="none" w="med" len="med"/>
+                      <a:tailEnd type="none" w="med" len="med"/>
+                    </a:lnT>
+                    <a:lnB w="12700">
+                      <a:solidFill>
+                        <a:srgbClr val="000000"/>
+                      </a:solidFill>
+                    </a:lnB>
+                    <a:solidFill>
+                      <a:srgbClr val="FFFFFF"/>
+                    </a:solidFill>
+                  </a:tcPr>
+                </a:tc>
+              </a:tr>
+            </a:tbl>
+          </a:graphicData>
+        </a:graphic>
+      </p:graphicFrame>
+      <p:graphicFrame>
+        <p:nvGraphicFramePr>
+          <p:cNvPr id="101" name="표 57"/>
+          <p:cNvGraphicFramePr/>
+          <p:nvPr>
+            <p:extLst>
+              <p:ext uri="{D42A27DB-BD31-4B8C-83A1-F6EECF244321}">
+                <p14:modId xmlns:p14="http://schemas.microsoft.com/office/powerpoint/2010/main" val="2882798226"/>
+              </p:ext>
+            </p:extLst>
+          </p:nvPr>
+        </p:nvGraphicFramePr>
+        <p:xfrm>
+          <a:off x="131601" y="115758"/>
+          <a:ext cx="3313726" cy="822960"/>
+        </p:xfrm>
+        <a:graphic>
+          <a:graphicData uri="http://schemas.openxmlformats.org/drawingml/2006/table">
+            <a:tbl>
+              <a:tblPr firstRow="1"/>
+              <a:tblGrid>
+                <a:gridCol w="1656863">
+                  <a:extLst>
+                    <a:ext uri="{9D8B030D-6E8A-4147-A177-3AD203B41FA5}">
+                      <a16:colId xmlns:a16="http://schemas.microsoft.com/office/drawing/2014/main" xmlns="" val="20000"/>
+                    </a:ext>
+                  </a:extLst>
+                </a:gridCol>
+                <a:gridCol w="1656863">
+                  <a:extLst>
+                    <a:ext uri="{9D8B030D-6E8A-4147-A177-3AD203B41FA5}">
+                      <a16:colId xmlns:a16="http://schemas.microsoft.com/office/drawing/2014/main" xmlns="" val="20001"/>
+                    </a:ext>
+                  </a:extLst>
+                </a:gridCol>
+              </a:tblGrid>
+              <a:tr h="271237">
+                <a:tc>
+                  <a:txBody>
+                    <a:bodyPr/>
+                    <a:lstStyle/>
+                    <a:p>
+                      <a:pPr algn="ctr">
+                        <a:defRPr sz="1800" b="0">
+                          <a:solidFill>
+                            <a:srgbClr val="000000"/>
+                          </a:solidFill>
+                        </a:defRPr>
+                      </a:pPr>
+                      <a:r>
+                        <a:rPr sz="1200" dirty="0" err="1"/>
+                        <a:t>화면코드</a:t>
+                      </a:r>
+                      <a:endParaRPr sz="1200" dirty="0"/>
+                    </a:p>
+                  </a:txBody>
+                  <a:tcPr marL="45720" marR="45720" anchor="ctr" horzOverflow="overflow">
+                    <a:lnL w="12700">
+                      <a:solidFill>
+                        <a:srgbClr val="000000"/>
+                      </a:solidFill>
+                    </a:lnL>
+                    <a:lnR w="12700">
+                      <a:solidFill>
+                        <a:srgbClr val="000000"/>
+                      </a:solidFill>
+                    </a:lnR>
+                    <a:lnT w="12700">
+                      <a:solidFill>
+                        <a:srgbClr val="000000"/>
+                      </a:solidFill>
+                    </a:lnT>
+                    <a:lnB w="12700">
+                      <a:solidFill>
+                        <a:srgbClr val="000000"/>
+                      </a:solidFill>
+                    </a:lnB>
+                    <a:solidFill>
+                      <a:srgbClr val="D9D9D9"/>
+                    </a:solidFill>
+                  </a:tcPr>
+                </a:tc>
+                <a:tc>
+                  <a:txBody>
+                    <a:bodyPr/>
+                    <a:lstStyle/>
+                    <a:p>
+                      <a:pPr marL="0" marR="0" lvl="0" indent="0" algn="ctr" defTabSz="914400" rtl="0" eaLnBrk="1" fontAlgn="auto" latinLnBrk="1" hangingPunct="1">
+                        <a:lnSpc>
+                          <a:spcPct val="100000"/>
+                        </a:lnSpc>
+                        <a:spcBef>
+                          <a:spcPts val="0"/>
+                        </a:spcBef>
+                        <a:spcAft>
+                          <a:spcPts val="0"/>
+                        </a:spcAft>
+                        <a:buClrTx/>
+                        <a:buSzTx/>
+                        <a:buFontTx/>
+                        <a:buNone/>
+                        <a:tabLst/>
+                        <a:defRPr sz="1000" b="0">
+                          <a:solidFill>
+                            <a:srgbClr val="000000"/>
+                          </a:solidFill>
+                          <a:latin typeface="Arial"/>
+                          <a:ea typeface="Arial"/>
+                          <a:cs typeface="Arial"/>
+                          <a:sym typeface="Arial"/>
+                        </a:defRPr>
+                      </a:pPr>
+                      <a:endParaRPr lang="en-US" altLang="ko-KR" sz="1200" b="0" u="none" strike="noStrike" cap="none" dirty="0">
+                        <a:solidFill>
+                          <a:schemeClr val="dk1"/>
+                        </a:solidFill>
+                      </a:endParaRPr>
+                    </a:p>
+                  </a:txBody>
+                  <a:tcPr marL="9525" marR="9525" marT="9525" marB="9525" anchor="ctr" horzOverflow="overflow">
+                    <a:lnL w="12700">
+                      <a:solidFill>
+                        <a:srgbClr val="000000"/>
+                      </a:solidFill>
+                    </a:lnL>
+                    <a:lnR w="12700">
+                      <a:solidFill>
+                        <a:srgbClr val="000000"/>
+                      </a:solidFill>
+                    </a:lnR>
+                    <a:lnT w="12700">
+                      <a:solidFill>
+                        <a:srgbClr val="000000"/>
+                      </a:solidFill>
+                    </a:lnT>
+                    <a:lnB w="12700">
+                      <a:solidFill>
+                        <a:srgbClr val="000000"/>
+                      </a:solidFill>
+                    </a:lnB>
+                    <a:solidFill>
+                      <a:srgbClr val="FFFFFF"/>
+                    </a:solidFill>
+                  </a:tcPr>
+                </a:tc>
+                <a:extLst>
+                  <a:ext uri="{0D108BD9-81ED-4DB2-BD59-A6C34878D82A}">
+                    <a16:rowId xmlns:a16="http://schemas.microsoft.com/office/drawing/2014/main" xmlns="" val="10000"/>
+                  </a:ext>
+                </a:extLst>
+              </a:tr>
+              <a:tr h="271237">
+                <a:tc rowSpan="2">
+                  <a:txBody>
+                    <a:bodyPr/>
+                    <a:lstStyle/>
+                    <a:p>
+                      <a:pPr algn="ctr">
+                        <a:defRPr sz="1800"/>
+                      </a:pPr>
+                      <a:r>
+                        <a:rPr sz="1200" dirty="0" err="1" smtClean="0"/>
+                        <a:t>화면명</a:t>
+                      </a:r>
+                      <a:endParaRPr sz="1200" dirty="0"/>
+                    </a:p>
+                  </a:txBody>
+                  <a:tcPr marL="45720" marR="45720" anchor="ctr" horzOverflow="overflow">
+                    <a:lnL w="12700">
+                      <a:solidFill>
+                        <a:srgbClr val="000000"/>
+                      </a:solidFill>
+                    </a:lnL>
+                    <a:lnR w="12700">
+                      <a:solidFill>
+                        <a:srgbClr val="000000"/>
+                      </a:solidFill>
+                    </a:lnR>
+                    <a:lnT w="12700">
+                      <a:solidFill>
+                        <a:srgbClr val="000000"/>
+                      </a:solidFill>
+                    </a:lnT>
+                    <a:lnB w="12700">
+                      <a:solidFill>
+                        <a:srgbClr val="000000"/>
+                      </a:solidFill>
+                    </a:lnB>
+                    <a:solidFill>
+                      <a:srgbClr val="D9D9D9"/>
+                    </a:solidFill>
+                  </a:tcPr>
+                </a:tc>
+                <a:tc>
+                  <a:txBody>
+                    <a:bodyPr/>
+                    <a:lstStyle/>
+                    <a:p>
+                      <a:pPr marL="0" marR="0" lvl="0" indent="0" algn="ctr" defTabSz="914400" rtl="0" eaLnBrk="1" fontAlgn="auto" latinLnBrk="1" hangingPunct="1">
+                        <a:lnSpc>
+                          <a:spcPct val="100000"/>
+                        </a:lnSpc>
+                        <a:spcBef>
+                          <a:spcPts val="0"/>
+                        </a:spcBef>
+                        <a:spcAft>
+                          <a:spcPts val="0"/>
+                        </a:spcAft>
+                        <a:buClrTx/>
+                        <a:buSzTx/>
+                        <a:buFontTx/>
+                        <a:buNone/>
+                        <a:tabLst/>
+                        <a:defRPr sz="1500">
+                          <a:solidFill>
+                            <a:srgbClr val="0070C0"/>
+                          </a:solidFill>
+                        </a:defRPr>
+                      </a:pPr>
+                      <a:r>
+                        <a:rPr lang="ko-KR" altLang="en-US" sz="1200" dirty="0" smtClean="0">
+                          <a:solidFill>
+                            <a:schemeClr val="tx1"/>
+                          </a:solidFill>
+                        </a:rPr>
+                        <a:t>강연 정보 확인</a:t>
+                      </a:r>
+                      <a:endParaRPr lang="en-US" altLang="ko-KR" sz="1200" dirty="0">
+                        <a:solidFill>
+                          <a:schemeClr val="tx1"/>
+                        </a:solidFill>
+                      </a:endParaRPr>
+                    </a:p>
+                  </a:txBody>
+                  <a:tcPr marL="45720" marR="45720" anchor="ctr" horzOverflow="overflow">
+                    <a:lnL w="12700">
+                      <a:solidFill>
+                        <a:srgbClr val="000000"/>
+                      </a:solidFill>
+                    </a:lnL>
+                    <a:lnR w="12700">
+                      <a:solidFill>
+                        <a:srgbClr val="000000"/>
+                      </a:solidFill>
+                    </a:lnR>
+                    <a:lnT w="12700">
+                      <a:solidFill>
+                        <a:srgbClr val="000000"/>
+                      </a:solidFill>
+                    </a:lnT>
+                    <a:lnB w="12700">
+                      <a:solidFill>
+                        <a:srgbClr val="000000"/>
+                      </a:solidFill>
+                    </a:lnB>
+                    <a:solidFill>
+                      <a:srgbClr val="FFFFFF"/>
+                    </a:solidFill>
+                  </a:tcPr>
+                </a:tc>
+                <a:extLst>
+                  <a:ext uri="{0D108BD9-81ED-4DB2-BD59-A6C34878D82A}">
+                    <a16:rowId xmlns:a16="http://schemas.microsoft.com/office/drawing/2014/main" xmlns="" val="10001"/>
+                  </a:ext>
+                </a:extLst>
+              </a:tr>
+              <a:tr h="271237">
+                <a:tc vMerge="1">
+                  <a:txBody>
+                    <a:bodyPr/>
+                    <a:lstStyle/>
+                    <a:p>
+                      <a:endParaRPr lang="ko-KR"/>
+                    </a:p>
+                  </a:txBody>
+                  <a:tcPr/>
+                </a:tc>
+                <a:tc>
+                  <a:txBody>
+                    <a:bodyPr/>
+                    <a:lstStyle/>
+                    <a:p>
+                      <a:pPr algn="ctr">
+                        <a:defRPr sz="1500">
+                          <a:solidFill>
+                            <a:srgbClr val="0070C0"/>
+                          </a:solidFill>
+                        </a:defRPr>
+                      </a:pPr>
+                      <a:r>
+                        <a:rPr lang="en-US" altLang="ko-KR" sz="1200" dirty="0" smtClean="0">
+                          <a:solidFill>
+                            <a:schemeClr val="tx1"/>
+                          </a:solidFill>
+                        </a:rPr>
+                        <a:t>2</a:t>
+                      </a:r>
+                      <a:endParaRPr lang="en-US" altLang="ko-KR" sz="1200" dirty="0">
+                        <a:solidFill>
+                          <a:schemeClr val="tx1"/>
+                        </a:solidFill>
+                      </a:endParaRPr>
+                    </a:p>
+                  </a:txBody>
+                  <a:tcPr marL="45720" marR="45720" anchor="ctr" horzOverflow="overflow">
+                    <a:lnL w="12700">
+                      <a:solidFill>
+                        <a:srgbClr val="000000"/>
+                      </a:solidFill>
+                    </a:lnL>
+                    <a:lnR w="12700">
+                      <a:solidFill>
+                        <a:srgbClr val="000000"/>
+                      </a:solidFill>
+                    </a:lnR>
+                    <a:lnT w="12700">
+                      <a:solidFill>
+                        <a:srgbClr val="000000"/>
+                      </a:solidFill>
+                    </a:lnT>
+                    <a:lnB w="12700">
+                      <a:solidFill>
+                        <a:srgbClr val="000000"/>
+                      </a:solidFill>
+                    </a:lnB>
+                    <a:solidFill>
+                      <a:srgbClr val="FFFFFF"/>
+                    </a:solidFill>
+                  </a:tcPr>
+                </a:tc>
+                <a:extLst>
+                  <a:ext uri="{0D108BD9-81ED-4DB2-BD59-A6C34878D82A}">
+                    <a16:rowId xmlns:a16="http://schemas.microsoft.com/office/drawing/2014/main" xmlns="" val="10002"/>
+                  </a:ext>
+                </a:extLst>
+              </a:tr>
+            </a:tbl>
+          </a:graphicData>
+        </a:graphic>
+      </p:graphicFrame>
+      <p:sp>
+        <p:nvSpPr>
+          <p:cNvPr id="11" name="Rectangle 10">
+            <a:extLst>
+              <a:ext uri="{FF2B5EF4-FFF2-40B4-BE49-F238E27FC236}">
+                <a16:creationId xmlns:a16="http://schemas.microsoft.com/office/drawing/2014/main" xmlns="" id="{46F6A8FD-AE4F-405E-85C4-995D2C5B65BE}"/>
+              </a:ext>
+            </a:extLst>
+          </p:cNvPr>
+          <p:cNvSpPr/>
+          <p:nvPr/>
+        </p:nvSpPr>
+        <p:spPr>
+          <a:xfrm>
+            <a:off x="2358620" y="-970885"/>
+            <a:ext cx="6143028" cy="369332"/>
+          </a:xfrm>
+          <a:prstGeom prst="rect">
+            <a:avLst/>
+          </a:prstGeom>
+        </p:spPr>
+        <p:txBody>
+          <a:bodyPr wrap="none">
+            <a:spAutoFit/>
+          </a:bodyPr>
+          <a:lstStyle/>
+          <a:p>
+            <a:r>
+              <a:rPr lang="ko-KR" altLang="en-US" dirty="0"/>
+              <a:t>이름, 이메일, 주소, 휴대폰 번호, 닉네임, 아이디, 비밀번호</a:t>
+            </a:r>
+          </a:p>
+        </p:txBody>
+      </p:sp>
+      <p:graphicFrame>
+        <p:nvGraphicFramePr>
+          <p:cNvPr id="9" name="표 8"/>
+          <p:cNvGraphicFramePr>
+            <a:graphicFrameLocks noGrp="1"/>
+          </p:cNvGraphicFramePr>
+          <p:nvPr>
+            <p:extLst>
+              <p:ext uri="{D42A27DB-BD31-4B8C-83A1-F6EECF244321}">
+                <p14:modId xmlns:p14="http://schemas.microsoft.com/office/powerpoint/2010/main" val="1804859242"/>
+              </p:ext>
+            </p:extLst>
+          </p:nvPr>
+        </p:nvGraphicFramePr>
+        <p:xfrm>
+          <a:off x="131601" y="1283516"/>
+          <a:ext cx="8032096" cy="5347943"/>
+        </p:xfrm>
+        <a:graphic>
+          <a:graphicData uri="http://schemas.openxmlformats.org/drawingml/2006/table">
+            <a:tbl>
+              <a:tblPr firstRow="1" bandRow="1">
+                <a:tableStyleId>{5C22544A-7EE6-4342-B048-85BDC9FD1C3A}</a:tableStyleId>
+              </a:tblPr>
+              <a:tblGrid>
+                <a:gridCol w="8032096"/>
+              </a:tblGrid>
+              <a:tr h="569998">
+                <a:tc>
+                  <a:txBody>
+                    <a:bodyPr/>
+                    <a:lstStyle/>
+                    <a:p>
+                      <a:pPr latinLnBrk="1"/>
+                      <a:endParaRPr lang="ko-KR" altLang="en-US" dirty="0"/>
+                    </a:p>
+                  </a:txBody>
+                  <a:tcPr>
+                    <a:lnL w="12700" cap="flat" cmpd="sng" algn="ctr">
+                      <a:solidFill>
+                        <a:schemeClr val="tx1"/>
+                      </a:solidFill>
+                      <a:prstDash val="solid"/>
+                      <a:round/>
+                      <a:headEnd type="none" w="med" len="med"/>
+                      <a:tailEnd type="none" w="med" len="med"/>
+                    </a:lnL>
+                    <a:lnR w="12700" cap="flat" cmpd="sng" algn="ctr">
+                      <a:solidFill>
+                        <a:schemeClr val="tx1"/>
+                      </a:solidFill>
+                      <a:prstDash val="solid"/>
+                      <a:round/>
+                      <a:headEnd type="none" w="med" len="med"/>
+                      <a:tailEnd type="none" w="med" len="med"/>
+                    </a:lnR>
+                    <a:lnT w="12700" cap="flat" cmpd="sng" algn="ctr">
+                      <a:solidFill>
+                        <a:schemeClr val="tx1"/>
+                      </a:solidFill>
+                      <a:prstDash val="solid"/>
+                      <a:round/>
+                      <a:headEnd type="none" w="med" len="med"/>
+                      <a:tailEnd type="none" w="med" len="med"/>
+                    </a:lnT>
+                    <a:lnB w="12700" cap="flat" cmpd="sng" algn="ctr">
+                      <a:noFill/>
+                      <a:prstDash val="solid"/>
+                      <a:round/>
+                      <a:headEnd type="none" w="med" len="med"/>
+                      <a:tailEnd type="none" w="med" len="med"/>
+                    </a:lnB>
+                    <a:lnTlToBr w="12700" cmpd="sng">
+                      <a:noFill/>
+                      <a:prstDash val="solid"/>
+                    </a:lnTlToBr>
+                    <a:lnBlToTr w="12700" cmpd="sng">
+                      <a:noFill/>
+                      <a:prstDash val="solid"/>
+                    </a:lnBlToTr>
+                    <a:solidFill>
+                      <a:schemeClr val="bg1"/>
+                    </a:solidFill>
+                  </a:tcPr>
+                </a:tc>
+              </a:tr>
+              <a:tr h="4777945">
+                <a:tc>
+                  <a:txBody>
+                    <a:bodyPr/>
+                    <a:lstStyle/>
+                    <a:p>
+                      <a:pPr latinLnBrk="1"/>
+                      <a:endParaRPr lang="ko-KR" altLang="en-US" sz="1500" dirty="0"/>
+                    </a:p>
+                  </a:txBody>
+                  <a:tcPr>
+                    <a:lnL w="12700" cap="flat" cmpd="sng" algn="ctr">
+                      <a:solidFill>
+                        <a:schemeClr val="tx1"/>
+                      </a:solidFill>
+                      <a:prstDash val="solid"/>
+                      <a:round/>
+                      <a:headEnd type="none" w="med" len="med"/>
+                      <a:tailEnd type="none" w="med" len="med"/>
+                    </a:lnL>
+                    <a:lnR w="12700" cap="flat" cmpd="sng" algn="ctr">
+                      <a:solidFill>
+                        <a:schemeClr val="tx1"/>
+                      </a:solidFill>
+                      <a:prstDash val="solid"/>
+                      <a:round/>
+                      <a:headEnd type="none" w="med" len="med"/>
+                      <a:tailEnd type="none" w="med" len="med"/>
+                    </a:lnR>
+                    <a:lnT w="12700" cap="flat" cmpd="sng" algn="ctr">
+                      <a:noFill/>
+                      <a:prstDash val="solid"/>
+                      <a:round/>
+                      <a:headEnd type="none" w="med" len="med"/>
+                      <a:tailEnd type="none" w="med" len="med"/>
+                    </a:lnT>
+                    <a:lnB w="12700" cap="flat" cmpd="sng" algn="ctr">
+                      <a:solidFill>
+                        <a:schemeClr val="tx1"/>
+                      </a:solidFill>
+                      <a:prstDash val="solid"/>
+                      <a:round/>
+                      <a:headEnd type="none" w="med" len="med"/>
+                      <a:tailEnd type="none" w="med" len="med"/>
+                    </a:lnB>
+                    <a:lnTlToBr w="12700" cmpd="sng">
+                      <a:noFill/>
+                      <a:prstDash val="solid"/>
+                    </a:lnTlToBr>
+                    <a:lnBlToTr w="12700" cmpd="sng">
+                      <a:noFill/>
+                      <a:prstDash val="solid"/>
+                    </a:lnBlToTr>
+                    <a:solidFill>
+                      <a:schemeClr val="bg1">
+                        <a:lumMod val="95000"/>
+                      </a:schemeClr>
+                    </a:solidFill>
+                  </a:tcPr>
+                </a:tc>
+              </a:tr>
+            </a:tbl>
+          </a:graphicData>
+        </a:graphic>
+      </p:graphicFrame>
+      <p:grpSp>
+        <p:nvGrpSpPr>
+          <p:cNvPr id="10" name="그룹 9"/>
+          <p:cNvGrpSpPr/>
+          <p:nvPr/>
+        </p:nvGrpSpPr>
+        <p:grpSpPr>
+          <a:xfrm>
+            <a:off x="318350" y="1349364"/>
+            <a:ext cx="5111784" cy="355428"/>
+            <a:chOff x="356082" y="1397293"/>
+            <a:chExt cx="5111784" cy="355428"/>
+          </a:xfrm>
+        </p:grpSpPr>
+        <p:sp>
+          <p:nvSpPr>
+            <p:cNvPr id="22" name="직사각형 39"/>
+            <p:cNvSpPr/>
+            <p:nvPr/>
+          </p:nvSpPr>
+          <p:spPr>
+            <a:xfrm>
+              <a:off x="356082" y="1423945"/>
+              <a:ext cx="1207049" cy="328776"/>
+            </a:xfrm>
+            <a:prstGeom prst="rect">
+              <a:avLst/>
+            </a:prstGeom>
+            <a:solidFill>
+              <a:srgbClr val="FFFFFF"/>
+            </a:solidFill>
+            <a:ln w="12700">
+              <a:noFill/>
+              <a:miter/>
+            </a:ln>
+          </p:spPr>
+          <p:txBody>
+            <a:bodyPr lIns="45719" rIns="45719" anchor="ctr"/>
+            <a:lstStyle/>
+            <a:p>
+              <a:pPr>
+                <a:defRPr sz="1500"/>
+              </a:pPr>
+              <a:r>
+                <a:rPr lang="en-US" sz="1900" dirty="0"/>
+                <a:t>e</a:t>
+              </a:r>
+              <a:r>
+                <a:rPr lang="en-US" sz="1900" dirty="0" smtClean="0"/>
+                <a:t>-Zone</a:t>
+              </a:r>
+              <a:endParaRPr sz="1900" dirty="0"/>
+            </a:p>
+          </p:txBody>
+        </p:sp>
+        <p:grpSp>
+          <p:nvGrpSpPr>
+            <p:cNvPr id="6" name="그룹 5"/>
+            <p:cNvGrpSpPr/>
+            <p:nvPr/>
+          </p:nvGrpSpPr>
+          <p:grpSpPr>
+            <a:xfrm>
+              <a:off x="1909120" y="1397293"/>
+              <a:ext cx="3558746" cy="319907"/>
+              <a:chOff x="1351005" y="1391330"/>
+              <a:chExt cx="3558746" cy="319907"/>
+            </a:xfrm>
+          </p:grpSpPr>
+          <p:pic>
+            <p:nvPicPr>
+              <p:cNvPr id="2" name="그림 1"/>
+              <p:cNvPicPr>
+                <a:picLocks noChangeAspect="1"/>
+              </p:cNvPicPr>
+              <p:nvPr/>
+            </p:nvPicPr>
+            <p:blipFill>
+              <a:blip r:embed="rId2"/>
+              <a:stretch>
+                <a:fillRect/>
+              </a:stretch>
+            </p:blipFill>
+            <p:spPr>
+              <a:xfrm>
+                <a:off x="4594815" y="1391330"/>
+                <a:ext cx="299939" cy="279013"/>
+              </a:xfrm>
+              <a:prstGeom prst="rect">
+                <a:avLst/>
+              </a:prstGeom>
+            </p:spPr>
+          </p:pic>
+          <p:cxnSp>
+            <p:nvCxnSpPr>
+              <p:cNvPr id="5" name="직선 연결선 4"/>
+              <p:cNvCxnSpPr/>
+              <p:nvPr/>
+            </p:nvCxnSpPr>
+            <p:spPr>
+              <a:xfrm>
+                <a:off x="1351005" y="1711237"/>
+                <a:ext cx="3558746" cy="0"/>
+              </a:xfrm>
+              <a:prstGeom prst="line">
+                <a:avLst/>
+              </a:prstGeom>
+              <a:ln w="28575"/>
+            </p:spPr>
+            <p:style>
+              <a:lnRef idx="1">
+                <a:schemeClr val="accent2"/>
+              </a:lnRef>
+              <a:fillRef idx="0">
+                <a:schemeClr val="accent2"/>
+              </a:fillRef>
+              <a:effectRef idx="0">
+                <a:schemeClr val="accent2"/>
+              </a:effectRef>
+              <a:fontRef idx="minor">
+                <a:schemeClr val="tx1"/>
+              </a:fontRef>
+            </p:style>
+          </p:cxnSp>
+        </p:grpSp>
+      </p:grpSp>
+      <p:pic>
+        <p:nvPicPr>
+          <p:cNvPr id="3" name="그림 2"/>
+          <p:cNvPicPr>
+            <a:picLocks noChangeAspect="1"/>
+          </p:cNvPicPr>
+          <p:nvPr/>
+        </p:nvPicPr>
+        <p:blipFill>
+          <a:blip r:embed="rId3"/>
+          <a:stretch>
+            <a:fillRect/>
+          </a:stretch>
+        </p:blipFill>
+        <p:spPr>
+          <a:xfrm>
+            <a:off x="525410" y="2096949"/>
+            <a:ext cx="4676940" cy="1747167"/>
+          </a:xfrm>
+          <a:prstGeom prst="rect">
+            <a:avLst/>
+          </a:prstGeom>
+        </p:spPr>
+      </p:pic>
+      <p:pic>
+        <p:nvPicPr>
+          <p:cNvPr id="4" name="그림 3"/>
+          <p:cNvPicPr>
+            <a:picLocks noChangeAspect="1"/>
+          </p:cNvPicPr>
+          <p:nvPr/>
+        </p:nvPicPr>
+        <p:blipFill>
+          <a:blip r:embed="rId4"/>
+          <a:stretch>
+            <a:fillRect/>
+          </a:stretch>
+        </p:blipFill>
+        <p:spPr>
+          <a:xfrm>
+            <a:off x="525410" y="4236273"/>
+            <a:ext cx="4799594" cy="1753468"/>
+          </a:xfrm>
+          <a:prstGeom prst="rect">
+            <a:avLst/>
+          </a:prstGeom>
+        </p:spPr>
+      </p:pic>
+      <p:pic>
+        <p:nvPicPr>
+          <p:cNvPr id="20" name="그림 19"/>
+          <p:cNvPicPr>
+            <a:picLocks noChangeAspect="1"/>
+          </p:cNvPicPr>
+          <p:nvPr/>
+        </p:nvPicPr>
+        <p:blipFill>
+          <a:blip r:embed="rId5"/>
+          <a:stretch>
+            <a:fillRect/>
+          </a:stretch>
+        </p:blipFill>
+        <p:spPr>
+          <a:xfrm>
+            <a:off x="5605067" y="1953186"/>
+            <a:ext cx="2278567" cy="4566645"/>
+          </a:xfrm>
+          <a:prstGeom prst="rect">
+            <a:avLst/>
+          </a:prstGeom>
+        </p:spPr>
+      </p:pic>
+    </p:spTree>
+    <p:extLst>
+      <p:ext uri="{BB962C8B-B14F-4D97-AF65-F5344CB8AC3E}">
+        <p14:creationId xmlns:p14="http://schemas.microsoft.com/office/powerpoint/2010/main" val="346072548"/>
+      </p:ext>
+    </p:extLst>
+  </p:cSld>
+  <p:clrMapOvr>
+    <a:masterClrMapping/>
+  </p:clrMapOvr>
+  <p:timing>
+    <p:tnLst>
+      <p:par>
+        <p:cTn id="1" dur="indefinite" restart="never" nodeType="tmRoot"/>
+      </p:par>
+    </p:tnLst>
+  </p:timing>
+</p:sld>
+</file>
+
+<file path=ppt/slides/slide4.xml><?xml version="1.0" encoding="utf-8"?>
+<p:sld xmlns:a="http://schemas.openxmlformats.org/drawingml/2006/main" xmlns:r="http://schemas.openxmlformats.org/officeDocument/2006/relationships" xmlns:p="http://schemas.openxmlformats.org/presentationml/2006/main">
+  <p:cSld>
+    <p:spTree>
+      <p:nvGrpSpPr>
+        <p:cNvPr id="1" name=""/>
+        <p:cNvGrpSpPr/>
+        <p:nvPr/>
+      </p:nvGrpSpPr>
+      <p:grpSpPr>
+        <a:xfrm>
+          <a:off x="0" y="0"/>
+          <a:ext cx="0" cy="0"/>
+          <a:chOff x="0" y="0"/>
+          <a:chExt cx="0" cy="0"/>
+        </a:xfrm>
+      </p:grpSpPr>
+      <p:graphicFrame>
+        <p:nvGraphicFramePr>
+          <p:cNvPr id="97" name="표 6"/>
+          <p:cNvGraphicFramePr/>
+          <p:nvPr/>
+        </p:nvGraphicFramePr>
+        <p:xfrm>
+          <a:off x="9309044" y="197402"/>
+          <a:ext cx="2815494" cy="320040"/>
+        </p:xfrm>
+        <a:graphic>
+          <a:graphicData uri="http://schemas.openxmlformats.org/drawingml/2006/table">
+            <a:tbl>
+              <a:tblPr/>
+              <a:tblGrid>
+                <a:gridCol w="1407747">
+                  <a:extLst>
+                    <a:ext uri="{9D8B030D-6E8A-4147-A177-3AD203B41FA5}">
+                      <a16:colId xmlns:a16="http://schemas.microsoft.com/office/drawing/2014/main" xmlns="" val="20000"/>
+                    </a:ext>
+                  </a:extLst>
+                </a:gridCol>
+                <a:gridCol w="1407747">
+                  <a:extLst>
+                    <a:ext uri="{9D8B030D-6E8A-4147-A177-3AD203B41FA5}">
+                      <a16:colId xmlns:a16="http://schemas.microsoft.com/office/drawing/2014/main" xmlns="" val="20001"/>
+                    </a:ext>
+                  </a:extLst>
+                </a:gridCol>
+              </a:tblGrid>
+              <a:tr h="265071">
+                <a:tc>
+                  <a:txBody>
+                    <a:bodyPr/>
+                    <a:lstStyle/>
+                    <a:p>
+                      <a:pPr algn="ctr">
+                        <a:defRPr sz="1800"/>
+                      </a:pPr>
+                      <a:r>
+                        <a:rPr sz="1500"/>
+                        <a:t>화면 번호</a:t>
+                      </a:r>
+                    </a:p>
+                  </a:txBody>
+                  <a:tcPr marL="45720" marR="45720" anchor="ctr" horzOverflow="overflow">
+                    <a:lnL w="12700">
+                      <a:solidFill>
+                        <a:srgbClr val="000000"/>
+                      </a:solidFill>
+                    </a:lnL>
+                    <a:lnR w="12700">
+                      <a:solidFill>
+                        <a:srgbClr val="000000"/>
+                      </a:solidFill>
+                    </a:lnR>
+                    <a:lnT w="12700">
+                      <a:solidFill>
+                        <a:srgbClr val="000000"/>
+                      </a:solidFill>
+                    </a:lnT>
+                    <a:lnB w="12700">
+                      <a:solidFill>
+                        <a:srgbClr val="000000"/>
+                      </a:solidFill>
+                    </a:lnB>
+                    <a:solidFill>
+                      <a:srgbClr val="D9D9D9"/>
+                    </a:solidFill>
+                  </a:tcPr>
+                </a:tc>
+                <a:tc>
+                  <a:txBody>
+                    <a:bodyPr/>
+                    <a:lstStyle/>
+                    <a:p>
+                      <a:pPr algn="ctr">
+                        <a:defRPr sz="1000">
+                          <a:latin typeface="Arial"/>
+                          <a:ea typeface="Arial"/>
+                          <a:cs typeface="Arial"/>
+                          <a:sym typeface="Arial"/>
+                        </a:defRPr>
+                      </a:pPr>
+                      <a:endParaRPr/>
+                    </a:p>
+                  </a:txBody>
+                  <a:tcPr marL="9525" marR="9525" marT="9525" marB="9525" anchor="ctr" horzOverflow="overflow">
+                    <a:lnL w="12700">
+                      <a:solidFill>
+                        <a:srgbClr val="000000"/>
+                      </a:solidFill>
+                    </a:lnL>
+                    <a:lnR w="12700">
+                      <a:solidFill>
+                        <a:srgbClr val="000000"/>
+                      </a:solidFill>
+                    </a:lnR>
+                    <a:lnT w="12700">
+                      <a:solidFill>
+                        <a:srgbClr val="000000"/>
+                      </a:solidFill>
+                    </a:lnT>
+                    <a:lnB w="12700">
+                      <a:solidFill>
+                        <a:srgbClr val="000000"/>
+                      </a:solidFill>
+                    </a:lnB>
+                    <a:solidFill>
+                      <a:srgbClr val="FFFFFF"/>
+                    </a:solidFill>
+                  </a:tcPr>
+                </a:tc>
+                <a:extLst>
+                  <a:ext uri="{0D108BD9-81ED-4DB2-BD59-A6C34878D82A}">
+                    <a16:rowId xmlns:a16="http://schemas.microsoft.com/office/drawing/2014/main" xmlns="" val="10000"/>
+                  </a:ext>
+                </a:extLst>
+              </a:tr>
+            </a:tbl>
+          </a:graphicData>
+        </a:graphic>
+      </p:graphicFrame>
+      <p:graphicFrame>
+        <p:nvGraphicFramePr>
+          <p:cNvPr id="98" name="표 8"/>
+          <p:cNvGraphicFramePr/>
+          <p:nvPr/>
+        </p:nvGraphicFramePr>
+        <p:xfrm>
+          <a:off x="6200085" y="197402"/>
+          <a:ext cx="2815494" cy="320040"/>
+        </p:xfrm>
+        <a:graphic>
+          <a:graphicData uri="http://schemas.openxmlformats.org/drawingml/2006/table">
+            <a:tbl>
+              <a:tblPr/>
+              <a:tblGrid>
+                <a:gridCol w="1407747">
+                  <a:extLst>
+                    <a:ext uri="{9D8B030D-6E8A-4147-A177-3AD203B41FA5}">
+                      <a16:colId xmlns:a16="http://schemas.microsoft.com/office/drawing/2014/main" xmlns="" val="20000"/>
+                    </a:ext>
+                  </a:extLst>
+                </a:gridCol>
+                <a:gridCol w="1407747">
+                  <a:extLst>
+                    <a:ext uri="{9D8B030D-6E8A-4147-A177-3AD203B41FA5}">
+                      <a16:colId xmlns:a16="http://schemas.microsoft.com/office/drawing/2014/main" xmlns="" val="20001"/>
+                    </a:ext>
+                  </a:extLst>
+                </a:gridCol>
+              </a:tblGrid>
+              <a:tr h="265071">
+                <a:tc>
+                  <a:txBody>
+                    <a:bodyPr/>
+                    <a:lstStyle/>
+                    <a:p>
+                      <a:pPr algn="ctr">
+                        <a:defRPr sz="1500"/>
+                      </a:pPr>
+                      <a:endParaRPr dirty="0"/>
+                    </a:p>
+                  </a:txBody>
+                  <a:tcPr marL="45720" marR="45720" anchor="ctr" horzOverflow="overflow">
+                    <a:lnL w="12700">
+                      <a:solidFill>
+                        <a:srgbClr val="000000"/>
+                      </a:solidFill>
+                    </a:lnL>
+                    <a:lnR w="12700">
+                      <a:solidFill>
+                        <a:srgbClr val="000000"/>
+                      </a:solidFill>
+                    </a:lnR>
+                    <a:lnT w="12700">
+                      <a:solidFill>
+                        <a:srgbClr val="000000"/>
+                      </a:solidFill>
+                    </a:lnT>
+                    <a:lnB w="12700">
+                      <a:solidFill>
+                        <a:srgbClr val="000000"/>
+                      </a:solidFill>
+                    </a:lnB>
+                    <a:solidFill>
+                      <a:srgbClr val="D9D9D9"/>
+                    </a:solidFill>
+                  </a:tcPr>
+                </a:tc>
+                <a:tc>
+                  <a:txBody>
+                    <a:bodyPr/>
+                    <a:lstStyle/>
+                    <a:p>
+                      <a:pPr algn="ctr">
+                        <a:defRPr sz="1500"/>
+                      </a:pPr>
+                      <a:endParaRPr/>
+                    </a:p>
+                  </a:txBody>
+                  <a:tcPr marL="45720" marR="45720" anchor="ctr" horzOverflow="overflow">
+                    <a:lnL w="12700">
+                      <a:solidFill>
+                        <a:srgbClr val="000000"/>
+                      </a:solidFill>
+                    </a:lnL>
+                    <a:lnR w="12700">
+                      <a:solidFill>
+                        <a:srgbClr val="000000"/>
+                      </a:solidFill>
+                    </a:lnR>
+                    <a:lnT w="12700">
+                      <a:solidFill>
+                        <a:srgbClr val="000000"/>
+                      </a:solidFill>
+                    </a:lnT>
+                    <a:lnB w="12700">
+                      <a:solidFill>
+                        <a:srgbClr val="000000"/>
+                      </a:solidFill>
+                    </a:lnB>
+                    <a:solidFill>
+                      <a:srgbClr val="FFFFFF"/>
+                    </a:solidFill>
+                  </a:tcPr>
+                </a:tc>
+                <a:extLst>
+                  <a:ext uri="{0D108BD9-81ED-4DB2-BD59-A6C34878D82A}">
+                    <a16:rowId xmlns:a16="http://schemas.microsoft.com/office/drawing/2014/main" xmlns="" val="10000"/>
+                  </a:ext>
+                </a:extLst>
+              </a:tr>
+            </a:tbl>
+          </a:graphicData>
+        </a:graphic>
+      </p:graphicFrame>
+      <p:graphicFrame>
+        <p:nvGraphicFramePr>
+          <p:cNvPr id="99" name="표 13"/>
+          <p:cNvGraphicFramePr/>
+          <p:nvPr>
+            <p:extLst/>
+          </p:nvPr>
+        </p:nvGraphicFramePr>
+        <p:xfrm>
+          <a:off x="8509686" y="1289960"/>
+          <a:ext cx="3491813" cy="1326453"/>
+        </p:xfrm>
+        <a:graphic>
+          <a:graphicData uri="http://schemas.openxmlformats.org/drawingml/2006/table">
+            <a:tbl>
+              <a:tblPr firstRow="1"/>
+              <a:tblGrid>
+                <a:gridCol w="342705">
+                  <a:extLst>
+                    <a:ext uri="{9D8B030D-6E8A-4147-A177-3AD203B41FA5}">
+                      <a16:colId xmlns:a16="http://schemas.microsoft.com/office/drawing/2014/main" xmlns="" val="20000"/>
+                    </a:ext>
+                  </a:extLst>
+                </a:gridCol>
+                <a:gridCol w="3149108">
+                  <a:extLst>
+                    <a:ext uri="{9D8B030D-6E8A-4147-A177-3AD203B41FA5}">
+                      <a16:colId xmlns:a16="http://schemas.microsoft.com/office/drawing/2014/main" xmlns="" val="20001"/>
+                    </a:ext>
+                  </a:extLst>
+                </a:gridCol>
+              </a:tblGrid>
+              <a:tr h="378460">
+                <a:tc>
+                  <a:txBody>
+                    <a:bodyPr/>
+                    <a:lstStyle/>
+                    <a:p>
+                      <a:pPr algn="ctr">
+                        <a:defRPr sz="1800" b="0">
+                          <a:solidFill>
+                            <a:srgbClr val="000000"/>
+                          </a:solidFill>
+                        </a:defRPr>
+                      </a:pPr>
+                      <a:r>
+                        <a:rPr sz="1500" b="1"/>
+                        <a:t>#</a:t>
+                      </a:r>
+                    </a:p>
+                  </a:txBody>
+                  <a:tcPr marL="45720" marR="45720" anchor="ctr" horzOverflow="overflow">
+                    <a:lnL w="12700">
+                      <a:solidFill>
+                        <a:srgbClr val="000000"/>
+                      </a:solidFill>
+                    </a:lnL>
+                    <a:lnR w="12700">
+                      <a:solidFill>
+                        <a:srgbClr val="000000"/>
+                      </a:solidFill>
+                    </a:lnR>
+                    <a:lnT w="12700">
+                      <a:solidFill>
+                        <a:srgbClr val="000000"/>
+                      </a:solidFill>
+                    </a:lnT>
+                    <a:lnB w="12700">
+                      <a:solidFill>
+                        <a:srgbClr val="000000"/>
+                      </a:solidFill>
+                    </a:lnB>
+                    <a:solidFill>
+                      <a:srgbClr val="D9D9D9"/>
+                    </a:solidFill>
+                  </a:tcPr>
+                </a:tc>
+                <a:tc>
+                  <a:txBody>
+                    <a:bodyPr/>
+                    <a:lstStyle/>
+                    <a:p>
+                      <a:pPr algn="ctr">
+                        <a:defRPr sz="1800" b="0">
+                          <a:solidFill>
+                            <a:srgbClr val="000000"/>
+                          </a:solidFill>
+                        </a:defRPr>
+                      </a:pPr>
+                      <a:r>
+                        <a:rPr sz="1500" b="1"/>
+                        <a:t>기능명</a:t>
+                      </a:r>
+                    </a:p>
+                  </a:txBody>
+                  <a:tcPr marL="45720" marR="45720" anchor="ctr" horzOverflow="overflow">
+                    <a:lnL w="12700">
+                      <a:solidFill>
+                        <a:srgbClr val="000000"/>
+                      </a:solidFill>
+                    </a:lnL>
+                    <a:lnR w="12700">
+                      <a:solidFill>
+                        <a:srgbClr val="000000"/>
+                      </a:solidFill>
+                    </a:lnR>
+                    <a:lnT w="12700">
+                      <a:solidFill>
+                        <a:srgbClr val="000000"/>
+                      </a:solidFill>
+                    </a:lnT>
+                    <a:lnB w="12700">
+                      <a:solidFill>
+                        <a:srgbClr val="000000"/>
+                      </a:solidFill>
+                    </a:lnB>
+                    <a:solidFill>
+                      <a:srgbClr val="D9D9D9"/>
+                    </a:solidFill>
+                  </a:tcPr>
+                </a:tc>
+                <a:extLst>
+                  <a:ext uri="{0D108BD9-81ED-4DB2-BD59-A6C34878D82A}">
+                    <a16:rowId xmlns:a16="http://schemas.microsoft.com/office/drawing/2014/main" xmlns="" val="10000"/>
+                  </a:ext>
+                </a:extLst>
+              </a:tr>
+              <a:tr h="947993">
+                <a:tc>
+                  <a:txBody>
+                    <a:bodyPr/>
+                    <a:lstStyle/>
+                    <a:p>
+                      <a:pPr algn="ctr">
+                        <a:defRPr sz="1800"/>
+                      </a:pPr>
+                      <a:r>
+                        <a:rPr sz="1500"/>
+                        <a:t>1</a:t>
+                      </a:r>
+                    </a:p>
+                  </a:txBody>
+                  <a:tcPr marL="45720" marR="45720" anchor="ctr" horzOverflow="overflow">
+                    <a:lnL w="12700">
+                      <a:solidFill>
+                        <a:srgbClr val="000000"/>
+                      </a:solidFill>
+                    </a:lnL>
+                    <a:lnR w="12700">
+                      <a:solidFill>
+                        <a:srgbClr val="000000"/>
+                      </a:solidFill>
+                    </a:lnR>
+                    <a:lnT w="12700">
+                      <a:solidFill>
+                        <a:srgbClr val="000000"/>
+                      </a:solidFill>
+                    </a:lnT>
+                    <a:lnB w="12700">
+                      <a:solidFill>
+                        <a:srgbClr val="000000"/>
+                      </a:solidFill>
+                    </a:lnB>
+                    <a:solidFill>
+                      <a:srgbClr val="FFFFFF"/>
+                    </a:solidFill>
+                  </a:tcPr>
+                </a:tc>
+                <a:tc>
+                  <a:txBody>
+                    <a:bodyPr/>
+                    <a:lstStyle/>
+                    <a:p>
+                      <a:pPr algn="l">
+                        <a:defRPr sz="1500"/>
+                      </a:pPr>
+                      <a:r>
+                        <a:rPr lang="ko-KR" altLang="en-US" dirty="0"/>
+                        <a:t>회원가입 폼</a:t>
+                      </a:r>
+                      <a:endParaRPr lang="en-US" altLang="ko-KR" dirty="0"/>
+                    </a:p>
+                    <a:p>
+                      <a:pPr algn="l">
+                        <a:defRPr sz="1500"/>
+                      </a:pPr>
+                      <a:r>
+                        <a:rPr lang="en-US" altLang="ko-KR" dirty="0"/>
+                        <a:t>- </a:t>
+                      </a:r>
+                      <a:r>
+                        <a:rPr lang="ko-KR" altLang="en-US" sz="1200" dirty="0"/>
+                        <a:t>아이디</a:t>
+                      </a:r>
+                      <a:r>
+                        <a:rPr lang="en-US" altLang="ko-KR" sz="1200" dirty="0"/>
+                        <a:t>, </a:t>
+                      </a:r>
+                      <a:r>
+                        <a:rPr lang="ko-KR" altLang="en-US" sz="1200" dirty="0"/>
+                        <a:t>비밀번호</a:t>
+                      </a:r>
+                      <a:r>
+                        <a:rPr lang="en-US" altLang="ko-KR" sz="1200" dirty="0"/>
+                        <a:t>, </a:t>
+                      </a:r>
+                      <a:r>
+                        <a:rPr lang="ko-KR" altLang="en-US" sz="1200" dirty="0"/>
+                        <a:t>비밀번호 확인</a:t>
+                      </a:r>
+                      <a:r>
+                        <a:rPr lang="en-US" altLang="ko-KR" sz="1200" dirty="0"/>
+                        <a:t>, </a:t>
+                      </a:r>
+                      <a:r>
+                        <a:rPr lang="ko-KR" altLang="en-US" sz="1200" dirty="0"/>
+                        <a:t>이름</a:t>
+                      </a:r>
+                      <a:r>
+                        <a:rPr lang="en-US" altLang="ko-KR" sz="1200" dirty="0"/>
+                        <a:t>, </a:t>
+                      </a:r>
+                      <a:r>
+                        <a:rPr lang="ko-KR" altLang="en-US" sz="1200" dirty="0"/>
+                        <a:t>닉네임</a:t>
+                      </a:r>
+                      <a:r>
+                        <a:rPr lang="en-US" altLang="ko-KR" sz="1200" dirty="0"/>
+                        <a:t>, </a:t>
+                      </a:r>
+                      <a:r>
+                        <a:rPr lang="ko-KR" altLang="en-US" sz="1200" dirty="0"/>
+                        <a:t>주소</a:t>
+                      </a:r>
+                      <a:r>
+                        <a:rPr lang="en-US" altLang="ko-KR" sz="1200" dirty="0"/>
+                        <a:t>, </a:t>
+                      </a:r>
+                      <a:r>
+                        <a:rPr lang="ko-KR" altLang="en-US" sz="1200" dirty="0"/>
+                        <a:t>이메일주소</a:t>
+                      </a:r>
+                      <a:r>
+                        <a:rPr lang="en-US" altLang="ko-KR" sz="1200" dirty="0"/>
+                        <a:t>, </a:t>
+                      </a:r>
+                      <a:r>
+                        <a:rPr lang="ko-KR" altLang="en-US" sz="1200" dirty="0"/>
+                        <a:t>휴대폰 번호</a:t>
+                      </a:r>
+                      <a:r>
+                        <a:rPr lang="en-US" altLang="ko-KR" sz="1200" dirty="0"/>
+                        <a:t>, </a:t>
+                      </a:r>
+                      <a:r>
+                        <a:rPr lang="ko-KR" altLang="en-US" sz="1200" dirty="0"/>
+                        <a:t>인증번호 필수 입력</a:t>
+                      </a:r>
+                      <a:endParaRPr sz="1200" dirty="0"/>
+                    </a:p>
+                  </a:txBody>
+                  <a:tcPr marL="45720" marR="45720" horzOverflow="overflow">
+                    <a:lnL w="12700">
+                      <a:solidFill>
+                        <a:srgbClr val="000000"/>
+                      </a:solidFill>
+                    </a:lnL>
+                    <a:lnR w="12700">
+                      <a:solidFill>
+                        <a:srgbClr val="000000"/>
+                      </a:solidFill>
+                    </a:lnR>
+                    <a:lnT w="12700">
+                      <a:solidFill>
+                        <a:srgbClr val="000000"/>
+                      </a:solidFill>
+                    </a:lnT>
+                    <a:lnB w="12700">
+                      <a:solidFill>
+                        <a:srgbClr val="000000"/>
+                      </a:solidFill>
+                    </a:lnB>
+                    <a:solidFill>
+                      <a:srgbClr val="FFFFFF"/>
+                    </a:solidFill>
+                  </a:tcPr>
+                </a:tc>
+                <a:extLst>
+                  <a:ext uri="{0D108BD9-81ED-4DB2-BD59-A6C34878D82A}">
+                    <a16:rowId xmlns:a16="http://schemas.microsoft.com/office/drawing/2014/main" xmlns="" val="10001"/>
+                  </a:ext>
+                </a:extLst>
+              </a:tr>
+            </a:tbl>
+          </a:graphicData>
+        </a:graphic>
+      </p:graphicFrame>
+      <p:graphicFrame>
+        <p:nvGraphicFramePr>
+          <p:cNvPr id="101" name="표 57"/>
+          <p:cNvGraphicFramePr/>
+          <p:nvPr>
+            <p:extLst>
+              <p:ext uri="{D42A27DB-BD31-4B8C-83A1-F6EECF244321}">
+                <p14:modId xmlns:p14="http://schemas.microsoft.com/office/powerpoint/2010/main" val="1246381707"/>
+              </p:ext>
+            </p:extLst>
+          </p:nvPr>
+        </p:nvGraphicFramePr>
+        <p:xfrm>
+          <a:off x="131601" y="115758"/>
+          <a:ext cx="3313726" cy="822960"/>
+        </p:xfrm>
+        <a:graphic>
+          <a:graphicData uri="http://schemas.openxmlformats.org/drawingml/2006/table">
+            <a:tbl>
+              <a:tblPr firstRow="1"/>
+              <a:tblGrid>
+                <a:gridCol w="1656863">
+                  <a:extLst>
+                    <a:ext uri="{9D8B030D-6E8A-4147-A177-3AD203B41FA5}">
+                      <a16:colId xmlns:a16="http://schemas.microsoft.com/office/drawing/2014/main" xmlns="" val="20000"/>
+                    </a:ext>
+                  </a:extLst>
+                </a:gridCol>
+                <a:gridCol w="1656863">
+                  <a:extLst>
+                    <a:ext uri="{9D8B030D-6E8A-4147-A177-3AD203B41FA5}">
+                      <a16:colId xmlns:a16="http://schemas.microsoft.com/office/drawing/2014/main" xmlns="" val="20001"/>
+                    </a:ext>
+                  </a:extLst>
+                </a:gridCol>
+              </a:tblGrid>
+              <a:tr h="271237">
+                <a:tc>
+                  <a:txBody>
+                    <a:bodyPr/>
+                    <a:lstStyle/>
+                    <a:p>
+                      <a:pPr algn="ctr">
+                        <a:defRPr sz="1800" b="0">
+                          <a:solidFill>
+                            <a:srgbClr val="000000"/>
+                          </a:solidFill>
+                        </a:defRPr>
+                      </a:pPr>
+                      <a:r>
+                        <a:rPr sz="1200" dirty="0" err="1"/>
+                        <a:t>화면코드</a:t>
+                      </a:r>
+                      <a:endParaRPr sz="1200" dirty="0"/>
+                    </a:p>
+                  </a:txBody>
+                  <a:tcPr marL="45720" marR="45720" anchor="ctr" horzOverflow="overflow">
+                    <a:lnL w="12700">
+                      <a:solidFill>
+                        <a:srgbClr val="000000"/>
+                      </a:solidFill>
+                    </a:lnL>
+                    <a:lnR w="12700">
+                      <a:solidFill>
+                        <a:srgbClr val="000000"/>
+                      </a:solidFill>
+                    </a:lnR>
+                    <a:lnT w="12700">
+                      <a:solidFill>
+                        <a:srgbClr val="000000"/>
+                      </a:solidFill>
+                    </a:lnT>
+                    <a:lnB w="12700">
+                      <a:solidFill>
+                        <a:srgbClr val="000000"/>
+                      </a:solidFill>
+                    </a:lnB>
+                    <a:solidFill>
+                      <a:srgbClr val="D9D9D9"/>
+                    </a:solidFill>
+                  </a:tcPr>
+                </a:tc>
+                <a:tc>
+                  <a:txBody>
+                    <a:bodyPr/>
+                    <a:lstStyle/>
+                    <a:p>
+                      <a:pPr marL="0" marR="0" lvl="0" indent="0" algn="ctr" defTabSz="914400" rtl="0" eaLnBrk="1" fontAlgn="auto" latinLnBrk="1" hangingPunct="1">
+                        <a:lnSpc>
+                          <a:spcPct val="100000"/>
+                        </a:lnSpc>
+                        <a:spcBef>
+                          <a:spcPts val="0"/>
+                        </a:spcBef>
+                        <a:spcAft>
+                          <a:spcPts val="0"/>
+                        </a:spcAft>
+                        <a:buClrTx/>
+                        <a:buSzTx/>
+                        <a:buFontTx/>
+                        <a:buNone/>
+                        <a:tabLst/>
+                        <a:defRPr sz="1000" b="0">
+                          <a:solidFill>
+                            <a:srgbClr val="000000"/>
+                          </a:solidFill>
+                          <a:latin typeface="Arial"/>
+                          <a:ea typeface="Arial"/>
+                          <a:cs typeface="Arial"/>
+                          <a:sym typeface="Arial"/>
+                        </a:defRPr>
+                      </a:pPr>
+                      <a:endParaRPr lang="en-US" altLang="ko-KR" sz="1200" b="0" u="none" strike="noStrike" cap="none" dirty="0">
+                        <a:solidFill>
+                          <a:schemeClr val="dk1"/>
+                        </a:solidFill>
+                      </a:endParaRPr>
+                    </a:p>
+                  </a:txBody>
+                  <a:tcPr marL="9525" marR="9525" marT="9525" marB="9525" anchor="ctr" horzOverflow="overflow">
+                    <a:lnL w="12700">
+                      <a:solidFill>
+                        <a:srgbClr val="000000"/>
+                      </a:solidFill>
+                    </a:lnL>
+                    <a:lnR w="12700">
+                      <a:solidFill>
+                        <a:srgbClr val="000000"/>
+                      </a:solidFill>
+                    </a:lnR>
+                    <a:lnT w="12700">
+                      <a:solidFill>
+                        <a:srgbClr val="000000"/>
+                      </a:solidFill>
+                    </a:lnT>
+                    <a:lnB w="12700">
+                      <a:solidFill>
+                        <a:srgbClr val="000000"/>
+                      </a:solidFill>
+                    </a:lnB>
+                    <a:solidFill>
+                      <a:srgbClr val="FFFFFF"/>
+                    </a:solidFill>
+                  </a:tcPr>
+                </a:tc>
+                <a:extLst>
+                  <a:ext uri="{0D108BD9-81ED-4DB2-BD59-A6C34878D82A}">
+                    <a16:rowId xmlns:a16="http://schemas.microsoft.com/office/drawing/2014/main" xmlns="" val="10000"/>
+                  </a:ext>
+                </a:extLst>
+              </a:tr>
+              <a:tr h="271237">
+                <a:tc rowSpan="2">
+                  <a:txBody>
+                    <a:bodyPr/>
+                    <a:lstStyle/>
+                    <a:p>
+                      <a:pPr algn="ctr">
+                        <a:defRPr sz="1800"/>
+                      </a:pPr>
+                      <a:r>
+                        <a:rPr sz="1200"/>
+                        <a:t>화면명</a:t>
+                      </a:r>
+                    </a:p>
+                  </a:txBody>
+                  <a:tcPr marL="45720" marR="45720" anchor="ctr" horzOverflow="overflow">
+                    <a:lnL w="12700">
+                      <a:solidFill>
+                        <a:srgbClr val="000000"/>
+                      </a:solidFill>
+                    </a:lnL>
+                    <a:lnR w="12700">
+                      <a:solidFill>
+                        <a:srgbClr val="000000"/>
+                      </a:solidFill>
+                    </a:lnR>
+                    <a:lnT w="12700">
+                      <a:solidFill>
+                        <a:srgbClr val="000000"/>
+                      </a:solidFill>
+                    </a:lnT>
+                    <a:lnB w="12700">
+                      <a:solidFill>
+                        <a:srgbClr val="000000"/>
+                      </a:solidFill>
+                    </a:lnB>
+                    <a:solidFill>
+                      <a:srgbClr val="D9D9D9"/>
+                    </a:solidFill>
+                  </a:tcPr>
+                </a:tc>
+                <a:tc>
+                  <a:txBody>
+                    <a:bodyPr/>
+                    <a:lstStyle/>
+                    <a:p>
+                      <a:pPr marL="0" marR="0" lvl="0" indent="0" algn="ctr" defTabSz="914400" rtl="0" eaLnBrk="1" fontAlgn="auto" latinLnBrk="1" hangingPunct="1">
+                        <a:lnSpc>
+                          <a:spcPct val="100000"/>
+                        </a:lnSpc>
+                        <a:spcBef>
+                          <a:spcPts val="0"/>
+                        </a:spcBef>
+                        <a:spcAft>
+                          <a:spcPts val="0"/>
+                        </a:spcAft>
+                        <a:buClrTx/>
+                        <a:buSzTx/>
+                        <a:buFontTx/>
+                        <a:buNone/>
+                        <a:tabLst/>
+                        <a:defRPr sz="1500">
+                          <a:solidFill>
+                            <a:srgbClr val="0070C0"/>
+                          </a:solidFill>
+                        </a:defRPr>
+                      </a:pPr>
+                      <a:r>
+                        <a:rPr lang="ko-KR" altLang="en-US" sz="1200" dirty="0" smtClean="0">
+                          <a:solidFill>
+                            <a:schemeClr val="tx1"/>
+                          </a:solidFill>
+                        </a:rPr>
+                        <a:t>강연 정보 확인</a:t>
+                      </a:r>
+                      <a:endParaRPr lang="en-US" altLang="ko-KR" sz="1200" dirty="0">
+                        <a:solidFill>
+                          <a:schemeClr val="tx1"/>
+                        </a:solidFill>
+                      </a:endParaRPr>
+                    </a:p>
+                  </a:txBody>
+                  <a:tcPr marL="45720" marR="45720" anchor="ctr" horzOverflow="overflow">
+                    <a:lnL w="12700">
+                      <a:solidFill>
+                        <a:srgbClr val="000000"/>
+                      </a:solidFill>
+                    </a:lnL>
+                    <a:lnR w="12700">
+                      <a:solidFill>
+                        <a:srgbClr val="000000"/>
+                      </a:solidFill>
+                    </a:lnR>
+                    <a:lnT w="12700">
+                      <a:solidFill>
+                        <a:srgbClr val="000000"/>
+                      </a:solidFill>
+                    </a:lnT>
+                    <a:lnB w="12700">
+                      <a:solidFill>
+                        <a:srgbClr val="000000"/>
+                      </a:solidFill>
+                    </a:lnB>
+                    <a:solidFill>
+                      <a:srgbClr val="FFFFFF"/>
+                    </a:solidFill>
+                  </a:tcPr>
+                </a:tc>
+                <a:extLst>
+                  <a:ext uri="{0D108BD9-81ED-4DB2-BD59-A6C34878D82A}">
+                    <a16:rowId xmlns:a16="http://schemas.microsoft.com/office/drawing/2014/main" xmlns="" val="10001"/>
+                  </a:ext>
+                </a:extLst>
+              </a:tr>
+              <a:tr h="271237">
+                <a:tc vMerge="1">
+                  <a:txBody>
+                    <a:bodyPr/>
+                    <a:lstStyle/>
+                    <a:p>
+                      <a:endParaRPr lang="ko-KR"/>
+                    </a:p>
+                  </a:txBody>
+                  <a:tcPr/>
+                </a:tc>
+                <a:tc>
+                  <a:txBody>
+                    <a:bodyPr/>
+                    <a:lstStyle/>
+                    <a:p>
+                      <a:pPr algn="ctr">
+                        <a:defRPr sz="1500">
+                          <a:solidFill>
+                            <a:srgbClr val="0070C0"/>
+                          </a:solidFill>
+                        </a:defRPr>
+                      </a:pPr>
+                      <a:r>
+                        <a:rPr lang="en-US" altLang="ko-KR" sz="1200" dirty="0" smtClean="0">
+                          <a:solidFill>
+                            <a:schemeClr val="tx1"/>
+                          </a:solidFill>
+                        </a:rPr>
+                        <a:t>3</a:t>
+                      </a:r>
+                      <a:endParaRPr lang="en-US" altLang="ko-KR" sz="1200" dirty="0">
+                        <a:solidFill>
+                          <a:schemeClr val="tx1"/>
+                        </a:solidFill>
+                      </a:endParaRPr>
+                    </a:p>
+                  </a:txBody>
+                  <a:tcPr marL="45720" marR="45720" anchor="ctr" horzOverflow="overflow">
+                    <a:lnL w="12700">
+                      <a:solidFill>
+                        <a:srgbClr val="000000"/>
+                      </a:solidFill>
+                    </a:lnL>
+                    <a:lnR w="12700">
+                      <a:solidFill>
+                        <a:srgbClr val="000000"/>
+                      </a:solidFill>
+                    </a:lnR>
+                    <a:lnT w="12700">
+                      <a:solidFill>
+                        <a:srgbClr val="000000"/>
+                      </a:solidFill>
+                    </a:lnT>
+                    <a:lnB w="12700">
+                      <a:solidFill>
+                        <a:srgbClr val="000000"/>
+                      </a:solidFill>
+                    </a:lnB>
+                    <a:solidFill>
+                      <a:srgbClr val="FFFFFF"/>
+                    </a:solidFill>
+                  </a:tcPr>
+                </a:tc>
+                <a:extLst>
+                  <a:ext uri="{0D108BD9-81ED-4DB2-BD59-A6C34878D82A}">
+                    <a16:rowId xmlns:a16="http://schemas.microsoft.com/office/drawing/2014/main" xmlns="" val="10002"/>
+                  </a:ext>
+                </a:extLst>
+              </a:tr>
+            </a:tbl>
+          </a:graphicData>
+        </a:graphic>
+      </p:graphicFrame>
+      <p:sp>
+        <p:nvSpPr>
+          <p:cNvPr id="11" name="Rectangle 10">
+            <a:extLst>
+              <a:ext uri="{FF2B5EF4-FFF2-40B4-BE49-F238E27FC236}">
+                <a16:creationId xmlns:a16="http://schemas.microsoft.com/office/drawing/2014/main" xmlns="" id="{46F6A8FD-AE4F-405E-85C4-995D2C5B65BE}"/>
+              </a:ext>
+            </a:extLst>
+          </p:cNvPr>
+          <p:cNvSpPr/>
+          <p:nvPr/>
+        </p:nvSpPr>
+        <p:spPr>
+          <a:xfrm>
+            <a:off x="2358620" y="-970885"/>
+            <a:ext cx="6143028" cy="369332"/>
+          </a:xfrm>
+          <a:prstGeom prst="rect">
+            <a:avLst/>
+          </a:prstGeom>
+        </p:spPr>
+        <p:txBody>
+          <a:bodyPr wrap="none">
+            <a:spAutoFit/>
+          </a:bodyPr>
+          <a:lstStyle/>
+          <a:p>
+            <a:r>
+              <a:rPr lang="ko-KR" altLang="en-US" dirty="0"/>
+              <a:t>이름, 이메일, 주소, 휴대폰 번호, 닉네임, 아이디, 비밀번호</a:t>
+            </a:r>
+          </a:p>
+        </p:txBody>
+      </p:sp>
+      <p:graphicFrame>
+        <p:nvGraphicFramePr>
+          <p:cNvPr id="9" name="표 8"/>
+          <p:cNvGraphicFramePr>
+            <a:graphicFrameLocks noGrp="1"/>
+          </p:cNvGraphicFramePr>
+          <p:nvPr/>
+        </p:nvGraphicFramePr>
+        <p:xfrm>
+          <a:off x="131601" y="1283516"/>
+          <a:ext cx="8032096" cy="5347943"/>
+        </p:xfrm>
+        <a:graphic>
+          <a:graphicData uri="http://schemas.openxmlformats.org/drawingml/2006/table">
+            <a:tbl>
+              <a:tblPr firstRow="1" bandRow="1">
+                <a:tableStyleId>{5C22544A-7EE6-4342-B048-85BDC9FD1C3A}</a:tableStyleId>
+              </a:tblPr>
+              <a:tblGrid>
+                <a:gridCol w="8032096"/>
+              </a:tblGrid>
+              <a:tr h="569998">
+                <a:tc>
+                  <a:txBody>
+                    <a:bodyPr/>
+                    <a:lstStyle/>
+                    <a:p>
+                      <a:pPr latinLnBrk="1"/>
+                      <a:endParaRPr lang="ko-KR" altLang="en-US" dirty="0"/>
+                    </a:p>
+                  </a:txBody>
+                  <a:tcPr>
+                    <a:lnL w="12700" cap="flat" cmpd="sng" algn="ctr">
+                      <a:solidFill>
+                        <a:schemeClr val="tx1"/>
+                      </a:solidFill>
+                      <a:prstDash val="solid"/>
+                      <a:round/>
+                      <a:headEnd type="none" w="med" len="med"/>
+                      <a:tailEnd type="none" w="med" len="med"/>
+                    </a:lnL>
+                    <a:lnR w="12700" cap="flat" cmpd="sng" algn="ctr">
+                      <a:solidFill>
+                        <a:schemeClr val="tx1"/>
+                      </a:solidFill>
+                      <a:prstDash val="solid"/>
+                      <a:round/>
+                      <a:headEnd type="none" w="med" len="med"/>
+                      <a:tailEnd type="none" w="med" len="med"/>
+                    </a:lnR>
+                    <a:lnT w="12700" cap="flat" cmpd="sng" algn="ctr">
+                      <a:solidFill>
+                        <a:schemeClr val="tx1"/>
+                      </a:solidFill>
+                      <a:prstDash val="solid"/>
+                      <a:round/>
+                      <a:headEnd type="none" w="med" len="med"/>
+                      <a:tailEnd type="none" w="med" len="med"/>
+                    </a:lnT>
+                    <a:lnB w="12700" cap="flat" cmpd="sng" algn="ctr">
+                      <a:noFill/>
+                      <a:prstDash val="solid"/>
+                      <a:round/>
+                      <a:headEnd type="none" w="med" len="med"/>
+                      <a:tailEnd type="none" w="med" len="med"/>
+                    </a:lnB>
+                    <a:lnTlToBr w="12700" cmpd="sng">
+                      <a:noFill/>
+                      <a:prstDash val="solid"/>
+                    </a:lnTlToBr>
+                    <a:lnBlToTr w="12700" cmpd="sng">
+                      <a:noFill/>
+                      <a:prstDash val="solid"/>
+                    </a:lnBlToTr>
+                    <a:solidFill>
+                      <a:schemeClr val="bg1"/>
+                    </a:solidFill>
+                  </a:tcPr>
+                </a:tc>
+              </a:tr>
+              <a:tr h="4777945">
+                <a:tc>
+                  <a:txBody>
+                    <a:bodyPr/>
+                    <a:lstStyle/>
+                    <a:p>
+                      <a:pPr latinLnBrk="1"/>
+                      <a:endParaRPr lang="ko-KR" altLang="en-US" sz="1500" dirty="0"/>
+                    </a:p>
+                  </a:txBody>
+                  <a:tcPr>
+                    <a:lnL w="12700" cap="flat" cmpd="sng" algn="ctr">
+                      <a:solidFill>
+                        <a:schemeClr val="tx1"/>
+                      </a:solidFill>
+                      <a:prstDash val="solid"/>
+                      <a:round/>
+                      <a:headEnd type="none" w="med" len="med"/>
+                      <a:tailEnd type="none" w="med" len="med"/>
+                    </a:lnL>
+                    <a:lnR w="12700" cap="flat" cmpd="sng" algn="ctr">
+                      <a:solidFill>
+                        <a:schemeClr val="tx1"/>
+                      </a:solidFill>
+                      <a:prstDash val="solid"/>
+                      <a:round/>
+                      <a:headEnd type="none" w="med" len="med"/>
+                      <a:tailEnd type="none" w="med" len="med"/>
+                    </a:lnR>
+                    <a:lnT w="12700" cap="flat" cmpd="sng" algn="ctr">
+                      <a:noFill/>
+                      <a:prstDash val="solid"/>
+                      <a:round/>
+                      <a:headEnd type="none" w="med" len="med"/>
+                      <a:tailEnd type="none" w="med" len="med"/>
+                    </a:lnT>
+                    <a:lnB w="12700" cap="flat" cmpd="sng" algn="ctr">
+                      <a:solidFill>
+                        <a:schemeClr val="tx1"/>
+                      </a:solidFill>
+                      <a:prstDash val="solid"/>
+                      <a:round/>
+                      <a:headEnd type="none" w="med" len="med"/>
+                      <a:tailEnd type="none" w="med" len="med"/>
+                    </a:lnB>
+                    <a:lnTlToBr w="12700" cmpd="sng">
+                      <a:noFill/>
+                      <a:prstDash val="solid"/>
+                    </a:lnTlToBr>
+                    <a:lnBlToTr w="12700" cmpd="sng">
+                      <a:noFill/>
+                      <a:prstDash val="solid"/>
+                    </a:lnBlToTr>
+                    <a:solidFill>
+                      <a:schemeClr val="bg1">
+                        <a:lumMod val="95000"/>
+                      </a:schemeClr>
+                    </a:solidFill>
+                  </a:tcPr>
+                </a:tc>
+              </a:tr>
+            </a:tbl>
+          </a:graphicData>
+        </a:graphic>
+      </p:graphicFrame>
+      <p:grpSp>
+        <p:nvGrpSpPr>
+          <p:cNvPr id="10" name="그룹 9"/>
+          <p:cNvGrpSpPr/>
+          <p:nvPr/>
+        </p:nvGrpSpPr>
+        <p:grpSpPr>
+          <a:xfrm>
+            <a:off x="318350" y="1349364"/>
+            <a:ext cx="5111784" cy="355428"/>
+            <a:chOff x="356082" y="1397293"/>
+            <a:chExt cx="5111784" cy="355428"/>
+          </a:xfrm>
+        </p:grpSpPr>
+        <p:sp>
+          <p:nvSpPr>
+            <p:cNvPr id="22" name="직사각형 39"/>
+            <p:cNvSpPr/>
+            <p:nvPr/>
+          </p:nvSpPr>
+          <p:spPr>
+            <a:xfrm>
+              <a:off x="356082" y="1423945"/>
+              <a:ext cx="1207049" cy="328776"/>
+            </a:xfrm>
+            <a:prstGeom prst="rect">
+              <a:avLst/>
+            </a:prstGeom>
+            <a:solidFill>
+              <a:srgbClr val="FFFFFF"/>
+            </a:solidFill>
+            <a:ln w="12700">
+              <a:noFill/>
+              <a:miter/>
+            </a:ln>
+          </p:spPr>
+          <p:txBody>
+            <a:bodyPr lIns="45719" rIns="45719" anchor="ctr"/>
+            <a:lstStyle/>
+            <a:p>
+              <a:pPr>
+                <a:defRPr sz="1500"/>
+              </a:pPr>
+              <a:r>
+                <a:rPr lang="en-US" sz="1900" dirty="0"/>
+                <a:t>e</a:t>
+              </a:r>
+              <a:r>
+                <a:rPr lang="en-US" sz="1900" dirty="0" smtClean="0"/>
+                <a:t>-Zone</a:t>
+              </a:r>
+              <a:endParaRPr sz="1900" dirty="0"/>
+            </a:p>
+          </p:txBody>
+        </p:sp>
+        <p:grpSp>
+          <p:nvGrpSpPr>
+            <p:cNvPr id="6" name="그룹 5"/>
+            <p:cNvGrpSpPr/>
+            <p:nvPr/>
+          </p:nvGrpSpPr>
+          <p:grpSpPr>
+            <a:xfrm>
+              <a:off x="1909120" y="1397293"/>
+              <a:ext cx="3558746" cy="319907"/>
+              <a:chOff x="1351005" y="1391330"/>
+              <a:chExt cx="3558746" cy="319907"/>
+            </a:xfrm>
+          </p:grpSpPr>
+          <p:pic>
+            <p:nvPicPr>
+              <p:cNvPr id="2" name="그림 1"/>
+              <p:cNvPicPr>
+                <a:picLocks noChangeAspect="1"/>
+              </p:cNvPicPr>
+              <p:nvPr/>
+            </p:nvPicPr>
+            <p:blipFill>
+              <a:blip r:embed="rId2"/>
+              <a:stretch>
+                <a:fillRect/>
+              </a:stretch>
+            </p:blipFill>
+            <p:spPr>
+              <a:xfrm>
+                <a:off x="4594815" y="1391330"/>
+                <a:ext cx="299939" cy="279013"/>
+              </a:xfrm>
+              <a:prstGeom prst="rect">
+                <a:avLst/>
+              </a:prstGeom>
+            </p:spPr>
+          </p:pic>
+          <p:cxnSp>
+            <p:nvCxnSpPr>
+              <p:cNvPr id="5" name="직선 연결선 4"/>
+              <p:cNvCxnSpPr/>
+              <p:nvPr/>
+            </p:nvCxnSpPr>
+            <p:spPr>
+              <a:xfrm>
+                <a:off x="1351005" y="1711237"/>
+                <a:ext cx="3558746" cy="0"/>
+              </a:xfrm>
+              <a:prstGeom prst="line">
+                <a:avLst/>
+              </a:prstGeom>
+              <a:ln w="28575"/>
+            </p:spPr>
+            <p:style>
+              <a:lnRef idx="1">
+                <a:schemeClr val="accent2"/>
+              </a:lnRef>
+              <a:fillRef idx="0">
+                <a:schemeClr val="accent2"/>
+              </a:fillRef>
+              <a:effectRef idx="0">
+                <a:schemeClr val="accent2"/>
+              </a:effectRef>
+              <a:fontRef idx="minor">
+                <a:schemeClr val="tx1"/>
+              </a:fontRef>
+            </p:style>
+          </p:cxnSp>
+        </p:grpSp>
+      </p:grpSp>
+      <p:pic>
+        <p:nvPicPr>
+          <p:cNvPr id="7" name="그림 6"/>
+          <p:cNvPicPr>
+            <a:picLocks noChangeAspect="1"/>
+          </p:cNvPicPr>
+          <p:nvPr/>
+        </p:nvPicPr>
+        <p:blipFill>
+          <a:blip r:embed="rId3"/>
+          <a:stretch>
+            <a:fillRect/>
+          </a:stretch>
+        </p:blipFill>
+        <p:spPr>
+          <a:xfrm>
+            <a:off x="799070" y="1939930"/>
+            <a:ext cx="3970638" cy="4614996"/>
+          </a:xfrm>
+          <a:prstGeom prst="rect">
+            <a:avLst/>
+          </a:prstGeom>
+        </p:spPr>
+      </p:pic>
+      <p:sp>
+        <p:nvSpPr>
+          <p:cNvPr id="8" name="직사각형 7"/>
+          <p:cNvSpPr/>
+          <p:nvPr/>
+        </p:nvSpPr>
+        <p:spPr>
+          <a:xfrm>
+            <a:off x="2784389" y="2616413"/>
+            <a:ext cx="1902941" cy="464538"/>
+          </a:xfrm>
+          <a:prstGeom prst="rect">
+            <a:avLst/>
+          </a:prstGeom>
+          <a:solidFill>
+            <a:schemeClr val="bg1"/>
+          </a:solidFill>
+          <a:ln>
+            <a:solidFill>
+              <a:schemeClr val="bg1"/>
+            </a:solidFill>
+          </a:ln>
+        </p:spPr>
+        <p:style>
+          <a:lnRef idx="2">
+            <a:schemeClr val="accent1">
+              <a:shade val="50000"/>
+            </a:schemeClr>
+          </a:lnRef>
+          <a:fillRef idx="1">
+            <a:schemeClr val="accent1"/>
+          </a:fillRef>
+          <a:effectRef idx="0">
+            <a:schemeClr val="accent1"/>
+          </a:effectRef>
+          <a:fontRef idx="minor">
+            <a:schemeClr val="lt1"/>
+          </a:fontRef>
+        </p:style>
+        <p:txBody>
+          <a:bodyPr rtlCol="0" anchor="ctr"/>
+          <a:lstStyle/>
+          <a:p>
+            <a:pPr algn="ctr"/>
+            <a:endParaRPr lang="ko-KR" altLang="en-US"/>
+          </a:p>
+        </p:txBody>
+      </p:sp>
+      <p:sp>
+        <p:nvSpPr>
+          <p:cNvPr id="17" name="직사각형 16"/>
+          <p:cNvSpPr/>
+          <p:nvPr/>
+        </p:nvSpPr>
+        <p:spPr>
+          <a:xfrm>
+            <a:off x="921874" y="2684236"/>
+            <a:ext cx="1902941" cy="464538"/>
+          </a:xfrm>
+          <a:prstGeom prst="rect">
+            <a:avLst/>
+          </a:prstGeom>
+          <a:solidFill>
+            <a:schemeClr val="bg1"/>
+          </a:solidFill>
+          <a:ln>
+            <a:solidFill>
+              <a:schemeClr val="bg1"/>
+            </a:solidFill>
+          </a:ln>
+        </p:spPr>
+        <p:style>
+          <a:lnRef idx="2">
+            <a:schemeClr val="accent1">
+              <a:shade val="50000"/>
+            </a:schemeClr>
+          </a:lnRef>
+          <a:fillRef idx="1">
+            <a:schemeClr val="accent1"/>
+          </a:fillRef>
+          <a:effectRef idx="0">
+            <a:schemeClr val="accent1"/>
+          </a:effectRef>
+          <a:fontRef idx="minor">
+            <a:schemeClr val="lt1"/>
+          </a:fontRef>
+        </p:style>
+        <p:txBody>
+          <a:bodyPr rtlCol="0" anchor="ctr"/>
+          <a:lstStyle/>
+          <a:p>
+            <a:pPr algn="ctr"/>
+            <a:endParaRPr lang="ko-KR" altLang="en-US"/>
+          </a:p>
+        </p:txBody>
+      </p:sp>
+      <p:pic>
+        <p:nvPicPr>
+          <p:cNvPr id="12" name="그림 11"/>
+          <p:cNvPicPr>
+            <a:picLocks noChangeAspect="1"/>
+          </p:cNvPicPr>
+          <p:nvPr/>
+        </p:nvPicPr>
+        <p:blipFill>
+          <a:blip r:embed="rId4"/>
+          <a:stretch>
+            <a:fillRect/>
+          </a:stretch>
+        </p:blipFill>
+        <p:spPr>
+          <a:xfrm>
+            <a:off x="799070" y="2684236"/>
+            <a:ext cx="4017583" cy="3364257"/>
+          </a:xfrm>
+          <a:prstGeom prst="rect">
+            <a:avLst/>
+          </a:prstGeom>
+        </p:spPr>
+      </p:pic>
+      <p:pic>
+        <p:nvPicPr>
+          <p:cNvPr id="13" name="그림 12"/>
+          <p:cNvPicPr>
+            <a:picLocks noChangeAspect="1"/>
+          </p:cNvPicPr>
+          <p:nvPr/>
+        </p:nvPicPr>
+        <p:blipFill>
+          <a:blip r:embed="rId5"/>
+          <a:stretch>
+            <a:fillRect/>
+          </a:stretch>
+        </p:blipFill>
+        <p:spPr>
+          <a:xfrm>
+            <a:off x="687835" y="6013017"/>
+            <a:ext cx="4273960" cy="581106"/>
+          </a:xfrm>
+          <a:prstGeom prst="rect">
+            <a:avLst/>
+          </a:prstGeom>
+        </p:spPr>
+      </p:pic>
+    </p:spTree>
+    <p:extLst>
+      <p:ext uri="{BB962C8B-B14F-4D97-AF65-F5344CB8AC3E}">
+        <p14:creationId xmlns:p14="http://schemas.microsoft.com/office/powerpoint/2010/main" val="4066962494"/>
+      </p:ext>
+    </p:extLst>
+  </p:cSld>
+  <p:clrMapOvr>
+    <a:masterClrMapping/>
+  </p:clrMapOvr>
+  <p:timing>
+    <p:tnLst>
+      <p:par>
+        <p:cTn id="1" dur="indefinite" restart="never" nodeType="tmRoot"/>
+      </p:par>
+    </p:tnLst>
+  </p:timing>
+</p:sld>
+</file>
+
+<file path=ppt/slides/slide5.xml><?xml version="1.0" encoding="utf-8"?>
+<p:sld xmlns:a="http://schemas.openxmlformats.org/drawingml/2006/main" xmlns:r="http://schemas.openxmlformats.org/officeDocument/2006/relationships" xmlns:p="http://schemas.openxmlformats.org/presentationml/2006/main">
+  <p:cSld>
+    <p:spTree>
+      <p:nvGrpSpPr>
+        <p:cNvPr id="1" name=""/>
+        <p:cNvGrpSpPr/>
+        <p:nvPr/>
+      </p:nvGrpSpPr>
+      <p:grpSpPr>
+        <a:xfrm>
+          <a:off x="0" y="0"/>
+          <a:ext cx="0" cy="0"/>
+          <a:chOff x="0" y="0"/>
+          <a:chExt cx="0" cy="0"/>
+        </a:xfrm>
+      </p:grpSpPr>
+      <p:graphicFrame>
+        <p:nvGraphicFramePr>
+          <p:cNvPr id="97" name="표 6"/>
+          <p:cNvGraphicFramePr/>
+          <p:nvPr/>
+        </p:nvGraphicFramePr>
+        <p:xfrm>
+          <a:off x="9309044" y="197402"/>
+          <a:ext cx="2815494" cy="320040"/>
+        </p:xfrm>
+        <a:graphic>
+          <a:graphicData uri="http://schemas.openxmlformats.org/drawingml/2006/table">
+            <a:tbl>
+              <a:tblPr/>
+              <a:tblGrid>
+                <a:gridCol w="1407747">
+                  <a:extLst>
+                    <a:ext uri="{9D8B030D-6E8A-4147-A177-3AD203B41FA5}">
+                      <a16:colId xmlns:a16="http://schemas.microsoft.com/office/drawing/2014/main" xmlns="" val="20000"/>
+                    </a:ext>
+                  </a:extLst>
+                </a:gridCol>
+                <a:gridCol w="1407747">
+                  <a:extLst>
+                    <a:ext uri="{9D8B030D-6E8A-4147-A177-3AD203B41FA5}">
+                      <a16:colId xmlns:a16="http://schemas.microsoft.com/office/drawing/2014/main" xmlns="" val="20001"/>
+                    </a:ext>
+                  </a:extLst>
+                </a:gridCol>
+              </a:tblGrid>
+              <a:tr h="265071">
+                <a:tc>
+                  <a:txBody>
+                    <a:bodyPr/>
+                    <a:lstStyle/>
+                    <a:p>
+                      <a:pPr algn="ctr">
+                        <a:defRPr sz="1800"/>
+                      </a:pPr>
+                      <a:r>
+                        <a:rPr sz="1500"/>
+                        <a:t>화면 번호</a:t>
+                      </a:r>
+                    </a:p>
+                  </a:txBody>
+                  <a:tcPr marL="45720" marR="45720" anchor="ctr" horzOverflow="overflow">
+                    <a:lnL w="12700">
+                      <a:solidFill>
+                        <a:srgbClr val="000000"/>
+                      </a:solidFill>
+                    </a:lnL>
+                    <a:lnR w="12700">
+                      <a:solidFill>
+                        <a:srgbClr val="000000"/>
+                      </a:solidFill>
+                    </a:lnR>
+                    <a:lnT w="12700">
+                      <a:solidFill>
+                        <a:srgbClr val="000000"/>
+                      </a:solidFill>
+                    </a:lnT>
+                    <a:lnB w="12700">
+                      <a:solidFill>
+                        <a:srgbClr val="000000"/>
+                      </a:solidFill>
+                    </a:lnB>
+                    <a:solidFill>
+                      <a:srgbClr val="D9D9D9"/>
+                    </a:solidFill>
+                  </a:tcPr>
+                </a:tc>
+                <a:tc>
+                  <a:txBody>
+                    <a:bodyPr/>
+                    <a:lstStyle/>
+                    <a:p>
+                      <a:pPr algn="ctr">
+                        <a:defRPr sz="1000">
+                          <a:latin typeface="Arial"/>
+                          <a:ea typeface="Arial"/>
+                          <a:cs typeface="Arial"/>
+                          <a:sym typeface="Arial"/>
+                        </a:defRPr>
+                      </a:pPr>
+                      <a:endParaRPr/>
+                    </a:p>
+                  </a:txBody>
+                  <a:tcPr marL="9525" marR="9525" marT="9525" marB="9525" anchor="ctr" horzOverflow="overflow">
+                    <a:lnL w="12700">
+                      <a:solidFill>
+                        <a:srgbClr val="000000"/>
+                      </a:solidFill>
+                    </a:lnL>
+                    <a:lnR w="12700">
+                      <a:solidFill>
+                        <a:srgbClr val="000000"/>
+                      </a:solidFill>
+                    </a:lnR>
+                    <a:lnT w="12700">
+                      <a:solidFill>
+                        <a:srgbClr val="000000"/>
+                      </a:solidFill>
+                    </a:lnT>
+                    <a:lnB w="12700">
+                      <a:solidFill>
+                        <a:srgbClr val="000000"/>
+                      </a:solidFill>
+                    </a:lnB>
+                    <a:solidFill>
+                      <a:srgbClr val="FFFFFF"/>
+                    </a:solidFill>
+                  </a:tcPr>
+                </a:tc>
+                <a:extLst>
+                  <a:ext uri="{0D108BD9-81ED-4DB2-BD59-A6C34878D82A}">
+                    <a16:rowId xmlns:a16="http://schemas.microsoft.com/office/drawing/2014/main" xmlns="" val="10000"/>
+                  </a:ext>
+                </a:extLst>
+              </a:tr>
+            </a:tbl>
+          </a:graphicData>
+        </a:graphic>
+      </p:graphicFrame>
+      <p:graphicFrame>
+        <p:nvGraphicFramePr>
+          <p:cNvPr id="98" name="표 8"/>
+          <p:cNvGraphicFramePr/>
+          <p:nvPr/>
+        </p:nvGraphicFramePr>
+        <p:xfrm>
+          <a:off x="6200085" y="197402"/>
+          <a:ext cx="2815494" cy="320040"/>
+        </p:xfrm>
+        <a:graphic>
+          <a:graphicData uri="http://schemas.openxmlformats.org/drawingml/2006/table">
+            <a:tbl>
+              <a:tblPr/>
+              <a:tblGrid>
+                <a:gridCol w="1407747">
+                  <a:extLst>
+                    <a:ext uri="{9D8B030D-6E8A-4147-A177-3AD203B41FA5}">
+                      <a16:colId xmlns:a16="http://schemas.microsoft.com/office/drawing/2014/main" xmlns="" val="20000"/>
+                    </a:ext>
+                  </a:extLst>
+                </a:gridCol>
+                <a:gridCol w="1407747">
+                  <a:extLst>
+                    <a:ext uri="{9D8B030D-6E8A-4147-A177-3AD203B41FA5}">
+                      <a16:colId xmlns:a16="http://schemas.microsoft.com/office/drawing/2014/main" xmlns="" val="20001"/>
+                    </a:ext>
+                  </a:extLst>
+                </a:gridCol>
+              </a:tblGrid>
+              <a:tr h="265071">
+                <a:tc>
+                  <a:txBody>
+                    <a:bodyPr/>
+                    <a:lstStyle/>
+                    <a:p>
+                      <a:pPr algn="ctr">
+                        <a:defRPr sz="1500"/>
+                      </a:pPr>
+                      <a:endParaRPr dirty="0"/>
+                    </a:p>
+                  </a:txBody>
+                  <a:tcPr marL="45720" marR="45720" anchor="ctr" horzOverflow="overflow">
+                    <a:lnL w="12700">
+                      <a:solidFill>
+                        <a:srgbClr val="000000"/>
+                      </a:solidFill>
+                    </a:lnL>
+                    <a:lnR w="12700">
+                      <a:solidFill>
+                        <a:srgbClr val="000000"/>
+                      </a:solidFill>
+                    </a:lnR>
+                    <a:lnT w="12700">
+                      <a:solidFill>
+                        <a:srgbClr val="000000"/>
+                      </a:solidFill>
+                    </a:lnT>
+                    <a:lnB w="12700">
+                      <a:solidFill>
+                        <a:srgbClr val="000000"/>
+                      </a:solidFill>
+                    </a:lnB>
+                    <a:solidFill>
+                      <a:srgbClr val="D9D9D9"/>
+                    </a:solidFill>
+                  </a:tcPr>
+                </a:tc>
+                <a:tc>
+                  <a:txBody>
+                    <a:bodyPr/>
+                    <a:lstStyle/>
+                    <a:p>
+                      <a:pPr algn="ctr">
+                        <a:defRPr sz="1500"/>
+                      </a:pPr>
+                      <a:endParaRPr/>
+                    </a:p>
+                  </a:txBody>
+                  <a:tcPr marL="45720" marR="45720" anchor="ctr" horzOverflow="overflow">
+                    <a:lnL w="12700">
+                      <a:solidFill>
+                        <a:srgbClr val="000000"/>
+                      </a:solidFill>
+                    </a:lnL>
+                    <a:lnR w="12700">
+                      <a:solidFill>
+                        <a:srgbClr val="000000"/>
+                      </a:solidFill>
+                    </a:lnR>
+                    <a:lnT w="12700">
+                      <a:solidFill>
+                        <a:srgbClr val="000000"/>
+                      </a:solidFill>
+                    </a:lnT>
+                    <a:lnB w="12700">
+                      <a:solidFill>
+                        <a:srgbClr val="000000"/>
+                      </a:solidFill>
+                    </a:lnB>
+                    <a:solidFill>
+                      <a:srgbClr val="FFFFFF"/>
+                    </a:solidFill>
+                  </a:tcPr>
+                </a:tc>
+                <a:extLst>
+                  <a:ext uri="{0D108BD9-81ED-4DB2-BD59-A6C34878D82A}">
+                    <a16:rowId xmlns:a16="http://schemas.microsoft.com/office/drawing/2014/main" xmlns="" val="10000"/>
+                  </a:ext>
+                </a:extLst>
+              </a:tr>
+            </a:tbl>
+          </a:graphicData>
+        </a:graphic>
+      </p:graphicFrame>
+      <p:graphicFrame>
+        <p:nvGraphicFramePr>
+          <p:cNvPr id="99" name="표 13"/>
+          <p:cNvGraphicFramePr/>
+          <p:nvPr>
+            <p:extLst/>
+          </p:nvPr>
+        </p:nvGraphicFramePr>
+        <p:xfrm>
+          <a:off x="8509686" y="1289960"/>
+          <a:ext cx="3491813" cy="1326453"/>
+        </p:xfrm>
+        <a:graphic>
+          <a:graphicData uri="http://schemas.openxmlformats.org/drawingml/2006/table">
+            <a:tbl>
+              <a:tblPr firstRow="1"/>
+              <a:tblGrid>
+                <a:gridCol w="342705">
+                  <a:extLst>
+                    <a:ext uri="{9D8B030D-6E8A-4147-A177-3AD203B41FA5}">
+                      <a16:colId xmlns:a16="http://schemas.microsoft.com/office/drawing/2014/main" xmlns="" val="20000"/>
+                    </a:ext>
+                  </a:extLst>
+                </a:gridCol>
+                <a:gridCol w="3149108">
+                  <a:extLst>
+                    <a:ext uri="{9D8B030D-6E8A-4147-A177-3AD203B41FA5}">
+                      <a16:colId xmlns:a16="http://schemas.microsoft.com/office/drawing/2014/main" xmlns="" val="20001"/>
+                    </a:ext>
+                  </a:extLst>
+                </a:gridCol>
+              </a:tblGrid>
+              <a:tr h="378460">
+                <a:tc>
+                  <a:txBody>
+                    <a:bodyPr/>
+                    <a:lstStyle/>
+                    <a:p>
+                      <a:pPr algn="ctr">
+                        <a:defRPr sz="1800" b="0">
+                          <a:solidFill>
+                            <a:srgbClr val="000000"/>
+                          </a:solidFill>
+                        </a:defRPr>
+                      </a:pPr>
+                      <a:r>
+                        <a:rPr sz="1500" b="1"/>
+                        <a:t>#</a:t>
+                      </a:r>
+                    </a:p>
+                  </a:txBody>
+                  <a:tcPr marL="45720" marR="45720" anchor="ctr" horzOverflow="overflow">
+                    <a:lnL w="12700">
+                      <a:solidFill>
+                        <a:srgbClr val="000000"/>
+                      </a:solidFill>
+                    </a:lnL>
+                    <a:lnR w="12700">
+                      <a:solidFill>
+                        <a:srgbClr val="000000"/>
+                      </a:solidFill>
+                    </a:lnR>
+                    <a:lnT w="12700">
+                      <a:solidFill>
+                        <a:srgbClr val="000000"/>
+                      </a:solidFill>
+                    </a:lnT>
+                    <a:lnB w="12700">
+                      <a:solidFill>
+                        <a:srgbClr val="000000"/>
+                      </a:solidFill>
+                    </a:lnB>
+                    <a:solidFill>
+                      <a:srgbClr val="D9D9D9"/>
+                    </a:solidFill>
+                  </a:tcPr>
+                </a:tc>
+                <a:tc>
+                  <a:txBody>
+                    <a:bodyPr/>
+                    <a:lstStyle/>
+                    <a:p>
+                      <a:pPr algn="ctr">
+                        <a:defRPr sz="1800" b="0">
+                          <a:solidFill>
+                            <a:srgbClr val="000000"/>
+                          </a:solidFill>
+                        </a:defRPr>
+                      </a:pPr>
+                      <a:r>
+                        <a:rPr sz="1500" b="1"/>
+                        <a:t>기능명</a:t>
+                      </a:r>
+                    </a:p>
+                  </a:txBody>
+                  <a:tcPr marL="45720" marR="45720" anchor="ctr" horzOverflow="overflow">
+                    <a:lnL w="12700">
+                      <a:solidFill>
+                        <a:srgbClr val="000000"/>
+                      </a:solidFill>
+                    </a:lnL>
+                    <a:lnR w="12700">
+                      <a:solidFill>
+                        <a:srgbClr val="000000"/>
+                      </a:solidFill>
+                    </a:lnR>
+                    <a:lnT w="12700">
+                      <a:solidFill>
+                        <a:srgbClr val="000000"/>
+                      </a:solidFill>
+                    </a:lnT>
+                    <a:lnB w="12700">
+                      <a:solidFill>
+                        <a:srgbClr val="000000"/>
+                      </a:solidFill>
+                    </a:lnB>
+                    <a:solidFill>
+                      <a:srgbClr val="D9D9D9"/>
+                    </a:solidFill>
+                  </a:tcPr>
+                </a:tc>
+                <a:extLst>
+                  <a:ext uri="{0D108BD9-81ED-4DB2-BD59-A6C34878D82A}">
+                    <a16:rowId xmlns:a16="http://schemas.microsoft.com/office/drawing/2014/main" xmlns="" val="10000"/>
+                  </a:ext>
+                </a:extLst>
+              </a:tr>
+              <a:tr h="947993">
+                <a:tc>
+                  <a:txBody>
+                    <a:bodyPr/>
+                    <a:lstStyle/>
+                    <a:p>
+                      <a:pPr algn="ctr">
+                        <a:defRPr sz="1800"/>
+                      </a:pPr>
+                      <a:r>
+                        <a:rPr sz="1500"/>
+                        <a:t>1</a:t>
+                      </a:r>
+                    </a:p>
+                  </a:txBody>
+                  <a:tcPr marL="45720" marR="45720" anchor="ctr" horzOverflow="overflow">
+                    <a:lnL w="12700">
+                      <a:solidFill>
+                        <a:srgbClr val="000000"/>
+                      </a:solidFill>
+                    </a:lnL>
+                    <a:lnR w="12700">
+                      <a:solidFill>
+                        <a:srgbClr val="000000"/>
+                      </a:solidFill>
+                    </a:lnR>
+                    <a:lnT w="12700">
+                      <a:solidFill>
+                        <a:srgbClr val="000000"/>
+                      </a:solidFill>
+                    </a:lnT>
+                    <a:lnB w="12700">
+                      <a:solidFill>
+                        <a:srgbClr val="000000"/>
+                      </a:solidFill>
+                    </a:lnB>
+                    <a:solidFill>
+                      <a:srgbClr val="FFFFFF"/>
+                    </a:solidFill>
+                  </a:tcPr>
+                </a:tc>
+                <a:tc>
+                  <a:txBody>
+                    <a:bodyPr/>
+                    <a:lstStyle/>
+                    <a:p>
+                      <a:pPr algn="l">
+                        <a:defRPr sz="1500"/>
+                      </a:pPr>
+                      <a:r>
+                        <a:rPr lang="ko-KR" altLang="en-US" dirty="0"/>
+                        <a:t>회원가입 폼</a:t>
+                      </a:r>
+                      <a:endParaRPr lang="en-US" altLang="ko-KR" dirty="0"/>
+                    </a:p>
+                    <a:p>
+                      <a:pPr algn="l">
+                        <a:defRPr sz="1500"/>
+                      </a:pPr>
+                      <a:r>
+                        <a:rPr lang="en-US" altLang="ko-KR" dirty="0"/>
+                        <a:t>- </a:t>
+                      </a:r>
+                      <a:r>
+                        <a:rPr lang="ko-KR" altLang="en-US" sz="1200" dirty="0"/>
+                        <a:t>아이디</a:t>
+                      </a:r>
+                      <a:r>
+                        <a:rPr lang="en-US" altLang="ko-KR" sz="1200" dirty="0"/>
+                        <a:t>, </a:t>
+                      </a:r>
+                      <a:r>
+                        <a:rPr lang="ko-KR" altLang="en-US" sz="1200" dirty="0"/>
+                        <a:t>비밀번호</a:t>
+                      </a:r>
+                      <a:r>
+                        <a:rPr lang="en-US" altLang="ko-KR" sz="1200" dirty="0"/>
+                        <a:t>, </a:t>
+                      </a:r>
+                      <a:r>
+                        <a:rPr lang="ko-KR" altLang="en-US" sz="1200" dirty="0"/>
+                        <a:t>비밀번호 확인</a:t>
+                      </a:r>
+                      <a:r>
+                        <a:rPr lang="en-US" altLang="ko-KR" sz="1200" dirty="0"/>
+                        <a:t>, </a:t>
+                      </a:r>
+                      <a:r>
+                        <a:rPr lang="ko-KR" altLang="en-US" sz="1200" dirty="0"/>
+                        <a:t>이름</a:t>
+                      </a:r>
+                      <a:r>
+                        <a:rPr lang="en-US" altLang="ko-KR" sz="1200" dirty="0"/>
+                        <a:t>, </a:t>
+                      </a:r>
+                      <a:r>
+                        <a:rPr lang="ko-KR" altLang="en-US" sz="1200" dirty="0"/>
+                        <a:t>닉네임</a:t>
+                      </a:r>
+                      <a:r>
+                        <a:rPr lang="en-US" altLang="ko-KR" sz="1200" dirty="0"/>
+                        <a:t>, </a:t>
+                      </a:r>
+                      <a:r>
+                        <a:rPr lang="ko-KR" altLang="en-US" sz="1200" dirty="0"/>
+                        <a:t>주소</a:t>
+                      </a:r>
+                      <a:r>
+                        <a:rPr lang="en-US" altLang="ko-KR" sz="1200" dirty="0"/>
+                        <a:t>, </a:t>
+                      </a:r>
+                      <a:r>
+                        <a:rPr lang="ko-KR" altLang="en-US" sz="1200" dirty="0"/>
+                        <a:t>이메일주소</a:t>
+                      </a:r>
+                      <a:r>
+                        <a:rPr lang="en-US" altLang="ko-KR" sz="1200" dirty="0"/>
+                        <a:t>, </a:t>
+                      </a:r>
+                      <a:r>
+                        <a:rPr lang="ko-KR" altLang="en-US" sz="1200" dirty="0"/>
+                        <a:t>휴대폰 번호</a:t>
+                      </a:r>
+                      <a:r>
+                        <a:rPr lang="en-US" altLang="ko-KR" sz="1200" dirty="0"/>
+                        <a:t>, </a:t>
+                      </a:r>
+                      <a:r>
+                        <a:rPr lang="ko-KR" altLang="en-US" sz="1200" dirty="0"/>
+                        <a:t>인증번호 필수 입력</a:t>
+                      </a:r>
+                      <a:endParaRPr sz="1200" dirty="0"/>
+                    </a:p>
+                  </a:txBody>
+                  <a:tcPr marL="45720" marR="45720" horzOverflow="overflow">
+                    <a:lnL w="12700">
+                      <a:solidFill>
+                        <a:srgbClr val="000000"/>
+                      </a:solidFill>
+                    </a:lnL>
+                    <a:lnR w="12700">
+                      <a:solidFill>
+                        <a:srgbClr val="000000"/>
+                      </a:solidFill>
+                    </a:lnR>
+                    <a:lnT w="12700">
+                      <a:solidFill>
+                        <a:srgbClr val="000000"/>
+                      </a:solidFill>
+                    </a:lnT>
+                    <a:lnB w="12700">
+                      <a:solidFill>
+                        <a:srgbClr val="000000"/>
+                      </a:solidFill>
+                    </a:lnB>
+                    <a:solidFill>
+                      <a:srgbClr val="FFFFFF"/>
+                    </a:solidFill>
+                  </a:tcPr>
+                </a:tc>
+                <a:extLst>
+                  <a:ext uri="{0D108BD9-81ED-4DB2-BD59-A6C34878D82A}">
+                    <a16:rowId xmlns:a16="http://schemas.microsoft.com/office/drawing/2014/main" xmlns="" val="10001"/>
+                  </a:ext>
+                </a:extLst>
+              </a:tr>
+            </a:tbl>
+          </a:graphicData>
+        </a:graphic>
+      </p:graphicFrame>
+      <p:graphicFrame>
+        <p:nvGraphicFramePr>
+          <p:cNvPr id="101" name="표 57"/>
+          <p:cNvGraphicFramePr/>
+          <p:nvPr>
+            <p:extLst>
+              <p:ext uri="{D42A27DB-BD31-4B8C-83A1-F6EECF244321}">
+                <p14:modId xmlns:p14="http://schemas.microsoft.com/office/powerpoint/2010/main" val="427613965"/>
+              </p:ext>
+            </p:extLst>
+          </p:nvPr>
+        </p:nvGraphicFramePr>
+        <p:xfrm>
+          <a:off x="131601" y="115758"/>
+          <a:ext cx="3313726" cy="822960"/>
+        </p:xfrm>
+        <a:graphic>
+          <a:graphicData uri="http://schemas.openxmlformats.org/drawingml/2006/table">
+            <a:tbl>
+              <a:tblPr firstRow="1"/>
+              <a:tblGrid>
+                <a:gridCol w="1656863">
+                  <a:extLst>
+                    <a:ext uri="{9D8B030D-6E8A-4147-A177-3AD203B41FA5}">
+                      <a16:colId xmlns:a16="http://schemas.microsoft.com/office/drawing/2014/main" xmlns="" val="20000"/>
+                    </a:ext>
+                  </a:extLst>
+                </a:gridCol>
+                <a:gridCol w="1656863">
+                  <a:extLst>
+                    <a:ext uri="{9D8B030D-6E8A-4147-A177-3AD203B41FA5}">
+                      <a16:colId xmlns:a16="http://schemas.microsoft.com/office/drawing/2014/main" xmlns="" val="20001"/>
+                    </a:ext>
+                  </a:extLst>
+                </a:gridCol>
+              </a:tblGrid>
+              <a:tr h="271237">
+                <a:tc>
+                  <a:txBody>
+                    <a:bodyPr/>
+                    <a:lstStyle/>
+                    <a:p>
+                      <a:pPr algn="ctr">
+                        <a:defRPr sz="1800" b="0">
+                          <a:solidFill>
+                            <a:srgbClr val="000000"/>
+                          </a:solidFill>
+                        </a:defRPr>
+                      </a:pPr>
+                      <a:r>
+                        <a:rPr sz="1200" dirty="0" err="1"/>
+                        <a:t>화면코드</a:t>
+                      </a:r>
+                      <a:endParaRPr sz="1200" dirty="0"/>
+                    </a:p>
+                  </a:txBody>
+                  <a:tcPr marL="45720" marR="45720" anchor="ctr" horzOverflow="overflow">
+                    <a:lnL w="12700">
+                      <a:solidFill>
+                        <a:srgbClr val="000000"/>
+                      </a:solidFill>
+                    </a:lnL>
+                    <a:lnR w="12700">
+                      <a:solidFill>
+                        <a:srgbClr val="000000"/>
+                      </a:solidFill>
+                    </a:lnR>
+                    <a:lnT w="12700">
+                      <a:solidFill>
+                        <a:srgbClr val="000000"/>
+                      </a:solidFill>
+                    </a:lnT>
+                    <a:lnB w="12700">
+                      <a:solidFill>
+                        <a:srgbClr val="000000"/>
+                      </a:solidFill>
+                    </a:lnB>
+                    <a:solidFill>
+                      <a:srgbClr val="D9D9D9"/>
+                    </a:solidFill>
+                  </a:tcPr>
+                </a:tc>
+                <a:tc>
+                  <a:txBody>
+                    <a:bodyPr/>
+                    <a:lstStyle/>
+                    <a:p>
+                      <a:pPr marL="0" marR="0" lvl="0" indent="0" algn="ctr" defTabSz="914400" rtl="0" eaLnBrk="1" fontAlgn="auto" latinLnBrk="1" hangingPunct="1">
+                        <a:lnSpc>
+                          <a:spcPct val="100000"/>
+                        </a:lnSpc>
+                        <a:spcBef>
+                          <a:spcPts val="0"/>
+                        </a:spcBef>
+                        <a:spcAft>
+                          <a:spcPts val="0"/>
+                        </a:spcAft>
+                        <a:buClrTx/>
+                        <a:buSzTx/>
+                        <a:buFontTx/>
+                        <a:buNone/>
+                        <a:tabLst/>
+                        <a:defRPr sz="1000" b="0">
+                          <a:solidFill>
+                            <a:srgbClr val="000000"/>
+                          </a:solidFill>
+                          <a:latin typeface="Arial"/>
+                          <a:ea typeface="Arial"/>
+                          <a:cs typeface="Arial"/>
+                          <a:sym typeface="Arial"/>
+                        </a:defRPr>
+                      </a:pPr>
+                      <a:endParaRPr lang="en-US" altLang="ko-KR" sz="1200" b="0" u="none" strike="noStrike" cap="none" dirty="0">
+                        <a:solidFill>
+                          <a:schemeClr val="dk1"/>
+                        </a:solidFill>
+                      </a:endParaRPr>
+                    </a:p>
+                  </a:txBody>
+                  <a:tcPr marL="9525" marR="9525" marT="9525" marB="9525" anchor="ctr" horzOverflow="overflow">
+                    <a:lnL w="12700">
+                      <a:solidFill>
+                        <a:srgbClr val="000000"/>
+                      </a:solidFill>
+                    </a:lnL>
+                    <a:lnR w="12700">
+                      <a:solidFill>
+                        <a:srgbClr val="000000"/>
+                      </a:solidFill>
+                    </a:lnR>
+                    <a:lnT w="12700">
+                      <a:solidFill>
+                        <a:srgbClr val="000000"/>
+                      </a:solidFill>
+                    </a:lnT>
+                    <a:lnB w="12700">
+                      <a:solidFill>
+                        <a:srgbClr val="000000"/>
+                      </a:solidFill>
+                    </a:lnB>
+                    <a:solidFill>
+                      <a:srgbClr val="FFFFFF"/>
+                    </a:solidFill>
+                  </a:tcPr>
+                </a:tc>
+                <a:extLst>
+                  <a:ext uri="{0D108BD9-81ED-4DB2-BD59-A6C34878D82A}">
+                    <a16:rowId xmlns:a16="http://schemas.microsoft.com/office/drawing/2014/main" xmlns="" val="10000"/>
+                  </a:ext>
+                </a:extLst>
+              </a:tr>
+              <a:tr h="271237">
+                <a:tc rowSpan="2">
+                  <a:txBody>
+                    <a:bodyPr/>
+                    <a:lstStyle/>
+                    <a:p>
+                      <a:pPr algn="ctr">
+                        <a:defRPr sz="1800"/>
+                      </a:pPr>
+                      <a:r>
+                        <a:rPr sz="1200"/>
+                        <a:t>화면명</a:t>
+                      </a:r>
+                    </a:p>
+                  </a:txBody>
+                  <a:tcPr marL="45720" marR="45720" anchor="ctr" horzOverflow="overflow">
+                    <a:lnL w="12700">
+                      <a:solidFill>
+                        <a:srgbClr val="000000"/>
+                      </a:solidFill>
+                    </a:lnL>
+                    <a:lnR w="12700">
+                      <a:solidFill>
+                        <a:srgbClr val="000000"/>
+                      </a:solidFill>
+                    </a:lnR>
+                    <a:lnT w="12700">
+                      <a:solidFill>
+                        <a:srgbClr val="000000"/>
+                      </a:solidFill>
+                    </a:lnT>
+                    <a:lnB w="12700">
+                      <a:solidFill>
+                        <a:srgbClr val="000000"/>
+                      </a:solidFill>
+                    </a:lnB>
+                    <a:solidFill>
+                      <a:srgbClr val="D9D9D9"/>
+                    </a:solidFill>
+                  </a:tcPr>
+                </a:tc>
+                <a:tc>
+                  <a:txBody>
+                    <a:bodyPr/>
+                    <a:lstStyle/>
+                    <a:p>
+                      <a:pPr marL="0" marR="0" lvl="0" indent="0" algn="ctr" defTabSz="914400" rtl="0" eaLnBrk="1" fontAlgn="auto" latinLnBrk="1" hangingPunct="1">
+                        <a:lnSpc>
+                          <a:spcPct val="100000"/>
+                        </a:lnSpc>
+                        <a:spcBef>
+                          <a:spcPts val="0"/>
+                        </a:spcBef>
+                        <a:spcAft>
+                          <a:spcPts val="0"/>
+                        </a:spcAft>
+                        <a:buClrTx/>
+                        <a:buSzTx/>
+                        <a:buFontTx/>
+                        <a:buNone/>
+                        <a:tabLst/>
+                        <a:defRPr sz="1500">
+                          <a:solidFill>
+                            <a:srgbClr val="0070C0"/>
+                          </a:solidFill>
+                        </a:defRPr>
+                      </a:pPr>
+                      <a:r>
+                        <a:rPr lang="ko-KR" altLang="en-US" sz="1200" dirty="0" smtClean="0">
+                          <a:solidFill>
+                            <a:schemeClr val="tx1"/>
+                          </a:solidFill>
+                        </a:rPr>
+                        <a:t>강연 정보 확인</a:t>
+                      </a:r>
+                      <a:endParaRPr lang="en-US" altLang="ko-KR" sz="1200" dirty="0">
+                        <a:solidFill>
+                          <a:schemeClr val="tx1"/>
+                        </a:solidFill>
+                      </a:endParaRPr>
+                    </a:p>
+                  </a:txBody>
+                  <a:tcPr marL="45720" marR="45720" anchor="ctr" horzOverflow="overflow">
+                    <a:lnL w="12700">
+                      <a:solidFill>
+                        <a:srgbClr val="000000"/>
+                      </a:solidFill>
+                    </a:lnL>
+                    <a:lnR w="12700">
+                      <a:solidFill>
+                        <a:srgbClr val="000000"/>
+                      </a:solidFill>
+                    </a:lnR>
+                    <a:lnT w="12700">
+                      <a:solidFill>
+                        <a:srgbClr val="000000"/>
+                      </a:solidFill>
+                    </a:lnT>
+                    <a:lnB w="12700">
+                      <a:solidFill>
+                        <a:srgbClr val="000000"/>
+                      </a:solidFill>
+                    </a:lnB>
+                    <a:solidFill>
+                      <a:srgbClr val="FFFFFF"/>
+                    </a:solidFill>
+                  </a:tcPr>
+                </a:tc>
+                <a:extLst>
+                  <a:ext uri="{0D108BD9-81ED-4DB2-BD59-A6C34878D82A}">
+                    <a16:rowId xmlns:a16="http://schemas.microsoft.com/office/drawing/2014/main" xmlns="" val="10001"/>
+                  </a:ext>
+                </a:extLst>
+              </a:tr>
+              <a:tr h="271237">
+                <a:tc vMerge="1">
+                  <a:txBody>
+                    <a:bodyPr/>
+                    <a:lstStyle/>
+                    <a:p>
+                      <a:endParaRPr lang="ko-KR"/>
+                    </a:p>
+                  </a:txBody>
+                  <a:tcPr/>
+                </a:tc>
+                <a:tc>
+                  <a:txBody>
+                    <a:bodyPr/>
+                    <a:lstStyle/>
+                    <a:p>
+                      <a:pPr algn="ctr">
+                        <a:defRPr sz="1500">
+                          <a:solidFill>
+                            <a:srgbClr val="0070C0"/>
+                          </a:solidFill>
+                        </a:defRPr>
+                      </a:pPr>
+                      <a:r>
+                        <a:rPr lang="en-US" altLang="ko-KR" sz="1200" dirty="0" smtClean="0">
+                          <a:solidFill>
+                            <a:schemeClr val="tx1"/>
+                          </a:solidFill>
+                        </a:rPr>
+                        <a:t>4</a:t>
+                      </a:r>
+                      <a:endParaRPr lang="en-US" altLang="ko-KR" sz="1200" dirty="0">
+                        <a:solidFill>
+                          <a:schemeClr val="tx1"/>
+                        </a:solidFill>
+                      </a:endParaRPr>
+                    </a:p>
+                  </a:txBody>
+                  <a:tcPr marL="45720" marR="45720" anchor="ctr" horzOverflow="overflow">
+                    <a:lnL w="12700">
+                      <a:solidFill>
+                        <a:srgbClr val="000000"/>
+                      </a:solidFill>
+                    </a:lnL>
+                    <a:lnR w="12700">
+                      <a:solidFill>
+                        <a:srgbClr val="000000"/>
+                      </a:solidFill>
+                    </a:lnR>
+                    <a:lnT w="12700">
+                      <a:solidFill>
+                        <a:srgbClr val="000000"/>
+                      </a:solidFill>
+                    </a:lnT>
+                    <a:lnB w="12700">
+                      <a:solidFill>
+                        <a:srgbClr val="000000"/>
+                      </a:solidFill>
+                    </a:lnB>
+                    <a:solidFill>
+                      <a:srgbClr val="FFFFFF"/>
+                    </a:solidFill>
+                  </a:tcPr>
+                </a:tc>
+                <a:extLst>
+                  <a:ext uri="{0D108BD9-81ED-4DB2-BD59-A6C34878D82A}">
+                    <a16:rowId xmlns:a16="http://schemas.microsoft.com/office/drawing/2014/main" xmlns="" val="10002"/>
+                  </a:ext>
+                </a:extLst>
+              </a:tr>
+            </a:tbl>
+          </a:graphicData>
+        </a:graphic>
+      </p:graphicFrame>
+      <p:sp>
+        <p:nvSpPr>
+          <p:cNvPr id="11" name="Rectangle 10">
+            <a:extLst>
+              <a:ext uri="{FF2B5EF4-FFF2-40B4-BE49-F238E27FC236}">
+                <a16:creationId xmlns:a16="http://schemas.microsoft.com/office/drawing/2014/main" xmlns="" id="{46F6A8FD-AE4F-405E-85C4-995D2C5B65BE}"/>
+              </a:ext>
+            </a:extLst>
+          </p:cNvPr>
+          <p:cNvSpPr/>
+          <p:nvPr/>
+        </p:nvSpPr>
+        <p:spPr>
+          <a:xfrm>
+            <a:off x="2358620" y="-970885"/>
+            <a:ext cx="6143028" cy="369332"/>
+          </a:xfrm>
+          <a:prstGeom prst="rect">
+            <a:avLst/>
+          </a:prstGeom>
+        </p:spPr>
+        <p:txBody>
+          <a:bodyPr wrap="none">
+            <a:spAutoFit/>
+          </a:bodyPr>
+          <a:lstStyle/>
+          <a:p>
+            <a:r>
+              <a:rPr lang="ko-KR" altLang="en-US" dirty="0"/>
+              <a:t>이름, 이메일, 주소, 휴대폰 번호, 닉네임, 아이디, 비밀번호</a:t>
+            </a:r>
+          </a:p>
+        </p:txBody>
+      </p:sp>
+      <p:graphicFrame>
+        <p:nvGraphicFramePr>
+          <p:cNvPr id="9" name="표 8"/>
+          <p:cNvGraphicFramePr>
+            <a:graphicFrameLocks noGrp="1"/>
+          </p:cNvGraphicFramePr>
+          <p:nvPr/>
+        </p:nvGraphicFramePr>
+        <p:xfrm>
+          <a:off x="131601" y="1283516"/>
+          <a:ext cx="8032096" cy="5347943"/>
+        </p:xfrm>
+        <a:graphic>
+          <a:graphicData uri="http://schemas.openxmlformats.org/drawingml/2006/table">
+            <a:tbl>
+              <a:tblPr firstRow="1" bandRow="1">
+                <a:tableStyleId>{5C22544A-7EE6-4342-B048-85BDC9FD1C3A}</a:tableStyleId>
+              </a:tblPr>
+              <a:tblGrid>
+                <a:gridCol w="8032096"/>
+              </a:tblGrid>
+              <a:tr h="569998">
+                <a:tc>
+                  <a:txBody>
+                    <a:bodyPr/>
+                    <a:lstStyle/>
+                    <a:p>
+                      <a:pPr latinLnBrk="1"/>
+                      <a:endParaRPr lang="ko-KR" altLang="en-US" dirty="0"/>
+                    </a:p>
+                  </a:txBody>
+                  <a:tcPr>
+                    <a:lnL w="12700" cap="flat" cmpd="sng" algn="ctr">
+                      <a:solidFill>
+                        <a:schemeClr val="tx1"/>
+                      </a:solidFill>
+                      <a:prstDash val="solid"/>
+                      <a:round/>
+                      <a:headEnd type="none" w="med" len="med"/>
+                      <a:tailEnd type="none" w="med" len="med"/>
+                    </a:lnL>
+                    <a:lnR w="12700" cap="flat" cmpd="sng" algn="ctr">
+                      <a:solidFill>
+                        <a:schemeClr val="tx1"/>
+                      </a:solidFill>
+                      <a:prstDash val="solid"/>
+                      <a:round/>
+                      <a:headEnd type="none" w="med" len="med"/>
+                      <a:tailEnd type="none" w="med" len="med"/>
+                    </a:lnR>
+                    <a:lnT w="12700" cap="flat" cmpd="sng" algn="ctr">
+                      <a:solidFill>
+                        <a:schemeClr val="tx1"/>
+                      </a:solidFill>
+                      <a:prstDash val="solid"/>
+                      <a:round/>
+                      <a:headEnd type="none" w="med" len="med"/>
+                      <a:tailEnd type="none" w="med" len="med"/>
+                    </a:lnT>
+                    <a:lnB w="12700" cap="flat" cmpd="sng" algn="ctr">
+                      <a:noFill/>
+                      <a:prstDash val="solid"/>
+                      <a:round/>
+                      <a:headEnd type="none" w="med" len="med"/>
+                      <a:tailEnd type="none" w="med" len="med"/>
+                    </a:lnB>
+                    <a:lnTlToBr w="12700" cmpd="sng">
+                      <a:noFill/>
+                      <a:prstDash val="solid"/>
+                    </a:lnTlToBr>
+                    <a:lnBlToTr w="12700" cmpd="sng">
+                      <a:noFill/>
+                      <a:prstDash val="solid"/>
+                    </a:lnBlToTr>
+                    <a:solidFill>
+                      <a:schemeClr val="bg1"/>
+                    </a:solidFill>
+                  </a:tcPr>
+                </a:tc>
+              </a:tr>
+              <a:tr h="4777945">
+                <a:tc>
+                  <a:txBody>
+                    <a:bodyPr/>
+                    <a:lstStyle/>
+                    <a:p>
+                      <a:pPr latinLnBrk="1"/>
+                      <a:endParaRPr lang="ko-KR" altLang="en-US" sz="1500" dirty="0"/>
+                    </a:p>
+                  </a:txBody>
+                  <a:tcPr>
+                    <a:lnL w="12700" cap="flat" cmpd="sng" algn="ctr">
+                      <a:solidFill>
+                        <a:schemeClr val="tx1"/>
+                      </a:solidFill>
+                      <a:prstDash val="solid"/>
+                      <a:round/>
+                      <a:headEnd type="none" w="med" len="med"/>
+                      <a:tailEnd type="none" w="med" len="med"/>
+                    </a:lnL>
+                    <a:lnR w="12700" cap="flat" cmpd="sng" algn="ctr">
+                      <a:solidFill>
+                        <a:schemeClr val="tx1"/>
+                      </a:solidFill>
+                      <a:prstDash val="solid"/>
+                      <a:round/>
+                      <a:headEnd type="none" w="med" len="med"/>
+                      <a:tailEnd type="none" w="med" len="med"/>
+                    </a:lnR>
+                    <a:lnT w="12700" cap="flat" cmpd="sng" algn="ctr">
+                      <a:noFill/>
+                      <a:prstDash val="solid"/>
+                      <a:round/>
+                      <a:headEnd type="none" w="med" len="med"/>
+                      <a:tailEnd type="none" w="med" len="med"/>
+                    </a:lnT>
+                    <a:lnB w="12700" cap="flat" cmpd="sng" algn="ctr">
+                      <a:solidFill>
+                        <a:schemeClr val="tx1"/>
+                      </a:solidFill>
+                      <a:prstDash val="solid"/>
+                      <a:round/>
+                      <a:headEnd type="none" w="med" len="med"/>
+                      <a:tailEnd type="none" w="med" len="med"/>
+                    </a:lnB>
+                    <a:lnTlToBr w="12700" cmpd="sng">
+                      <a:noFill/>
+                      <a:prstDash val="solid"/>
+                    </a:lnTlToBr>
+                    <a:lnBlToTr w="12700" cmpd="sng">
+                      <a:noFill/>
+                      <a:prstDash val="solid"/>
+                    </a:lnBlToTr>
+                    <a:solidFill>
+                      <a:schemeClr val="bg1">
+                        <a:lumMod val="95000"/>
+                      </a:schemeClr>
+                    </a:solidFill>
+                  </a:tcPr>
+                </a:tc>
+              </a:tr>
+            </a:tbl>
+          </a:graphicData>
+        </a:graphic>
+      </p:graphicFrame>
+      <p:grpSp>
+        <p:nvGrpSpPr>
+          <p:cNvPr id="10" name="그룹 9"/>
+          <p:cNvGrpSpPr/>
+          <p:nvPr/>
+        </p:nvGrpSpPr>
+        <p:grpSpPr>
+          <a:xfrm>
+            <a:off x="318350" y="1349364"/>
+            <a:ext cx="5111784" cy="355428"/>
+            <a:chOff x="356082" y="1397293"/>
+            <a:chExt cx="5111784" cy="355428"/>
+          </a:xfrm>
+        </p:grpSpPr>
+        <p:sp>
+          <p:nvSpPr>
+            <p:cNvPr id="22" name="직사각형 39"/>
+            <p:cNvSpPr/>
+            <p:nvPr/>
+          </p:nvSpPr>
+          <p:spPr>
+            <a:xfrm>
+              <a:off x="356082" y="1423945"/>
+              <a:ext cx="1207049" cy="328776"/>
+            </a:xfrm>
+            <a:prstGeom prst="rect">
+              <a:avLst/>
+            </a:prstGeom>
+            <a:solidFill>
+              <a:srgbClr val="FFFFFF"/>
+            </a:solidFill>
+            <a:ln w="12700">
+              <a:noFill/>
+              <a:miter/>
+            </a:ln>
+          </p:spPr>
+          <p:txBody>
+            <a:bodyPr lIns="45719" rIns="45719" anchor="ctr"/>
+            <a:lstStyle/>
+            <a:p>
+              <a:pPr>
+                <a:defRPr sz="1500"/>
+              </a:pPr>
+              <a:r>
+                <a:rPr lang="en-US" sz="1900" dirty="0"/>
+                <a:t>e</a:t>
+              </a:r>
+              <a:r>
+                <a:rPr lang="en-US" sz="1900" dirty="0" smtClean="0"/>
+                <a:t>-Zone</a:t>
+              </a:r>
+              <a:endParaRPr sz="1900" dirty="0"/>
+            </a:p>
+          </p:txBody>
+        </p:sp>
+        <p:grpSp>
+          <p:nvGrpSpPr>
+            <p:cNvPr id="6" name="그룹 5"/>
+            <p:cNvGrpSpPr/>
+            <p:nvPr/>
+          </p:nvGrpSpPr>
+          <p:grpSpPr>
+            <a:xfrm>
+              <a:off x="1909120" y="1397293"/>
+              <a:ext cx="3558746" cy="319907"/>
+              <a:chOff x="1351005" y="1391330"/>
+              <a:chExt cx="3558746" cy="319907"/>
+            </a:xfrm>
+          </p:grpSpPr>
+          <p:pic>
+            <p:nvPicPr>
+              <p:cNvPr id="2" name="그림 1"/>
+              <p:cNvPicPr>
+                <a:picLocks noChangeAspect="1"/>
+              </p:cNvPicPr>
+              <p:nvPr/>
+            </p:nvPicPr>
+            <p:blipFill>
+              <a:blip r:embed="rId2"/>
+              <a:stretch>
+                <a:fillRect/>
+              </a:stretch>
+            </p:blipFill>
+            <p:spPr>
+              <a:xfrm>
+                <a:off x="4594815" y="1391330"/>
+                <a:ext cx="299939" cy="279013"/>
+              </a:xfrm>
+              <a:prstGeom prst="rect">
+                <a:avLst/>
+              </a:prstGeom>
+            </p:spPr>
+          </p:pic>
+          <p:cxnSp>
+            <p:nvCxnSpPr>
+              <p:cNvPr id="5" name="직선 연결선 4"/>
+              <p:cNvCxnSpPr/>
+              <p:nvPr/>
+            </p:nvCxnSpPr>
+            <p:spPr>
+              <a:xfrm>
+                <a:off x="1351005" y="1711237"/>
+                <a:ext cx="3558746" cy="0"/>
+              </a:xfrm>
+              <a:prstGeom prst="line">
+                <a:avLst/>
+              </a:prstGeom>
+              <a:ln w="28575"/>
+            </p:spPr>
+            <p:style>
+              <a:lnRef idx="1">
+                <a:schemeClr val="accent2"/>
+              </a:lnRef>
+              <a:fillRef idx="0">
+                <a:schemeClr val="accent2"/>
+              </a:fillRef>
+              <a:effectRef idx="0">
+                <a:schemeClr val="accent2"/>
+              </a:effectRef>
+              <a:fontRef idx="minor">
+                <a:schemeClr val="tx1"/>
+              </a:fontRef>
+            </p:style>
+          </p:cxnSp>
+        </p:grpSp>
+      </p:grpSp>
+      <p:pic>
+        <p:nvPicPr>
+          <p:cNvPr id="19" name="그림 18"/>
+          <p:cNvPicPr>
+            <a:picLocks noChangeAspect="1"/>
+          </p:cNvPicPr>
+          <p:nvPr/>
+        </p:nvPicPr>
+        <p:blipFill>
+          <a:blip r:embed="rId3"/>
+          <a:stretch>
+            <a:fillRect/>
+          </a:stretch>
+        </p:blipFill>
+        <p:spPr>
+          <a:xfrm>
+            <a:off x="486032" y="2329427"/>
+            <a:ext cx="3945925" cy="328363"/>
+          </a:xfrm>
+          <a:prstGeom prst="rect">
+            <a:avLst/>
+          </a:prstGeom>
+        </p:spPr>
+      </p:pic>
+      <p:pic>
+        <p:nvPicPr>
+          <p:cNvPr id="4" name="그림 3"/>
+          <p:cNvPicPr>
+            <a:picLocks noChangeAspect="1"/>
+          </p:cNvPicPr>
+          <p:nvPr/>
+        </p:nvPicPr>
+        <p:blipFill>
+          <a:blip r:embed="rId4"/>
+          <a:stretch>
+            <a:fillRect/>
+          </a:stretch>
+        </p:blipFill>
+        <p:spPr>
+          <a:xfrm>
+            <a:off x="486032" y="2994370"/>
+            <a:ext cx="3945925" cy="3075933"/>
+          </a:xfrm>
+          <a:prstGeom prst="rect">
+            <a:avLst/>
+          </a:prstGeom>
+        </p:spPr>
+      </p:pic>
+    </p:spTree>
+    <p:extLst>
+      <p:ext uri="{BB962C8B-B14F-4D97-AF65-F5344CB8AC3E}">
+        <p14:creationId xmlns:p14="http://schemas.microsoft.com/office/powerpoint/2010/main" val="1508659148"/>
+      </p:ext>
+    </p:extLst>
+  </p:cSld>
+  <p:clrMapOvr>
+    <a:masterClrMapping/>
+  </p:clrMapOvr>
+  <p:timing>
+    <p:tnLst>
+      <p:par>
+        <p:cTn id="1" dur="indefinite" restart="never" nodeType="tmRoot"/>
+      </p:par>
+    </p:tnLst>
+  </p:timing>
 </p:sld>
 </file>
 

--- a/0 발표용 파워포인트/project05 - 파워포인트 종합 - 서희.pptx
+++ b/0 발표용 파워포인트/project05 - 파워포인트 종합 - 서희.pptx
@@ -221,7 +221,7 @@
             <a:fld id="{EFE7F2A0-C7D9-4DBD-AE3B-C1A712DCE501}" type="datetimeFigureOut">
               <a:rPr lang="ko-KR" altLang="en-US" smtClean="0"/>
               <a:pPr/>
-              <a:t>2020-03-30</a:t>
+              <a:t>2020-03-31</a:t>
             </a:fld>
             <a:endParaRPr lang="ko-KR" altLang="en-US"/>
           </a:p>
@@ -622,7 +622,7 @@
             <a:fld id="{272C3D53-FEDF-49EC-8F65-FFFC138B637E}" type="datetimeFigureOut">
               <a:rPr lang="ko-KR" altLang="en-US" smtClean="0"/>
               <a:pPr/>
-              <a:t>2020-03-30</a:t>
+              <a:t>2020-03-31</a:t>
             </a:fld>
             <a:endParaRPr lang="ko-KR" altLang="en-US"/>
           </a:p>
@@ -794,7 +794,7 @@
             <a:fld id="{272C3D53-FEDF-49EC-8F65-FFFC138B637E}" type="datetimeFigureOut">
               <a:rPr lang="ko-KR" altLang="en-US" smtClean="0"/>
               <a:pPr/>
-              <a:t>2020-03-30</a:t>
+              <a:t>2020-03-31</a:t>
             </a:fld>
             <a:endParaRPr lang="ko-KR" altLang="en-US"/>
           </a:p>
@@ -976,7 +976,7 @@
             <a:fld id="{272C3D53-FEDF-49EC-8F65-FFFC138B637E}" type="datetimeFigureOut">
               <a:rPr lang="ko-KR" altLang="en-US" smtClean="0"/>
               <a:pPr/>
-              <a:t>2020-03-30</a:t>
+              <a:t>2020-03-31</a:t>
             </a:fld>
             <a:endParaRPr lang="ko-KR" altLang="en-US"/>
           </a:p>
@@ -1148,7 +1148,7 @@
             <a:fld id="{272C3D53-FEDF-49EC-8F65-FFFC138B637E}" type="datetimeFigureOut">
               <a:rPr lang="ko-KR" altLang="en-US" smtClean="0"/>
               <a:pPr/>
-              <a:t>2020-03-30</a:t>
+              <a:t>2020-03-31</a:t>
             </a:fld>
             <a:endParaRPr lang="ko-KR" altLang="en-US"/>
           </a:p>
@@ -1396,7 +1396,7 @@
             <a:fld id="{272C3D53-FEDF-49EC-8F65-FFFC138B637E}" type="datetimeFigureOut">
               <a:rPr lang="ko-KR" altLang="en-US" smtClean="0"/>
               <a:pPr/>
-              <a:t>2020-03-30</a:t>
+              <a:t>2020-03-31</a:t>
             </a:fld>
             <a:endParaRPr lang="ko-KR" altLang="en-US"/>
           </a:p>
@@ -1630,7 +1630,7 @@
             <a:fld id="{272C3D53-FEDF-49EC-8F65-FFFC138B637E}" type="datetimeFigureOut">
               <a:rPr lang="ko-KR" altLang="en-US" smtClean="0"/>
               <a:pPr/>
-              <a:t>2020-03-30</a:t>
+              <a:t>2020-03-31</a:t>
             </a:fld>
             <a:endParaRPr lang="ko-KR" altLang="en-US"/>
           </a:p>
@@ -1999,7 +1999,7 @@
             <a:fld id="{272C3D53-FEDF-49EC-8F65-FFFC138B637E}" type="datetimeFigureOut">
               <a:rPr lang="ko-KR" altLang="en-US" smtClean="0"/>
               <a:pPr/>
-              <a:t>2020-03-30</a:t>
+              <a:t>2020-03-31</a:t>
             </a:fld>
             <a:endParaRPr lang="ko-KR" altLang="en-US"/>
           </a:p>
@@ -2119,7 +2119,7 @@
             <a:fld id="{272C3D53-FEDF-49EC-8F65-FFFC138B637E}" type="datetimeFigureOut">
               <a:rPr lang="ko-KR" altLang="en-US" smtClean="0"/>
               <a:pPr/>
-              <a:t>2020-03-30</a:t>
+              <a:t>2020-03-31</a:t>
             </a:fld>
             <a:endParaRPr lang="ko-KR" altLang="en-US"/>
           </a:p>
@@ -2216,7 +2216,7 @@
             <a:fld id="{272C3D53-FEDF-49EC-8F65-FFFC138B637E}" type="datetimeFigureOut">
               <a:rPr lang="ko-KR" altLang="en-US" smtClean="0"/>
               <a:pPr/>
-              <a:t>2020-03-30</a:t>
+              <a:t>2020-03-31</a:t>
             </a:fld>
             <a:endParaRPr lang="ko-KR" altLang="en-US"/>
           </a:p>
@@ -2495,7 +2495,7 @@
             <a:fld id="{272C3D53-FEDF-49EC-8F65-FFFC138B637E}" type="datetimeFigureOut">
               <a:rPr lang="ko-KR" altLang="en-US" smtClean="0"/>
               <a:pPr/>
-              <a:t>2020-03-30</a:t>
+              <a:t>2020-03-31</a:t>
             </a:fld>
             <a:endParaRPr lang="ko-KR" altLang="en-US"/>
           </a:p>
@@ -2750,7 +2750,7 @@
             <a:fld id="{272C3D53-FEDF-49EC-8F65-FFFC138B637E}" type="datetimeFigureOut">
               <a:rPr lang="ko-KR" altLang="en-US" smtClean="0"/>
               <a:pPr/>
-              <a:t>2020-03-30</a:t>
+              <a:t>2020-03-31</a:t>
             </a:fld>
             <a:endParaRPr lang="ko-KR" altLang="en-US"/>
           </a:p>
@@ -2965,7 +2965,7 @@
             <a:fld id="{272C3D53-FEDF-49EC-8F65-FFFC138B637E}" type="datetimeFigureOut">
               <a:rPr lang="ko-KR" altLang="en-US" smtClean="0"/>
               <a:pPr/>
-              <a:t>2020-03-30</a:t>
+              <a:t>2020-03-31</a:t>
             </a:fld>
             <a:endParaRPr lang="ko-KR" altLang="en-US"/>
           </a:p>
@@ -3499,14 +3499,14 @@
                 <a:gridCol w="1407747">
                   <a:extLst>
                     <a:ext uri="{9D8B030D-6E8A-4147-A177-3AD203B41FA5}">
-                      <a16:colId xmlns="" xmlns:a16="http://schemas.microsoft.com/office/drawing/2014/main" val="20000"/>
+                      <a16:colId xmlns:a16="http://schemas.microsoft.com/office/drawing/2014/main" xmlns="" val="20000"/>
                     </a:ext>
                   </a:extLst>
                 </a:gridCol>
                 <a:gridCol w="1407747">
                   <a:extLst>
                     <a:ext uri="{9D8B030D-6E8A-4147-A177-3AD203B41FA5}">
-                      <a16:colId xmlns="" xmlns:a16="http://schemas.microsoft.com/office/drawing/2014/main" val="20001"/>
+                      <a16:colId xmlns:a16="http://schemas.microsoft.com/office/drawing/2014/main" xmlns="" val="20001"/>
                     </a:ext>
                   </a:extLst>
                 </a:gridCol>
@@ -3596,7 +3596,7 @@
                 </a:tc>
                 <a:extLst>
                   <a:ext uri="{0D108BD9-81ED-4DB2-BD59-A6C34878D82A}">
-                    <a16:rowId xmlns="" xmlns:a16="http://schemas.microsoft.com/office/drawing/2014/main" val="10000"/>
+                    <a16:rowId xmlns:a16="http://schemas.microsoft.com/office/drawing/2014/main" xmlns="" val="10000"/>
                   </a:ext>
                 </a:extLst>
               </a:tr>
@@ -3624,14 +3624,14 @@
                 <a:gridCol w="342705">
                   <a:extLst>
                     <a:ext uri="{9D8B030D-6E8A-4147-A177-3AD203B41FA5}">
-                      <a16:colId xmlns="" xmlns:a16="http://schemas.microsoft.com/office/drawing/2014/main" val="20000"/>
+                      <a16:colId xmlns:a16="http://schemas.microsoft.com/office/drawing/2014/main" xmlns="" val="20000"/>
                     </a:ext>
                   </a:extLst>
                 </a:gridCol>
                 <a:gridCol w="3149108">
                   <a:extLst>
                     <a:ext uri="{9D8B030D-6E8A-4147-A177-3AD203B41FA5}">
-                      <a16:colId xmlns="" xmlns:a16="http://schemas.microsoft.com/office/drawing/2014/main" val="20001"/>
+                      <a16:colId xmlns:a16="http://schemas.microsoft.com/office/drawing/2014/main" xmlns="" val="20001"/>
                     </a:ext>
                   </a:extLst>
                 </a:gridCol>
@@ -3727,7 +3727,7 @@
                 </a:tc>
                 <a:extLst>
                   <a:ext uri="{0D108BD9-81ED-4DB2-BD59-A6C34878D82A}">
-                    <a16:rowId xmlns="" xmlns:a16="http://schemas.microsoft.com/office/drawing/2014/main" val="10000"/>
+                    <a16:rowId xmlns:a16="http://schemas.microsoft.com/office/drawing/2014/main" xmlns="" val="10000"/>
                   </a:ext>
                 </a:extLst>
               </a:tr>
@@ -3893,7 +3893,7 @@
                 </a:tc>
                 <a:extLst>
                   <a:ext uri="{0D108BD9-81ED-4DB2-BD59-A6C34878D82A}">
-                    <a16:rowId xmlns="" xmlns:a16="http://schemas.microsoft.com/office/drawing/2014/main" val="10001"/>
+                    <a16:rowId xmlns:a16="http://schemas.microsoft.com/office/drawing/2014/main" xmlns="" val="10001"/>
                   </a:ext>
                 </a:extLst>
               </a:tr>
@@ -3925,14 +3925,14 @@
                 <a:gridCol w="1656863">
                   <a:extLst>
                     <a:ext uri="{9D8B030D-6E8A-4147-A177-3AD203B41FA5}">
-                      <a16:colId xmlns="" xmlns:a16="http://schemas.microsoft.com/office/drawing/2014/main" val="20000"/>
+                      <a16:colId xmlns:a16="http://schemas.microsoft.com/office/drawing/2014/main" xmlns="" val="20000"/>
                     </a:ext>
                   </a:extLst>
                 </a:gridCol>
                 <a:gridCol w="1656863">
                   <a:extLst>
                     <a:ext uri="{9D8B030D-6E8A-4147-A177-3AD203B41FA5}">
-                      <a16:colId xmlns="" xmlns:a16="http://schemas.microsoft.com/office/drawing/2014/main" val="20001"/>
+                      <a16:colId xmlns:a16="http://schemas.microsoft.com/office/drawing/2014/main" xmlns="" val="20001"/>
                     </a:ext>
                   </a:extLst>
                 </a:gridCol>
@@ -4048,7 +4048,7 @@
                 </a:tc>
                 <a:extLst>
                   <a:ext uri="{0D108BD9-81ED-4DB2-BD59-A6C34878D82A}">
-                    <a16:rowId xmlns="" xmlns:a16="http://schemas.microsoft.com/office/drawing/2014/main" val="10000"/>
+                    <a16:rowId xmlns:a16="http://schemas.microsoft.com/office/drawing/2014/main" xmlns="" val="10000"/>
                   </a:ext>
                 </a:extLst>
               </a:tr>
@@ -4162,7 +4162,7 @@
                 </a:tc>
                 <a:extLst>
                   <a:ext uri="{0D108BD9-81ED-4DB2-BD59-A6C34878D82A}">
-                    <a16:rowId xmlns="" xmlns:a16="http://schemas.microsoft.com/office/drawing/2014/main" val="10001"/>
+                    <a16:rowId xmlns:a16="http://schemas.microsoft.com/office/drawing/2014/main" xmlns="" val="10001"/>
                   </a:ext>
                 </a:extLst>
               </a:tr>
@@ -4232,7 +4232,7 @@
                 </a:tc>
                 <a:extLst>
                   <a:ext uri="{0D108BD9-81ED-4DB2-BD59-A6C34878D82A}">
-                    <a16:rowId xmlns="" xmlns:a16="http://schemas.microsoft.com/office/drawing/2014/main" val="10002"/>
+                    <a16:rowId xmlns:a16="http://schemas.microsoft.com/office/drawing/2014/main" xmlns="" val="10002"/>
                   </a:ext>
                 </a:extLst>
               </a:tr>
@@ -4245,7 +4245,7 @@
           <p:cNvPr id="11" name="Rectangle 10">
             <a:extLst>
               <a:ext uri="{FF2B5EF4-FFF2-40B4-BE49-F238E27FC236}">
-                <a16:creationId xmlns="" xmlns:a16="http://schemas.microsoft.com/office/drawing/2014/main" id="{46F6A8FD-AE4F-405E-85C4-995D2C5B65BE}"/>
+                <a16:creationId xmlns:a16="http://schemas.microsoft.com/office/drawing/2014/main" xmlns="" id="{46F6A8FD-AE4F-405E-85C4-995D2C5B65BE}"/>
               </a:ext>
             </a:extLst>
           </p:cNvPr>
@@ -4676,14 +4676,14 @@
                 <a:gridCol w="1407747">
                   <a:extLst>
                     <a:ext uri="{9D8B030D-6E8A-4147-A177-3AD203B41FA5}">
-                      <a16:colId xmlns="" xmlns:a16="http://schemas.microsoft.com/office/drawing/2014/main" val="20000"/>
+                      <a16:colId xmlns:a16="http://schemas.microsoft.com/office/drawing/2014/main" xmlns="" val="20000"/>
                     </a:ext>
                   </a:extLst>
                 </a:gridCol>
                 <a:gridCol w="1407747">
                   <a:extLst>
                     <a:ext uri="{9D8B030D-6E8A-4147-A177-3AD203B41FA5}">
-                      <a16:colId xmlns="" xmlns:a16="http://schemas.microsoft.com/office/drawing/2014/main" val="20001"/>
+                      <a16:colId xmlns:a16="http://schemas.microsoft.com/office/drawing/2014/main" xmlns="" val="20001"/>
                     </a:ext>
                   </a:extLst>
                 </a:gridCol>
@@ -4773,7 +4773,7 @@
                 </a:tc>
                 <a:extLst>
                   <a:ext uri="{0D108BD9-81ED-4DB2-BD59-A6C34878D82A}">
-                    <a16:rowId xmlns="" xmlns:a16="http://schemas.microsoft.com/office/drawing/2014/main" val="10000"/>
+                    <a16:rowId xmlns:a16="http://schemas.microsoft.com/office/drawing/2014/main" xmlns="" val="10000"/>
                   </a:ext>
                 </a:extLst>
               </a:tr>
@@ -4801,14 +4801,14 @@
                 <a:gridCol w="342705">
                   <a:extLst>
                     <a:ext uri="{9D8B030D-6E8A-4147-A177-3AD203B41FA5}">
-                      <a16:colId xmlns="" xmlns:a16="http://schemas.microsoft.com/office/drawing/2014/main" val="20000"/>
+                      <a16:colId xmlns:a16="http://schemas.microsoft.com/office/drawing/2014/main" xmlns="" val="20000"/>
                     </a:ext>
                   </a:extLst>
                 </a:gridCol>
                 <a:gridCol w="3149108">
                   <a:extLst>
                     <a:ext uri="{9D8B030D-6E8A-4147-A177-3AD203B41FA5}">
-                      <a16:colId xmlns="" xmlns:a16="http://schemas.microsoft.com/office/drawing/2014/main" val="20001"/>
+                      <a16:colId xmlns:a16="http://schemas.microsoft.com/office/drawing/2014/main" xmlns="" val="20001"/>
                     </a:ext>
                   </a:extLst>
                 </a:gridCol>
@@ -4904,7 +4904,7 @@
                 </a:tc>
                 <a:extLst>
                   <a:ext uri="{0D108BD9-81ED-4DB2-BD59-A6C34878D82A}">
-                    <a16:rowId xmlns="" xmlns:a16="http://schemas.microsoft.com/office/drawing/2014/main" val="10000"/>
+                    <a16:rowId xmlns:a16="http://schemas.microsoft.com/office/drawing/2014/main" xmlns="" val="10000"/>
                   </a:ext>
                 </a:extLst>
               </a:tr>
@@ -5070,7 +5070,7 @@
                 </a:tc>
                 <a:extLst>
                   <a:ext uri="{0D108BD9-81ED-4DB2-BD59-A6C34878D82A}">
-                    <a16:rowId xmlns="" xmlns:a16="http://schemas.microsoft.com/office/drawing/2014/main" val="10001"/>
+                    <a16:rowId xmlns:a16="http://schemas.microsoft.com/office/drawing/2014/main" xmlns="" val="10001"/>
                   </a:ext>
                 </a:extLst>
               </a:tr>
@@ -5102,14 +5102,14 @@
                 <a:gridCol w="1656863">
                   <a:extLst>
                     <a:ext uri="{9D8B030D-6E8A-4147-A177-3AD203B41FA5}">
-                      <a16:colId xmlns="" xmlns:a16="http://schemas.microsoft.com/office/drawing/2014/main" val="20000"/>
+                      <a16:colId xmlns:a16="http://schemas.microsoft.com/office/drawing/2014/main" xmlns="" val="20000"/>
                     </a:ext>
                   </a:extLst>
                 </a:gridCol>
                 <a:gridCol w="1656863">
                   <a:extLst>
                     <a:ext uri="{9D8B030D-6E8A-4147-A177-3AD203B41FA5}">
-                      <a16:colId xmlns="" xmlns:a16="http://schemas.microsoft.com/office/drawing/2014/main" val="20001"/>
+                      <a16:colId xmlns:a16="http://schemas.microsoft.com/office/drawing/2014/main" xmlns="" val="20001"/>
                     </a:ext>
                   </a:extLst>
                 </a:gridCol>
@@ -5225,7 +5225,7 @@
                 </a:tc>
                 <a:extLst>
                   <a:ext uri="{0D108BD9-81ED-4DB2-BD59-A6C34878D82A}">
-                    <a16:rowId xmlns="" xmlns:a16="http://schemas.microsoft.com/office/drawing/2014/main" val="10000"/>
+                    <a16:rowId xmlns:a16="http://schemas.microsoft.com/office/drawing/2014/main" xmlns="" val="10000"/>
                   </a:ext>
                 </a:extLst>
               </a:tr>
@@ -5339,7 +5339,7 @@
                 </a:tc>
                 <a:extLst>
                   <a:ext uri="{0D108BD9-81ED-4DB2-BD59-A6C34878D82A}">
-                    <a16:rowId xmlns="" xmlns:a16="http://schemas.microsoft.com/office/drawing/2014/main" val="10001"/>
+                    <a16:rowId xmlns:a16="http://schemas.microsoft.com/office/drawing/2014/main" xmlns="" val="10001"/>
                   </a:ext>
                 </a:extLst>
               </a:tr>
@@ -5409,7 +5409,7 @@
                 </a:tc>
                 <a:extLst>
                   <a:ext uri="{0D108BD9-81ED-4DB2-BD59-A6C34878D82A}">
-                    <a16:rowId xmlns="" xmlns:a16="http://schemas.microsoft.com/office/drawing/2014/main" val="10002"/>
+                    <a16:rowId xmlns:a16="http://schemas.microsoft.com/office/drawing/2014/main" xmlns="" val="10002"/>
                   </a:ext>
                 </a:extLst>
               </a:tr>
@@ -5422,7 +5422,7 @@
           <p:cNvPr id="11" name="Rectangle 10">
             <a:extLst>
               <a:ext uri="{FF2B5EF4-FFF2-40B4-BE49-F238E27FC236}">
-                <a16:creationId xmlns="" xmlns:a16="http://schemas.microsoft.com/office/drawing/2014/main" id="{46F6A8FD-AE4F-405E-85C4-995D2C5B65BE}"/>
+                <a16:creationId xmlns:a16="http://schemas.microsoft.com/office/drawing/2014/main" xmlns="" id="{46F6A8FD-AE4F-405E-85C4-995D2C5B65BE}"/>
               </a:ext>
             </a:extLst>
           </p:cNvPr>
@@ -5853,14 +5853,14 @@
                 <a:gridCol w="1407747">
                   <a:extLst>
                     <a:ext uri="{9D8B030D-6E8A-4147-A177-3AD203B41FA5}">
-                      <a16:colId xmlns="" xmlns:a16="http://schemas.microsoft.com/office/drawing/2014/main" val="20000"/>
+                      <a16:colId xmlns:a16="http://schemas.microsoft.com/office/drawing/2014/main" xmlns="" val="20000"/>
                     </a:ext>
                   </a:extLst>
                 </a:gridCol>
                 <a:gridCol w="1407747">
                   <a:extLst>
                     <a:ext uri="{9D8B030D-6E8A-4147-A177-3AD203B41FA5}">
-                      <a16:colId xmlns="" xmlns:a16="http://schemas.microsoft.com/office/drawing/2014/main" val="20001"/>
+                      <a16:colId xmlns:a16="http://schemas.microsoft.com/office/drawing/2014/main" xmlns="" val="20001"/>
                     </a:ext>
                   </a:extLst>
                 </a:gridCol>
@@ -5950,7 +5950,7 @@
                 </a:tc>
                 <a:extLst>
                   <a:ext uri="{0D108BD9-81ED-4DB2-BD59-A6C34878D82A}">
-                    <a16:rowId xmlns="" xmlns:a16="http://schemas.microsoft.com/office/drawing/2014/main" val="10000"/>
+                    <a16:rowId xmlns:a16="http://schemas.microsoft.com/office/drawing/2014/main" xmlns="" val="10000"/>
                   </a:ext>
                 </a:extLst>
               </a:tr>
@@ -5978,14 +5978,14 @@
                 <a:gridCol w="342705">
                   <a:extLst>
                     <a:ext uri="{9D8B030D-6E8A-4147-A177-3AD203B41FA5}">
-                      <a16:colId xmlns="" xmlns:a16="http://schemas.microsoft.com/office/drawing/2014/main" val="20000"/>
+                      <a16:colId xmlns:a16="http://schemas.microsoft.com/office/drawing/2014/main" xmlns="" val="20000"/>
                     </a:ext>
                   </a:extLst>
                 </a:gridCol>
                 <a:gridCol w="3149108">
                   <a:extLst>
                     <a:ext uri="{9D8B030D-6E8A-4147-A177-3AD203B41FA5}">
-                      <a16:colId xmlns="" xmlns:a16="http://schemas.microsoft.com/office/drawing/2014/main" val="20001"/>
+                      <a16:colId xmlns:a16="http://schemas.microsoft.com/office/drawing/2014/main" xmlns="" val="20001"/>
                     </a:ext>
                   </a:extLst>
                 </a:gridCol>
@@ -6081,7 +6081,7 @@
                 </a:tc>
                 <a:extLst>
                   <a:ext uri="{0D108BD9-81ED-4DB2-BD59-A6C34878D82A}">
-                    <a16:rowId xmlns="" xmlns:a16="http://schemas.microsoft.com/office/drawing/2014/main" val="10000"/>
+                    <a16:rowId xmlns:a16="http://schemas.microsoft.com/office/drawing/2014/main" xmlns="" val="10000"/>
                   </a:ext>
                 </a:extLst>
               </a:tr>
@@ -6247,7 +6247,7 @@
                 </a:tc>
                 <a:extLst>
                   <a:ext uri="{0D108BD9-81ED-4DB2-BD59-A6C34878D82A}">
-                    <a16:rowId xmlns="" xmlns:a16="http://schemas.microsoft.com/office/drawing/2014/main" val="10001"/>
+                    <a16:rowId xmlns:a16="http://schemas.microsoft.com/office/drawing/2014/main" xmlns="" val="10001"/>
                   </a:ext>
                 </a:extLst>
               </a:tr>
@@ -6279,14 +6279,14 @@
                 <a:gridCol w="1656863">
                   <a:extLst>
                     <a:ext uri="{9D8B030D-6E8A-4147-A177-3AD203B41FA5}">
-                      <a16:colId xmlns="" xmlns:a16="http://schemas.microsoft.com/office/drawing/2014/main" val="20000"/>
+                      <a16:colId xmlns:a16="http://schemas.microsoft.com/office/drawing/2014/main" xmlns="" val="20000"/>
                     </a:ext>
                   </a:extLst>
                 </a:gridCol>
                 <a:gridCol w="1656863">
                   <a:extLst>
                     <a:ext uri="{9D8B030D-6E8A-4147-A177-3AD203B41FA5}">
-                      <a16:colId xmlns="" xmlns:a16="http://schemas.microsoft.com/office/drawing/2014/main" val="20001"/>
+                      <a16:colId xmlns:a16="http://schemas.microsoft.com/office/drawing/2014/main" xmlns="" val="20001"/>
                     </a:ext>
                   </a:extLst>
                 </a:gridCol>
@@ -6402,7 +6402,7 @@
                 </a:tc>
                 <a:extLst>
                   <a:ext uri="{0D108BD9-81ED-4DB2-BD59-A6C34878D82A}">
-                    <a16:rowId xmlns="" xmlns:a16="http://schemas.microsoft.com/office/drawing/2014/main" val="10000"/>
+                    <a16:rowId xmlns:a16="http://schemas.microsoft.com/office/drawing/2014/main" xmlns="" val="10000"/>
                   </a:ext>
                 </a:extLst>
               </a:tr>
@@ -6516,7 +6516,7 @@
                 </a:tc>
                 <a:extLst>
                   <a:ext uri="{0D108BD9-81ED-4DB2-BD59-A6C34878D82A}">
-                    <a16:rowId xmlns="" xmlns:a16="http://schemas.microsoft.com/office/drawing/2014/main" val="10001"/>
+                    <a16:rowId xmlns:a16="http://schemas.microsoft.com/office/drawing/2014/main" xmlns="" val="10001"/>
                   </a:ext>
                 </a:extLst>
               </a:tr>
@@ -6586,7 +6586,7 @@
                 </a:tc>
                 <a:extLst>
                   <a:ext uri="{0D108BD9-81ED-4DB2-BD59-A6C34878D82A}">
-                    <a16:rowId xmlns="" xmlns:a16="http://schemas.microsoft.com/office/drawing/2014/main" val="10002"/>
+                    <a16:rowId xmlns:a16="http://schemas.microsoft.com/office/drawing/2014/main" xmlns="" val="10002"/>
                   </a:ext>
                 </a:extLst>
               </a:tr>
@@ -6599,7 +6599,7 @@
           <p:cNvPr id="11" name="Rectangle 10">
             <a:extLst>
               <a:ext uri="{FF2B5EF4-FFF2-40B4-BE49-F238E27FC236}">
-                <a16:creationId xmlns="" xmlns:a16="http://schemas.microsoft.com/office/drawing/2014/main" id="{46F6A8FD-AE4F-405E-85C4-995D2C5B65BE}"/>
+                <a16:creationId xmlns:a16="http://schemas.microsoft.com/office/drawing/2014/main" xmlns="" id="{46F6A8FD-AE4F-405E-85C4-995D2C5B65BE}"/>
               </a:ext>
             </a:extLst>
           </p:cNvPr>
@@ -7030,14 +7030,14 @@
                 <a:gridCol w="1407747">
                   <a:extLst>
                     <a:ext uri="{9D8B030D-6E8A-4147-A177-3AD203B41FA5}">
-                      <a16:colId xmlns="" xmlns:a16="http://schemas.microsoft.com/office/drawing/2014/main" val="20000"/>
+                      <a16:colId xmlns:a16="http://schemas.microsoft.com/office/drawing/2014/main" xmlns="" val="20000"/>
                     </a:ext>
                   </a:extLst>
                 </a:gridCol>
                 <a:gridCol w="1407747">
                   <a:extLst>
                     <a:ext uri="{9D8B030D-6E8A-4147-A177-3AD203B41FA5}">
-                      <a16:colId xmlns="" xmlns:a16="http://schemas.microsoft.com/office/drawing/2014/main" val="20001"/>
+                      <a16:colId xmlns:a16="http://schemas.microsoft.com/office/drawing/2014/main" xmlns="" val="20001"/>
                     </a:ext>
                   </a:extLst>
                 </a:gridCol>
@@ -7127,7 +7127,7 @@
                 </a:tc>
                 <a:extLst>
                   <a:ext uri="{0D108BD9-81ED-4DB2-BD59-A6C34878D82A}">
-                    <a16:rowId xmlns="" xmlns:a16="http://schemas.microsoft.com/office/drawing/2014/main" val="10000"/>
+                    <a16:rowId xmlns:a16="http://schemas.microsoft.com/office/drawing/2014/main" xmlns="" val="10000"/>
                   </a:ext>
                 </a:extLst>
               </a:tr>
@@ -7155,14 +7155,14 @@
                 <a:gridCol w="342705">
                   <a:extLst>
                     <a:ext uri="{9D8B030D-6E8A-4147-A177-3AD203B41FA5}">
-                      <a16:colId xmlns="" xmlns:a16="http://schemas.microsoft.com/office/drawing/2014/main" val="20000"/>
+                      <a16:colId xmlns:a16="http://schemas.microsoft.com/office/drawing/2014/main" xmlns="" val="20000"/>
                     </a:ext>
                   </a:extLst>
                 </a:gridCol>
                 <a:gridCol w="3149108">
                   <a:extLst>
                     <a:ext uri="{9D8B030D-6E8A-4147-A177-3AD203B41FA5}">
-                      <a16:colId xmlns="" xmlns:a16="http://schemas.microsoft.com/office/drawing/2014/main" val="20001"/>
+                      <a16:colId xmlns:a16="http://schemas.microsoft.com/office/drawing/2014/main" xmlns="" val="20001"/>
                     </a:ext>
                   </a:extLst>
                 </a:gridCol>
@@ -7258,7 +7258,7 @@
                 </a:tc>
                 <a:extLst>
                   <a:ext uri="{0D108BD9-81ED-4DB2-BD59-A6C34878D82A}">
-                    <a16:rowId xmlns="" xmlns:a16="http://schemas.microsoft.com/office/drawing/2014/main" val="10000"/>
+                    <a16:rowId xmlns:a16="http://schemas.microsoft.com/office/drawing/2014/main" xmlns="" val="10000"/>
                   </a:ext>
                 </a:extLst>
               </a:tr>
@@ -7424,7 +7424,7 @@
                 </a:tc>
                 <a:extLst>
                   <a:ext uri="{0D108BD9-81ED-4DB2-BD59-A6C34878D82A}">
-                    <a16:rowId xmlns="" xmlns:a16="http://schemas.microsoft.com/office/drawing/2014/main" val="10001"/>
+                    <a16:rowId xmlns:a16="http://schemas.microsoft.com/office/drawing/2014/main" xmlns="" val="10001"/>
                   </a:ext>
                 </a:extLst>
               </a:tr>
@@ -7452,14 +7452,14 @@
                 <a:gridCol w="1656863">
                   <a:extLst>
                     <a:ext uri="{9D8B030D-6E8A-4147-A177-3AD203B41FA5}">
-                      <a16:colId xmlns="" xmlns:a16="http://schemas.microsoft.com/office/drawing/2014/main" val="20000"/>
+                      <a16:colId xmlns:a16="http://schemas.microsoft.com/office/drawing/2014/main" xmlns="" val="20000"/>
                     </a:ext>
                   </a:extLst>
                 </a:gridCol>
                 <a:gridCol w="1656863">
                   <a:extLst>
                     <a:ext uri="{9D8B030D-6E8A-4147-A177-3AD203B41FA5}">
-                      <a16:colId xmlns="" xmlns:a16="http://schemas.microsoft.com/office/drawing/2014/main" val="20001"/>
+                      <a16:colId xmlns:a16="http://schemas.microsoft.com/office/drawing/2014/main" xmlns="" val="20001"/>
                     </a:ext>
                   </a:extLst>
                 </a:gridCol>
@@ -7575,7 +7575,7 @@
                 </a:tc>
                 <a:extLst>
                   <a:ext uri="{0D108BD9-81ED-4DB2-BD59-A6C34878D82A}">
-                    <a16:rowId xmlns="" xmlns:a16="http://schemas.microsoft.com/office/drawing/2014/main" val="10000"/>
+                    <a16:rowId xmlns:a16="http://schemas.microsoft.com/office/drawing/2014/main" xmlns="" val="10000"/>
                   </a:ext>
                 </a:extLst>
               </a:tr>
@@ -7689,7 +7689,7 @@
                 </a:tc>
                 <a:extLst>
                   <a:ext uri="{0D108BD9-81ED-4DB2-BD59-A6C34878D82A}">
-                    <a16:rowId xmlns="" xmlns:a16="http://schemas.microsoft.com/office/drawing/2014/main" val="10001"/>
+                    <a16:rowId xmlns:a16="http://schemas.microsoft.com/office/drawing/2014/main" xmlns="" val="10001"/>
                   </a:ext>
                 </a:extLst>
               </a:tr>
@@ -7759,7 +7759,7 @@
                 </a:tc>
                 <a:extLst>
                   <a:ext uri="{0D108BD9-81ED-4DB2-BD59-A6C34878D82A}">
-                    <a16:rowId xmlns="" xmlns:a16="http://schemas.microsoft.com/office/drawing/2014/main" val="10002"/>
+                    <a16:rowId xmlns:a16="http://schemas.microsoft.com/office/drawing/2014/main" xmlns="" val="10002"/>
                   </a:ext>
                 </a:extLst>
               </a:tr>
@@ -7772,7 +7772,7 @@
           <p:cNvPr id="11" name="Rectangle 10">
             <a:extLst>
               <a:ext uri="{FF2B5EF4-FFF2-40B4-BE49-F238E27FC236}">
-                <a16:creationId xmlns="" xmlns:a16="http://schemas.microsoft.com/office/drawing/2014/main" id="{46F6A8FD-AE4F-405E-85C4-995D2C5B65BE}"/>
+                <a16:creationId xmlns:a16="http://schemas.microsoft.com/office/drawing/2014/main" xmlns="" id="{46F6A8FD-AE4F-405E-85C4-995D2C5B65BE}"/>
               </a:ext>
             </a:extLst>
           </p:cNvPr>
@@ -7893,37 +7893,6 @@
           </a:graphicData>
         </a:graphic>
       </p:graphicFrame>
-      <p:cxnSp>
-        <p:nvCxnSpPr>
-          <p:cNvPr id="15" name="직선 연결선 14"/>
-          <p:cNvCxnSpPr/>
-          <p:nvPr/>
-        </p:nvCxnSpPr>
-        <p:spPr>
-          <a:xfrm flipV="1">
-            <a:off x="561571" y="1886535"/>
-            <a:ext cx="2461715" cy="21633"/>
-          </a:xfrm>
-          <a:prstGeom prst="line">
-            <a:avLst/>
-          </a:prstGeom>
-          <a:ln w="28575"/>
-        </p:spPr>
-        <p:style>
-          <a:lnRef idx="1">
-            <a:schemeClr val="accent2"/>
-          </a:lnRef>
-          <a:fillRef idx="0">
-            <a:schemeClr val="accent2"/>
-          </a:fillRef>
-          <a:effectRef idx="0">
-            <a:schemeClr val="accent2"/>
-          </a:effectRef>
-          <a:fontRef idx="minor">
-            <a:schemeClr val="tx1"/>
-          </a:fontRef>
-        </p:style>
-      </p:cxnSp>
       <p:sp>
         <p:nvSpPr>
           <p:cNvPr id="8" name="직사각형 7"/>
@@ -7932,8 +7901,8 @@
         </p:nvSpPr>
         <p:spPr>
           <a:xfrm>
-            <a:off x="469834" y="1563370"/>
-            <a:ext cx="2829621" cy="323165"/>
+            <a:off x="1697273" y="1944751"/>
+            <a:ext cx="2303836" cy="276999"/>
           </a:xfrm>
           <a:prstGeom prst="rect">
             <a:avLst/>
@@ -7946,19 +7915,19 @@
           <a:lstStyle/>
           <a:p>
             <a:r>
-              <a:rPr lang="ko-KR" altLang="en-US" sz="1500" dirty="0" smtClean="0"/>
+              <a:rPr lang="ko-KR" altLang="en-US" sz="1200" b="1" dirty="0" smtClean="0"/>
               <a:t>세미나 </a:t>
             </a:r>
             <a:r>
-              <a:rPr lang="ko-KR" altLang="en-US" sz="1500" dirty="0"/>
+              <a:rPr lang="ko-KR" altLang="en-US" sz="1200" b="1" dirty="0"/>
               <a:t>참가 예약 </a:t>
             </a:r>
             <a:r>
-              <a:rPr lang="ko-KR" altLang="en-US" sz="1500" dirty="0" smtClean="0"/>
+              <a:rPr lang="ko-KR" altLang="en-US" sz="1200" b="1" dirty="0" smtClean="0"/>
               <a:t>및 </a:t>
             </a:r>
             <a:r>
-              <a:rPr lang="ko-KR" altLang="en-US" sz="1500" dirty="0"/>
+              <a:rPr lang="ko-KR" altLang="en-US" sz="1200" b="1" dirty="0"/>
               <a:t>결제 관리</a:t>
             </a:r>
           </a:p>
@@ -7973,14 +7942,14 @@
           <p:nvPr>
             <p:extLst>
               <p:ext uri="{D42A27DB-BD31-4B8C-83A1-F6EECF244321}">
-                <p14:modId xmlns:p14="http://schemas.microsoft.com/office/powerpoint/2010/main" val="3518990559"/>
+                <p14:modId xmlns:p14="http://schemas.microsoft.com/office/powerpoint/2010/main" val="425167736"/>
               </p:ext>
             </p:extLst>
           </p:nvPr>
         </p:nvGraphicFramePr>
         <p:xfrm>
-          <a:off x="561572" y="2391947"/>
-          <a:ext cx="7297325" cy="2966720"/>
+          <a:off x="1788464" y="2502510"/>
+          <a:ext cx="5448939" cy="3095056"/>
         </p:xfrm>
         <a:graphic>
           <a:graphicData uri="http://schemas.openxmlformats.org/drawingml/2006/table">
@@ -7989,22 +7958,21 @@
                 <a:tableStyleId>{5C22544A-7EE6-4342-B048-85BDC9FD1C3A}</a:tableStyleId>
               </a:tblPr>
               <a:tblGrid>
-                <a:gridCol w="371489"/>
-                <a:gridCol w="1713461"/>
-                <a:gridCol w="1042475"/>
-                <a:gridCol w="1042475"/>
-                <a:gridCol w="1042475"/>
-                <a:gridCol w="1042475"/>
-                <a:gridCol w="1042475"/>
+                <a:gridCol w="323624"/>
+                <a:gridCol w="1492687"/>
+                <a:gridCol w="908157"/>
+                <a:gridCol w="908157"/>
+                <a:gridCol w="908157"/>
+                <a:gridCol w="908157"/>
               </a:tblGrid>
-              <a:tr h="370840">
+              <a:tr h="386882">
                 <a:tc>
                   <a:txBody>
                     <a:bodyPr/>
                     <a:lstStyle/>
                     <a:p>
                       <a:pPr latinLnBrk="1"/>
-                      <a:endParaRPr lang="ko-KR" altLang="en-US" sz="1200" b="0" dirty="0">
+                      <a:endParaRPr lang="ko-KR" altLang="en-US" sz="1100" b="0" dirty="0">
                         <a:solidFill>
                           <a:schemeClr val="tx1"/>
                         </a:solidFill>
@@ -8068,14 +8036,14 @@
                     <a:p>
                       <a:pPr latinLnBrk="1"/>
                       <a:r>
-                        <a:rPr lang="ko-KR" altLang="en-US" sz="1200" b="0" dirty="0" err="1" smtClean="0">
+                        <a:rPr lang="ko-KR" altLang="en-US" sz="1100" b="1" dirty="0" err="1" smtClean="0">
                           <a:solidFill>
                             <a:schemeClr val="tx1"/>
                           </a:solidFill>
                         </a:rPr>
                         <a:t>세미나명</a:t>
                       </a:r>
-                      <a:endParaRPr lang="ko-KR" altLang="en-US" sz="1200" b="0" dirty="0">
+                      <a:endParaRPr lang="ko-KR" altLang="en-US" sz="1100" b="1" dirty="0">
                         <a:solidFill>
                           <a:schemeClr val="tx1"/>
                         </a:solidFill>
@@ -8138,7 +8106,15 @@
                     <a:lstStyle/>
                     <a:p>
                       <a:pPr latinLnBrk="1"/>
-                      <a:endParaRPr lang="ko-KR" altLang="en-US" sz="1200" b="0" dirty="0">
+                      <a:r>
+                        <a:rPr lang="ko-KR" altLang="en-US" sz="1100" b="1" dirty="0" smtClean="0">
+                          <a:solidFill>
+                            <a:schemeClr val="tx1"/>
+                          </a:solidFill>
+                        </a:rPr>
+                        <a:t>예약자</a:t>
+                      </a:r>
+                      <a:endParaRPr lang="ko-KR" altLang="en-US" sz="1100" b="1" dirty="0">
                         <a:solidFill>
                           <a:schemeClr val="tx1"/>
                         </a:solidFill>
@@ -8201,7 +8177,15 @@
                     <a:lstStyle/>
                     <a:p>
                       <a:pPr latinLnBrk="1"/>
-                      <a:endParaRPr lang="ko-KR" altLang="en-US" sz="1200" b="0">
+                      <a:r>
+                        <a:rPr lang="ko-KR" altLang="en-US" sz="1100" b="1" dirty="0" err="1" smtClean="0">
+                          <a:solidFill>
+                            <a:schemeClr val="tx1"/>
+                          </a:solidFill>
+                        </a:rPr>
+                        <a:t>세미나일시</a:t>
+                      </a:r>
+                      <a:endParaRPr lang="ko-KR" altLang="en-US" sz="1100" b="1" dirty="0">
                         <a:solidFill>
                           <a:schemeClr val="tx1"/>
                         </a:solidFill>
@@ -8264,7 +8248,15 @@
                     <a:lstStyle/>
                     <a:p>
                       <a:pPr latinLnBrk="1"/>
-                      <a:endParaRPr lang="ko-KR" altLang="en-US" sz="1200" b="0">
+                      <a:r>
+                        <a:rPr lang="ko-KR" altLang="en-US" sz="1100" b="1" dirty="0" smtClean="0">
+                          <a:solidFill>
+                            <a:schemeClr val="tx1"/>
+                          </a:solidFill>
+                        </a:rPr>
+                        <a:t>진행상태</a:t>
+                      </a:r>
+                      <a:endParaRPr lang="ko-KR" altLang="en-US" sz="1100" b="1" dirty="0">
                         <a:solidFill>
                           <a:schemeClr val="tx1"/>
                         </a:solidFill>
@@ -8327,7 +8319,80 @@
                     <a:lstStyle/>
                     <a:p>
                       <a:pPr latinLnBrk="1"/>
-                      <a:endParaRPr lang="ko-KR" altLang="en-US" sz="1200" b="0">
+                      <a:r>
+                        <a:rPr lang="ko-KR" altLang="en-US" sz="1100" b="1" dirty="0" smtClean="0">
+                          <a:solidFill>
+                            <a:schemeClr val="tx1"/>
+                          </a:solidFill>
+                        </a:rPr>
+                        <a:t>주최자</a:t>
+                      </a:r>
+                      <a:endParaRPr lang="ko-KR" altLang="en-US" sz="1100" b="1" dirty="0">
+                        <a:solidFill>
+                          <a:schemeClr val="tx1"/>
+                        </a:solidFill>
+                      </a:endParaRPr>
+                    </a:p>
+                  </a:txBody>
+                  <a:tcPr anchor="ctr">
+                    <a:lnL w="9525" cap="flat" cmpd="sng" algn="ctr">
+                      <a:solidFill>
+                        <a:schemeClr val="tx1"/>
+                      </a:solidFill>
+                      <a:prstDash val="solid"/>
+                      <a:round/>
+                      <a:headEnd type="none" w="med" len="med"/>
+                      <a:tailEnd type="none" w="med" len="med"/>
+                    </a:lnL>
+                    <a:lnR w="9525" cap="flat" cmpd="sng" algn="ctr">
+                      <a:solidFill>
+                        <a:schemeClr val="tx1"/>
+                      </a:solidFill>
+                      <a:prstDash val="solid"/>
+                      <a:round/>
+                      <a:headEnd type="none" w="med" len="med"/>
+                      <a:tailEnd type="none" w="med" len="med"/>
+                    </a:lnR>
+                    <a:lnT w="9525" cap="flat" cmpd="sng" algn="ctr">
+                      <a:solidFill>
+                        <a:schemeClr val="tx1"/>
+                      </a:solidFill>
+                      <a:prstDash val="solid"/>
+                      <a:round/>
+                      <a:headEnd type="none" w="med" len="med"/>
+                      <a:tailEnd type="none" w="med" len="med"/>
+                    </a:lnT>
+                    <a:lnB w="9525" cap="flat" cmpd="sng" algn="ctr">
+                      <a:solidFill>
+                        <a:schemeClr val="tx1"/>
+                      </a:solidFill>
+                      <a:prstDash val="solid"/>
+                      <a:round/>
+                      <a:headEnd type="none" w="med" len="med"/>
+                      <a:tailEnd type="none" w="med" len="med"/>
+                    </a:lnB>
+                    <a:lnTlToBr w="12700" cmpd="sng">
+                      <a:noFill/>
+                      <a:prstDash val="solid"/>
+                    </a:lnTlToBr>
+                    <a:lnBlToTr w="12700" cmpd="sng">
+                      <a:noFill/>
+                      <a:prstDash val="solid"/>
+                    </a:lnBlToTr>
+                    <a:solidFill>
+                      <a:schemeClr val="bg1"/>
+                    </a:solidFill>
+                  </a:tcPr>
+                </a:tc>
+              </a:tr>
+              <a:tr h="386882">
+                <a:tc>
+                  <a:txBody>
+                    <a:bodyPr/>
+                    <a:lstStyle/>
+                    <a:p>
+                      <a:pPr latinLnBrk="1"/>
+                      <a:endParaRPr lang="ko-KR" altLang="en-US" sz="1100" b="0" dirty="0">
                         <a:solidFill>
                           <a:schemeClr val="tx1"/>
                         </a:solidFill>
@@ -8390,72 +8455,7 @@
                     <a:lstStyle/>
                     <a:p>
                       <a:pPr latinLnBrk="1"/>
-                      <a:endParaRPr lang="ko-KR" altLang="en-US" sz="1200" b="0">
-                        <a:solidFill>
-                          <a:schemeClr val="tx1"/>
-                        </a:solidFill>
-                      </a:endParaRPr>
-                    </a:p>
-                  </a:txBody>
-                  <a:tcPr anchor="ctr">
-                    <a:lnL w="9525" cap="flat" cmpd="sng" algn="ctr">
-                      <a:solidFill>
-                        <a:schemeClr val="tx1"/>
-                      </a:solidFill>
-                      <a:prstDash val="solid"/>
-                      <a:round/>
-                      <a:headEnd type="none" w="med" len="med"/>
-                      <a:tailEnd type="none" w="med" len="med"/>
-                    </a:lnL>
-                    <a:lnR w="9525" cap="flat" cmpd="sng" algn="ctr">
-                      <a:solidFill>
-                        <a:schemeClr val="tx1"/>
-                      </a:solidFill>
-                      <a:prstDash val="solid"/>
-                      <a:round/>
-                      <a:headEnd type="none" w="med" len="med"/>
-                      <a:tailEnd type="none" w="med" len="med"/>
-                    </a:lnR>
-                    <a:lnT w="9525" cap="flat" cmpd="sng" algn="ctr">
-                      <a:solidFill>
-                        <a:schemeClr val="tx1"/>
-                      </a:solidFill>
-                      <a:prstDash val="solid"/>
-                      <a:round/>
-                      <a:headEnd type="none" w="med" len="med"/>
-                      <a:tailEnd type="none" w="med" len="med"/>
-                    </a:lnT>
-                    <a:lnB w="9525" cap="flat" cmpd="sng" algn="ctr">
-                      <a:solidFill>
-                        <a:schemeClr val="tx1"/>
-                      </a:solidFill>
-                      <a:prstDash val="solid"/>
-                      <a:round/>
-                      <a:headEnd type="none" w="med" len="med"/>
-                      <a:tailEnd type="none" w="med" len="med"/>
-                    </a:lnB>
-                    <a:lnTlToBr w="12700" cmpd="sng">
-                      <a:noFill/>
-                      <a:prstDash val="solid"/>
-                    </a:lnTlToBr>
-                    <a:lnBlToTr w="12700" cmpd="sng">
-                      <a:noFill/>
-                      <a:prstDash val="solid"/>
-                    </a:lnBlToTr>
-                    <a:solidFill>
-                      <a:schemeClr val="bg1"/>
-                    </a:solidFill>
-                  </a:tcPr>
-                </a:tc>
-              </a:tr>
-              <a:tr h="370840">
-                <a:tc>
-                  <a:txBody>
-                    <a:bodyPr/>
-                    <a:lstStyle/>
-                    <a:p>
-                      <a:pPr latinLnBrk="1"/>
-                      <a:endParaRPr lang="ko-KR" altLang="en-US" sz="1200" b="0" dirty="0">
+                      <a:endParaRPr lang="ko-KR" altLang="en-US" sz="1100" b="0" dirty="0">
                         <a:solidFill>
                           <a:schemeClr val="tx1"/>
                         </a:solidFill>
@@ -8518,7 +8518,15 @@
                     <a:lstStyle/>
                     <a:p>
                       <a:pPr latinLnBrk="1"/>
-                      <a:endParaRPr lang="ko-KR" altLang="en-US" sz="1200" b="0" dirty="0">
+                      <a:r>
+                        <a:rPr lang="en-US" altLang="ko-KR" sz="1100" b="0" dirty="0" smtClean="0">
+                          <a:solidFill>
+                            <a:schemeClr val="tx1"/>
+                          </a:solidFill>
+                        </a:rPr>
+                        <a:t>15/30</a:t>
+                      </a:r>
+                      <a:endParaRPr lang="ko-KR" altLang="en-US" sz="1100" b="0" dirty="0">
                         <a:solidFill>
                           <a:schemeClr val="tx1"/>
                         </a:solidFill>
@@ -8581,7 +8589,15 @@
                     <a:lstStyle/>
                     <a:p>
                       <a:pPr latinLnBrk="1"/>
-                      <a:endParaRPr lang="ko-KR" altLang="en-US" sz="1200" b="0" dirty="0">
+                      <a:r>
+                        <a:rPr lang="en-US" altLang="ko-KR" sz="1100" b="0" dirty="0" smtClean="0">
+                          <a:solidFill>
+                            <a:schemeClr val="tx1"/>
+                          </a:solidFill>
+                        </a:rPr>
+                        <a:t>2020-05-22</a:t>
+                      </a:r>
+                      <a:endParaRPr lang="ko-KR" altLang="en-US" sz="1100" b="0" dirty="0">
                         <a:solidFill>
                           <a:schemeClr val="tx1"/>
                         </a:solidFill>
@@ -8644,7 +8660,15 @@
                     <a:lstStyle/>
                     <a:p>
                       <a:pPr latinLnBrk="1"/>
-                      <a:endParaRPr lang="ko-KR" altLang="en-US" sz="1200" b="0" dirty="0">
+                      <a:r>
+                        <a:rPr lang="ko-KR" altLang="en-US" sz="1100" b="0" dirty="0" smtClean="0">
+                          <a:solidFill>
+                            <a:schemeClr val="tx1"/>
+                          </a:solidFill>
+                        </a:rPr>
+                        <a:t>결제취소</a:t>
+                      </a:r>
+                      <a:endParaRPr lang="ko-KR" altLang="en-US" sz="1100" b="0" dirty="0">
                         <a:solidFill>
                           <a:schemeClr val="tx1"/>
                         </a:solidFill>
@@ -8707,7 +8731,80 @@
                     <a:lstStyle/>
                     <a:p>
                       <a:pPr latinLnBrk="1"/>
-                      <a:endParaRPr lang="ko-KR" altLang="en-US" sz="1200" b="0" dirty="0">
+                      <a:r>
+                        <a:rPr lang="en-US" altLang="ko-KR" sz="1100" b="0" dirty="0" smtClean="0">
+                          <a:solidFill>
+                            <a:schemeClr val="tx1"/>
+                          </a:solidFill>
+                        </a:rPr>
+                        <a:t>dsdfas152</a:t>
+                      </a:r>
+                      <a:endParaRPr lang="ko-KR" altLang="en-US" sz="1100" b="0" dirty="0">
+                        <a:solidFill>
+                          <a:schemeClr val="tx1"/>
+                        </a:solidFill>
+                      </a:endParaRPr>
+                    </a:p>
+                  </a:txBody>
+                  <a:tcPr anchor="ctr">
+                    <a:lnL w="9525" cap="flat" cmpd="sng" algn="ctr">
+                      <a:solidFill>
+                        <a:schemeClr val="tx1"/>
+                      </a:solidFill>
+                      <a:prstDash val="solid"/>
+                      <a:round/>
+                      <a:headEnd type="none" w="med" len="med"/>
+                      <a:tailEnd type="none" w="med" len="med"/>
+                    </a:lnL>
+                    <a:lnR w="9525" cap="flat" cmpd="sng" algn="ctr">
+                      <a:solidFill>
+                        <a:schemeClr val="tx1"/>
+                      </a:solidFill>
+                      <a:prstDash val="solid"/>
+                      <a:round/>
+                      <a:headEnd type="none" w="med" len="med"/>
+                      <a:tailEnd type="none" w="med" len="med"/>
+                    </a:lnR>
+                    <a:lnT w="9525" cap="flat" cmpd="sng" algn="ctr">
+                      <a:solidFill>
+                        <a:schemeClr val="tx1"/>
+                      </a:solidFill>
+                      <a:prstDash val="solid"/>
+                      <a:round/>
+                      <a:headEnd type="none" w="med" len="med"/>
+                      <a:tailEnd type="none" w="med" len="med"/>
+                    </a:lnT>
+                    <a:lnB w="9525" cap="flat" cmpd="sng" algn="ctr">
+                      <a:solidFill>
+                        <a:schemeClr val="tx1"/>
+                      </a:solidFill>
+                      <a:prstDash val="solid"/>
+                      <a:round/>
+                      <a:headEnd type="none" w="med" len="med"/>
+                      <a:tailEnd type="none" w="med" len="med"/>
+                    </a:lnB>
+                    <a:lnTlToBr w="12700" cmpd="sng">
+                      <a:noFill/>
+                      <a:prstDash val="solid"/>
+                    </a:lnTlToBr>
+                    <a:lnBlToTr w="12700" cmpd="sng">
+                      <a:noFill/>
+                      <a:prstDash val="solid"/>
+                    </a:lnBlToTr>
+                    <a:solidFill>
+                      <a:schemeClr val="bg1"/>
+                    </a:solidFill>
+                  </a:tcPr>
+                </a:tc>
+              </a:tr>
+              <a:tr h="386882">
+                <a:tc>
+                  <a:txBody>
+                    <a:bodyPr/>
+                    <a:lstStyle/>
+                    <a:p>
+                      <a:pPr latinLnBrk="1"/>
+                      <a:endParaRPr lang="ko-KR" altLang="en-US" sz="1100" b="0">
                         <a:solidFill>
                           <a:schemeClr val="tx1"/>
                         </a:solidFill>
@@ -8770,7 +8867,7 @@
                     <a:lstStyle/>
                     <a:p>
                       <a:pPr latinLnBrk="1"/>
-                      <a:endParaRPr lang="ko-KR" altLang="en-US" sz="1200" b="0">
+                      <a:endParaRPr lang="ko-KR" altLang="en-US" sz="1100" b="0" dirty="0">
                         <a:solidFill>
                           <a:schemeClr val="tx1"/>
                         </a:solidFill>
@@ -8833,72 +8930,7 @@
                     <a:lstStyle/>
                     <a:p>
                       <a:pPr latinLnBrk="1"/>
-                      <a:endParaRPr lang="ko-KR" altLang="en-US" sz="1200" b="0">
-                        <a:solidFill>
-                          <a:schemeClr val="tx1"/>
-                        </a:solidFill>
-                      </a:endParaRPr>
-                    </a:p>
-                  </a:txBody>
-                  <a:tcPr anchor="ctr">
-                    <a:lnL w="9525" cap="flat" cmpd="sng" algn="ctr">
-                      <a:solidFill>
-                        <a:schemeClr val="tx1"/>
-                      </a:solidFill>
-                      <a:prstDash val="solid"/>
-                      <a:round/>
-                      <a:headEnd type="none" w="med" len="med"/>
-                      <a:tailEnd type="none" w="med" len="med"/>
-                    </a:lnL>
-                    <a:lnR w="9525" cap="flat" cmpd="sng" algn="ctr">
-                      <a:solidFill>
-                        <a:schemeClr val="tx1"/>
-                      </a:solidFill>
-                      <a:prstDash val="solid"/>
-                      <a:round/>
-                      <a:headEnd type="none" w="med" len="med"/>
-                      <a:tailEnd type="none" w="med" len="med"/>
-                    </a:lnR>
-                    <a:lnT w="9525" cap="flat" cmpd="sng" algn="ctr">
-                      <a:solidFill>
-                        <a:schemeClr val="tx1"/>
-                      </a:solidFill>
-                      <a:prstDash val="solid"/>
-                      <a:round/>
-                      <a:headEnd type="none" w="med" len="med"/>
-                      <a:tailEnd type="none" w="med" len="med"/>
-                    </a:lnT>
-                    <a:lnB w="9525" cap="flat" cmpd="sng" algn="ctr">
-                      <a:solidFill>
-                        <a:schemeClr val="tx1"/>
-                      </a:solidFill>
-                      <a:prstDash val="solid"/>
-                      <a:round/>
-                      <a:headEnd type="none" w="med" len="med"/>
-                      <a:tailEnd type="none" w="med" len="med"/>
-                    </a:lnB>
-                    <a:lnTlToBr w="12700" cmpd="sng">
-                      <a:noFill/>
-                      <a:prstDash val="solid"/>
-                    </a:lnTlToBr>
-                    <a:lnBlToTr w="12700" cmpd="sng">
-                      <a:noFill/>
-                      <a:prstDash val="solid"/>
-                    </a:lnBlToTr>
-                    <a:solidFill>
-                      <a:schemeClr val="bg1"/>
-                    </a:solidFill>
-                  </a:tcPr>
-                </a:tc>
-              </a:tr>
-              <a:tr h="370840">
-                <a:tc>
-                  <a:txBody>
-                    <a:bodyPr/>
-                    <a:lstStyle/>
-                    <a:p>
-                      <a:pPr latinLnBrk="1"/>
-                      <a:endParaRPr lang="ko-KR" altLang="en-US" sz="1200" b="0">
+                      <a:endParaRPr lang="ko-KR" altLang="en-US" sz="1100" b="0" dirty="0">
                         <a:solidFill>
                           <a:schemeClr val="tx1"/>
                         </a:solidFill>
@@ -8961,7 +8993,15 @@
                     <a:lstStyle/>
                     <a:p>
                       <a:pPr latinLnBrk="1"/>
-                      <a:endParaRPr lang="ko-KR" altLang="en-US" sz="1200" b="0" dirty="0">
+                      <a:r>
+                        <a:rPr lang="en-US" altLang="ko-KR" sz="1100" b="0" dirty="0" smtClean="0">
+                          <a:solidFill>
+                            <a:schemeClr val="tx1"/>
+                          </a:solidFill>
+                        </a:rPr>
+                        <a:t>2020-05-02</a:t>
+                      </a:r>
+                      <a:endParaRPr lang="ko-KR" altLang="en-US" sz="1100" b="0" dirty="0">
                         <a:solidFill>
                           <a:schemeClr val="tx1"/>
                         </a:solidFill>
@@ -9024,7 +9064,15 @@
                     <a:lstStyle/>
                     <a:p>
                       <a:pPr latinLnBrk="1"/>
-                      <a:endParaRPr lang="ko-KR" altLang="en-US" sz="1200" b="0" dirty="0">
+                      <a:r>
+                        <a:rPr lang="ko-KR" altLang="en-US" sz="1100" b="0" dirty="0" smtClean="0">
+                          <a:solidFill>
+                            <a:schemeClr val="tx1"/>
+                          </a:solidFill>
+                        </a:rPr>
+                        <a:t>결제완료</a:t>
+                      </a:r>
+                      <a:endParaRPr lang="ko-KR" altLang="en-US" sz="1100" b="0" dirty="0">
                         <a:solidFill>
                           <a:schemeClr val="tx1"/>
                         </a:solidFill>
@@ -9087,7 +9135,80 @@
                     <a:lstStyle/>
                     <a:p>
                       <a:pPr latinLnBrk="1"/>
-                      <a:endParaRPr lang="ko-KR" altLang="en-US" sz="1200" b="0" dirty="0">
+                      <a:r>
+                        <a:rPr lang="en-US" altLang="ko-KR" sz="1100" b="0" dirty="0" smtClean="0">
+                          <a:solidFill>
+                            <a:schemeClr val="tx1"/>
+                          </a:solidFill>
+                        </a:rPr>
+                        <a:t>asdsad53</a:t>
+                      </a:r>
+                      <a:endParaRPr lang="ko-KR" altLang="en-US" sz="1100" b="0" dirty="0">
+                        <a:solidFill>
+                          <a:schemeClr val="tx1"/>
+                        </a:solidFill>
+                      </a:endParaRPr>
+                    </a:p>
+                  </a:txBody>
+                  <a:tcPr anchor="ctr">
+                    <a:lnL w="9525" cap="flat" cmpd="sng" algn="ctr">
+                      <a:solidFill>
+                        <a:schemeClr val="tx1"/>
+                      </a:solidFill>
+                      <a:prstDash val="solid"/>
+                      <a:round/>
+                      <a:headEnd type="none" w="med" len="med"/>
+                      <a:tailEnd type="none" w="med" len="med"/>
+                    </a:lnL>
+                    <a:lnR w="9525" cap="flat" cmpd="sng" algn="ctr">
+                      <a:solidFill>
+                        <a:schemeClr val="tx1"/>
+                      </a:solidFill>
+                      <a:prstDash val="solid"/>
+                      <a:round/>
+                      <a:headEnd type="none" w="med" len="med"/>
+                      <a:tailEnd type="none" w="med" len="med"/>
+                    </a:lnR>
+                    <a:lnT w="9525" cap="flat" cmpd="sng" algn="ctr">
+                      <a:solidFill>
+                        <a:schemeClr val="tx1"/>
+                      </a:solidFill>
+                      <a:prstDash val="solid"/>
+                      <a:round/>
+                      <a:headEnd type="none" w="med" len="med"/>
+                      <a:tailEnd type="none" w="med" len="med"/>
+                    </a:lnT>
+                    <a:lnB w="9525" cap="flat" cmpd="sng" algn="ctr">
+                      <a:solidFill>
+                        <a:schemeClr val="tx1"/>
+                      </a:solidFill>
+                      <a:prstDash val="solid"/>
+                      <a:round/>
+                      <a:headEnd type="none" w="med" len="med"/>
+                      <a:tailEnd type="none" w="med" len="med"/>
+                    </a:lnB>
+                    <a:lnTlToBr w="12700" cmpd="sng">
+                      <a:noFill/>
+                      <a:prstDash val="solid"/>
+                    </a:lnTlToBr>
+                    <a:lnBlToTr w="12700" cmpd="sng">
+                      <a:noFill/>
+                      <a:prstDash val="solid"/>
+                    </a:lnBlToTr>
+                    <a:solidFill>
+                      <a:schemeClr val="bg1"/>
+                    </a:solidFill>
+                  </a:tcPr>
+                </a:tc>
+              </a:tr>
+              <a:tr h="386882">
+                <a:tc>
+                  <a:txBody>
+                    <a:bodyPr/>
+                    <a:lstStyle/>
+                    <a:p>
+                      <a:pPr latinLnBrk="1"/>
+                      <a:endParaRPr lang="ko-KR" altLang="en-US" sz="1100" b="0">
                         <a:solidFill>
                           <a:schemeClr val="tx1"/>
                         </a:solidFill>
@@ -9150,7 +9271,7 @@
                     <a:lstStyle/>
                     <a:p>
                       <a:pPr latinLnBrk="1"/>
-                      <a:endParaRPr lang="ko-KR" altLang="en-US" sz="1200" b="0">
+                      <a:endParaRPr lang="ko-KR" altLang="en-US" sz="1100" b="0" dirty="0">
                         <a:solidFill>
                           <a:schemeClr val="tx1"/>
                         </a:solidFill>
@@ -9213,7 +9334,7 @@
                     <a:lstStyle/>
                     <a:p>
                       <a:pPr latinLnBrk="1"/>
-                      <a:endParaRPr lang="ko-KR" altLang="en-US" sz="1200" b="0">
+                      <a:endParaRPr lang="ko-KR" altLang="en-US" sz="1100" b="0" dirty="0">
                         <a:solidFill>
                           <a:schemeClr val="tx1"/>
                         </a:solidFill>
@@ -9276,72 +9397,15 @@
                     <a:lstStyle/>
                     <a:p>
                       <a:pPr latinLnBrk="1"/>
-                      <a:endParaRPr lang="ko-KR" altLang="en-US" sz="1200" b="0">
-                        <a:solidFill>
-                          <a:schemeClr val="tx1"/>
-                        </a:solidFill>
-                      </a:endParaRPr>
-                    </a:p>
-                  </a:txBody>
-                  <a:tcPr anchor="ctr">
-                    <a:lnL w="9525" cap="flat" cmpd="sng" algn="ctr">
-                      <a:solidFill>
-                        <a:schemeClr val="tx1"/>
-                      </a:solidFill>
-                      <a:prstDash val="solid"/>
-                      <a:round/>
-                      <a:headEnd type="none" w="med" len="med"/>
-                      <a:tailEnd type="none" w="med" len="med"/>
-                    </a:lnL>
-                    <a:lnR w="9525" cap="flat" cmpd="sng" algn="ctr">
-                      <a:solidFill>
-                        <a:schemeClr val="tx1"/>
-                      </a:solidFill>
-                      <a:prstDash val="solid"/>
-                      <a:round/>
-                      <a:headEnd type="none" w="med" len="med"/>
-                      <a:tailEnd type="none" w="med" len="med"/>
-                    </a:lnR>
-                    <a:lnT w="9525" cap="flat" cmpd="sng" algn="ctr">
-                      <a:solidFill>
-                        <a:schemeClr val="tx1"/>
-                      </a:solidFill>
-                      <a:prstDash val="solid"/>
-                      <a:round/>
-                      <a:headEnd type="none" w="med" len="med"/>
-                      <a:tailEnd type="none" w="med" len="med"/>
-                    </a:lnT>
-                    <a:lnB w="9525" cap="flat" cmpd="sng" algn="ctr">
-                      <a:solidFill>
-                        <a:schemeClr val="tx1"/>
-                      </a:solidFill>
-                      <a:prstDash val="solid"/>
-                      <a:round/>
-                      <a:headEnd type="none" w="med" len="med"/>
-                      <a:tailEnd type="none" w="med" len="med"/>
-                    </a:lnB>
-                    <a:lnTlToBr w="12700" cmpd="sng">
-                      <a:noFill/>
-                      <a:prstDash val="solid"/>
-                    </a:lnTlToBr>
-                    <a:lnBlToTr w="12700" cmpd="sng">
-                      <a:noFill/>
-                      <a:prstDash val="solid"/>
-                    </a:lnBlToTr>
-                    <a:solidFill>
-                      <a:schemeClr val="bg1"/>
-                    </a:solidFill>
-                  </a:tcPr>
-                </a:tc>
-              </a:tr>
-              <a:tr h="370840">
-                <a:tc>
-                  <a:txBody>
-                    <a:bodyPr/>
-                    <a:lstStyle/>
-                    <a:p>
-                      <a:pPr latinLnBrk="1"/>
-                      <a:endParaRPr lang="ko-KR" altLang="en-US" sz="1200" b="0">
+                      <a:r>
+                        <a:rPr lang="en-US" altLang="ko-KR" sz="1100" b="0" dirty="0" smtClean="0">
+                          <a:solidFill>
+                            <a:schemeClr val="tx1"/>
+                          </a:solidFill>
+                        </a:rPr>
+                        <a:t>2020-03-22</a:t>
+                      </a:r>
+                      <a:endParaRPr lang="ko-KR" altLang="en-US" sz="1100" b="0" dirty="0">
                         <a:solidFill>
                           <a:schemeClr val="tx1"/>
                         </a:solidFill>
@@ -9404,7 +9468,15 @@
                     <a:lstStyle/>
                     <a:p>
                       <a:pPr latinLnBrk="1"/>
-                      <a:endParaRPr lang="ko-KR" altLang="en-US" sz="1200" b="0" dirty="0">
+                      <a:r>
+                        <a:rPr lang="ko-KR" altLang="en-US" sz="1100" b="0" dirty="0" smtClean="0">
+                          <a:solidFill>
+                            <a:schemeClr val="tx1"/>
+                          </a:solidFill>
+                        </a:rPr>
+                        <a:t>세미나종료</a:t>
+                      </a:r>
+                      <a:endParaRPr lang="ko-KR" altLang="en-US" sz="1100" b="0" dirty="0">
                         <a:solidFill>
                           <a:schemeClr val="tx1"/>
                         </a:solidFill>
@@ -9467,7 +9539,80 @@
                     <a:lstStyle/>
                     <a:p>
                       <a:pPr latinLnBrk="1"/>
-                      <a:endParaRPr lang="ko-KR" altLang="en-US" sz="1200" b="0" dirty="0">
+                      <a:r>
+                        <a:rPr lang="en-US" altLang="ko-KR" sz="1100" b="0" dirty="0" smtClean="0">
+                          <a:solidFill>
+                            <a:schemeClr val="tx1"/>
+                          </a:solidFill>
+                        </a:rPr>
+                        <a:t>fsasad45</a:t>
+                      </a:r>
+                      <a:endParaRPr lang="ko-KR" altLang="en-US" sz="1100" b="0" dirty="0">
+                        <a:solidFill>
+                          <a:schemeClr val="tx1"/>
+                        </a:solidFill>
+                      </a:endParaRPr>
+                    </a:p>
+                  </a:txBody>
+                  <a:tcPr anchor="ctr">
+                    <a:lnL w="9525" cap="flat" cmpd="sng" algn="ctr">
+                      <a:solidFill>
+                        <a:schemeClr val="tx1"/>
+                      </a:solidFill>
+                      <a:prstDash val="solid"/>
+                      <a:round/>
+                      <a:headEnd type="none" w="med" len="med"/>
+                      <a:tailEnd type="none" w="med" len="med"/>
+                    </a:lnL>
+                    <a:lnR w="9525" cap="flat" cmpd="sng" algn="ctr">
+                      <a:solidFill>
+                        <a:schemeClr val="tx1"/>
+                      </a:solidFill>
+                      <a:prstDash val="solid"/>
+                      <a:round/>
+                      <a:headEnd type="none" w="med" len="med"/>
+                      <a:tailEnd type="none" w="med" len="med"/>
+                    </a:lnR>
+                    <a:lnT w="9525" cap="flat" cmpd="sng" algn="ctr">
+                      <a:solidFill>
+                        <a:schemeClr val="tx1"/>
+                      </a:solidFill>
+                      <a:prstDash val="solid"/>
+                      <a:round/>
+                      <a:headEnd type="none" w="med" len="med"/>
+                      <a:tailEnd type="none" w="med" len="med"/>
+                    </a:lnT>
+                    <a:lnB w="9525" cap="flat" cmpd="sng" algn="ctr">
+                      <a:solidFill>
+                        <a:schemeClr val="tx1"/>
+                      </a:solidFill>
+                      <a:prstDash val="solid"/>
+                      <a:round/>
+                      <a:headEnd type="none" w="med" len="med"/>
+                      <a:tailEnd type="none" w="med" len="med"/>
+                    </a:lnB>
+                    <a:lnTlToBr w="12700" cmpd="sng">
+                      <a:noFill/>
+                      <a:prstDash val="solid"/>
+                    </a:lnTlToBr>
+                    <a:lnBlToTr w="12700" cmpd="sng">
+                      <a:noFill/>
+                      <a:prstDash val="solid"/>
+                    </a:lnBlToTr>
+                    <a:solidFill>
+                      <a:schemeClr val="bg1"/>
+                    </a:solidFill>
+                  </a:tcPr>
+                </a:tc>
+              </a:tr>
+              <a:tr h="386882">
+                <a:tc>
+                  <a:txBody>
+                    <a:bodyPr/>
+                    <a:lstStyle/>
+                    <a:p>
+                      <a:pPr latinLnBrk="1"/>
+                      <a:endParaRPr lang="ko-KR" altLang="en-US" sz="1100" b="0">
                         <a:solidFill>
                           <a:schemeClr val="tx1"/>
                         </a:solidFill>
@@ -9530,7 +9675,7 @@
                     <a:lstStyle/>
                     <a:p>
                       <a:pPr latinLnBrk="1"/>
-                      <a:endParaRPr lang="ko-KR" altLang="en-US" sz="1200" b="0" dirty="0">
+                      <a:endParaRPr lang="ko-KR" altLang="en-US" sz="1100" b="0">
                         <a:solidFill>
                           <a:schemeClr val="tx1"/>
                         </a:solidFill>
@@ -9593,7 +9738,7 @@
                     <a:lstStyle/>
                     <a:p>
                       <a:pPr latinLnBrk="1"/>
-                      <a:endParaRPr lang="ko-KR" altLang="en-US" sz="1200" b="0" dirty="0">
+                      <a:endParaRPr lang="ko-KR" altLang="en-US" sz="1100" b="0" dirty="0">
                         <a:solidFill>
                           <a:schemeClr val="tx1"/>
                         </a:solidFill>
@@ -9656,7 +9801,15 @@
                     <a:lstStyle/>
                     <a:p>
                       <a:pPr latinLnBrk="1"/>
-                      <a:endParaRPr lang="ko-KR" altLang="en-US" sz="1200" b="0">
+                      <a:r>
+                        <a:rPr lang="en-US" altLang="ko-KR" sz="1100" b="0" dirty="0" smtClean="0">
+                          <a:solidFill>
+                            <a:schemeClr val="tx1"/>
+                          </a:solidFill>
+                        </a:rPr>
+                        <a:t>2020-05-13</a:t>
+                      </a:r>
+                      <a:endParaRPr lang="ko-KR" altLang="en-US" sz="1100" b="0" dirty="0">
                         <a:solidFill>
                           <a:schemeClr val="tx1"/>
                         </a:solidFill>
@@ -9719,72 +9872,15 @@
                     <a:lstStyle/>
                     <a:p>
                       <a:pPr latinLnBrk="1"/>
-                      <a:endParaRPr lang="ko-KR" altLang="en-US" sz="1200" b="0">
-                        <a:solidFill>
-                          <a:schemeClr val="tx1"/>
-                        </a:solidFill>
-                      </a:endParaRPr>
-                    </a:p>
-                  </a:txBody>
-                  <a:tcPr anchor="ctr">
-                    <a:lnL w="9525" cap="flat" cmpd="sng" algn="ctr">
-                      <a:solidFill>
-                        <a:schemeClr val="tx1"/>
-                      </a:solidFill>
-                      <a:prstDash val="solid"/>
-                      <a:round/>
-                      <a:headEnd type="none" w="med" len="med"/>
-                      <a:tailEnd type="none" w="med" len="med"/>
-                    </a:lnL>
-                    <a:lnR w="9525" cap="flat" cmpd="sng" algn="ctr">
-                      <a:solidFill>
-                        <a:schemeClr val="tx1"/>
-                      </a:solidFill>
-                      <a:prstDash val="solid"/>
-                      <a:round/>
-                      <a:headEnd type="none" w="med" len="med"/>
-                      <a:tailEnd type="none" w="med" len="med"/>
-                    </a:lnR>
-                    <a:lnT w="9525" cap="flat" cmpd="sng" algn="ctr">
-                      <a:solidFill>
-                        <a:schemeClr val="tx1"/>
-                      </a:solidFill>
-                      <a:prstDash val="solid"/>
-                      <a:round/>
-                      <a:headEnd type="none" w="med" len="med"/>
-                      <a:tailEnd type="none" w="med" len="med"/>
-                    </a:lnT>
-                    <a:lnB w="9525" cap="flat" cmpd="sng" algn="ctr">
-                      <a:solidFill>
-                        <a:schemeClr val="tx1"/>
-                      </a:solidFill>
-                      <a:prstDash val="solid"/>
-                      <a:round/>
-                      <a:headEnd type="none" w="med" len="med"/>
-                      <a:tailEnd type="none" w="med" len="med"/>
-                    </a:lnB>
-                    <a:lnTlToBr w="12700" cmpd="sng">
-                      <a:noFill/>
-                      <a:prstDash val="solid"/>
-                    </a:lnTlToBr>
-                    <a:lnBlToTr w="12700" cmpd="sng">
-                      <a:noFill/>
-                      <a:prstDash val="solid"/>
-                    </a:lnBlToTr>
-                    <a:solidFill>
-                      <a:schemeClr val="bg1"/>
-                    </a:solidFill>
-                  </a:tcPr>
-                </a:tc>
-              </a:tr>
-              <a:tr h="370840">
-                <a:tc>
-                  <a:txBody>
-                    <a:bodyPr/>
-                    <a:lstStyle/>
-                    <a:p>
-                      <a:pPr latinLnBrk="1"/>
-                      <a:endParaRPr lang="ko-KR" altLang="en-US" sz="1200" b="0">
+                      <a:r>
+                        <a:rPr lang="ko-KR" altLang="en-US" sz="1100" b="0" dirty="0" smtClean="0">
+                          <a:solidFill>
+                            <a:schemeClr val="tx1"/>
+                          </a:solidFill>
+                        </a:rPr>
+                        <a:t>결제취소</a:t>
+                      </a:r>
+                      <a:endParaRPr lang="ko-KR" altLang="en-US" sz="1100" b="0" dirty="0">
                         <a:solidFill>
                           <a:schemeClr val="tx1"/>
                         </a:solidFill>
@@ -9847,7 +9943,80 @@
                     <a:lstStyle/>
                     <a:p>
                       <a:pPr latinLnBrk="1"/>
-                      <a:endParaRPr lang="ko-KR" altLang="en-US" sz="1200" b="0">
+                      <a:r>
+                        <a:rPr lang="en-US" altLang="ko-KR" sz="1100" b="0" dirty="0" smtClean="0">
+                          <a:solidFill>
+                            <a:schemeClr val="tx1"/>
+                          </a:solidFill>
+                        </a:rPr>
+                        <a:t>fsasad45</a:t>
+                      </a:r>
+                      <a:endParaRPr lang="ko-KR" altLang="en-US" sz="1100" b="0" dirty="0">
+                        <a:solidFill>
+                          <a:schemeClr val="tx1"/>
+                        </a:solidFill>
+                      </a:endParaRPr>
+                    </a:p>
+                  </a:txBody>
+                  <a:tcPr anchor="ctr">
+                    <a:lnL w="9525" cap="flat" cmpd="sng" algn="ctr">
+                      <a:solidFill>
+                        <a:schemeClr val="tx1"/>
+                      </a:solidFill>
+                      <a:prstDash val="solid"/>
+                      <a:round/>
+                      <a:headEnd type="none" w="med" len="med"/>
+                      <a:tailEnd type="none" w="med" len="med"/>
+                    </a:lnL>
+                    <a:lnR w="9525" cap="flat" cmpd="sng" algn="ctr">
+                      <a:solidFill>
+                        <a:schemeClr val="tx1"/>
+                      </a:solidFill>
+                      <a:prstDash val="solid"/>
+                      <a:round/>
+                      <a:headEnd type="none" w="med" len="med"/>
+                      <a:tailEnd type="none" w="med" len="med"/>
+                    </a:lnR>
+                    <a:lnT w="9525" cap="flat" cmpd="sng" algn="ctr">
+                      <a:solidFill>
+                        <a:schemeClr val="tx1"/>
+                      </a:solidFill>
+                      <a:prstDash val="solid"/>
+                      <a:round/>
+                      <a:headEnd type="none" w="med" len="med"/>
+                      <a:tailEnd type="none" w="med" len="med"/>
+                    </a:lnT>
+                    <a:lnB w="9525" cap="flat" cmpd="sng" algn="ctr">
+                      <a:solidFill>
+                        <a:schemeClr val="tx1"/>
+                      </a:solidFill>
+                      <a:prstDash val="solid"/>
+                      <a:round/>
+                      <a:headEnd type="none" w="med" len="med"/>
+                      <a:tailEnd type="none" w="med" len="med"/>
+                    </a:lnB>
+                    <a:lnTlToBr w="12700" cmpd="sng">
+                      <a:noFill/>
+                      <a:prstDash val="solid"/>
+                    </a:lnTlToBr>
+                    <a:lnBlToTr w="12700" cmpd="sng">
+                      <a:noFill/>
+                      <a:prstDash val="solid"/>
+                    </a:lnBlToTr>
+                    <a:solidFill>
+                      <a:schemeClr val="bg1"/>
+                    </a:solidFill>
+                  </a:tcPr>
+                </a:tc>
+              </a:tr>
+              <a:tr h="386882">
+                <a:tc>
+                  <a:txBody>
+                    <a:bodyPr/>
+                    <a:lstStyle/>
+                    <a:p>
+                      <a:pPr latinLnBrk="1"/>
+                      <a:endParaRPr lang="ko-KR" altLang="en-US" sz="1100" b="0">
                         <a:solidFill>
                           <a:schemeClr val="tx1"/>
                         </a:solidFill>
@@ -9910,7 +10079,7 @@
                     <a:lstStyle/>
                     <a:p>
                       <a:pPr latinLnBrk="1"/>
-                      <a:endParaRPr lang="ko-KR" altLang="en-US" sz="1200" b="0" dirty="0">
+                      <a:endParaRPr lang="ko-KR" altLang="en-US" sz="1100" b="0">
                         <a:solidFill>
                           <a:schemeClr val="tx1"/>
                         </a:solidFill>
@@ -9973,7 +10142,7 @@
                     <a:lstStyle/>
                     <a:p>
                       <a:pPr latinLnBrk="1"/>
-                      <a:endParaRPr lang="ko-KR" altLang="en-US" sz="1200" b="0" dirty="0">
+                      <a:endParaRPr lang="ko-KR" altLang="en-US" sz="1100" b="0">
                         <a:solidFill>
                           <a:schemeClr val="tx1"/>
                         </a:solidFill>
@@ -10036,7 +10205,15 @@
                     <a:lstStyle/>
                     <a:p>
                       <a:pPr latinLnBrk="1"/>
-                      <a:endParaRPr lang="ko-KR" altLang="en-US" sz="1200" b="0" dirty="0">
+                      <a:r>
+                        <a:rPr lang="en-US" altLang="ko-KR" sz="1100" b="0" dirty="0" smtClean="0">
+                          <a:solidFill>
+                            <a:schemeClr val="tx1"/>
+                          </a:solidFill>
+                        </a:rPr>
+                        <a:t>2020-05-13</a:t>
+                      </a:r>
+                      <a:endParaRPr lang="ko-KR" altLang="en-US" sz="1100" b="0" dirty="0">
                         <a:solidFill>
                           <a:schemeClr val="tx1"/>
                         </a:solidFill>
@@ -10099,7 +10276,15 @@
                     <a:lstStyle/>
                     <a:p>
                       <a:pPr latinLnBrk="1"/>
-                      <a:endParaRPr lang="ko-KR" altLang="en-US" sz="1200" b="0" dirty="0">
+                      <a:r>
+                        <a:rPr lang="ko-KR" altLang="en-US" sz="1100" b="0" dirty="0" smtClean="0">
+                          <a:solidFill>
+                            <a:schemeClr val="tx1"/>
+                          </a:solidFill>
+                        </a:rPr>
+                        <a:t>결제완료</a:t>
+                      </a:r>
+                      <a:endParaRPr lang="ko-KR" altLang="en-US" sz="1100" b="0" dirty="0">
                         <a:solidFill>
                           <a:schemeClr val="tx1"/>
                         </a:solidFill>
@@ -10162,7 +10347,15 @@
                     <a:lstStyle/>
                     <a:p>
                       <a:pPr latinLnBrk="1"/>
-                      <a:endParaRPr lang="ko-KR" altLang="en-US" sz="1200" b="0">
+                      <a:r>
+                        <a:rPr lang="en-US" altLang="ko-KR" sz="1100" b="0" dirty="0" smtClean="0">
+                          <a:solidFill>
+                            <a:schemeClr val="tx1"/>
+                          </a:solidFill>
+                        </a:rPr>
+                        <a:t>fsasad45</a:t>
+                      </a:r>
+                      <a:endParaRPr lang="ko-KR" altLang="en-US" sz="1100" b="0" dirty="0">
                         <a:solidFill>
                           <a:schemeClr val="tx1"/>
                         </a:solidFill>
@@ -10220,14 +10413,14 @@
                   </a:tcPr>
                 </a:tc>
               </a:tr>
-              <a:tr h="370840">
+              <a:tr h="386882">
                 <a:tc>
                   <a:txBody>
                     <a:bodyPr/>
                     <a:lstStyle/>
                     <a:p>
                       <a:pPr latinLnBrk="1"/>
-                      <a:endParaRPr lang="ko-KR" altLang="en-US" sz="1200" b="0">
+                      <a:endParaRPr lang="ko-KR" altLang="en-US" sz="1100" b="0">
                         <a:solidFill>
                           <a:schemeClr val="tx1"/>
                         </a:solidFill>
@@ -10290,7 +10483,7 @@
                     <a:lstStyle/>
                     <a:p>
                       <a:pPr latinLnBrk="1"/>
-                      <a:endParaRPr lang="ko-KR" altLang="en-US" sz="1200" b="0">
+                      <a:endParaRPr lang="ko-KR" altLang="en-US" sz="1100" b="0">
                         <a:solidFill>
                           <a:schemeClr val="tx1"/>
                         </a:solidFill>
@@ -10353,7 +10546,7 @@
                     <a:lstStyle/>
                     <a:p>
                       <a:pPr latinLnBrk="1"/>
-                      <a:endParaRPr lang="ko-KR" altLang="en-US" sz="1200" b="0">
+                      <a:endParaRPr lang="ko-KR" altLang="en-US" sz="1100" b="0">
                         <a:solidFill>
                           <a:schemeClr val="tx1"/>
                         </a:solidFill>
@@ -10416,7 +10609,15 @@
                     <a:lstStyle/>
                     <a:p>
                       <a:pPr latinLnBrk="1"/>
-                      <a:endParaRPr lang="ko-KR" altLang="en-US" sz="1200" b="0" dirty="0">
+                      <a:r>
+                        <a:rPr lang="en-US" altLang="ko-KR" sz="1100" b="0" dirty="0" smtClean="0">
+                          <a:solidFill>
+                            <a:schemeClr val="tx1"/>
+                          </a:solidFill>
+                        </a:rPr>
+                        <a:t>2020-03-12</a:t>
+                      </a:r>
+                      <a:endParaRPr lang="ko-KR" altLang="en-US" sz="1100" b="0" dirty="0">
                         <a:solidFill>
                           <a:schemeClr val="tx1"/>
                         </a:solidFill>
@@ -10479,7 +10680,15 @@
                     <a:lstStyle/>
                     <a:p>
                       <a:pPr latinLnBrk="1"/>
-                      <a:endParaRPr lang="ko-KR" altLang="en-US" sz="1200" b="0" dirty="0">
+                      <a:r>
+                        <a:rPr lang="ko-KR" altLang="en-US" sz="1100" b="0" dirty="0" smtClean="0">
+                          <a:solidFill>
+                            <a:schemeClr val="tx1"/>
+                          </a:solidFill>
+                        </a:rPr>
+                        <a:t>세미나종료</a:t>
+                      </a:r>
+                      <a:endParaRPr lang="ko-KR" altLang="en-US" sz="1100" b="0" dirty="0">
                         <a:solidFill>
                           <a:schemeClr val="tx1"/>
                         </a:solidFill>
@@ -10542,7 +10751,80 @@
                     <a:lstStyle/>
                     <a:p>
                       <a:pPr latinLnBrk="1"/>
-                      <a:endParaRPr lang="ko-KR" altLang="en-US" sz="1200" b="0" dirty="0">
+                      <a:r>
+                        <a:rPr lang="en-US" altLang="ko-KR" sz="1100" b="0" dirty="0" smtClean="0">
+                          <a:solidFill>
+                            <a:schemeClr val="tx1"/>
+                          </a:solidFill>
+                        </a:rPr>
+                        <a:t>fsasad45</a:t>
+                      </a:r>
+                      <a:endParaRPr lang="ko-KR" altLang="en-US" sz="1100" b="0" dirty="0">
+                        <a:solidFill>
+                          <a:schemeClr val="tx1"/>
+                        </a:solidFill>
+                      </a:endParaRPr>
+                    </a:p>
+                  </a:txBody>
+                  <a:tcPr anchor="ctr">
+                    <a:lnL w="9525" cap="flat" cmpd="sng" algn="ctr">
+                      <a:solidFill>
+                        <a:schemeClr val="tx1"/>
+                      </a:solidFill>
+                      <a:prstDash val="solid"/>
+                      <a:round/>
+                      <a:headEnd type="none" w="med" len="med"/>
+                      <a:tailEnd type="none" w="med" len="med"/>
+                    </a:lnL>
+                    <a:lnR w="9525" cap="flat" cmpd="sng" algn="ctr">
+                      <a:solidFill>
+                        <a:schemeClr val="tx1"/>
+                      </a:solidFill>
+                      <a:prstDash val="solid"/>
+                      <a:round/>
+                      <a:headEnd type="none" w="med" len="med"/>
+                      <a:tailEnd type="none" w="med" len="med"/>
+                    </a:lnR>
+                    <a:lnT w="9525" cap="flat" cmpd="sng" algn="ctr">
+                      <a:solidFill>
+                        <a:schemeClr val="tx1"/>
+                      </a:solidFill>
+                      <a:prstDash val="solid"/>
+                      <a:round/>
+                      <a:headEnd type="none" w="med" len="med"/>
+                      <a:tailEnd type="none" w="med" len="med"/>
+                    </a:lnT>
+                    <a:lnB w="9525" cap="flat" cmpd="sng" algn="ctr">
+                      <a:solidFill>
+                        <a:schemeClr val="tx1"/>
+                      </a:solidFill>
+                      <a:prstDash val="solid"/>
+                      <a:round/>
+                      <a:headEnd type="none" w="med" len="med"/>
+                      <a:tailEnd type="none" w="med" len="med"/>
+                    </a:lnB>
+                    <a:lnTlToBr w="12700" cmpd="sng">
+                      <a:noFill/>
+                      <a:prstDash val="solid"/>
+                    </a:lnTlToBr>
+                    <a:lnBlToTr w="12700" cmpd="sng">
+                      <a:noFill/>
+                      <a:prstDash val="solid"/>
+                    </a:lnBlToTr>
+                    <a:solidFill>
+                      <a:schemeClr val="bg1"/>
+                    </a:solidFill>
+                  </a:tcPr>
+                </a:tc>
+              </a:tr>
+              <a:tr h="386882">
+                <a:tc>
+                  <a:txBody>
+                    <a:bodyPr/>
+                    <a:lstStyle/>
+                    <a:p>
+                      <a:pPr latinLnBrk="1"/>
+                      <a:endParaRPr lang="ko-KR" altLang="en-US" sz="1100" b="0" dirty="0">
                         <a:solidFill>
                           <a:schemeClr val="tx1"/>
                         </a:solidFill>
@@ -10605,72 +10887,7 @@
                     <a:lstStyle/>
                     <a:p>
                       <a:pPr latinLnBrk="1"/>
-                      <a:endParaRPr lang="ko-KR" altLang="en-US" sz="1200" b="0">
-                        <a:solidFill>
-                          <a:schemeClr val="tx1"/>
-                        </a:solidFill>
-                      </a:endParaRPr>
-                    </a:p>
-                  </a:txBody>
-                  <a:tcPr anchor="ctr">
-                    <a:lnL w="9525" cap="flat" cmpd="sng" algn="ctr">
-                      <a:solidFill>
-                        <a:schemeClr val="tx1"/>
-                      </a:solidFill>
-                      <a:prstDash val="solid"/>
-                      <a:round/>
-                      <a:headEnd type="none" w="med" len="med"/>
-                      <a:tailEnd type="none" w="med" len="med"/>
-                    </a:lnL>
-                    <a:lnR w="9525" cap="flat" cmpd="sng" algn="ctr">
-                      <a:solidFill>
-                        <a:schemeClr val="tx1"/>
-                      </a:solidFill>
-                      <a:prstDash val="solid"/>
-                      <a:round/>
-                      <a:headEnd type="none" w="med" len="med"/>
-                      <a:tailEnd type="none" w="med" len="med"/>
-                    </a:lnR>
-                    <a:lnT w="9525" cap="flat" cmpd="sng" algn="ctr">
-                      <a:solidFill>
-                        <a:schemeClr val="tx1"/>
-                      </a:solidFill>
-                      <a:prstDash val="solid"/>
-                      <a:round/>
-                      <a:headEnd type="none" w="med" len="med"/>
-                      <a:tailEnd type="none" w="med" len="med"/>
-                    </a:lnT>
-                    <a:lnB w="9525" cap="flat" cmpd="sng" algn="ctr">
-                      <a:solidFill>
-                        <a:schemeClr val="tx1"/>
-                      </a:solidFill>
-                      <a:prstDash val="solid"/>
-                      <a:round/>
-                      <a:headEnd type="none" w="med" len="med"/>
-                      <a:tailEnd type="none" w="med" len="med"/>
-                    </a:lnB>
-                    <a:lnTlToBr w="12700" cmpd="sng">
-                      <a:noFill/>
-                      <a:prstDash val="solid"/>
-                    </a:lnTlToBr>
-                    <a:lnBlToTr w="12700" cmpd="sng">
-                      <a:noFill/>
-                      <a:prstDash val="solid"/>
-                    </a:lnBlToTr>
-                    <a:solidFill>
-                      <a:schemeClr val="bg1"/>
-                    </a:solidFill>
-                  </a:tcPr>
-                </a:tc>
-              </a:tr>
-              <a:tr h="370840">
-                <a:tc>
-                  <a:txBody>
-                    <a:bodyPr/>
-                    <a:lstStyle/>
-                    <a:p>
-                      <a:pPr latinLnBrk="1"/>
-                      <a:endParaRPr lang="ko-KR" altLang="en-US" sz="1200" b="0">
+                      <a:endParaRPr lang="ko-KR" altLang="en-US" sz="1100" b="0">
                         <a:solidFill>
                           <a:schemeClr val="tx1"/>
                         </a:solidFill>
@@ -10733,7 +10950,7 @@
                     <a:lstStyle/>
                     <a:p>
                       <a:pPr latinLnBrk="1"/>
-                      <a:endParaRPr lang="ko-KR" altLang="en-US" sz="1200" b="0">
+                      <a:endParaRPr lang="ko-KR" altLang="en-US" sz="1100" b="0">
                         <a:solidFill>
                           <a:schemeClr val="tx1"/>
                         </a:solidFill>
@@ -10796,7 +11013,15 @@
                     <a:lstStyle/>
                     <a:p>
                       <a:pPr latinLnBrk="1"/>
-                      <a:endParaRPr lang="ko-KR" altLang="en-US" sz="1200" b="0">
+                      <a:r>
+                        <a:rPr lang="en-US" altLang="ko-KR" sz="1100" b="0" dirty="0" smtClean="0">
+                          <a:solidFill>
+                            <a:schemeClr val="tx1"/>
+                          </a:solidFill>
+                        </a:rPr>
+                        <a:t>2020-05-12</a:t>
+                      </a:r>
+                      <a:endParaRPr lang="ko-KR" altLang="en-US" sz="1100" b="0" dirty="0">
                         <a:solidFill>
                           <a:schemeClr val="tx1"/>
                         </a:solidFill>
@@ -10859,7 +11084,15 @@
                     <a:lstStyle/>
                     <a:p>
                       <a:pPr latinLnBrk="1"/>
-                      <a:endParaRPr lang="ko-KR" altLang="en-US" sz="1200" b="0" dirty="0">
+                      <a:r>
+                        <a:rPr lang="ko-KR" altLang="en-US" sz="1100" b="0" dirty="0" smtClean="0">
+                          <a:solidFill>
+                            <a:schemeClr val="tx1"/>
+                          </a:solidFill>
+                        </a:rPr>
+                        <a:t>결제완료</a:t>
+                      </a:r>
+                      <a:endParaRPr lang="ko-KR" altLang="en-US" sz="1100" b="0" dirty="0">
                         <a:solidFill>
                           <a:schemeClr val="tx1"/>
                         </a:solidFill>
@@ -10922,576 +11155,15 @@
                     <a:lstStyle/>
                     <a:p>
                       <a:pPr latinLnBrk="1"/>
-                      <a:endParaRPr lang="ko-KR" altLang="en-US" sz="1200" b="0" dirty="0">
-                        <a:solidFill>
-                          <a:schemeClr val="tx1"/>
-                        </a:solidFill>
-                      </a:endParaRPr>
-                    </a:p>
-                  </a:txBody>
-                  <a:tcPr anchor="ctr">
-                    <a:lnL w="9525" cap="flat" cmpd="sng" algn="ctr">
-                      <a:solidFill>
-                        <a:schemeClr val="tx1"/>
-                      </a:solidFill>
-                      <a:prstDash val="solid"/>
-                      <a:round/>
-                      <a:headEnd type="none" w="med" len="med"/>
-                      <a:tailEnd type="none" w="med" len="med"/>
-                    </a:lnL>
-                    <a:lnR w="9525" cap="flat" cmpd="sng" algn="ctr">
-                      <a:solidFill>
-                        <a:schemeClr val="tx1"/>
-                      </a:solidFill>
-                      <a:prstDash val="solid"/>
-                      <a:round/>
-                      <a:headEnd type="none" w="med" len="med"/>
-                      <a:tailEnd type="none" w="med" len="med"/>
-                    </a:lnR>
-                    <a:lnT w="9525" cap="flat" cmpd="sng" algn="ctr">
-                      <a:solidFill>
-                        <a:schemeClr val="tx1"/>
-                      </a:solidFill>
-                      <a:prstDash val="solid"/>
-                      <a:round/>
-                      <a:headEnd type="none" w="med" len="med"/>
-                      <a:tailEnd type="none" w="med" len="med"/>
-                    </a:lnT>
-                    <a:lnB w="9525" cap="flat" cmpd="sng" algn="ctr">
-                      <a:solidFill>
-                        <a:schemeClr val="tx1"/>
-                      </a:solidFill>
-                      <a:prstDash val="solid"/>
-                      <a:round/>
-                      <a:headEnd type="none" w="med" len="med"/>
-                      <a:tailEnd type="none" w="med" len="med"/>
-                    </a:lnB>
-                    <a:lnTlToBr w="12700" cmpd="sng">
-                      <a:noFill/>
-                      <a:prstDash val="solid"/>
-                    </a:lnTlToBr>
-                    <a:lnBlToTr w="12700" cmpd="sng">
-                      <a:noFill/>
-                      <a:prstDash val="solid"/>
-                    </a:lnBlToTr>
-                    <a:solidFill>
-                      <a:schemeClr val="bg1"/>
-                    </a:solidFill>
-                  </a:tcPr>
-                </a:tc>
-                <a:tc>
-                  <a:txBody>
-                    <a:bodyPr/>
-                    <a:lstStyle/>
-                    <a:p>
-                      <a:pPr latinLnBrk="1"/>
-                      <a:endParaRPr lang="ko-KR" altLang="en-US" sz="1200" b="0" dirty="0">
-                        <a:solidFill>
-                          <a:schemeClr val="tx1"/>
-                        </a:solidFill>
-                      </a:endParaRPr>
-                    </a:p>
-                  </a:txBody>
-                  <a:tcPr anchor="ctr">
-                    <a:lnL w="9525" cap="flat" cmpd="sng" algn="ctr">
-                      <a:solidFill>
-                        <a:schemeClr val="tx1"/>
-                      </a:solidFill>
-                      <a:prstDash val="solid"/>
-                      <a:round/>
-                      <a:headEnd type="none" w="med" len="med"/>
-                      <a:tailEnd type="none" w="med" len="med"/>
-                    </a:lnL>
-                    <a:lnR w="9525" cap="flat" cmpd="sng" algn="ctr">
-                      <a:solidFill>
-                        <a:schemeClr val="tx1"/>
-                      </a:solidFill>
-                      <a:prstDash val="solid"/>
-                      <a:round/>
-                      <a:headEnd type="none" w="med" len="med"/>
-                      <a:tailEnd type="none" w="med" len="med"/>
-                    </a:lnR>
-                    <a:lnT w="9525" cap="flat" cmpd="sng" algn="ctr">
-                      <a:solidFill>
-                        <a:schemeClr val="tx1"/>
-                      </a:solidFill>
-                      <a:prstDash val="solid"/>
-                      <a:round/>
-                      <a:headEnd type="none" w="med" len="med"/>
-                      <a:tailEnd type="none" w="med" len="med"/>
-                    </a:lnT>
-                    <a:lnB w="9525" cap="flat" cmpd="sng" algn="ctr">
-                      <a:solidFill>
-                        <a:schemeClr val="tx1"/>
-                      </a:solidFill>
-                      <a:prstDash val="solid"/>
-                      <a:round/>
-                      <a:headEnd type="none" w="med" len="med"/>
-                      <a:tailEnd type="none" w="med" len="med"/>
-                    </a:lnB>
-                    <a:lnTlToBr w="12700" cmpd="sng">
-                      <a:noFill/>
-                      <a:prstDash val="solid"/>
-                    </a:lnTlToBr>
-                    <a:lnBlToTr w="12700" cmpd="sng">
-                      <a:noFill/>
-                      <a:prstDash val="solid"/>
-                    </a:lnBlToTr>
-                    <a:solidFill>
-                      <a:schemeClr val="bg1"/>
-                    </a:solidFill>
-                  </a:tcPr>
-                </a:tc>
-                <a:tc>
-                  <a:txBody>
-                    <a:bodyPr/>
-                    <a:lstStyle/>
-                    <a:p>
-                      <a:pPr latinLnBrk="1"/>
-                      <a:endParaRPr lang="ko-KR" altLang="en-US" sz="1200" b="0" dirty="0">
-                        <a:solidFill>
-                          <a:schemeClr val="tx1"/>
-                        </a:solidFill>
-                      </a:endParaRPr>
-                    </a:p>
-                  </a:txBody>
-                  <a:tcPr anchor="ctr">
-                    <a:lnL w="9525" cap="flat" cmpd="sng" algn="ctr">
-                      <a:solidFill>
-                        <a:schemeClr val="tx1"/>
-                      </a:solidFill>
-                      <a:prstDash val="solid"/>
-                      <a:round/>
-                      <a:headEnd type="none" w="med" len="med"/>
-                      <a:tailEnd type="none" w="med" len="med"/>
-                    </a:lnL>
-                    <a:lnR w="9525" cap="flat" cmpd="sng" algn="ctr">
-                      <a:solidFill>
-                        <a:schemeClr val="tx1"/>
-                      </a:solidFill>
-                      <a:prstDash val="solid"/>
-                      <a:round/>
-                      <a:headEnd type="none" w="med" len="med"/>
-                      <a:tailEnd type="none" w="med" len="med"/>
-                    </a:lnR>
-                    <a:lnT w="9525" cap="flat" cmpd="sng" algn="ctr">
-                      <a:solidFill>
-                        <a:schemeClr val="tx1"/>
-                      </a:solidFill>
-                      <a:prstDash val="solid"/>
-                      <a:round/>
-                      <a:headEnd type="none" w="med" len="med"/>
-                      <a:tailEnd type="none" w="med" len="med"/>
-                    </a:lnT>
-                    <a:lnB w="9525" cap="flat" cmpd="sng" algn="ctr">
-                      <a:solidFill>
-                        <a:schemeClr val="tx1"/>
-                      </a:solidFill>
-                      <a:prstDash val="solid"/>
-                      <a:round/>
-                      <a:headEnd type="none" w="med" len="med"/>
-                      <a:tailEnd type="none" w="med" len="med"/>
-                    </a:lnB>
-                    <a:lnTlToBr w="12700" cmpd="sng">
-                      <a:noFill/>
-                      <a:prstDash val="solid"/>
-                    </a:lnTlToBr>
-                    <a:lnBlToTr w="12700" cmpd="sng">
-                      <a:noFill/>
-                      <a:prstDash val="solid"/>
-                    </a:lnBlToTr>
-                    <a:solidFill>
-                      <a:schemeClr val="bg1"/>
-                    </a:solidFill>
-                  </a:tcPr>
-                </a:tc>
-              </a:tr>
-              <a:tr h="370840">
-                <a:tc>
-                  <a:txBody>
-                    <a:bodyPr/>
-                    <a:lstStyle/>
-                    <a:p>
-                      <a:pPr latinLnBrk="1"/>
-                      <a:endParaRPr lang="ko-KR" altLang="en-US" sz="1200" b="0">
-                        <a:solidFill>
-                          <a:schemeClr val="tx1"/>
-                        </a:solidFill>
-                      </a:endParaRPr>
-                    </a:p>
-                  </a:txBody>
-                  <a:tcPr anchor="ctr">
-                    <a:lnL w="9525" cap="flat" cmpd="sng" algn="ctr">
-                      <a:solidFill>
-                        <a:schemeClr val="tx1"/>
-                      </a:solidFill>
-                      <a:prstDash val="solid"/>
-                      <a:round/>
-                      <a:headEnd type="none" w="med" len="med"/>
-                      <a:tailEnd type="none" w="med" len="med"/>
-                    </a:lnL>
-                    <a:lnR w="9525" cap="flat" cmpd="sng" algn="ctr">
-                      <a:solidFill>
-                        <a:schemeClr val="tx1"/>
-                      </a:solidFill>
-                      <a:prstDash val="solid"/>
-                      <a:round/>
-                      <a:headEnd type="none" w="med" len="med"/>
-                      <a:tailEnd type="none" w="med" len="med"/>
-                    </a:lnR>
-                    <a:lnT w="9525" cap="flat" cmpd="sng" algn="ctr">
-                      <a:solidFill>
-                        <a:schemeClr val="tx1"/>
-                      </a:solidFill>
-                      <a:prstDash val="solid"/>
-                      <a:round/>
-                      <a:headEnd type="none" w="med" len="med"/>
-                      <a:tailEnd type="none" w="med" len="med"/>
-                    </a:lnT>
-                    <a:lnB w="9525" cap="flat" cmpd="sng" algn="ctr">
-                      <a:solidFill>
-                        <a:schemeClr val="tx1"/>
-                      </a:solidFill>
-                      <a:prstDash val="solid"/>
-                      <a:round/>
-                      <a:headEnd type="none" w="med" len="med"/>
-                      <a:tailEnd type="none" w="med" len="med"/>
-                    </a:lnB>
-                    <a:lnTlToBr w="12700" cmpd="sng">
-                      <a:noFill/>
-                      <a:prstDash val="solid"/>
-                    </a:lnTlToBr>
-                    <a:lnBlToTr w="12700" cmpd="sng">
-                      <a:noFill/>
-                      <a:prstDash val="solid"/>
-                    </a:lnBlToTr>
-                    <a:solidFill>
-                      <a:schemeClr val="bg1"/>
-                    </a:solidFill>
-                  </a:tcPr>
-                </a:tc>
-                <a:tc>
-                  <a:txBody>
-                    <a:bodyPr/>
-                    <a:lstStyle/>
-                    <a:p>
-                      <a:pPr latinLnBrk="1"/>
-                      <a:endParaRPr lang="ko-KR" altLang="en-US" sz="1200" b="0">
-                        <a:solidFill>
-                          <a:schemeClr val="tx1"/>
-                        </a:solidFill>
-                      </a:endParaRPr>
-                    </a:p>
-                  </a:txBody>
-                  <a:tcPr anchor="ctr">
-                    <a:lnL w="9525" cap="flat" cmpd="sng" algn="ctr">
-                      <a:solidFill>
-                        <a:schemeClr val="tx1"/>
-                      </a:solidFill>
-                      <a:prstDash val="solid"/>
-                      <a:round/>
-                      <a:headEnd type="none" w="med" len="med"/>
-                      <a:tailEnd type="none" w="med" len="med"/>
-                    </a:lnL>
-                    <a:lnR w="9525" cap="flat" cmpd="sng" algn="ctr">
-                      <a:solidFill>
-                        <a:schemeClr val="tx1"/>
-                      </a:solidFill>
-                      <a:prstDash val="solid"/>
-                      <a:round/>
-                      <a:headEnd type="none" w="med" len="med"/>
-                      <a:tailEnd type="none" w="med" len="med"/>
-                    </a:lnR>
-                    <a:lnT w="9525" cap="flat" cmpd="sng" algn="ctr">
-                      <a:solidFill>
-                        <a:schemeClr val="tx1"/>
-                      </a:solidFill>
-                      <a:prstDash val="solid"/>
-                      <a:round/>
-                      <a:headEnd type="none" w="med" len="med"/>
-                      <a:tailEnd type="none" w="med" len="med"/>
-                    </a:lnT>
-                    <a:lnB w="9525" cap="flat" cmpd="sng" algn="ctr">
-                      <a:solidFill>
-                        <a:schemeClr val="tx1"/>
-                      </a:solidFill>
-                      <a:prstDash val="solid"/>
-                      <a:round/>
-                      <a:headEnd type="none" w="med" len="med"/>
-                      <a:tailEnd type="none" w="med" len="med"/>
-                    </a:lnB>
-                    <a:lnTlToBr w="12700" cmpd="sng">
-                      <a:noFill/>
-                      <a:prstDash val="solid"/>
-                    </a:lnTlToBr>
-                    <a:lnBlToTr w="12700" cmpd="sng">
-                      <a:noFill/>
-                      <a:prstDash val="solid"/>
-                    </a:lnBlToTr>
-                    <a:solidFill>
-                      <a:schemeClr val="bg1"/>
-                    </a:solidFill>
-                  </a:tcPr>
-                </a:tc>
-                <a:tc>
-                  <a:txBody>
-                    <a:bodyPr/>
-                    <a:lstStyle/>
-                    <a:p>
-                      <a:pPr latinLnBrk="1"/>
-                      <a:endParaRPr lang="ko-KR" altLang="en-US" sz="1200" b="0">
-                        <a:solidFill>
-                          <a:schemeClr val="tx1"/>
-                        </a:solidFill>
-                      </a:endParaRPr>
-                    </a:p>
-                  </a:txBody>
-                  <a:tcPr anchor="ctr">
-                    <a:lnL w="9525" cap="flat" cmpd="sng" algn="ctr">
-                      <a:solidFill>
-                        <a:schemeClr val="tx1"/>
-                      </a:solidFill>
-                      <a:prstDash val="solid"/>
-                      <a:round/>
-                      <a:headEnd type="none" w="med" len="med"/>
-                      <a:tailEnd type="none" w="med" len="med"/>
-                    </a:lnL>
-                    <a:lnR w="9525" cap="flat" cmpd="sng" algn="ctr">
-                      <a:solidFill>
-                        <a:schemeClr val="tx1"/>
-                      </a:solidFill>
-                      <a:prstDash val="solid"/>
-                      <a:round/>
-                      <a:headEnd type="none" w="med" len="med"/>
-                      <a:tailEnd type="none" w="med" len="med"/>
-                    </a:lnR>
-                    <a:lnT w="9525" cap="flat" cmpd="sng" algn="ctr">
-                      <a:solidFill>
-                        <a:schemeClr val="tx1"/>
-                      </a:solidFill>
-                      <a:prstDash val="solid"/>
-                      <a:round/>
-                      <a:headEnd type="none" w="med" len="med"/>
-                      <a:tailEnd type="none" w="med" len="med"/>
-                    </a:lnT>
-                    <a:lnB w="9525" cap="flat" cmpd="sng" algn="ctr">
-                      <a:solidFill>
-                        <a:schemeClr val="tx1"/>
-                      </a:solidFill>
-                      <a:prstDash val="solid"/>
-                      <a:round/>
-                      <a:headEnd type="none" w="med" len="med"/>
-                      <a:tailEnd type="none" w="med" len="med"/>
-                    </a:lnB>
-                    <a:lnTlToBr w="12700" cmpd="sng">
-                      <a:noFill/>
-                      <a:prstDash val="solid"/>
-                    </a:lnTlToBr>
-                    <a:lnBlToTr w="12700" cmpd="sng">
-                      <a:noFill/>
-                      <a:prstDash val="solid"/>
-                    </a:lnBlToTr>
-                    <a:solidFill>
-                      <a:schemeClr val="bg1"/>
-                    </a:solidFill>
-                  </a:tcPr>
-                </a:tc>
-                <a:tc>
-                  <a:txBody>
-                    <a:bodyPr/>
-                    <a:lstStyle/>
-                    <a:p>
-                      <a:pPr latinLnBrk="1"/>
-                      <a:endParaRPr lang="ko-KR" altLang="en-US" sz="1200" b="0">
-                        <a:solidFill>
-                          <a:schemeClr val="tx1"/>
-                        </a:solidFill>
-                      </a:endParaRPr>
-                    </a:p>
-                  </a:txBody>
-                  <a:tcPr anchor="ctr">
-                    <a:lnL w="9525" cap="flat" cmpd="sng" algn="ctr">
-                      <a:solidFill>
-                        <a:schemeClr val="tx1"/>
-                      </a:solidFill>
-                      <a:prstDash val="solid"/>
-                      <a:round/>
-                      <a:headEnd type="none" w="med" len="med"/>
-                      <a:tailEnd type="none" w="med" len="med"/>
-                    </a:lnL>
-                    <a:lnR w="9525" cap="flat" cmpd="sng" algn="ctr">
-                      <a:solidFill>
-                        <a:schemeClr val="tx1"/>
-                      </a:solidFill>
-                      <a:prstDash val="solid"/>
-                      <a:round/>
-                      <a:headEnd type="none" w="med" len="med"/>
-                      <a:tailEnd type="none" w="med" len="med"/>
-                    </a:lnR>
-                    <a:lnT w="9525" cap="flat" cmpd="sng" algn="ctr">
-                      <a:solidFill>
-                        <a:schemeClr val="tx1"/>
-                      </a:solidFill>
-                      <a:prstDash val="solid"/>
-                      <a:round/>
-                      <a:headEnd type="none" w="med" len="med"/>
-                      <a:tailEnd type="none" w="med" len="med"/>
-                    </a:lnT>
-                    <a:lnB w="9525" cap="flat" cmpd="sng" algn="ctr">
-                      <a:solidFill>
-                        <a:schemeClr val="tx1"/>
-                      </a:solidFill>
-                      <a:prstDash val="solid"/>
-                      <a:round/>
-                      <a:headEnd type="none" w="med" len="med"/>
-                      <a:tailEnd type="none" w="med" len="med"/>
-                    </a:lnB>
-                    <a:lnTlToBr w="12700" cmpd="sng">
-                      <a:noFill/>
-                      <a:prstDash val="solid"/>
-                    </a:lnTlToBr>
-                    <a:lnBlToTr w="12700" cmpd="sng">
-                      <a:noFill/>
-                      <a:prstDash val="solid"/>
-                    </a:lnBlToTr>
-                    <a:solidFill>
-                      <a:schemeClr val="bg1"/>
-                    </a:solidFill>
-                  </a:tcPr>
-                </a:tc>
-                <a:tc>
-                  <a:txBody>
-                    <a:bodyPr/>
-                    <a:lstStyle/>
-                    <a:p>
-                      <a:pPr latinLnBrk="1"/>
-                      <a:endParaRPr lang="ko-KR" altLang="en-US" sz="1200" b="0">
-                        <a:solidFill>
-                          <a:schemeClr val="tx1"/>
-                        </a:solidFill>
-                      </a:endParaRPr>
-                    </a:p>
-                  </a:txBody>
-                  <a:tcPr anchor="ctr">
-                    <a:lnL w="9525" cap="flat" cmpd="sng" algn="ctr">
-                      <a:solidFill>
-                        <a:schemeClr val="tx1"/>
-                      </a:solidFill>
-                      <a:prstDash val="solid"/>
-                      <a:round/>
-                      <a:headEnd type="none" w="med" len="med"/>
-                      <a:tailEnd type="none" w="med" len="med"/>
-                    </a:lnL>
-                    <a:lnR w="9525" cap="flat" cmpd="sng" algn="ctr">
-                      <a:solidFill>
-                        <a:schemeClr val="tx1"/>
-                      </a:solidFill>
-                      <a:prstDash val="solid"/>
-                      <a:round/>
-                      <a:headEnd type="none" w="med" len="med"/>
-                      <a:tailEnd type="none" w="med" len="med"/>
-                    </a:lnR>
-                    <a:lnT w="9525" cap="flat" cmpd="sng" algn="ctr">
-                      <a:solidFill>
-                        <a:schemeClr val="tx1"/>
-                      </a:solidFill>
-                      <a:prstDash val="solid"/>
-                      <a:round/>
-                      <a:headEnd type="none" w="med" len="med"/>
-                      <a:tailEnd type="none" w="med" len="med"/>
-                    </a:lnT>
-                    <a:lnB w="9525" cap="flat" cmpd="sng" algn="ctr">
-                      <a:solidFill>
-                        <a:schemeClr val="tx1"/>
-                      </a:solidFill>
-                      <a:prstDash val="solid"/>
-                      <a:round/>
-                      <a:headEnd type="none" w="med" len="med"/>
-                      <a:tailEnd type="none" w="med" len="med"/>
-                    </a:lnB>
-                    <a:lnTlToBr w="12700" cmpd="sng">
-                      <a:noFill/>
-                      <a:prstDash val="solid"/>
-                    </a:lnTlToBr>
-                    <a:lnBlToTr w="12700" cmpd="sng">
-                      <a:noFill/>
-                      <a:prstDash val="solid"/>
-                    </a:lnBlToTr>
-                    <a:solidFill>
-                      <a:schemeClr val="bg1"/>
-                    </a:solidFill>
-                  </a:tcPr>
-                </a:tc>
-                <a:tc>
-                  <a:txBody>
-                    <a:bodyPr/>
-                    <a:lstStyle/>
-                    <a:p>
-                      <a:pPr latinLnBrk="1"/>
-                      <a:endParaRPr lang="ko-KR" altLang="en-US" sz="1200" b="0" dirty="0">
-                        <a:solidFill>
-                          <a:schemeClr val="tx1"/>
-                        </a:solidFill>
-                      </a:endParaRPr>
-                    </a:p>
-                  </a:txBody>
-                  <a:tcPr anchor="ctr">
-                    <a:lnL w="9525" cap="flat" cmpd="sng" algn="ctr">
-                      <a:solidFill>
-                        <a:schemeClr val="tx1"/>
-                      </a:solidFill>
-                      <a:prstDash val="solid"/>
-                      <a:round/>
-                      <a:headEnd type="none" w="med" len="med"/>
-                      <a:tailEnd type="none" w="med" len="med"/>
-                    </a:lnL>
-                    <a:lnR w="9525" cap="flat" cmpd="sng" algn="ctr">
-                      <a:solidFill>
-                        <a:schemeClr val="tx1"/>
-                      </a:solidFill>
-                      <a:prstDash val="solid"/>
-                      <a:round/>
-                      <a:headEnd type="none" w="med" len="med"/>
-                      <a:tailEnd type="none" w="med" len="med"/>
-                    </a:lnR>
-                    <a:lnT w="9525" cap="flat" cmpd="sng" algn="ctr">
-                      <a:solidFill>
-                        <a:schemeClr val="tx1"/>
-                      </a:solidFill>
-                      <a:prstDash val="solid"/>
-                      <a:round/>
-                      <a:headEnd type="none" w="med" len="med"/>
-                      <a:tailEnd type="none" w="med" len="med"/>
-                    </a:lnT>
-                    <a:lnB w="9525" cap="flat" cmpd="sng" algn="ctr">
-                      <a:solidFill>
-                        <a:schemeClr val="tx1"/>
-                      </a:solidFill>
-                      <a:prstDash val="solid"/>
-                      <a:round/>
-                      <a:headEnd type="none" w="med" len="med"/>
-                      <a:tailEnd type="none" w="med" len="med"/>
-                    </a:lnB>
-                    <a:lnTlToBr w="12700" cmpd="sng">
-                      <a:noFill/>
-                      <a:prstDash val="solid"/>
-                    </a:lnTlToBr>
-                    <a:lnBlToTr w="12700" cmpd="sng">
-                      <a:noFill/>
-                      <a:prstDash val="solid"/>
-                    </a:lnBlToTr>
-                    <a:solidFill>
-                      <a:schemeClr val="bg1"/>
-                    </a:solidFill>
-                  </a:tcPr>
-                </a:tc>
-                <a:tc>
-                  <a:txBody>
-                    <a:bodyPr/>
-                    <a:lstStyle/>
-                    <a:p>
-                      <a:pPr latinLnBrk="1"/>
-                      <a:endParaRPr lang="ko-KR" altLang="en-US" sz="1200" b="0" dirty="0">
+                      <a:r>
+                        <a:rPr lang="en-US" altLang="ko-KR" sz="1100" b="0" dirty="0" smtClean="0">
+                          <a:solidFill>
+                            <a:schemeClr val="tx1"/>
+                          </a:solidFill>
+                        </a:rPr>
+                        <a:t>fsasad45</a:t>
+                      </a:r>
+                      <a:endParaRPr lang="ko-KR" altLang="en-US" sz="1100" b="0" dirty="0">
                         <a:solidFill>
                           <a:schemeClr val="tx1"/>
                         </a:solidFill>
@@ -11553,6 +11225,374 @@
           </a:graphicData>
         </a:graphic>
       </p:graphicFrame>
+      <p:sp>
+        <p:nvSpPr>
+          <p:cNvPr id="5" name="직사각형 4"/>
+          <p:cNvSpPr/>
+          <p:nvPr/>
+        </p:nvSpPr>
+        <p:spPr>
+          <a:xfrm>
+            <a:off x="1897187" y="2629560"/>
+            <a:ext cx="102122" cy="125207"/>
+          </a:xfrm>
+          <a:prstGeom prst="rect">
+            <a:avLst/>
+          </a:prstGeom>
+          <a:noFill/>
+          <a:ln w="9525">
+            <a:solidFill>
+              <a:schemeClr val="tx1"/>
+            </a:solidFill>
+          </a:ln>
+        </p:spPr>
+        <p:style>
+          <a:lnRef idx="2">
+            <a:schemeClr val="accent1">
+              <a:shade val="50000"/>
+            </a:schemeClr>
+          </a:lnRef>
+          <a:fillRef idx="1">
+            <a:schemeClr val="accent1"/>
+          </a:fillRef>
+          <a:effectRef idx="0">
+            <a:schemeClr val="accent1"/>
+          </a:effectRef>
+          <a:fontRef idx="minor">
+            <a:schemeClr val="lt1"/>
+          </a:fontRef>
+        </p:style>
+        <p:txBody>
+          <a:bodyPr rtlCol="0" anchor="ctr"/>
+          <a:lstStyle/>
+          <a:p>
+            <a:pPr algn="ctr"/>
+            <a:endParaRPr lang="ko-KR" altLang="en-US"/>
+          </a:p>
+        </p:txBody>
+      </p:sp>
+      <p:sp>
+        <p:nvSpPr>
+          <p:cNvPr id="16" name="직사각형 15"/>
+          <p:cNvSpPr/>
+          <p:nvPr/>
+        </p:nvSpPr>
+        <p:spPr>
+          <a:xfrm>
+            <a:off x="1897187" y="3005218"/>
+            <a:ext cx="102122" cy="125207"/>
+          </a:xfrm>
+          <a:prstGeom prst="rect">
+            <a:avLst/>
+          </a:prstGeom>
+          <a:noFill/>
+          <a:ln w="9525">
+            <a:solidFill>
+              <a:schemeClr val="tx1"/>
+            </a:solidFill>
+          </a:ln>
+        </p:spPr>
+        <p:style>
+          <a:lnRef idx="2">
+            <a:schemeClr val="accent1">
+              <a:shade val="50000"/>
+            </a:schemeClr>
+          </a:lnRef>
+          <a:fillRef idx="1">
+            <a:schemeClr val="accent1"/>
+          </a:fillRef>
+          <a:effectRef idx="0">
+            <a:schemeClr val="accent1"/>
+          </a:effectRef>
+          <a:fontRef idx="minor">
+            <a:schemeClr val="lt1"/>
+          </a:fontRef>
+        </p:style>
+        <p:txBody>
+          <a:bodyPr rtlCol="0" anchor="ctr"/>
+          <a:lstStyle/>
+          <a:p>
+            <a:pPr algn="ctr"/>
+            <a:endParaRPr lang="ko-KR" altLang="en-US"/>
+          </a:p>
+        </p:txBody>
+      </p:sp>
+      <p:sp>
+        <p:nvSpPr>
+          <p:cNvPr id="17" name="직사각형 16"/>
+          <p:cNvSpPr/>
+          <p:nvPr/>
+        </p:nvSpPr>
+        <p:spPr>
+          <a:xfrm>
+            <a:off x="1897187" y="3385832"/>
+            <a:ext cx="102122" cy="125207"/>
+          </a:xfrm>
+          <a:prstGeom prst="rect">
+            <a:avLst/>
+          </a:prstGeom>
+          <a:noFill/>
+          <a:ln w="9525">
+            <a:solidFill>
+              <a:schemeClr val="tx1"/>
+            </a:solidFill>
+          </a:ln>
+        </p:spPr>
+        <p:style>
+          <a:lnRef idx="2">
+            <a:schemeClr val="accent1">
+              <a:shade val="50000"/>
+            </a:schemeClr>
+          </a:lnRef>
+          <a:fillRef idx="1">
+            <a:schemeClr val="accent1"/>
+          </a:fillRef>
+          <a:effectRef idx="0">
+            <a:schemeClr val="accent1"/>
+          </a:effectRef>
+          <a:fontRef idx="minor">
+            <a:schemeClr val="lt1"/>
+          </a:fontRef>
+        </p:style>
+        <p:txBody>
+          <a:bodyPr rtlCol="0" anchor="ctr"/>
+          <a:lstStyle/>
+          <a:p>
+            <a:pPr algn="ctr"/>
+            <a:endParaRPr lang="ko-KR" altLang="en-US"/>
+          </a:p>
+        </p:txBody>
+      </p:sp>
+      <p:sp>
+        <p:nvSpPr>
+          <p:cNvPr id="18" name="직사각형 17"/>
+          <p:cNvSpPr/>
+          <p:nvPr/>
+        </p:nvSpPr>
+        <p:spPr>
+          <a:xfrm>
+            <a:off x="1897187" y="3816484"/>
+            <a:ext cx="102122" cy="125207"/>
+          </a:xfrm>
+          <a:prstGeom prst="rect">
+            <a:avLst/>
+          </a:prstGeom>
+          <a:noFill/>
+          <a:ln w="9525">
+            <a:solidFill>
+              <a:schemeClr val="tx1"/>
+            </a:solidFill>
+          </a:ln>
+        </p:spPr>
+        <p:style>
+          <a:lnRef idx="2">
+            <a:schemeClr val="accent1">
+              <a:shade val="50000"/>
+            </a:schemeClr>
+          </a:lnRef>
+          <a:fillRef idx="1">
+            <a:schemeClr val="accent1"/>
+          </a:fillRef>
+          <a:effectRef idx="0">
+            <a:schemeClr val="accent1"/>
+          </a:effectRef>
+          <a:fontRef idx="minor">
+            <a:schemeClr val="lt1"/>
+          </a:fontRef>
+        </p:style>
+        <p:txBody>
+          <a:bodyPr rtlCol="0" anchor="ctr"/>
+          <a:lstStyle/>
+          <a:p>
+            <a:pPr algn="ctr"/>
+            <a:endParaRPr lang="ko-KR" altLang="en-US"/>
+          </a:p>
+        </p:txBody>
+      </p:sp>
+      <p:sp>
+        <p:nvSpPr>
+          <p:cNvPr id="19" name="직사각형 18"/>
+          <p:cNvSpPr/>
+          <p:nvPr/>
+        </p:nvSpPr>
+        <p:spPr>
+          <a:xfrm>
+            <a:off x="1897187" y="4562097"/>
+            <a:ext cx="102122" cy="125207"/>
+          </a:xfrm>
+          <a:prstGeom prst="rect">
+            <a:avLst/>
+          </a:prstGeom>
+          <a:noFill/>
+          <a:ln w="9525">
+            <a:solidFill>
+              <a:schemeClr val="tx1"/>
+            </a:solidFill>
+          </a:ln>
+        </p:spPr>
+        <p:style>
+          <a:lnRef idx="2">
+            <a:schemeClr val="accent1">
+              <a:shade val="50000"/>
+            </a:schemeClr>
+          </a:lnRef>
+          <a:fillRef idx="1">
+            <a:schemeClr val="accent1"/>
+          </a:fillRef>
+          <a:effectRef idx="0">
+            <a:schemeClr val="accent1"/>
+          </a:effectRef>
+          <a:fontRef idx="minor">
+            <a:schemeClr val="lt1"/>
+          </a:fontRef>
+        </p:style>
+        <p:txBody>
+          <a:bodyPr rtlCol="0" anchor="ctr"/>
+          <a:lstStyle/>
+          <a:p>
+            <a:pPr algn="ctr"/>
+            <a:endParaRPr lang="ko-KR" altLang="en-US"/>
+          </a:p>
+        </p:txBody>
+      </p:sp>
+      <p:sp>
+        <p:nvSpPr>
+          <p:cNvPr id="20" name="직사각형 19"/>
+          <p:cNvSpPr/>
+          <p:nvPr/>
+        </p:nvSpPr>
+        <p:spPr>
+          <a:xfrm>
+            <a:off x="1897187" y="4203951"/>
+            <a:ext cx="102122" cy="125207"/>
+          </a:xfrm>
+          <a:prstGeom prst="rect">
+            <a:avLst/>
+          </a:prstGeom>
+          <a:noFill/>
+          <a:ln w="9525">
+            <a:solidFill>
+              <a:schemeClr val="tx1"/>
+            </a:solidFill>
+          </a:ln>
+        </p:spPr>
+        <p:style>
+          <a:lnRef idx="2">
+            <a:schemeClr val="accent1">
+              <a:shade val="50000"/>
+            </a:schemeClr>
+          </a:lnRef>
+          <a:fillRef idx="1">
+            <a:schemeClr val="accent1"/>
+          </a:fillRef>
+          <a:effectRef idx="0">
+            <a:schemeClr val="accent1"/>
+          </a:effectRef>
+          <a:fontRef idx="minor">
+            <a:schemeClr val="lt1"/>
+          </a:fontRef>
+        </p:style>
+        <p:txBody>
+          <a:bodyPr rtlCol="0" anchor="ctr"/>
+          <a:lstStyle/>
+          <a:p>
+            <a:pPr algn="ctr"/>
+            <a:endParaRPr lang="ko-KR" altLang="en-US"/>
+          </a:p>
+        </p:txBody>
+      </p:sp>
+      <p:sp>
+        <p:nvSpPr>
+          <p:cNvPr id="21" name="직사각형 20"/>
+          <p:cNvSpPr/>
+          <p:nvPr/>
+        </p:nvSpPr>
+        <p:spPr>
+          <a:xfrm>
+            <a:off x="1897187" y="4966037"/>
+            <a:ext cx="102122" cy="125207"/>
+          </a:xfrm>
+          <a:prstGeom prst="rect">
+            <a:avLst/>
+          </a:prstGeom>
+          <a:noFill/>
+          <a:ln w="9525">
+            <a:solidFill>
+              <a:schemeClr val="tx1"/>
+            </a:solidFill>
+          </a:ln>
+        </p:spPr>
+        <p:style>
+          <a:lnRef idx="2">
+            <a:schemeClr val="accent1">
+              <a:shade val="50000"/>
+            </a:schemeClr>
+          </a:lnRef>
+          <a:fillRef idx="1">
+            <a:schemeClr val="accent1"/>
+          </a:fillRef>
+          <a:effectRef idx="0">
+            <a:schemeClr val="accent1"/>
+          </a:effectRef>
+          <a:fontRef idx="minor">
+            <a:schemeClr val="lt1"/>
+          </a:fontRef>
+        </p:style>
+        <p:txBody>
+          <a:bodyPr rtlCol="0" anchor="ctr"/>
+          <a:lstStyle/>
+          <a:p>
+            <a:pPr algn="ctr"/>
+            <a:endParaRPr lang="ko-KR" altLang="en-US"/>
+          </a:p>
+        </p:txBody>
+      </p:sp>
+      <p:sp>
+        <p:nvSpPr>
+          <p:cNvPr id="22" name="직사각형 21"/>
+          <p:cNvSpPr/>
+          <p:nvPr/>
+        </p:nvSpPr>
+        <p:spPr>
+          <a:xfrm>
+            <a:off x="1897187" y="5346651"/>
+            <a:ext cx="102122" cy="125207"/>
+          </a:xfrm>
+          <a:prstGeom prst="rect">
+            <a:avLst/>
+          </a:prstGeom>
+          <a:noFill/>
+          <a:ln w="9525">
+            <a:solidFill>
+              <a:schemeClr val="tx1"/>
+            </a:solidFill>
+          </a:ln>
+        </p:spPr>
+        <p:style>
+          <a:lnRef idx="2">
+            <a:schemeClr val="accent1">
+              <a:shade val="50000"/>
+            </a:schemeClr>
+          </a:lnRef>
+          <a:fillRef idx="1">
+            <a:schemeClr val="accent1"/>
+          </a:fillRef>
+          <a:effectRef idx="0">
+            <a:schemeClr val="accent1"/>
+          </a:effectRef>
+          <a:fontRef idx="minor">
+            <a:schemeClr val="lt1"/>
+          </a:fontRef>
+        </p:style>
+        <p:txBody>
+          <a:bodyPr rtlCol="0" anchor="ctr"/>
+          <a:lstStyle/>
+          <a:p>
+            <a:pPr algn="ctr"/>
+            <a:endParaRPr lang="ko-KR" altLang="en-US"/>
+          </a:p>
+        </p:txBody>
+      </p:sp>
     </p:spTree>
     <p:extLst>
       <p:ext uri="{BB962C8B-B14F-4D97-AF65-F5344CB8AC3E}">
@@ -11608,14 +11648,14 @@
                 <a:gridCol w="1407747">
                   <a:extLst>
                     <a:ext uri="{9D8B030D-6E8A-4147-A177-3AD203B41FA5}">
-                      <a16:colId xmlns="" xmlns:a16="http://schemas.microsoft.com/office/drawing/2014/main" val="20000"/>
+                      <a16:colId xmlns:a16="http://schemas.microsoft.com/office/drawing/2014/main" xmlns="" val="20000"/>
                     </a:ext>
                   </a:extLst>
                 </a:gridCol>
                 <a:gridCol w="1407747">
                   <a:extLst>
                     <a:ext uri="{9D8B030D-6E8A-4147-A177-3AD203B41FA5}">
-                      <a16:colId xmlns="" xmlns:a16="http://schemas.microsoft.com/office/drawing/2014/main" val="20001"/>
+                      <a16:colId xmlns:a16="http://schemas.microsoft.com/office/drawing/2014/main" xmlns="" val="20001"/>
                     </a:ext>
                   </a:extLst>
                 </a:gridCol>
@@ -11705,7 +11745,7 @@
                 </a:tc>
                 <a:extLst>
                   <a:ext uri="{0D108BD9-81ED-4DB2-BD59-A6C34878D82A}">
-                    <a16:rowId xmlns="" xmlns:a16="http://schemas.microsoft.com/office/drawing/2014/main" val="10000"/>
+                    <a16:rowId xmlns:a16="http://schemas.microsoft.com/office/drawing/2014/main" xmlns="" val="10000"/>
                   </a:ext>
                 </a:extLst>
               </a:tr>
@@ -11731,14 +11771,14 @@
                 <a:gridCol w="1407747">
                   <a:extLst>
                     <a:ext uri="{9D8B030D-6E8A-4147-A177-3AD203B41FA5}">
-                      <a16:colId xmlns="" xmlns:a16="http://schemas.microsoft.com/office/drawing/2014/main" val="20000"/>
+                      <a16:colId xmlns:a16="http://schemas.microsoft.com/office/drawing/2014/main" xmlns="" val="20000"/>
                     </a:ext>
                   </a:extLst>
                 </a:gridCol>
                 <a:gridCol w="1407747">
                   <a:extLst>
                     <a:ext uri="{9D8B030D-6E8A-4147-A177-3AD203B41FA5}">
-                      <a16:colId xmlns="" xmlns:a16="http://schemas.microsoft.com/office/drawing/2014/main" val="20001"/>
+                      <a16:colId xmlns:a16="http://schemas.microsoft.com/office/drawing/2014/main" xmlns="" val="20001"/>
                     </a:ext>
                   </a:extLst>
                 </a:gridCol>
@@ -11820,7 +11860,7 @@
                 </a:tc>
                 <a:extLst>
                   <a:ext uri="{0D108BD9-81ED-4DB2-BD59-A6C34878D82A}">
-                    <a16:rowId xmlns="" xmlns:a16="http://schemas.microsoft.com/office/drawing/2014/main" val="10000"/>
+                    <a16:rowId xmlns:a16="http://schemas.microsoft.com/office/drawing/2014/main" xmlns="" val="10000"/>
                   </a:ext>
                 </a:extLst>
               </a:tr>
@@ -11848,14 +11888,14 @@
                 <a:gridCol w="342705">
                   <a:extLst>
                     <a:ext uri="{9D8B030D-6E8A-4147-A177-3AD203B41FA5}">
-                      <a16:colId xmlns="" xmlns:a16="http://schemas.microsoft.com/office/drawing/2014/main" val="20000"/>
+                      <a16:colId xmlns:a16="http://schemas.microsoft.com/office/drawing/2014/main" xmlns="" val="20000"/>
                     </a:ext>
                   </a:extLst>
                 </a:gridCol>
                 <a:gridCol w="3149108">
                   <a:extLst>
                     <a:ext uri="{9D8B030D-6E8A-4147-A177-3AD203B41FA5}">
-                      <a16:colId xmlns="" xmlns:a16="http://schemas.microsoft.com/office/drawing/2014/main" val="20001"/>
+                      <a16:colId xmlns:a16="http://schemas.microsoft.com/office/drawing/2014/main" xmlns="" val="20001"/>
                     </a:ext>
                   </a:extLst>
                 </a:gridCol>
@@ -11951,7 +11991,7 @@
                 </a:tc>
                 <a:extLst>
                   <a:ext uri="{0D108BD9-81ED-4DB2-BD59-A6C34878D82A}">
-                    <a16:rowId xmlns="" xmlns:a16="http://schemas.microsoft.com/office/drawing/2014/main" val="10000"/>
+                    <a16:rowId xmlns:a16="http://schemas.microsoft.com/office/drawing/2014/main" xmlns="" val="10000"/>
                   </a:ext>
                 </a:extLst>
               </a:tr>
@@ -12117,7 +12157,7 @@
                 </a:tc>
                 <a:extLst>
                   <a:ext uri="{0D108BD9-81ED-4DB2-BD59-A6C34878D82A}">
-                    <a16:rowId xmlns="" xmlns:a16="http://schemas.microsoft.com/office/drawing/2014/main" val="10001"/>
+                    <a16:rowId xmlns:a16="http://schemas.microsoft.com/office/drawing/2014/main" xmlns="" val="10001"/>
                   </a:ext>
                 </a:extLst>
               </a:tr>
@@ -12149,14 +12189,14 @@
                 <a:gridCol w="1656863">
                   <a:extLst>
                     <a:ext uri="{9D8B030D-6E8A-4147-A177-3AD203B41FA5}">
-                      <a16:colId xmlns="" xmlns:a16="http://schemas.microsoft.com/office/drawing/2014/main" val="20000"/>
+                      <a16:colId xmlns:a16="http://schemas.microsoft.com/office/drawing/2014/main" xmlns="" val="20000"/>
                     </a:ext>
                   </a:extLst>
                 </a:gridCol>
                 <a:gridCol w="1656863">
                   <a:extLst>
                     <a:ext uri="{9D8B030D-6E8A-4147-A177-3AD203B41FA5}">
-                      <a16:colId xmlns="" xmlns:a16="http://schemas.microsoft.com/office/drawing/2014/main" val="20001"/>
+                      <a16:colId xmlns:a16="http://schemas.microsoft.com/office/drawing/2014/main" xmlns="" val="20001"/>
                     </a:ext>
                   </a:extLst>
                 </a:gridCol>
@@ -12272,7 +12312,7 @@
                 </a:tc>
                 <a:extLst>
                   <a:ext uri="{0D108BD9-81ED-4DB2-BD59-A6C34878D82A}">
-                    <a16:rowId xmlns="" xmlns:a16="http://schemas.microsoft.com/office/drawing/2014/main" val="10000"/>
+                    <a16:rowId xmlns:a16="http://schemas.microsoft.com/office/drawing/2014/main" xmlns="" val="10000"/>
                   </a:ext>
                 </a:extLst>
               </a:tr>
@@ -12386,7 +12426,7 @@
                 </a:tc>
                 <a:extLst>
                   <a:ext uri="{0D108BD9-81ED-4DB2-BD59-A6C34878D82A}">
-                    <a16:rowId xmlns="" xmlns:a16="http://schemas.microsoft.com/office/drawing/2014/main" val="10001"/>
+                    <a16:rowId xmlns:a16="http://schemas.microsoft.com/office/drawing/2014/main" xmlns="" val="10001"/>
                   </a:ext>
                 </a:extLst>
               </a:tr>
@@ -12451,7 +12491,7 @@
                 </a:tc>
                 <a:extLst>
                   <a:ext uri="{0D108BD9-81ED-4DB2-BD59-A6C34878D82A}">
-                    <a16:rowId xmlns="" xmlns:a16="http://schemas.microsoft.com/office/drawing/2014/main" val="10002"/>
+                    <a16:rowId xmlns:a16="http://schemas.microsoft.com/office/drawing/2014/main" xmlns="" val="10002"/>
                   </a:ext>
                 </a:extLst>
               </a:tr>
@@ -13028,14 +13068,14 @@
                 <a:gridCol w="1407747">
                   <a:extLst>
                     <a:ext uri="{9D8B030D-6E8A-4147-A177-3AD203B41FA5}">
-                      <a16:colId xmlns="" xmlns:a16="http://schemas.microsoft.com/office/drawing/2014/main" val="20000"/>
+                      <a16:colId xmlns:a16="http://schemas.microsoft.com/office/drawing/2014/main" xmlns="" val="20000"/>
                     </a:ext>
                   </a:extLst>
                 </a:gridCol>
                 <a:gridCol w="1407747">
                   <a:extLst>
                     <a:ext uri="{9D8B030D-6E8A-4147-A177-3AD203B41FA5}">
-                      <a16:colId xmlns="" xmlns:a16="http://schemas.microsoft.com/office/drawing/2014/main" val="20001"/>
+                      <a16:colId xmlns:a16="http://schemas.microsoft.com/office/drawing/2014/main" xmlns="" val="20001"/>
                     </a:ext>
                   </a:extLst>
                 </a:gridCol>
@@ -13125,7 +13165,7 @@
                 </a:tc>
                 <a:extLst>
                   <a:ext uri="{0D108BD9-81ED-4DB2-BD59-A6C34878D82A}">
-                    <a16:rowId xmlns="" xmlns:a16="http://schemas.microsoft.com/office/drawing/2014/main" val="10000"/>
+                    <a16:rowId xmlns:a16="http://schemas.microsoft.com/office/drawing/2014/main" xmlns="" val="10000"/>
                   </a:ext>
                 </a:extLst>
               </a:tr>
@@ -13157,14 +13197,14 @@
                 <a:gridCol w="342705">
                   <a:extLst>
                     <a:ext uri="{9D8B030D-6E8A-4147-A177-3AD203B41FA5}">
-                      <a16:colId xmlns="" xmlns:a16="http://schemas.microsoft.com/office/drawing/2014/main" val="20000"/>
+                      <a16:colId xmlns:a16="http://schemas.microsoft.com/office/drawing/2014/main" xmlns="" val="20000"/>
                     </a:ext>
                   </a:extLst>
                 </a:gridCol>
                 <a:gridCol w="3149108">
                   <a:extLst>
                     <a:ext uri="{9D8B030D-6E8A-4147-A177-3AD203B41FA5}">
-                      <a16:colId xmlns="" xmlns:a16="http://schemas.microsoft.com/office/drawing/2014/main" val="20001"/>
+                      <a16:colId xmlns:a16="http://schemas.microsoft.com/office/drawing/2014/main" xmlns="" val="20001"/>
                     </a:ext>
                   </a:extLst>
                 </a:gridCol>
@@ -13261,7 +13301,7 @@
                 </a:tc>
                 <a:extLst>
                   <a:ext uri="{0D108BD9-81ED-4DB2-BD59-A6C34878D82A}">
-                    <a16:rowId xmlns="" xmlns:a16="http://schemas.microsoft.com/office/drawing/2014/main" val="10000"/>
+                    <a16:rowId xmlns:a16="http://schemas.microsoft.com/office/drawing/2014/main" xmlns="" val="10000"/>
                   </a:ext>
                 </a:extLst>
               </a:tr>
@@ -13435,7 +13475,7 @@
                 </a:tc>
                 <a:extLst>
                   <a:ext uri="{0D108BD9-81ED-4DB2-BD59-A6C34878D82A}">
-                    <a16:rowId xmlns="" xmlns:a16="http://schemas.microsoft.com/office/drawing/2014/main" val="10001"/>
+                    <a16:rowId xmlns:a16="http://schemas.microsoft.com/office/drawing/2014/main" xmlns="" val="10001"/>
                   </a:ext>
                 </a:extLst>
               </a:tr>
@@ -13899,14 +13939,14 @@
                 <a:gridCol w="1656863">
                   <a:extLst>
                     <a:ext uri="{9D8B030D-6E8A-4147-A177-3AD203B41FA5}">
-                      <a16:colId xmlns="" xmlns:a16="http://schemas.microsoft.com/office/drawing/2014/main" val="20000"/>
+                      <a16:colId xmlns:a16="http://schemas.microsoft.com/office/drawing/2014/main" xmlns="" val="20000"/>
                     </a:ext>
                   </a:extLst>
                 </a:gridCol>
                 <a:gridCol w="1656863">
                   <a:extLst>
                     <a:ext uri="{9D8B030D-6E8A-4147-A177-3AD203B41FA5}">
-                      <a16:colId xmlns="" xmlns:a16="http://schemas.microsoft.com/office/drawing/2014/main" val="20001"/>
+                      <a16:colId xmlns:a16="http://schemas.microsoft.com/office/drawing/2014/main" xmlns="" val="20001"/>
                     </a:ext>
                   </a:extLst>
                 </a:gridCol>
@@ -14022,7 +14062,7 @@
                 </a:tc>
                 <a:extLst>
                   <a:ext uri="{0D108BD9-81ED-4DB2-BD59-A6C34878D82A}">
-                    <a16:rowId xmlns="" xmlns:a16="http://schemas.microsoft.com/office/drawing/2014/main" val="10000"/>
+                    <a16:rowId xmlns:a16="http://schemas.microsoft.com/office/drawing/2014/main" xmlns="" val="10000"/>
                   </a:ext>
                 </a:extLst>
               </a:tr>
@@ -14137,7 +14177,7 @@
                 </a:tc>
                 <a:extLst>
                   <a:ext uri="{0D108BD9-81ED-4DB2-BD59-A6C34878D82A}">
-                    <a16:rowId xmlns="" xmlns:a16="http://schemas.microsoft.com/office/drawing/2014/main" val="10001"/>
+                    <a16:rowId xmlns:a16="http://schemas.microsoft.com/office/drawing/2014/main" xmlns="" val="10001"/>
                   </a:ext>
                 </a:extLst>
               </a:tr>
@@ -14207,7 +14247,7 @@
                 </a:tc>
                 <a:extLst>
                   <a:ext uri="{0D108BD9-81ED-4DB2-BD59-A6C34878D82A}">
-                    <a16:rowId xmlns="" xmlns:a16="http://schemas.microsoft.com/office/drawing/2014/main" val="10002"/>
+                    <a16:rowId xmlns:a16="http://schemas.microsoft.com/office/drawing/2014/main" xmlns="" val="10002"/>
                   </a:ext>
                 </a:extLst>
               </a:tr>
@@ -14220,7 +14260,7 @@
           <p:cNvPr id="11" name="Rectangle 10">
             <a:extLst>
               <a:ext uri="{FF2B5EF4-FFF2-40B4-BE49-F238E27FC236}">
-                <a16:creationId xmlns="" xmlns:a16="http://schemas.microsoft.com/office/drawing/2014/main" id="{46F6A8FD-AE4F-405E-85C4-995D2C5B65BE}"/>
+                <a16:creationId xmlns:a16="http://schemas.microsoft.com/office/drawing/2014/main" xmlns="" id="{46F6A8FD-AE4F-405E-85C4-995D2C5B65BE}"/>
               </a:ext>
             </a:extLst>
           </p:cNvPr>
@@ -14651,14 +14691,14 @@
                 <a:gridCol w="1407747">
                   <a:extLst>
                     <a:ext uri="{9D8B030D-6E8A-4147-A177-3AD203B41FA5}">
-                      <a16:colId xmlns="" xmlns:a16="http://schemas.microsoft.com/office/drawing/2014/main" val="20000"/>
+                      <a16:colId xmlns:a16="http://schemas.microsoft.com/office/drawing/2014/main" xmlns="" val="20000"/>
                     </a:ext>
                   </a:extLst>
                 </a:gridCol>
                 <a:gridCol w="1407747">
                   <a:extLst>
                     <a:ext uri="{9D8B030D-6E8A-4147-A177-3AD203B41FA5}">
-                      <a16:colId xmlns="" xmlns:a16="http://schemas.microsoft.com/office/drawing/2014/main" val="20001"/>
+                      <a16:colId xmlns:a16="http://schemas.microsoft.com/office/drawing/2014/main" xmlns="" val="20001"/>
                     </a:ext>
                   </a:extLst>
                 </a:gridCol>
@@ -14748,7 +14788,7 @@
                 </a:tc>
                 <a:extLst>
                   <a:ext uri="{0D108BD9-81ED-4DB2-BD59-A6C34878D82A}">
-                    <a16:rowId xmlns="" xmlns:a16="http://schemas.microsoft.com/office/drawing/2014/main" val="10000"/>
+                    <a16:rowId xmlns:a16="http://schemas.microsoft.com/office/drawing/2014/main" xmlns="" val="10000"/>
                   </a:ext>
                 </a:extLst>
               </a:tr>
@@ -14776,14 +14816,14 @@
                 <a:gridCol w="342705">
                   <a:extLst>
                     <a:ext uri="{9D8B030D-6E8A-4147-A177-3AD203B41FA5}">
-                      <a16:colId xmlns="" xmlns:a16="http://schemas.microsoft.com/office/drawing/2014/main" val="20000"/>
+                      <a16:colId xmlns:a16="http://schemas.microsoft.com/office/drawing/2014/main" xmlns="" val="20000"/>
                     </a:ext>
                   </a:extLst>
                 </a:gridCol>
                 <a:gridCol w="3149108">
                   <a:extLst>
                     <a:ext uri="{9D8B030D-6E8A-4147-A177-3AD203B41FA5}">
-                      <a16:colId xmlns="" xmlns:a16="http://schemas.microsoft.com/office/drawing/2014/main" val="20001"/>
+                      <a16:colId xmlns:a16="http://schemas.microsoft.com/office/drawing/2014/main" xmlns="" val="20001"/>
                     </a:ext>
                   </a:extLst>
                 </a:gridCol>
@@ -14879,7 +14919,7 @@
                 </a:tc>
                 <a:extLst>
                   <a:ext uri="{0D108BD9-81ED-4DB2-BD59-A6C34878D82A}">
-                    <a16:rowId xmlns="" xmlns:a16="http://schemas.microsoft.com/office/drawing/2014/main" val="10000"/>
+                    <a16:rowId xmlns:a16="http://schemas.microsoft.com/office/drawing/2014/main" xmlns="" val="10000"/>
                   </a:ext>
                 </a:extLst>
               </a:tr>
@@ -15045,7 +15085,7 @@
                 </a:tc>
                 <a:extLst>
                   <a:ext uri="{0D108BD9-81ED-4DB2-BD59-A6C34878D82A}">
-                    <a16:rowId xmlns="" xmlns:a16="http://schemas.microsoft.com/office/drawing/2014/main" val="10001"/>
+                    <a16:rowId xmlns:a16="http://schemas.microsoft.com/office/drawing/2014/main" xmlns="" val="10001"/>
                   </a:ext>
                 </a:extLst>
               </a:tr>
@@ -15077,14 +15117,14 @@
                 <a:gridCol w="1656863">
                   <a:extLst>
                     <a:ext uri="{9D8B030D-6E8A-4147-A177-3AD203B41FA5}">
-                      <a16:colId xmlns="" xmlns:a16="http://schemas.microsoft.com/office/drawing/2014/main" val="20000"/>
+                      <a16:colId xmlns:a16="http://schemas.microsoft.com/office/drawing/2014/main" xmlns="" val="20000"/>
                     </a:ext>
                   </a:extLst>
                 </a:gridCol>
                 <a:gridCol w="1656863">
                   <a:extLst>
                     <a:ext uri="{9D8B030D-6E8A-4147-A177-3AD203B41FA5}">
-                      <a16:colId xmlns="" xmlns:a16="http://schemas.microsoft.com/office/drawing/2014/main" val="20001"/>
+                      <a16:colId xmlns:a16="http://schemas.microsoft.com/office/drawing/2014/main" xmlns="" val="20001"/>
                     </a:ext>
                   </a:extLst>
                 </a:gridCol>
@@ -15200,7 +15240,7 @@
                 </a:tc>
                 <a:extLst>
                   <a:ext uri="{0D108BD9-81ED-4DB2-BD59-A6C34878D82A}">
-                    <a16:rowId xmlns="" xmlns:a16="http://schemas.microsoft.com/office/drawing/2014/main" val="10000"/>
+                    <a16:rowId xmlns:a16="http://schemas.microsoft.com/office/drawing/2014/main" xmlns="" val="10000"/>
                   </a:ext>
                 </a:extLst>
               </a:tr>
@@ -15314,7 +15354,7 @@
                 </a:tc>
                 <a:extLst>
                   <a:ext uri="{0D108BD9-81ED-4DB2-BD59-A6C34878D82A}">
-                    <a16:rowId xmlns="" xmlns:a16="http://schemas.microsoft.com/office/drawing/2014/main" val="10001"/>
+                    <a16:rowId xmlns:a16="http://schemas.microsoft.com/office/drawing/2014/main" xmlns="" val="10001"/>
                   </a:ext>
                 </a:extLst>
               </a:tr>
@@ -15384,7 +15424,7 @@
                 </a:tc>
                 <a:extLst>
                   <a:ext uri="{0D108BD9-81ED-4DB2-BD59-A6C34878D82A}">
-                    <a16:rowId xmlns="" xmlns:a16="http://schemas.microsoft.com/office/drawing/2014/main" val="10002"/>
+                    <a16:rowId xmlns:a16="http://schemas.microsoft.com/office/drawing/2014/main" xmlns="" val="10002"/>
                   </a:ext>
                 </a:extLst>
               </a:tr>
@@ -15397,7 +15437,7 @@
           <p:cNvPr id="11" name="Rectangle 10">
             <a:extLst>
               <a:ext uri="{FF2B5EF4-FFF2-40B4-BE49-F238E27FC236}">
-                <a16:creationId xmlns="" xmlns:a16="http://schemas.microsoft.com/office/drawing/2014/main" id="{46F6A8FD-AE4F-405E-85C4-995D2C5B65BE}"/>
+                <a16:creationId xmlns:a16="http://schemas.microsoft.com/office/drawing/2014/main" xmlns="" id="{46F6A8FD-AE4F-405E-85C4-995D2C5B65BE}"/>
               </a:ext>
             </a:extLst>
           </p:cNvPr>
@@ -16018,14 +16058,14 @@
                 <a:gridCol w="1407747">
                   <a:extLst>
                     <a:ext uri="{9D8B030D-6E8A-4147-A177-3AD203B41FA5}">
-                      <a16:colId xmlns="" xmlns:a16="http://schemas.microsoft.com/office/drawing/2014/main" val="20000"/>
+                      <a16:colId xmlns:a16="http://schemas.microsoft.com/office/drawing/2014/main" xmlns="" val="20000"/>
                     </a:ext>
                   </a:extLst>
                 </a:gridCol>
                 <a:gridCol w="1407747">
                   <a:extLst>
                     <a:ext uri="{9D8B030D-6E8A-4147-A177-3AD203B41FA5}">
-                      <a16:colId xmlns="" xmlns:a16="http://schemas.microsoft.com/office/drawing/2014/main" val="20001"/>
+                      <a16:colId xmlns:a16="http://schemas.microsoft.com/office/drawing/2014/main" xmlns="" val="20001"/>
                     </a:ext>
                   </a:extLst>
                 </a:gridCol>
@@ -16115,7 +16155,7 @@
                 </a:tc>
                 <a:extLst>
                   <a:ext uri="{0D108BD9-81ED-4DB2-BD59-A6C34878D82A}">
-                    <a16:rowId xmlns="" xmlns:a16="http://schemas.microsoft.com/office/drawing/2014/main" val="10000"/>
+                    <a16:rowId xmlns:a16="http://schemas.microsoft.com/office/drawing/2014/main" xmlns="" val="10000"/>
                   </a:ext>
                 </a:extLst>
               </a:tr>
@@ -16143,14 +16183,14 @@
                 <a:gridCol w="342705">
                   <a:extLst>
                     <a:ext uri="{9D8B030D-6E8A-4147-A177-3AD203B41FA5}">
-                      <a16:colId xmlns="" xmlns:a16="http://schemas.microsoft.com/office/drawing/2014/main" val="20000"/>
+                      <a16:colId xmlns:a16="http://schemas.microsoft.com/office/drawing/2014/main" xmlns="" val="20000"/>
                     </a:ext>
                   </a:extLst>
                 </a:gridCol>
                 <a:gridCol w="3149108">
                   <a:extLst>
                     <a:ext uri="{9D8B030D-6E8A-4147-A177-3AD203B41FA5}">
-                      <a16:colId xmlns="" xmlns:a16="http://schemas.microsoft.com/office/drawing/2014/main" val="20001"/>
+                      <a16:colId xmlns:a16="http://schemas.microsoft.com/office/drawing/2014/main" xmlns="" val="20001"/>
                     </a:ext>
                   </a:extLst>
                 </a:gridCol>
@@ -16246,7 +16286,7 @@
                 </a:tc>
                 <a:extLst>
                   <a:ext uri="{0D108BD9-81ED-4DB2-BD59-A6C34878D82A}">
-                    <a16:rowId xmlns="" xmlns:a16="http://schemas.microsoft.com/office/drawing/2014/main" val="10000"/>
+                    <a16:rowId xmlns:a16="http://schemas.microsoft.com/office/drawing/2014/main" xmlns="" val="10000"/>
                   </a:ext>
                 </a:extLst>
               </a:tr>
@@ -16412,7 +16452,7 @@
                 </a:tc>
                 <a:extLst>
                   <a:ext uri="{0D108BD9-81ED-4DB2-BD59-A6C34878D82A}">
-                    <a16:rowId xmlns="" xmlns:a16="http://schemas.microsoft.com/office/drawing/2014/main" val="10001"/>
+                    <a16:rowId xmlns:a16="http://schemas.microsoft.com/office/drawing/2014/main" xmlns="" val="10001"/>
                   </a:ext>
                 </a:extLst>
               </a:tr>
@@ -16444,14 +16484,14 @@
                 <a:gridCol w="1656863">
                   <a:extLst>
                     <a:ext uri="{9D8B030D-6E8A-4147-A177-3AD203B41FA5}">
-                      <a16:colId xmlns="" xmlns:a16="http://schemas.microsoft.com/office/drawing/2014/main" val="20000"/>
+                      <a16:colId xmlns:a16="http://schemas.microsoft.com/office/drawing/2014/main" xmlns="" val="20000"/>
                     </a:ext>
                   </a:extLst>
                 </a:gridCol>
                 <a:gridCol w="1656863">
                   <a:extLst>
                     <a:ext uri="{9D8B030D-6E8A-4147-A177-3AD203B41FA5}">
-                      <a16:colId xmlns="" xmlns:a16="http://schemas.microsoft.com/office/drawing/2014/main" val="20001"/>
+                      <a16:colId xmlns:a16="http://schemas.microsoft.com/office/drawing/2014/main" xmlns="" val="20001"/>
                     </a:ext>
                   </a:extLst>
                 </a:gridCol>
@@ -16567,7 +16607,7 @@
                 </a:tc>
                 <a:extLst>
                   <a:ext uri="{0D108BD9-81ED-4DB2-BD59-A6C34878D82A}">
-                    <a16:rowId xmlns="" xmlns:a16="http://schemas.microsoft.com/office/drawing/2014/main" val="10000"/>
+                    <a16:rowId xmlns:a16="http://schemas.microsoft.com/office/drawing/2014/main" xmlns="" val="10000"/>
                   </a:ext>
                 </a:extLst>
               </a:tr>
@@ -16681,7 +16721,7 @@
                 </a:tc>
                 <a:extLst>
                   <a:ext uri="{0D108BD9-81ED-4DB2-BD59-A6C34878D82A}">
-                    <a16:rowId xmlns="" xmlns:a16="http://schemas.microsoft.com/office/drawing/2014/main" val="10001"/>
+                    <a16:rowId xmlns:a16="http://schemas.microsoft.com/office/drawing/2014/main" xmlns="" val="10001"/>
                   </a:ext>
                 </a:extLst>
               </a:tr>
@@ -16751,7 +16791,7 @@
                 </a:tc>
                 <a:extLst>
                   <a:ext uri="{0D108BD9-81ED-4DB2-BD59-A6C34878D82A}">
-                    <a16:rowId xmlns="" xmlns:a16="http://schemas.microsoft.com/office/drawing/2014/main" val="10002"/>
+                    <a16:rowId xmlns:a16="http://schemas.microsoft.com/office/drawing/2014/main" xmlns="" val="10002"/>
                   </a:ext>
                 </a:extLst>
               </a:tr>
@@ -16764,7 +16804,7 @@
           <p:cNvPr id="11" name="Rectangle 10">
             <a:extLst>
               <a:ext uri="{FF2B5EF4-FFF2-40B4-BE49-F238E27FC236}">
-                <a16:creationId xmlns="" xmlns:a16="http://schemas.microsoft.com/office/drawing/2014/main" id="{46F6A8FD-AE4F-405E-85C4-995D2C5B65BE}"/>
+                <a16:creationId xmlns:a16="http://schemas.microsoft.com/office/drawing/2014/main" xmlns="" id="{46F6A8FD-AE4F-405E-85C4-995D2C5B65BE}"/>
               </a:ext>
             </a:extLst>
           </p:cNvPr>
@@ -17512,14 +17552,14 @@
                 <a:gridCol w="1407747">
                   <a:extLst>
                     <a:ext uri="{9D8B030D-6E8A-4147-A177-3AD203B41FA5}">
-                      <a16:colId xmlns="" xmlns:a16="http://schemas.microsoft.com/office/drawing/2014/main" val="20000"/>
+                      <a16:colId xmlns:a16="http://schemas.microsoft.com/office/drawing/2014/main" xmlns="" val="20000"/>
                     </a:ext>
                   </a:extLst>
                 </a:gridCol>
                 <a:gridCol w="1407747">
                   <a:extLst>
                     <a:ext uri="{9D8B030D-6E8A-4147-A177-3AD203B41FA5}">
-                      <a16:colId xmlns="" xmlns:a16="http://schemas.microsoft.com/office/drawing/2014/main" val="20001"/>
+                      <a16:colId xmlns:a16="http://schemas.microsoft.com/office/drawing/2014/main" xmlns="" val="20001"/>
                     </a:ext>
                   </a:extLst>
                 </a:gridCol>
@@ -17609,7 +17649,7 @@
                 </a:tc>
                 <a:extLst>
                   <a:ext uri="{0D108BD9-81ED-4DB2-BD59-A6C34878D82A}">
-                    <a16:rowId xmlns="" xmlns:a16="http://schemas.microsoft.com/office/drawing/2014/main" val="10000"/>
+                    <a16:rowId xmlns:a16="http://schemas.microsoft.com/office/drawing/2014/main" xmlns="" val="10000"/>
                   </a:ext>
                 </a:extLst>
               </a:tr>
@@ -17637,14 +17677,14 @@
                 <a:gridCol w="342705">
                   <a:extLst>
                     <a:ext uri="{9D8B030D-6E8A-4147-A177-3AD203B41FA5}">
-                      <a16:colId xmlns="" xmlns:a16="http://schemas.microsoft.com/office/drawing/2014/main" val="20000"/>
+                      <a16:colId xmlns:a16="http://schemas.microsoft.com/office/drawing/2014/main" xmlns="" val="20000"/>
                     </a:ext>
                   </a:extLst>
                 </a:gridCol>
                 <a:gridCol w="3149108">
                   <a:extLst>
                     <a:ext uri="{9D8B030D-6E8A-4147-A177-3AD203B41FA5}">
-                      <a16:colId xmlns="" xmlns:a16="http://schemas.microsoft.com/office/drawing/2014/main" val="20001"/>
+                      <a16:colId xmlns:a16="http://schemas.microsoft.com/office/drawing/2014/main" xmlns="" val="20001"/>
                     </a:ext>
                   </a:extLst>
                 </a:gridCol>
@@ -17740,7 +17780,7 @@
                 </a:tc>
                 <a:extLst>
                   <a:ext uri="{0D108BD9-81ED-4DB2-BD59-A6C34878D82A}">
-                    <a16:rowId xmlns="" xmlns:a16="http://schemas.microsoft.com/office/drawing/2014/main" val="10000"/>
+                    <a16:rowId xmlns:a16="http://schemas.microsoft.com/office/drawing/2014/main" xmlns="" val="10000"/>
                   </a:ext>
                 </a:extLst>
               </a:tr>
@@ -17906,7 +17946,7 @@
                 </a:tc>
                 <a:extLst>
                   <a:ext uri="{0D108BD9-81ED-4DB2-BD59-A6C34878D82A}">
-                    <a16:rowId xmlns="" xmlns:a16="http://schemas.microsoft.com/office/drawing/2014/main" val="10001"/>
+                    <a16:rowId xmlns:a16="http://schemas.microsoft.com/office/drawing/2014/main" xmlns="" val="10001"/>
                   </a:ext>
                 </a:extLst>
               </a:tr>
@@ -17934,14 +17974,14 @@
                 <a:gridCol w="1656863">
                   <a:extLst>
                     <a:ext uri="{9D8B030D-6E8A-4147-A177-3AD203B41FA5}">
-                      <a16:colId xmlns="" xmlns:a16="http://schemas.microsoft.com/office/drawing/2014/main" val="20000"/>
+                      <a16:colId xmlns:a16="http://schemas.microsoft.com/office/drawing/2014/main" xmlns="" val="20000"/>
                     </a:ext>
                   </a:extLst>
                 </a:gridCol>
                 <a:gridCol w="1656863">
                   <a:extLst>
                     <a:ext uri="{9D8B030D-6E8A-4147-A177-3AD203B41FA5}">
-                      <a16:colId xmlns="" xmlns:a16="http://schemas.microsoft.com/office/drawing/2014/main" val="20001"/>
+                      <a16:colId xmlns:a16="http://schemas.microsoft.com/office/drawing/2014/main" xmlns="" val="20001"/>
                     </a:ext>
                   </a:extLst>
                 </a:gridCol>
@@ -18057,7 +18097,7 @@
                 </a:tc>
                 <a:extLst>
                   <a:ext uri="{0D108BD9-81ED-4DB2-BD59-A6C34878D82A}">
-                    <a16:rowId xmlns="" xmlns:a16="http://schemas.microsoft.com/office/drawing/2014/main" val="10000"/>
+                    <a16:rowId xmlns:a16="http://schemas.microsoft.com/office/drawing/2014/main" xmlns="" val="10000"/>
                   </a:ext>
                 </a:extLst>
               </a:tr>
@@ -18171,7 +18211,7 @@
                 </a:tc>
                 <a:extLst>
                   <a:ext uri="{0D108BD9-81ED-4DB2-BD59-A6C34878D82A}">
-                    <a16:rowId xmlns="" xmlns:a16="http://schemas.microsoft.com/office/drawing/2014/main" val="10001"/>
+                    <a16:rowId xmlns:a16="http://schemas.microsoft.com/office/drawing/2014/main" xmlns="" val="10001"/>
                   </a:ext>
                 </a:extLst>
               </a:tr>
@@ -18241,7 +18281,7 @@
                 </a:tc>
                 <a:extLst>
                   <a:ext uri="{0D108BD9-81ED-4DB2-BD59-A6C34878D82A}">
-                    <a16:rowId xmlns="" xmlns:a16="http://schemas.microsoft.com/office/drawing/2014/main" val="10002"/>
+                    <a16:rowId xmlns:a16="http://schemas.microsoft.com/office/drawing/2014/main" xmlns="" val="10002"/>
                   </a:ext>
                 </a:extLst>
               </a:tr>
@@ -18254,7 +18294,7 @@
           <p:cNvPr id="11" name="Rectangle 10">
             <a:extLst>
               <a:ext uri="{FF2B5EF4-FFF2-40B4-BE49-F238E27FC236}">
-                <a16:creationId xmlns="" xmlns:a16="http://schemas.microsoft.com/office/drawing/2014/main" id="{46F6A8FD-AE4F-405E-85C4-995D2C5B65BE}"/>
+                <a16:creationId xmlns:a16="http://schemas.microsoft.com/office/drawing/2014/main" xmlns="" id="{46F6A8FD-AE4F-405E-85C4-995D2C5B65BE}"/>
               </a:ext>
             </a:extLst>
           </p:cNvPr>
@@ -18805,14 +18845,14 @@
                 <a:gridCol w="1407747">
                   <a:extLst>
                     <a:ext uri="{9D8B030D-6E8A-4147-A177-3AD203B41FA5}">
-                      <a16:colId xmlns="" xmlns:a16="http://schemas.microsoft.com/office/drawing/2014/main" val="20000"/>
+                      <a16:colId xmlns:a16="http://schemas.microsoft.com/office/drawing/2014/main" xmlns="" val="20000"/>
                     </a:ext>
                   </a:extLst>
                 </a:gridCol>
                 <a:gridCol w="1407747">
                   <a:extLst>
                     <a:ext uri="{9D8B030D-6E8A-4147-A177-3AD203B41FA5}">
-                      <a16:colId xmlns="" xmlns:a16="http://schemas.microsoft.com/office/drawing/2014/main" val="20001"/>
+                      <a16:colId xmlns:a16="http://schemas.microsoft.com/office/drawing/2014/main" xmlns="" val="20001"/>
                     </a:ext>
                   </a:extLst>
                 </a:gridCol>
@@ -18902,7 +18942,7 @@
                 </a:tc>
                 <a:extLst>
                   <a:ext uri="{0D108BD9-81ED-4DB2-BD59-A6C34878D82A}">
-                    <a16:rowId xmlns="" xmlns:a16="http://schemas.microsoft.com/office/drawing/2014/main" val="10000"/>
+                    <a16:rowId xmlns:a16="http://schemas.microsoft.com/office/drawing/2014/main" xmlns="" val="10000"/>
                   </a:ext>
                 </a:extLst>
               </a:tr>
@@ -18930,14 +18970,14 @@
                 <a:gridCol w="342705">
                   <a:extLst>
                     <a:ext uri="{9D8B030D-6E8A-4147-A177-3AD203B41FA5}">
-                      <a16:colId xmlns="" xmlns:a16="http://schemas.microsoft.com/office/drawing/2014/main" val="20000"/>
+                      <a16:colId xmlns:a16="http://schemas.microsoft.com/office/drawing/2014/main" xmlns="" val="20000"/>
                     </a:ext>
                   </a:extLst>
                 </a:gridCol>
                 <a:gridCol w="3149108">
                   <a:extLst>
                     <a:ext uri="{9D8B030D-6E8A-4147-A177-3AD203B41FA5}">
-                      <a16:colId xmlns="" xmlns:a16="http://schemas.microsoft.com/office/drawing/2014/main" val="20001"/>
+                      <a16:colId xmlns:a16="http://schemas.microsoft.com/office/drawing/2014/main" xmlns="" val="20001"/>
                     </a:ext>
                   </a:extLst>
                 </a:gridCol>
@@ -19033,7 +19073,7 @@
                 </a:tc>
                 <a:extLst>
                   <a:ext uri="{0D108BD9-81ED-4DB2-BD59-A6C34878D82A}">
-                    <a16:rowId xmlns="" xmlns:a16="http://schemas.microsoft.com/office/drawing/2014/main" val="10000"/>
+                    <a16:rowId xmlns:a16="http://schemas.microsoft.com/office/drawing/2014/main" xmlns="" val="10000"/>
                   </a:ext>
                 </a:extLst>
               </a:tr>
@@ -19199,7 +19239,7 @@
                 </a:tc>
                 <a:extLst>
                   <a:ext uri="{0D108BD9-81ED-4DB2-BD59-A6C34878D82A}">
-                    <a16:rowId xmlns="" xmlns:a16="http://schemas.microsoft.com/office/drawing/2014/main" val="10001"/>
+                    <a16:rowId xmlns:a16="http://schemas.microsoft.com/office/drawing/2014/main" xmlns="" val="10001"/>
                   </a:ext>
                 </a:extLst>
               </a:tr>
@@ -19227,14 +19267,14 @@
                 <a:gridCol w="1656863">
                   <a:extLst>
                     <a:ext uri="{9D8B030D-6E8A-4147-A177-3AD203B41FA5}">
-                      <a16:colId xmlns="" xmlns:a16="http://schemas.microsoft.com/office/drawing/2014/main" val="20000"/>
+                      <a16:colId xmlns:a16="http://schemas.microsoft.com/office/drawing/2014/main" xmlns="" val="20000"/>
                     </a:ext>
                   </a:extLst>
                 </a:gridCol>
                 <a:gridCol w="1656863">
                   <a:extLst>
                     <a:ext uri="{9D8B030D-6E8A-4147-A177-3AD203B41FA5}">
-                      <a16:colId xmlns="" xmlns:a16="http://schemas.microsoft.com/office/drawing/2014/main" val="20001"/>
+                      <a16:colId xmlns:a16="http://schemas.microsoft.com/office/drawing/2014/main" xmlns="" val="20001"/>
                     </a:ext>
                   </a:extLst>
                 </a:gridCol>
@@ -19350,7 +19390,7 @@
                 </a:tc>
                 <a:extLst>
                   <a:ext uri="{0D108BD9-81ED-4DB2-BD59-A6C34878D82A}">
-                    <a16:rowId xmlns="" xmlns:a16="http://schemas.microsoft.com/office/drawing/2014/main" val="10000"/>
+                    <a16:rowId xmlns:a16="http://schemas.microsoft.com/office/drawing/2014/main" xmlns="" val="10000"/>
                   </a:ext>
                 </a:extLst>
               </a:tr>
@@ -19464,7 +19504,7 @@
                 </a:tc>
                 <a:extLst>
                   <a:ext uri="{0D108BD9-81ED-4DB2-BD59-A6C34878D82A}">
-                    <a16:rowId xmlns="" xmlns:a16="http://schemas.microsoft.com/office/drawing/2014/main" val="10001"/>
+                    <a16:rowId xmlns:a16="http://schemas.microsoft.com/office/drawing/2014/main" xmlns="" val="10001"/>
                   </a:ext>
                 </a:extLst>
               </a:tr>
@@ -19534,7 +19574,7 @@
                 </a:tc>
                 <a:extLst>
                   <a:ext uri="{0D108BD9-81ED-4DB2-BD59-A6C34878D82A}">
-                    <a16:rowId xmlns="" xmlns:a16="http://schemas.microsoft.com/office/drawing/2014/main" val="10002"/>
+                    <a16:rowId xmlns:a16="http://schemas.microsoft.com/office/drawing/2014/main" xmlns="" val="10002"/>
                   </a:ext>
                 </a:extLst>
               </a:tr>
@@ -19547,7 +19587,7 @@
           <p:cNvPr id="11" name="Rectangle 10">
             <a:extLst>
               <a:ext uri="{FF2B5EF4-FFF2-40B4-BE49-F238E27FC236}">
-                <a16:creationId xmlns="" xmlns:a16="http://schemas.microsoft.com/office/drawing/2014/main" id="{46F6A8FD-AE4F-405E-85C4-995D2C5B65BE}"/>
+                <a16:creationId xmlns:a16="http://schemas.microsoft.com/office/drawing/2014/main" xmlns="" id="{46F6A8FD-AE4F-405E-85C4-995D2C5B65BE}"/>
               </a:ext>
             </a:extLst>
           </p:cNvPr>
@@ -20297,14 +20337,14 @@
                 <a:gridCol w="1407747">
                   <a:extLst>
                     <a:ext uri="{9D8B030D-6E8A-4147-A177-3AD203B41FA5}">
-                      <a16:colId xmlns="" xmlns:a16="http://schemas.microsoft.com/office/drawing/2014/main" val="20000"/>
+                      <a16:colId xmlns:a16="http://schemas.microsoft.com/office/drawing/2014/main" xmlns="" val="20000"/>
                     </a:ext>
                   </a:extLst>
                 </a:gridCol>
                 <a:gridCol w="1407747">
                   <a:extLst>
                     <a:ext uri="{9D8B030D-6E8A-4147-A177-3AD203B41FA5}">
-                      <a16:colId xmlns="" xmlns:a16="http://schemas.microsoft.com/office/drawing/2014/main" val="20001"/>
+                      <a16:colId xmlns:a16="http://schemas.microsoft.com/office/drawing/2014/main" xmlns="" val="20001"/>
                     </a:ext>
                   </a:extLst>
                 </a:gridCol>
@@ -20394,7 +20434,7 @@
                 </a:tc>
                 <a:extLst>
                   <a:ext uri="{0D108BD9-81ED-4DB2-BD59-A6C34878D82A}">
-                    <a16:rowId xmlns="" xmlns:a16="http://schemas.microsoft.com/office/drawing/2014/main" val="10000"/>
+                    <a16:rowId xmlns:a16="http://schemas.microsoft.com/office/drawing/2014/main" xmlns="" val="10000"/>
                   </a:ext>
                 </a:extLst>
               </a:tr>
@@ -20422,14 +20462,14 @@
                 <a:gridCol w="342705">
                   <a:extLst>
                     <a:ext uri="{9D8B030D-6E8A-4147-A177-3AD203B41FA5}">
-                      <a16:colId xmlns="" xmlns:a16="http://schemas.microsoft.com/office/drawing/2014/main" val="20000"/>
+                      <a16:colId xmlns:a16="http://schemas.microsoft.com/office/drawing/2014/main" xmlns="" val="20000"/>
                     </a:ext>
                   </a:extLst>
                 </a:gridCol>
                 <a:gridCol w="3149108">
                   <a:extLst>
                     <a:ext uri="{9D8B030D-6E8A-4147-A177-3AD203B41FA5}">
-                      <a16:colId xmlns="" xmlns:a16="http://schemas.microsoft.com/office/drawing/2014/main" val="20001"/>
+                      <a16:colId xmlns:a16="http://schemas.microsoft.com/office/drawing/2014/main" xmlns="" val="20001"/>
                     </a:ext>
                   </a:extLst>
                 </a:gridCol>
@@ -20525,7 +20565,7 @@
                 </a:tc>
                 <a:extLst>
                   <a:ext uri="{0D108BD9-81ED-4DB2-BD59-A6C34878D82A}">
-                    <a16:rowId xmlns="" xmlns:a16="http://schemas.microsoft.com/office/drawing/2014/main" val="10000"/>
+                    <a16:rowId xmlns:a16="http://schemas.microsoft.com/office/drawing/2014/main" xmlns="" val="10000"/>
                   </a:ext>
                 </a:extLst>
               </a:tr>
@@ -20691,7 +20731,7 @@
                 </a:tc>
                 <a:extLst>
                   <a:ext uri="{0D108BD9-81ED-4DB2-BD59-A6C34878D82A}">
-                    <a16:rowId xmlns="" xmlns:a16="http://schemas.microsoft.com/office/drawing/2014/main" val="10001"/>
+                    <a16:rowId xmlns:a16="http://schemas.microsoft.com/office/drawing/2014/main" xmlns="" val="10001"/>
                   </a:ext>
                 </a:extLst>
               </a:tr>
@@ -20719,14 +20759,14 @@
                 <a:gridCol w="1656863">
                   <a:extLst>
                     <a:ext uri="{9D8B030D-6E8A-4147-A177-3AD203B41FA5}">
-                      <a16:colId xmlns="" xmlns:a16="http://schemas.microsoft.com/office/drawing/2014/main" val="20000"/>
+                      <a16:colId xmlns:a16="http://schemas.microsoft.com/office/drawing/2014/main" xmlns="" val="20000"/>
                     </a:ext>
                   </a:extLst>
                 </a:gridCol>
                 <a:gridCol w="1656863">
                   <a:extLst>
                     <a:ext uri="{9D8B030D-6E8A-4147-A177-3AD203B41FA5}">
-                      <a16:colId xmlns="" xmlns:a16="http://schemas.microsoft.com/office/drawing/2014/main" val="20001"/>
+                      <a16:colId xmlns:a16="http://schemas.microsoft.com/office/drawing/2014/main" xmlns="" val="20001"/>
                     </a:ext>
                   </a:extLst>
                 </a:gridCol>
@@ -20842,7 +20882,7 @@
                 </a:tc>
                 <a:extLst>
                   <a:ext uri="{0D108BD9-81ED-4DB2-BD59-A6C34878D82A}">
-                    <a16:rowId xmlns="" xmlns:a16="http://schemas.microsoft.com/office/drawing/2014/main" val="10000"/>
+                    <a16:rowId xmlns:a16="http://schemas.microsoft.com/office/drawing/2014/main" xmlns="" val="10000"/>
                   </a:ext>
                 </a:extLst>
               </a:tr>
@@ -20956,7 +20996,7 @@
                 </a:tc>
                 <a:extLst>
                   <a:ext uri="{0D108BD9-81ED-4DB2-BD59-A6C34878D82A}">
-                    <a16:rowId xmlns="" xmlns:a16="http://schemas.microsoft.com/office/drawing/2014/main" val="10001"/>
+                    <a16:rowId xmlns:a16="http://schemas.microsoft.com/office/drawing/2014/main" xmlns="" val="10001"/>
                   </a:ext>
                 </a:extLst>
               </a:tr>
@@ -21026,7 +21066,7 @@
                 </a:tc>
                 <a:extLst>
                   <a:ext uri="{0D108BD9-81ED-4DB2-BD59-A6C34878D82A}">
-                    <a16:rowId xmlns="" xmlns:a16="http://schemas.microsoft.com/office/drawing/2014/main" val="10002"/>
+                    <a16:rowId xmlns:a16="http://schemas.microsoft.com/office/drawing/2014/main" xmlns="" val="10002"/>
                   </a:ext>
                 </a:extLst>
               </a:tr>
@@ -21039,7 +21079,7 @@
           <p:cNvPr id="11" name="Rectangle 10">
             <a:extLst>
               <a:ext uri="{FF2B5EF4-FFF2-40B4-BE49-F238E27FC236}">
-                <a16:creationId xmlns="" xmlns:a16="http://schemas.microsoft.com/office/drawing/2014/main" id="{46F6A8FD-AE4F-405E-85C4-995D2C5B65BE}"/>
+                <a16:creationId xmlns:a16="http://schemas.microsoft.com/office/drawing/2014/main" xmlns="" id="{46F6A8FD-AE4F-405E-85C4-995D2C5B65BE}"/>
               </a:ext>
             </a:extLst>
           </p:cNvPr>
@@ -21584,14 +21624,14 @@
                 <a:gridCol w="1407747">
                   <a:extLst>
                     <a:ext uri="{9D8B030D-6E8A-4147-A177-3AD203B41FA5}">
-                      <a16:colId xmlns="" xmlns:a16="http://schemas.microsoft.com/office/drawing/2014/main" val="20000"/>
+                      <a16:colId xmlns:a16="http://schemas.microsoft.com/office/drawing/2014/main" xmlns="" val="20000"/>
                     </a:ext>
                   </a:extLst>
                 </a:gridCol>
                 <a:gridCol w="1407747">
                   <a:extLst>
                     <a:ext uri="{9D8B030D-6E8A-4147-A177-3AD203B41FA5}">
-                      <a16:colId xmlns="" xmlns:a16="http://schemas.microsoft.com/office/drawing/2014/main" val="20001"/>
+                      <a16:colId xmlns:a16="http://schemas.microsoft.com/office/drawing/2014/main" xmlns="" val="20001"/>
                     </a:ext>
                   </a:extLst>
                 </a:gridCol>
@@ -21681,7 +21721,7 @@
                 </a:tc>
                 <a:extLst>
                   <a:ext uri="{0D108BD9-81ED-4DB2-BD59-A6C34878D82A}">
-                    <a16:rowId xmlns="" xmlns:a16="http://schemas.microsoft.com/office/drawing/2014/main" val="10000"/>
+                    <a16:rowId xmlns:a16="http://schemas.microsoft.com/office/drawing/2014/main" xmlns="" val="10000"/>
                   </a:ext>
                 </a:extLst>
               </a:tr>
@@ -21709,14 +21749,14 @@
                 <a:gridCol w="342705">
                   <a:extLst>
                     <a:ext uri="{9D8B030D-6E8A-4147-A177-3AD203B41FA5}">
-                      <a16:colId xmlns="" xmlns:a16="http://schemas.microsoft.com/office/drawing/2014/main" val="20000"/>
+                      <a16:colId xmlns:a16="http://schemas.microsoft.com/office/drawing/2014/main" xmlns="" val="20000"/>
                     </a:ext>
                   </a:extLst>
                 </a:gridCol>
                 <a:gridCol w="3149108">
                   <a:extLst>
                     <a:ext uri="{9D8B030D-6E8A-4147-A177-3AD203B41FA5}">
-                      <a16:colId xmlns="" xmlns:a16="http://schemas.microsoft.com/office/drawing/2014/main" val="20001"/>
+                      <a16:colId xmlns:a16="http://schemas.microsoft.com/office/drawing/2014/main" xmlns="" val="20001"/>
                     </a:ext>
                   </a:extLst>
                 </a:gridCol>
@@ -21812,7 +21852,7 @@
                 </a:tc>
                 <a:extLst>
                   <a:ext uri="{0D108BD9-81ED-4DB2-BD59-A6C34878D82A}">
-                    <a16:rowId xmlns="" xmlns:a16="http://schemas.microsoft.com/office/drawing/2014/main" val="10000"/>
+                    <a16:rowId xmlns:a16="http://schemas.microsoft.com/office/drawing/2014/main" xmlns="" val="10000"/>
                   </a:ext>
                 </a:extLst>
               </a:tr>
@@ -21978,7 +22018,7 @@
                 </a:tc>
                 <a:extLst>
                   <a:ext uri="{0D108BD9-81ED-4DB2-BD59-A6C34878D82A}">
-                    <a16:rowId xmlns="" xmlns:a16="http://schemas.microsoft.com/office/drawing/2014/main" val="10001"/>
+                    <a16:rowId xmlns:a16="http://schemas.microsoft.com/office/drawing/2014/main" xmlns="" val="10001"/>
                   </a:ext>
                 </a:extLst>
               </a:tr>
@@ -22010,14 +22050,14 @@
                 <a:gridCol w="1656863">
                   <a:extLst>
                     <a:ext uri="{9D8B030D-6E8A-4147-A177-3AD203B41FA5}">
-                      <a16:colId xmlns="" xmlns:a16="http://schemas.microsoft.com/office/drawing/2014/main" val="20000"/>
+                      <a16:colId xmlns:a16="http://schemas.microsoft.com/office/drawing/2014/main" xmlns="" val="20000"/>
                     </a:ext>
                   </a:extLst>
                 </a:gridCol>
                 <a:gridCol w="1656863">
                   <a:extLst>
                     <a:ext uri="{9D8B030D-6E8A-4147-A177-3AD203B41FA5}">
-                      <a16:colId xmlns="" xmlns:a16="http://schemas.microsoft.com/office/drawing/2014/main" val="20001"/>
+                      <a16:colId xmlns:a16="http://schemas.microsoft.com/office/drawing/2014/main" xmlns="" val="20001"/>
                     </a:ext>
                   </a:extLst>
                 </a:gridCol>
@@ -22133,7 +22173,7 @@
                 </a:tc>
                 <a:extLst>
                   <a:ext uri="{0D108BD9-81ED-4DB2-BD59-A6C34878D82A}">
-                    <a16:rowId xmlns="" xmlns:a16="http://schemas.microsoft.com/office/drawing/2014/main" val="10000"/>
+                    <a16:rowId xmlns:a16="http://schemas.microsoft.com/office/drawing/2014/main" xmlns="" val="10000"/>
                   </a:ext>
                 </a:extLst>
               </a:tr>
@@ -22247,7 +22287,7 @@
                 </a:tc>
                 <a:extLst>
                   <a:ext uri="{0D108BD9-81ED-4DB2-BD59-A6C34878D82A}">
-                    <a16:rowId xmlns="" xmlns:a16="http://schemas.microsoft.com/office/drawing/2014/main" val="10001"/>
+                    <a16:rowId xmlns:a16="http://schemas.microsoft.com/office/drawing/2014/main" xmlns="" val="10001"/>
                   </a:ext>
                 </a:extLst>
               </a:tr>
@@ -22317,7 +22357,7 @@
                 </a:tc>
                 <a:extLst>
                   <a:ext uri="{0D108BD9-81ED-4DB2-BD59-A6C34878D82A}">
-                    <a16:rowId xmlns="" xmlns:a16="http://schemas.microsoft.com/office/drawing/2014/main" val="10002"/>
+                    <a16:rowId xmlns:a16="http://schemas.microsoft.com/office/drawing/2014/main" xmlns="" val="10002"/>
                   </a:ext>
                 </a:extLst>
               </a:tr>
@@ -22330,7 +22370,7 @@
           <p:cNvPr id="11" name="Rectangle 10">
             <a:extLst>
               <a:ext uri="{FF2B5EF4-FFF2-40B4-BE49-F238E27FC236}">
-                <a16:creationId xmlns="" xmlns:a16="http://schemas.microsoft.com/office/drawing/2014/main" id="{46F6A8FD-AE4F-405E-85C4-995D2C5B65BE}"/>
+                <a16:creationId xmlns:a16="http://schemas.microsoft.com/office/drawing/2014/main" xmlns="" id="{46F6A8FD-AE4F-405E-85C4-995D2C5B65BE}"/>
               </a:ext>
             </a:extLst>
           </p:cNvPr>
